--- a/Time-Card/ДОКУМЕНТЫ/МАТЕРИАЛ СТАТЬИ/translator_ru_conholdate.app.pptx
+++ b/Time-Card/ДОКУМЕНТЫ/МАТЕРИАЛ СТАТЬИ/translator_ru_conholdate.app.pptx
@@ -5,7 +5,7 @@
     <p:sldMasterId id="2147483648" r:id="rId1"/>
   </p:sldMasterIdLst>
   <p:notesMasterIdLst>
-    <p:notesMasterId r:id="rId25"/>
+    <p:notesMasterId r:id="rId24"/>
   </p:notesMasterIdLst>
   <p:sldIdLst>
     <p:sldId id="256" r:id="rId2"/>
@@ -30,25 +30,24 @@
     <p:sldId id="277" r:id="rId21"/>
     <p:sldId id="278" r:id="rId22"/>
     <p:sldId id="279" r:id="rId23"/>
-    <p:sldId id="280" r:id="rId24"/>
   </p:sldIdLst>
   <p:sldSz cx="12192000" cy="6858000"/>
   <p:notesSz cx="6858000" cy="9144000"/>
   <p:embeddedFontLst>
     <p:embeddedFont>
       <p:font typeface="Calibri" panose="020F0502020204030204" pitchFamily="34" charset="0"/>
-      <p:regular r:id="rId26"/>
-      <p:bold r:id="rId27"/>
-      <p:italic r:id="rId28"/>
-      <p:boldItalic r:id="rId29"/>
+      <p:regular r:id="rId25"/>
+      <p:bold r:id="rId26"/>
+      <p:italic r:id="rId27"/>
+      <p:boldItalic r:id="rId28"/>
     </p:embeddedFont>
     <p:embeddedFont>
       <p:font typeface="Optimistic Display" panose="020B0604020202020204" charset="0"/>
-      <p:bold r:id="rId30"/>
+      <p:bold r:id="rId29"/>
     </p:embeddedFont>
   </p:embeddedFontLst>
   <p:custDataLst>
-    <p:tags r:id="rId31"/>
+    <p:tags r:id="rId30"/>
   </p:custDataLst>
   <p:defaultTextStyle>
     <a:defPPr marR="0" lvl="0" algn="l" rtl="0">
@@ -287,7 +286,7 @@
       <p15:notesGuideLst xmlns:p15="http://schemas.microsoft.com/office/powerpoint/2012/main"/>
     </p:ext>
     <p:ext uri="GoogleSlidesCustomDataVersion2">
-      <go:slidesCustomData xmlns:go="http://customooxmlschemas.google.com/" xmlns="" r:id="rId32" roundtripDataSignature="AMtx7mhNngTpdb6Kst2mlBop8mV18dUr4w=="/>
+      <go:slidesCustomData xmlns="" xmlns:go="http://customooxmlschemas.google.com/" r:id="rId32" roundtripDataSignature="AMtx7mhNngTpdb6Kst2mlBop8mV18dUr4w=="/>
     </p:ext>
   </p:extLst>
 </p:presentation>
@@ -3359,116 +3358,6 @@
       <p:sp>
         <p:nvSpPr>
           <p:cNvPr id="689" name="Google Shape;689;p24:notes"/>
-          <p:cNvSpPr>
-            <a:spLocks noGrp="1" noRot="1" noChangeAspect="1"/>
-          </p:cNvSpPr>
-          <p:nvPr>
-            <p:ph type="sldImg" idx="2"/>
-            <p:custDataLst>
-              <p:tags r:id="rId2"/>
-            </p:custDataLst>
-          </p:nvPr>
-        </p:nvSpPr>
-        <p:spPr>
-          <a:xfrm>
-            <a:off x="685800" y="1143000"/>
-            <a:ext cx="5486400" cy="3086100"/>
-          </a:xfrm>
-          <a:custGeom>
-            <a:avLst/>
-            <a:gdLst/>
-            <a:ahLst/>
-            <a:cxnLst/>
-            <a:rect l="l" t="t" r="r" b="b"/>
-            <a:pathLst>
-              <a:path w="119999" h="119999" extrusionOk="0">
-                <a:moveTo>
-                  <a:pt x="0" y="0"/>
-                </a:moveTo>
-                <a:lnTo>
-                  <a:pt x="120000" y="0"/>
-                </a:lnTo>
-                <a:lnTo>
-                  <a:pt x="120000" y="120000"/>
-                </a:lnTo>
-                <a:lnTo>
-                  <a:pt x="0" y="120000"/>
-                </a:lnTo>
-                <a:close/>
-              </a:path>
-            </a:pathLst>
-          </a:custGeom>
-        </p:spPr>
-      </p:sp>
-    </p:spTree>
-  </p:cSld>
-  <p:clrMapOvr>
-    <a:masterClrMapping/>
-  </p:clrMapOvr>
-</p:notes>
-</file>
-
-<file path=ppt/notesSlides/notesSlide23.xml><?xml version="1.0" encoding="utf-8"?>
-<p:notes xmlns:a="http://schemas.openxmlformats.org/drawingml/2006/main" xmlns:r="http://schemas.openxmlformats.org/officeDocument/2006/relationships" xmlns:p="http://schemas.openxmlformats.org/presentationml/2006/main" showMasterSp="0" showMasterPhAnim="0">
-  <p:cSld>
-    <p:spTree>
-      <p:nvGrpSpPr>
-        <p:cNvPr id="1" name="Shape 693"/>
-        <p:cNvGrpSpPr/>
-        <p:nvPr/>
-      </p:nvGrpSpPr>
-      <p:grpSpPr>
-        <a:xfrm>
-          <a:off x="0" y="0"/>
-          <a:ext cx="0" cy="0"/>
-          <a:chOff x="0" y="0"/>
-          <a:chExt cx="0" cy="0"/>
-        </a:xfrm>
-      </p:grpSpPr>
-      <p:sp>
-        <p:nvSpPr>
-          <p:cNvPr id="694" name="Google Shape;694;p25:notes"/>
-          <p:cNvSpPr txBox="1">
-            <a:spLocks noGrp="1"/>
-          </p:cNvSpPr>
-          <p:nvPr>
-            <p:ph type="body" idx="1"/>
-            <p:custDataLst>
-              <p:tags r:id="rId1"/>
-            </p:custDataLst>
-          </p:nvPr>
-        </p:nvSpPr>
-        <p:spPr>
-          <a:xfrm>
-            <a:off x="685800" y="4400550"/>
-            <a:ext cx="5486400" cy="3600450"/>
-          </a:xfrm>
-          <a:prstGeom prst="rect">
-            <a:avLst/>
-          </a:prstGeom>
-        </p:spPr>
-        <p:txBody>
-          <a:bodyPr spcFirstLastPara="1" wrap="square" lIns="91425" tIns="45700" rIns="91425" bIns="45700" anchor="t" anchorCtr="0">
-            <a:noAutofit/>
-          </a:bodyPr>
-          <a:lstStyle/>
-          <a:p>
-            <a:pPr marL="0" lvl="0" indent="0" algn="l" rtl="0">
-              <a:spcBef>
-                <a:spcPct val="0"/>
-              </a:spcBef>
-              <a:spcAft>
-                <a:spcPct val="0"/>
-              </a:spcAft>
-              <a:buNone/>
-            </a:pPr>
-            <a:endParaRPr/>
-          </a:p>
-        </p:txBody>
-      </p:sp>
-      <p:sp>
-        <p:nvSpPr>
-          <p:cNvPr id="695" name="Google Shape;695;p25:notes"/>
           <p:cNvSpPr>
             <a:spLocks noGrp="1" noRot="1" noChangeAspect="1"/>
           </p:cNvSpPr>
@@ -15062,7 +14951,7 @@
           </p:nvPr>
         </p:nvPicPr>
         <p:blipFill>
-          <a:blip r:embed="rId24">
+          <a:blip r:embed="rId25">
             <a:alphaModFix/>
           </a:blip>
           <a:stretch>
@@ -15096,9 +14985,9 @@
         <p:grpSpPr>
           <a:xfrm>
             <a:off x="373899" y="3123516"/>
-            <a:ext cx="7010401" cy="3369359"/>
+            <a:ext cx="7010401" cy="4095521"/>
             <a:chOff x="83250" y="746000"/>
-            <a:chExt cx="8908351" cy="4465486"/>
+            <a:chExt cx="8908351" cy="5427885"/>
           </a:xfrm>
         </p:grpSpPr>
         <p:sp>
@@ -15107,7 +14996,7 @@
             <p:cNvSpPr/>
             <p:nvPr>
               <p:custDataLst>
-                <p:tags r:id="rId5"/>
+                <p:tags r:id="rId7"/>
               </p:custDataLst>
             </p:nvPr>
           </p:nvSpPr>
@@ -15170,7 +15059,7 @@
             <p:cNvSpPr/>
             <p:nvPr>
               <p:custDataLst>
-                <p:tags r:id="rId6"/>
+                <p:tags r:id="rId8"/>
               </p:custDataLst>
             </p:nvPr>
           </p:nvSpPr>
@@ -15236,45 +15125,13 @@
             </a:p>
           </p:txBody>
         </p:sp>
-        <p:pic>
-          <p:nvPicPr>
-            <p:cNvPr id="414" name="Google Shape;414;p12"/>
-            <p:cNvPicPr preferRelativeResize="0"/>
-            <p:nvPr>
-              <p:custDataLst>
-                <p:tags r:id="rId7"/>
-              </p:custDataLst>
-            </p:nvPr>
-          </p:nvPicPr>
-          <p:blipFill>
-            <a:blip r:embed="rId25">
-              <a:alphaModFix/>
-            </a:blip>
-            <a:stretch>
-              <a:fillRect/>
-            </a:stretch>
-          </p:blipFill>
-          <p:spPr>
-            <a:xfrm>
-              <a:off x="238750" y="898575"/>
-              <a:ext cx="821750" cy="428524"/>
-            </a:xfrm>
-            <a:prstGeom prst="rect">
-              <a:avLst/>
-            </a:prstGeom>
-            <a:noFill/>
-            <a:ln>
-              <a:noFill/>
-            </a:ln>
-          </p:spPr>
-        </p:pic>
         <p:cxnSp>
           <p:nvCxnSpPr>
             <p:cNvPr id="415" name="Google Shape;415;p12"/>
             <p:cNvCxnSpPr/>
             <p:nvPr>
               <p:custDataLst>
-                <p:tags r:id="rId8"/>
+                <p:tags r:id="rId9"/>
               </p:custDataLst>
             </p:nvPr>
           </p:nvCxnSpPr>
@@ -15306,7 +15163,7 @@
             <p:cNvSpPr/>
             <p:nvPr>
               <p:custDataLst>
-                <p:tags r:id="rId9"/>
+                <p:tags r:id="rId10"/>
               </p:custDataLst>
             </p:nvPr>
           </p:nvSpPr>
@@ -15378,7 +15235,7 @@
             <p:cNvSpPr/>
             <p:nvPr>
               <p:custDataLst>
-                <p:tags r:id="rId10"/>
+                <p:tags r:id="rId11"/>
               </p:custDataLst>
             </p:nvPr>
           </p:nvSpPr>
@@ -15486,7 +15343,7 @@
             </p:cNvCxnSpPr>
             <p:nvPr>
               <p:custDataLst>
-                <p:tags r:id="rId11"/>
+                <p:tags r:id="rId12"/>
               </p:custDataLst>
             </p:nvPr>
           </p:nvCxnSpPr>
@@ -15518,7 +15375,7 @@
             </p:cNvCxnSpPr>
             <p:nvPr>
               <p:custDataLst>
-                <p:tags r:id="rId12"/>
+                <p:tags r:id="rId13"/>
               </p:custDataLst>
             </p:nvPr>
           </p:nvCxnSpPr>
@@ -15548,7 +15405,7 @@
             <p:cNvPicPr preferRelativeResize="0"/>
             <p:nvPr>
               <p:custDataLst>
-                <p:tags r:id="rId13"/>
+                <p:tags r:id="rId14"/>
               </p:custDataLst>
             </p:nvPr>
           </p:nvPicPr>
@@ -15583,7 +15440,7 @@
             </p:cNvCxnSpPr>
             <p:nvPr>
               <p:custDataLst>
-                <p:tags r:id="rId14"/>
+                <p:tags r:id="rId15"/>
               </p:custDataLst>
             </p:nvPr>
           </p:nvCxnSpPr>
@@ -15615,7 +15472,7 @@
             </p:cNvCxnSpPr>
             <p:nvPr>
               <p:custDataLst>
-                <p:tags r:id="rId15"/>
+                <p:tags r:id="rId16"/>
               </p:custDataLst>
             </p:nvPr>
           </p:nvCxnSpPr>
@@ -15645,7 +15502,7 @@
             <p:cNvSpPr/>
             <p:nvPr>
               <p:custDataLst>
-                <p:tags r:id="rId16"/>
+                <p:tags r:id="rId17"/>
               </p:custDataLst>
             </p:nvPr>
           </p:nvSpPr>
@@ -15708,7 +15565,7 @@
             <p:cNvCxnSpPr/>
             <p:nvPr>
               <p:custDataLst>
-                <p:tags r:id="rId17"/>
+                <p:tags r:id="rId18"/>
               </p:custDataLst>
             </p:nvPr>
           </p:nvCxnSpPr>
@@ -15738,7 +15595,7 @@
             <p:cNvSpPr/>
             <p:nvPr>
               <p:custDataLst>
-                <p:tags r:id="rId18"/>
+                <p:tags r:id="rId19"/>
               </p:custDataLst>
             </p:nvPr>
           </p:nvSpPr>
@@ -15801,7 +15658,7 @@
             <p:cNvPicPr preferRelativeResize="0"/>
             <p:nvPr>
               <p:custDataLst>
-                <p:tags r:id="rId19"/>
+                <p:tags r:id="rId20"/>
               </p:custDataLst>
             </p:nvPr>
           </p:nvPicPr>
@@ -15834,7 +15691,7 @@
             <p:cNvSpPr txBox="1"/>
             <p:nvPr>
               <p:custDataLst>
-                <p:tags r:id="rId20"/>
+                <p:tags r:id="rId21"/>
               </p:custDataLst>
             </p:nvPr>
           </p:nvSpPr>
@@ -15900,7 +15757,7 @@
             </p:cNvCxnSpPr>
             <p:nvPr>
               <p:custDataLst>
-                <p:tags r:id="rId21"/>
+                <p:tags r:id="rId22"/>
               </p:custDataLst>
             </p:nvPr>
           </p:nvCxnSpPr>
@@ -15989,6 +15846,76 @@
           </a:p>
         </p:txBody>
       </p:sp>
+      <p:pic>
+        <p:nvPicPr>
+          <p:cNvPr id="23" name="Google Shape;320;p9">
+            <a:extLst>
+              <a:ext uri="{FF2B5EF4-FFF2-40B4-BE49-F238E27FC236}">
+                <a16:creationId xmlns:a16="http://schemas.microsoft.com/office/drawing/2014/main" id="{EA4A6F02-1336-4337-ADCB-9D49F6EF63F0}"/>
+              </a:ext>
+            </a:extLst>
+          </p:cNvPr>
+          <p:cNvPicPr preferRelativeResize="0"/>
+          <p:nvPr>
+            <p:custDataLst>
+              <p:tags r:id="rId5"/>
+            </p:custDataLst>
+          </p:nvPr>
+        </p:nvPicPr>
+        <p:blipFill>
+          <a:blip r:embed="rId28"/>
+          <a:srcRect/>
+          <a:stretch/>
+        </p:blipFill>
+        <p:spPr>
+          <a:xfrm>
+            <a:off x="495777" y="3194957"/>
+            <a:ext cx="809473" cy="427734"/>
+          </a:xfrm>
+          <a:prstGeom prst="rect">
+            <a:avLst/>
+          </a:prstGeom>
+          <a:noFill/>
+          <a:ln>
+            <a:noFill/>
+          </a:ln>
+        </p:spPr>
+      </p:pic>
+      <p:pic>
+        <p:nvPicPr>
+          <p:cNvPr id="24" name="Google Shape;320;p9">
+            <a:extLst>
+              <a:ext uri="{FF2B5EF4-FFF2-40B4-BE49-F238E27FC236}">
+                <a16:creationId xmlns:a16="http://schemas.microsoft.com/office/drawing/2014/main" id="{5887B2ED-8185-4507-ADDF-130454832203}"/>
+              </a:ext>
+            </a:extLst>
+          </p:cNvPr>
+          <p:cNvPicPr preferRelativeResize="0"/>
+          <p:nvPr>
+            <p:custDataLst>
+              <p:tags r:id="rId6"/>
+            </p:custDataLst>
+          </p:nvPr>
+        </p:nvPicPr>
+        <p:blipFill>
+          <a:blip r:embed="rId28"/>
+          <a:srcRect/>
+          <a:stretch/>
+        </p:blipFill>
+        <p:spPr>
+          <a:xfrm>
+            <a:off x="7158051" y="1027906"/>
+            <a:ext cx="679553" cy="427734"/>
+          </a:xfrm>
+          <a:prstGeom prst="rect">
+            <a:avLst/>
+          </a:prstGeom>
+          <a:noFill/>
+          <a:ln>
+            <a:noFill/>
+          </a:ln>
+        </p:spPr>
+      </p:pic>
     </p:spTree>
   </p:cSld>
   <p:clrMapOvr>
@@ -20961,45 +20888,13 @@
           </a:p>
         </p:txBody>
       </p:sp>
-      <p:pic>
-        <p:nvPicPr>
-          <p:cNvPr id="568" name="Google Shape;568;p19"/>
-          <p:cNvPicPr preferRelativeResize="0"/>
-          <p:nvPr>
-            <p:custDataLst>
-              <p:tags r:id="rId4"/>
-            </p:custDataLst>
-          </p:nvPr>
-        </p:nvPicPr>
-        <p:blipFill>
-          <a:blip r:embed="rId48">
-            <a:alphaModFix/>
-          </a:blip>
-          <a:stretch>
-            <a:fillRect/>
-          </a:stretch>
-        </p:blipFill>
-        <p:spPr>
-          <a:xfrm>
-            <a:off x="2143549" y="1538948"/>
-            <a:ext cx="744030" cy="386950"/>
-          </a:xfrm>
-          <a:prstGeom prst="rect">
-            <a:avLst/>
-          </a:prstGeom>
-          <a:noFill/>
-          <a:ln>
-            <a:noFill/>
-          </a:ln>
-        </p:spPr>
-      </p:pic>
       <p:sp>
         <p:nvSpPr>
           <p:cNvPr id="569" name="Google Shape;569;p19"/>
           <p:cNvSpPr/>
           <p:nvPr>
             <p:custDataLst>
-              <p:tags r:id="rId5"/>
+              <p:tags r:id="rId4"/>
             </p:custDataLst>
           </p:nvPr>
         </p:nvSpPr>
@@ -21058,7 +20953,7 @@
           <p:cNvSpPr/>
           <p:nvPr>
             <p:custDataLst>
-              <p:tags r:id="rId6"/>
+              <p:tags r:id="rId5"/>
             </p:custDataLst>
           </p:nvPr>
         </p:nvSpPr>
@@ -21117,7 +21012,7 @@
           <p:cNvSpPr/>
           <p:nvPr>
             <p:custDataLst>
-              <p:tags r:id="rId7"/>
+              <p:tags r:id="rId6"/>
             </p:custDataLst>
           </p:nvPr>
         </p:nvSpPr>
@@ -21176,7 +21071,7 @@
           <p:cNvSpPr/>
           <p:nvPr>
             <p:custDataLst>
-              <p:tags r:id="rId8"/>
+              <p:tags r:id="rId7"/>
             </p:custDataLst>
           </p:nvPr>
         </p:nvSpPr>
@@ -21235,7 +21130,7 @@
           <p:cNvSpPr/>
           <p:nvPr>
             <p:custDataLst>
-              <p:tags r:id="rId9"/>
+              <p:tags r:id="rId8"/>
             </p:custDataLst>
           </p:nvPr>
         </p:nvSpPr>
@@ -21294,7 +21189,7 @@
           <p:cNvSpPr/>
           <p:nvPr>
             <p:custDataLst>
-              <p:tags r:id="rId10"/>
+              <p:tags r:id="rId9"/>
             </p:custDataLst>
           </p:nvPr>
         </p:nvSpPr>
@@ -21353,7 +21248,7 @@
           <p:cNvSpPr/>
           <p:nvPr>
             <p:custDataLst>
-              <p:tags r:id="rId11"/>
+              <p:tags r:id="rId10"/>
             </p:custDataLst>
           </p:nvPr>
         </p:nvSpPr>
@@ -21412,7 +21307,7 @@
           <p:cNvSpPr/>
           <p:nvPr>
             <p:custDataLst>
-              <p:tags r:id="rId12"/>
+              <p:tags r:id="rId11"/>
             </p:custDataLst>
           </p:nvPr>
         </p:nvSpPr>
@@ -21471,7 +21366,7 @@
           <p:cNvSpPr/>
           <p:nvPr>
             <p:custDataLst>
-              <p:tags r:id="rId13"/>
+              <p:tags r:id="rId12"/>
             </p:custDataLst>
           </p:nvPr>
         </p:nvSpPr>
@@ -21530,7 +21425,7 @@
           <p:cNvSpPr/>
           <p:nvPr>
             <p:custDataLst>
-              <p:tags r:id="rId14"/>
+              <p:tags r:id="rId13"/>
             </p:custDataLst>
           </p:nvPr>
         </p:nvSpPr>
@@ -21589,7 +21484,7 @@
           <p:cNvSpPr/>
           <p:nvPr>
             <p:custDataLst>
-              <p:tags r:id="rId15"/>
+              <p:tags r:id="rId14"/>
             </p:custDataLst>
           </p:nvPr>
         </p:nvSpPr>
@@ -21648,7 +21543,7 @@
           <p:cNvSpPr/>
           <p:nvPr>
             <p:custDataLst>
-              <p:tags r:id="rId16"/>
+              <p:tags r:id="rId15"/>
             </p:custDataLst>
           </p:nvPr>
         </p:nvSpPr>
@@ -21707,7 +21602,7 @@
           <p:cNvSpPr/>
           <p:nvPr>
             <p:custDataLst>
-              <p:tags r:id="rId17"/>
+              <p:tags r:id="rId16"/>
             </p:custDataLst>
           </p:nvPr>
         </p:nvSpPr>
@@ -21766,7 +21661,7 @@
           <p:cNvSpPr/>
           <p:nvPr>
             <p:custDataLst>
-              <p:tags r:id="rId18"/>
+              <p:tags r:id="rId17"/>
             </p:custDataLst>
           </p:nvPr>
         </p:nvSpPr>
@@ -21825,7 +21720,7 @@
           <p:cNvSpPr/>
           <p:nvPr>
             <p:custDataLst>
-              <p:tags r:id="rId19"/>
+              <p:tags r:id="rId18"/>
             </p:custDataLst>
           </p:nvPr>
         </p:nvSpPr>
@@ -21884,7 +21779,7 @@
           <p:cNvSpPr/>
           <p:nvPr>
             <p:custDataLst>
-              <p:tags r:id="rId20"/>
+              <p:tags r:id="rId19"/>
             </p:custDataLst>
           </p:nvPr>
         </p:nvSpPr>
@@ -21943,7 +21838,7 @@
           <p:cNvSpPr/>
           <p:nvPr>
             <p:custDataLst>
-              <p:tags r:id="rId21"/>
+              <p:tags r:id="rId20"/>
             </p:custDataLst>
           </p:nvPr>
         </p:nvSpPr>
@@ -22002,7 +21897,7 @@
           <p:cNvSpPr/>
           <p:nvPr>
             <p:custDataLst>
-              <p:tags r:id="rId22"/>
+              <p:tags r:id="rId21"/>
             </p:custDataLst>
           </p:nvPr>
         </p:nvSpPr>
@@ -22061,7 +21956,7 @@
           <p:cNvSpPr/>
           <p:nvPr>
             <p:custDataLst>
-              <p:tags r:id="rId23"/>
+              <p:tags r:id="rId22"/>
             </p:custDataLst>
           </p:nvPr>
         </p:nvSpPr>
@@ -22122,7 +22017,7 @@
           </p:cNvCxnSpPr>
           <p:nvPr>
             <p:custDataLst>
-              <p:tags r:id="rId24"/>
+              <p:tags r:id="rId23"/>
             </p:custDataLst>
           </p:nvPr>
         </p:nvCxnSpPr>
@@ -22152,7 +22047,7 @@
           <p:cNvCxnSpPr/>
           <p:nvPr>
             <p:custDataLst>
-              <p:tags r:id="rId25"/>
+              <p:tags r:id="rId24"/>
             </p:custDataLst>
           </p:nvPr>
         </p:nvCxnSpPr>
@@ -22182,7 +22077,7 @@
           <p:cNvCxnSpPr/>
           <p:nvPr>
             <p:custDataLst>
-              <p:tags r:id="rId26"/>
+              <p:tags r:id="rId25"/>
             </p:custDataLst>
           </p:nvPr>
         </p:nvCxnSpPr>
@@ -22212,7 +22107,7 @@
           <p:cNvCxnSpPr/>
           <p:nvPr>
             <p:custDataLst>
-              <p:tags r:id="rId27"/>
+              <p:tags r:id="rId26"/>
             </p:custDataLst>
           </p:nvPr>
         </p:nvCxnSpPr>
@@ -22242,7 +22137,7 @@
           <p:cNvCxnSpPr/>
           <p:nvPr>
             <p:custDataLst>
-              <p:tags r:id="rId28"/>
+              <p:tags r:id="rId27"/>
             </p:custDataLst>
           </p:nvPr>
         </p:nvCxnSpPr>
@@ -22274,7 +22169,7 @@
           </p:cNvCxnSpPr>
           <p:nvPr>
             <p:custDataLst>
-              <p:tags r:id="rId29"/>
+              <p:tags r:id="rId28"/>
             </p:custDataLst>
           </p:nvPr>
         </p:nvCxnSpPr>
@@ -22306,7 +22201,7 @@
           </p:cNvCxnSpPr>
           <p:nvPr>
             <p:custDataLst>
-              <p:tags r:id="rId30"/>
+              <p:tags r:id="rId29"/>
             </p:custDataLst>
           </p:nvPr>
         </p:nvCxnSpPr>
@@ -22338,7 +22233,7 @@
           </p:cNvCxnSpPr>
           <p:nvPr>
             <p:custDataLst>
-              <p:tags r:id="rId31"/>
+              <p:tags r:id="rId30"/>
             </p:custDataLst>
           </p:nvPr>
         </p:nvCxnSpPr>
@@ -22370,7 +22265,7 @@
           </p:cNvCxnSpPr>
           <p:nvPr>
             <p:custDataLst>
-              <p:tags r:id="rId32"/>
+              <p:tags r:id="rId31"/>
             </p:custDataLst>
           </p:nvPr>
         </p:nvCxnSpPr>
@@ -22402,7 +22297,7 @@
           </p:cNvCxnSpPr>
           <p:nvPr>
             <p:custDataLst>
-              <p:tags r:id="rId33"/>
+              <p:tags r:id="rId32"/>
             </p:custDataLst>
           </p:nvPr>
         </p:nvCxnSpPr>
@@ -22432,7 +22327,7 @@
           <p:cNvCxnSpPr/>
           <p:nvPr>
             <p:custDataLst>
-              <p:tags r:id="rId34"/>
+              <p:tags r:id="rId33"/>
             </p:custDataLst>
           </p:nvPr>
         </p:nvCxnSpPr>
@@ -22462,7 +22357,7 @@
           <p:cNvCxnSpPr/>
           <p:nvPr>
             <p:custDataLst>
-              <p:tags r:id="rId35"/>
+              <p:tags r:id="rId34"/>
             </p:custDataLst>
           </p:nvPr>
         </p:nvCxnSpPr>
@@ -22492,7 +22387,7 @@
           <p:cNvCxnSpPr/>
           <p:nvPr>
             <p:custDataLst>
-              <p:tags r:id="rId36"/>
+              <p:tags r:id="rId35"/>
             </p:custDataLst>
           </p:nvPr>
         </p:nvCxnSpPr>
@@ -22522,7 +22417,7 @@
           <p:cNvCxnSpPr/>
           <p:nvPr>
             <p:custDataLst>
-              <p:tags r:id="rId37"/>
+              <p:tags r:id="rId36"/>
             </p:custDataLst>
           </p:nvPr>
         </p:nvCxnSpPr>
@@ -22552,7 +22447,7 @@
           <p:cNvCxnSpPr/>
           <p:nvPr>
             <p:custDataLst>
-              <p:tags r:id="rId38"/>
+              <p:tags r:id="rId37"/>
             </p:custDataLst>
           </p:nvPr>
         </p:nvCxnSpPr>
@@ -22582,7 +22477,7 @@
           <p:cNvCxnSpPr/>
           <p:nvPr>
             <p:custDataLst>
-              <p:tags r:id="rId39"/>
+              <p:tags r:id="rId38"/>
             </p:custDataLst>
           </p:nvPr>
         </p:nvCxnSpPr>
@@ -22612,7 +22507,7 @@
           <p:cNvSpPr/>
           <p:nvPr>
             <p:custDataLst>
-              <p:tags r:id="rId40"/>
+              <p:tags r:id="rId39"/>
             </p:custDataLst>
           </p:nvPr>
         </p:nvSpPr>
@@ -22673,7 +22568,7 @@
           </p:cNvCxnSpPr>
           <p:nvPr>
             <p:custDataLst>
-              <p:tags r:id="rId41"/>
+              <p:tags r:id="rId40"/>
             </p:custDataLst>
           </p:nvPr>
         </p:nvCxnSpPr>
@@ -22705,7 +22600,7 @@
           </p:cNvCxnSpPr>
           <p:nvPr>
             <p:custDataLst>
-              <p:tags r:id="rId42"/>
+              <p:tags r:id="rId41"/>
             </p:custDataLst>
           </p:nvPr>
         </p:nvCxnSpPr>
@@ -22737,7 +22632,7 @@
           </p:cNvCxnSpPr>
           <p:nvPr>
             <p:custDataLst>
-              <p:tags r:id="rId43"/>
+              <p:tags r:id="rId42"/>
             </p:custDataLst>
           </p:nvPr>
         </p:nvCxnSpPr>
@@ -22769,7 +22664,7 @@
           </p:cNvCxnSpPr>
           <p:nvPr>
             <p:custDataLst>
-              <p:tags r:id="rId44"/>
+              <p:tags r:id="rId43"/>
             </p:custDataLst>
           </p:nvPr>
         </p:nvCxnSpPr>
@@ -22801,7 +22696,7 @@
           </p:cNvCxnSpPr>
           <p:nvPr>
             <p:custDataLst>
-              <p:tags r:id="rId45"/>
+              <p:tags r:id="rId44"/>
             </p:custDataLst>
           </p:nvPr>
         </p:nvCxnSpPr>
@@ -22825,6 +22720,41 @@
           </a:ln>
         </p:spPr>
       </p:cxnSp>
+      <p:pic>
+        <p:nvPicPr>
+          <p:cNvPr id="47" name="Google Shape;320;p9">
+            <a:extLst>
+              <a:ext uri="{FF2B5EF4-FFF2-40B4-BE49-F238E27FC236}">
+                <a16:creationId xmlns:a16="http://schemas.microsoft.com/office/drawing/2014/main" id="{8066942E-B7E1-4333-96C8-E19D73277580}"/>
+              </a:ext>
+            </a:extLst>
+          </p:cNvPr>
+          <p:cNvPicPr preferRelativeResize="0"/>
+          <p:nvPr>
+            <p:custDataLst>
+              <p:tags r:id="rId45"/>
+            </p:custDataLst>
+          </p:nvPr>
+        </p:nvPicPr>
+        <p:blipFill>
+          <a:blip r:embed="rId48"/>
+          <a:srcRect/>
+          <a:stretch/>
+        </p:blipFill>
+        <p:spPr>
+          <a:xfrm>
+            <a:off x="1969541" y="1416441"/>
+            <a:ext cx="809473" cy="427734"/>
+          </a:xfrm>
+          <a:prstGeom prst="rect">
+            <a:avLst/>
+          </a:prstGeom>
+          <a:noFill/>
+          <a:ln>
+            <a:noFill/>
+          </a:ln>
+        </p:spPr>
+      </p:pic>
     </p:spTree>
   </p:cSld>
   <p:clrMapOvr>
@@ -23022,45 +22952,13 @@
           </a:p>
         </p:txBody>
       </p:sp>
-      <p:pic>
-        <p:nvPicPr>
-          <p:cNvPr id="618" name="Google Shape;618;p20"/>
-          <p:cNvPicPr preferRelativeResize="0"/>
-          <p:nvPr>
-            <p:custDataLst>
-              <p:tags r:id="rId4"/>
-            </p:custDataLst>
-          </p:nvPr>
-        </p:nvPicPr>
-        <p:blipFill>
-          <a:blip r:embed="rId57">
-            <a:alphaModFix/>
-          </a:blip>
-          <a:stretch>
-            <a:fillRect/>
-          </a:stretch>
-        </p:blipFill>
-        <p:spPr>
-          <a:xfrm>
-            <a:off x="4694244" y="1490822"/>
-            <a:ext cx="744030" cy="386950"/>
-          </a:xfrm>
-          <a:prstGeom prst="rect">
-            <a:avLst/>
-          </a:prstGeom>
-          <a:noFill/>
-          <a:ln>
-            <a:noFill/>
-          </a:ln>
-        </p:spPr>
-      </p:pic>
       <p:sp>
         <p:nvSpPr>
           <p:cNvPr id="619" name="Google Shape;619;p20"/>
           <p:cNvSpPr/>
           <p:nvPr>
             <p:custDataLst>
-              <p:tags r:id="rId5"/>
+              <p:tags r:id="rId4"/>
             </p:custDataLst>
           </p:nvPr>
         </p:nvSpPr>
@@ -23119,7 +23017,7 @@
           <p:cNvSpPr/>
           <p:nvPr>
             <p:custDataLst>
-              <p:tags r:id="rId6"/>
+              <p:tags r:id="rId5"/>
             </p:custDataLst>
           </p:nvPr>
         </p:nvSpPr>
@@ -23178,7 +23076,7 @@
           <p:cNvSpPr/>
           <p:nvPr>
             <p:custDataLst>
-              <p:tags r:id="rId7"/>
+              <p:tags r:id="rId6"/>
             </p:custDataLst>
           </p:nvPr>
         </p:nvSpPr>
@@ -23237,7 +23135,7 @@
           <p:cNvSpPr/>
           <p:nvPr>
             <p:custDataLst>
-              <p:tags r:id="rId8"/>
+              <p:tags r:id="rId7"/>
             </p:custDataLst>
           </p:nvPr>
         </p:nvSpPr>
@@ -23296,7 +23194,7 @@
           <p:cNvSpPr/>
           <p:nvPr>
             <p:custDataLst>
-              <p:tags r:id="rId9"/>
+              <p:tags r:id="rId8"/>
             </p:custDataLst>
           </p:nvPr>
         </p:nvSpPr>
@@ -23355,7 +23253,7 @@
           <p:cNvSpPr/>
           <p:nvPr>
             <p:custDataLst>
-              <p:tags r:id="rId10"/>
+              <p:tags r:id="rId9"/>
             </p:custDataLst>
           </p:nvPr>
         </p:nvSpPr>
@@ -23414,7 +23312,7 @@
           <p:cNvSpPr/>
           <p:nvPr>
             <p:custDataLst>
-              <p:tags r:id="rId11"/>
+              <p:tags r:id="rId10"/>
             </p:custDataLst>
           </p:nvPr>
         </p:nvSpPr>
@@ -23473,7 +23371,7 @@
           <p:cNvSpPr/>
           <p:nvPr>
             <p:custDataLst>
-              <p:tags r:id="rId12"/>
+              <p:tags r:id="rId11"/>
             </p:custDataLst>
           </p:nvPr>
         </p:nvSpPr>
@@ -23532,7 +23430,7 @@
           <p:cNvSpPr/>
           <p:nvPr>
             <p:custDataLst>
-              <p:tags r:id="rId13"/>
+              <p:tags r:id="rId12"/>
             </p:custDataLst>
           </p:nvPr>
         </p:nvSpPr>
@@ -23591,7 +23489,7 @@
           <p:cNvSpPr/>
           <p:nvPr>
             <p:custDataLst>
-              <p:tags r:id="rId14"/>
+              <p:tags r:id="rId13"/>
             </p:custDataLst>
           </p:nvPr>
         </p:nvSpPr>
@@ -23650,7 +23548,7 @@
           <p:cNvSpPr/>
           <p:nvPr>
             <p:custDataLst>
-              <p:tags r:id="rId15"/>
+              <p:tags r:id="rId14"/>
             </p:custDataLst>
           </p:nvPr>
         </p:nvSpPr>
@@ -23709,7 +23607,7 @@
           <p:cNvSpPr/>
           <p:nvPr>
             <p:custDataLst>
-              <p:tags r:id="rId16"/>
+              <p:tags r:id="rId15"/>
             </p:custDataLst>
           </p:nvPr>
         </p:nvSpPr>
@@ -23768,7 +23666,7 @@
           <p:cNvSpPr/>
           <p:nvPr>
             <p:custDataLst>
-              <p:tags r:id="rId17"/>
+              <p:tags r:id="rId16"/>
             </p:custDataLst>
           </p:nvPr>
         </p:nvSpPr>
@@ -23827,7 +23725,7 @@
           <p:cNvSpPr/>
           <p:nvPr>
             <p:custDataLst>
-              <p:tags r:id="rId18"/>
+              <p:tags r:id="rId17"/>
             </p:custDataLst>
           </p:nvPr>
         </p:nvSpPr>
@@ -23886,7 +23784,7 @@
           <p:cNvSpPr/>
           <p:nvPr>
             <p:custDataLst>
-              <p:tags r:id="rId19"/>
+              <p:tags r:id="rId18"/>
             </p:custDataLst>
           </p:nvPr>
         </p:nvSpPr>
@@ -23945,7 +23843,7 @@
           <p:cNvSpPr/>
           <p:nvPr>
             <p:custDataLst>
-              <p:tags r:id="rId20"/>
+              <p:tags r:id="rId19"/>
             </p:custDataLst>
           </p:nvPr>
         </p:nvSpPr>
@@ -24004,7 +23902,7 @@
           <p:cNvSpPr/>
           <p:nvPr>
             <p:custDataLst>
-              <p:tags r:id="rId21"/>
+              <p:tags r:id="rId20"/>
             </p:custDataLst>
           </p:nvPr>
         </p:nvSpPr>
@@ -24063,7 +23961,7 @@
           <p:cNvSpPr/>
           <p:nvPr>
             <p:custDataLst>
-              <p:tags r:id="rId22"/>
+              <p:tags r:id="rId21"/>
             </p:custDataLst>
           </p:nvPr>
         </p:nvSpPr>
@@ -24122,7 +24020,7 @@
           <p:cNvSpPr/>
           <p:nvPr>
             <p:custDataLst>
-              <p:tags r:id="rId23"/>
+              <p:tags r:id="rId22"/>
             </p:custDataLst>
           </p:nvPr>
         </p:nvSpPr>
@@ -24183,7 +24081,7 @@
           </p:cNvCxnSpPr>
           <p:nvPr>
             <p:custDataLst>
-              <p:tags r:id="rId24"/>
+              <p:tags r:id="rId23"/>
             </p:custDataLst>
           </p:nvPr>
         </p:nvCxnSpPr>
@@ -24213,7 +24111,7 @@
           <p:cNvCxnSpPr/>
           <p:nvPr>
             <p:custDataLst>
-              <p:tags r:id="rId25"/>
+              <p:tags r:id="rId24"/>
             </p:custDataLst>
           </p:nvPr>
         </p:nvCxnSpPr>
@@ -24243,7 +24141,7 @@
           <p:cNvCxnSpPr/>
           <p:nvPr>
             <p:custDataLst>
-              <p:tags r:id="rId26"/>
+              <p:tags r:id="rId25"/>
             </p:custDataLst>
           </p:nvPr>
         </p:nvCxnSpPr>
@@ -24273,7 +24171,7 @@
           <p:cNvCxnSpPr/>
           <p:nvPr>
             <p:custDataLst>
-              <p:tags r:id="rId27"/>
+              <p:tags r:id="rId26"/>
             </p:custDataLst>
           </p:nvPr>
         </p:nvCxnSpPr>
@@ -24303,7 +24201,7 @@
           <p:cNvCxnSpPr/>
           <p:nvPr>
             <p:custDataLst>
-              <p:tags r:id="rId28"/>
+              <p:tags r:id="rId27"/>
             </p:custDataLst>
           </p:nvPr>
         </p:nvCxnSpPr>
@@ -24335,7 +24233,7 @@
           </p:cNvCxnSpPr>
           <p:nvPr>
             <p:custDataLst>
-              <p:tags r:id="rId29"/>
+              <p:tags r:id="rId28"/>
             </p:custDataLst>
           </p:nvPr>
         </p:nvCxnSpPr>
@@ -24367,7 +24265,7 @@
           </p:cNvCxnSpPr>
           <p:nvPr>
             <p:custDataLst>
-              <p:tags r:id="rId30"/>
+              <p:tags r:id="rId29"/>
             </p:custDataLst>
           </p:nvPr>
         </p:nvCxnSpPr>
@@ -24399,7 +24297,7 @@
           </p:cNvCxnSpPr>
           <p:nvPr>
             <p:custDataLst>
-              <p:tags r:id="rId31"/>
+              <p:tags r:id="rId30"/>
             </p:custDataLst>
           </p:nvPr>
         </p:nvCxnSpPr>
@@ -24431,7 +24329,7 @@
           </p:cNvCxnSpPr>
           <p:nvPr>
             <p:custDataLst>
-              <p:tags r:id="rId32"/>
+              <p:tags r:id="rId31"/>
             </p:custDataLst>
           </p:nvPr>
         </p:nvCxnSpPr>
@@ -24463,7 +24361,7 @@
           </p:cNvCxnSpPr>
           <p:nvPr>
             <p:custDataLst>
-              <p:tags r:id="rId33"/>
+              <p:tags r:id="rId32"/>
             </p:custDataLst>
           </p:nvPr>
         </p:nvCxnSpPr>
@@ -24493,7 +24391,7 @@
           <p:cNvCxnSpPr/>
           <p:nvPr>
             <p:custDataLst>
-              <p:tags r:id="rId34"/>
+              <p:tags r:id="rId33"/>
             </p:custDataLst>
           </p:nvPr>
         </p:nvCxnSpPr>
@@ -24523,7 +24421,7 @@
           <p:cNvCxnSpPr/>
           <p:nvPr>
             <p:custDataLst>
-              <p:tags r:id="rId35"/>
+              <p:tags r:id="rId34"/>
             </p:custDataLst>
           </p:nvPr>
         </p:nvCxnSpPr>
@@ -24553,7 +24451,7 @@
           <p:cNvCxnSpPr/>
           <p:nvPr>
             <p:custDataLst>
-              <p:tags r:id="rId36"/>
+              <p:tags r:id="rId35"/>
             </p:custDataLst>
           </p:nvPr>
         </p:nvCxnSpPr>
@@ -24583,7 +24481,7 @@
           <p:cNvCxnSpPr/>
           <p:nvPr>
             <p:custDataLst>
-              <p:tags r:id="rId37"/>
+              <p:tags r:id="rId36"/>
             </p:custDataLst>
           </p:nvPr>
         </p:nvCxnSpPr>
@@ -24613,7 +24511,7 @@
           <p:cNvCxnSpPr/>
           <p:nvPr>
             <p:custDataLst>
-              <p:tags r:id="rId38"/>
+              <p:tags r:id="rId37"/>
             </p:custDataLst>
           </p:nvPr>
         </p:nvCxnSpPr>
@@ -24643,7 +24541,7 @@
           <p:cNvCxnSpPr/>
           <p:nvPr>
             <p:custDataLst>
-              <p:tags r:id="rId39"/>
+              <p:tags r:id="rId38"/>
             </p:custDataLst>
           </p:nvPr>
         </p:nvCxnSpPr>
@@ -24673,7 +24571,7 @@
           <p:cNvSpPr/>
           <p:nvPr>
             <p:custDataLst>
-              <p:tags r:id="rId40"/>
+              <p:tags r:id="rId39"/>
             </p:custDataLst>
           </p:nvPr>
         </p:nvSpPr>
@@ -24734,7 +24632,7 @@
           </p:cNvCxnSpPr>
           <p:nvPr>
             <p:custDataLst>
-              <p:tags r:id="rId41"/>
+              <p:tags r:id="rId40"/>
             </p:custDataLst>
           </p:nvPr>
         </p:nvCxnSpPr>
@@ -24766,7 +24664,7 @@
           </p:cNvCxnSpPr>
           <p:nvPr>
             <p:custDataLst>
-              <p:tags r:id="rId42"/>
+              <p:tags r:id="rId41"/>
             </p:custDataLst>
           </p:nvPr>
         </p:nvCxnSpPr>
@@ -24798,7 +24696,7 @@
           </p:cNvCxnSpPr>
           <p:nvPr>
             <p:custDataLst>
-              <p:tags r:id="rId43"/>
+              <p:tags r:id="rId42"/>
             </p:custDataLst>
           </p:nvPr>
         </p:nvCxnSpPr>
@@ -24830,7 +24728,7 @@
           </p:cNvCxnSpPr>
           <p:nvPr>
             <p:custDataLst>
-              <p:tags r:id="rId44"/>
+              <p:tags r:id="rId43"/>
             </p:custDataLst>
           </p:nvPr>
         </p:nvCxnSpPr>
@@ -24862,7 +24760,7 @@
           </p:cNvCxnSpPr>
           <p:nvPr>
             <p:custDataLst>
-              <p:tags r:id="rId45"/>
+              <p:tags r:id="rId44"/>
             </p:custDataLst>
           </p:nvPr>
         </p:nvCxnSpPr>
@@ -24895,7 +24793,7 @@
           <p:nvPr>
             <p:ph type="body" idx="1"/>
             <p:custDataLst>
-              <p:tags r:id="rId46"/>
+              <p:tags r:id="rId45"/>
             </p:custDataLst>
           </p:nvPr>
         </p:nvSpPr>
@@ -25010,7 +24908,7 @@
           </p:cNvCxnSpPr>
           <p:nvPr>
             <p:custDataLst>
-              <p:tags r:id="rId47"/>
+              <p:tags r:id="rId46"/>
             </p:custDataLst>
           </p:nvPr>
         </p:nvCxnSpPr>
@@ -25042,7 +24940,7 @@
           <p:cNvCxnSpPr/>
           <p:nvPr>
             <p:custDataLst>
-              <p:tags r:id="rId48"/>
+              <p:tags r:id="rId47"/>
             </p:custDataLst>
           </p:nvPr>
         </p:nvCxnSpPr>
@@ -25074,7 +24972,7 @@
           <p:cNvCxnSpPr/>
           <p:nvPr>
             <p:custDataLst>
-              <p:tags r:id="rId49"/>
+              <p:tags r:id="rId48"/>
             </p:custDataLst>
           </p:nvPr>
         </p:nvCxnSpPr>
@@ -25106,7 +25004,7 @@
           <p:cNvCxnSpPr/>
           <p:nvPr>
             <p:custDataLst>
-              <p:tags r:id="rId50"/>
+              <p:tags r:id="rId49"/>
             </p:custDataLst>
           </p:nvPr>
         </p:nvCxnSpPr>
@@ -25138,7 +25036,7 @@
           <p:cNvCxnSpPr/>
           <p:nvPr>
             <p:custDataLst>
-              <p:tags r:id="rId51"/>
+              <p:tags r:id="rId50"/>
             </p:custDataLst>
           </p:nvPr>
         </p:nvCxnSpPr>
@@ -25170,7 +25068,7 @@
           <p:cNvCxnSpPr/>
           <p:nvPr>
             <p:custDataLst>
-              <p:tags r:id="rId52"/>
+              <p:tags r:id="rId51"/>
             </p:custDataLst>
           </p:nvPr>
         </p:nvCxnSpPr>
@@ -25202,7 +25100,7 @@
           <p:cNvCxnSpPr/>
           <p:nvPr>
             <p:custDataLst>
-              <p:tags r:id="rId53"/>
+              <p:tags r:id="rId52"/>
             </p:custDataLst>
           </p:nvPr>
         </p:nvCxnSpPr>
@@ -25234,7 +25132,7 @@
           <p:cNvCxnSpPr/>
           <p:nvPr>
             <p:custDataLst>
-              <p:tags r:id="rId54"/>
+              <p:tags r:id="rId53"/>
             </p:custDataLst>
           </p:nvPr>
         </p:nvCxnSpPr>
@@ -25260,6 +25158,41 @@
           </a:ln>
         </p:spPr>
       </p:cxnSp>
+      <p:pic>
+        <p:nvPicPr>
+          <p:cNvPr id="56" name="Google Shape;320;p9">
+            <a:extLst>
+              <a:ext uri="{FF2B5EF4-FFF2-40B4-BE49-F238E27FC236}">
+                <a16:creationId xmlns:a16="http://schemas.microsoft.com/office/drawing/2014/main" id="{32E394E0-1063-4D93-B255-DB64B0D364CD}"/>
+              </a:ext>
+            </a:extLst>
+          </p:cNvPr>
+          <p:cNvPicPr preferRelativeResize="0"/>
+          <p:nvPr>
+            <p:custDataLst>
+              <p:tags r:id="rId54"/>
+            </p:custDataLst>
+          </p:nvPr>
+        </p:nvPicPr>
+        <p:blipFill>
+          <a:blip r:embed="rId57"/>
+          <a:srcRect/>
+          <a:stretch/>
+        </p:blipFill>
+        <p:spPr>
+          <a:xfrm>
+            <a:off x="4509475" y="1402853"/>
+            <a:ext cx="809473" cy="427734"/>
+          </a:xfrm>
+          <a:prstGeom prst="rect">
+            <a:avLst/>
+          </a:prstGeom>
+          <a:noFill/>
+          <a:ln>
+            <a:noFill/>
+          </a:ln>
+        </p:spPr>
+      </p:pic>
     </p:spTree>
   </p:cSld>
   <p:clrMapOvr>
@@ -25482,7 +25415,7 @@
         </p:spPr>
         <p:txBody>
           <a:bodyPr spcFirstLastPara="1" wrap="square" lIns="91425" tIns="45700" rIns="91425" bIns="45700" anchor="t" anchorCtr="0">
-            <a:normAutofit fontScale="97500" lnSpcReduction="10000"/>
+            <a:normAutofit fontScale="97500"/>
           </a:bodyPr>
           <a:lstStyle/>
           <a:p>
@@ -25633,6 +25566,10 @@
               <a:t>качестве</a:t>
             </a:r>
             <a:r>
+              <a:rPr lang="ru-RU" dirty="0"/>
+              <a:t> основного</a:t>
+            </a:r>
+            <a:r>
               <a:rPr dirty="0"/>
               <a:t> </a:t>
             </a:r>
@@ -25643,6 +25580,10 @@
             <a:r>
               <a:rPr dirty="0"/>
               <a:t> </a:t>
+            </a:r>
+            <a:r>
+              <a:rPr lang="ru-RU" dirty="0"/>
+              <a:t>лежит </a:t>
             </a:r>
             <a:r>
               <a:rPr dirty="0" err="1"/>
@@ -25669,15 +25610,7 @@
             </a:pPr>
             <a:r>
               <a:rPr dirty="0" err="1"/>
-              <a:t>Параллельно</a:t>
-            </a:r>
-            <a:r>
-              <a:rPr dirty="0"/>
-              <a:t> с </a:t>
-            </a:r>
-            <a:r>
-              <a:rPr dirty="0" err="1"/>
-              <a:t>серийными</a:t>
+              <a:t>Один</a:t>
             </a:r>
             <a:r>
               <a:rPr dirty="0"/>
@@ -25685,7 +25618,15 @@
             </a:r>
             <a:r>
               <a:rPr dirty="0" err="1"/>
-              <a:t>трубопроводами</a:t>
+              <a:t>способ</a:t>
+            </a:r>
+            <a:r>
+              <a:rPr dirty="0"/>
+              <a:t> </a:t>
+            </a:r>
+            <a:r>
+              <a:rPr lang="ru-RU" dirty="0"/>
+              <a:t>задержки</a:t>
             </a:r>
             <a:endParaRPr dirty="0"/>
           </a:p>
@@ -25708,15 +25649,23 @@
             </a:pPr>
             <a:r>
               <a:rPr dirty="0" err="1"/>
-              <a:t>Один</a:t>
+              <a:t>Точное</a:t>
             </a:r>
             <a:r>
               <a:rPr dirty="0"/>
               <a:t> </a:t>
             </a:r>
             <a:r>
+              <a:rPr lang="ru-RU" dirty="0" err="1"/>
+              <a:t>прогназирование</a:t>
+            </a:r>
+            <a:r>
+              <a:rPr dirty="0"/>
+              <a:t> и </a:t>
+            </a:r>
+            <a:r>
               <a:rPr dirty="0" err="1"/>
-              <a:t>способ</a:t>
+              <a:t>обкатка</a:t>
             </a:r>
             <a:r>
               <a:rPr dirty="0"/>
@@ -25724,7 +25673,15 @@
             </a:r>
             <a:r>
               <a:rPr dirty="0" err="1"/>
-              <a:t>запоздалости</a:t>
+              <a:t>по</a:t>
+            </a:r>
+            <a:r>
+              <a:rPr dirty="0"/>
+              <a:t> </a:t>
+            </a:r>
+            <a:r>
+              <a:rPr dirty="0" err="1"/>
+              <a:t>времени</a:t>
             </a:r>
             <a:endParaRPr dirty="0"/>
           </a:p>
@@ -25747,7 +25704,7 @@
             </a:pPr>
             <a:r>
               <a:rPr dirty="0" err="1"/>
-              <a:t>Точное</a:t>
+              <a:t>Указание</a:t>
             </a:r>
             <a:r>
               <a:rPr dirty="0"/>
@@ -25755,15 +25712,7 @@
             </a:r>
             <a:r>
               <a:rPr dirty="0" err="1"/>
-              <a:t>планирование</a:t>
-            </a:r>
-            <a:r>
-              <a:rPr dirty="0"/>
-              <a:t> и </a:t>
-            </a:r>
-            <a:r>
-              <a:rPr dirty="0" err="1"/>
-              <a:t>обкатка</a:t>
+              <a:t>точности</a:t>
             </a:r>
             <a:r>
               <a:rPr dirty="0"/>
@@ -25771,7 +25720,7 @@
             </a:r>
             <a:r>
               <a:rPr dirty="0" err="1"/>
-              <a:t>по</a:t>
+              <a:t>системы</a:t>
             </a:r>
             <a:r>
               <a:rPr dirty="0"/>
@@ -25779,30 +25728,7 @@
             </a:r>
             <a:r>
               <a:rPr dirty="0" err="1"/>
-              <a:t>времени</a:t>
-            </a:r>
-            <a:endParaRPr dirty="0"/>
-          </a:p>
-          <a:p>
-            <a:pPr marL="228600" lvl="0" indent="-228600" algn="l" rtl="0">
-              <a:lnSpc>
-                <a:spcPct val="90000"/>
-              </a:lnSpc>
-              <a:spcBef>
-                <a:spcPts val="1000"/>
-              </a:spcBef>
-              <a:spcAft>
-                <a:spcPct val="0"/>
-              </a:spcAft>
-              <a:buClr>
-                <a:schemeClr val="dk1"/>
-              </a:buClr>
-              <a:buSzPts val="2800"/>
-              <a:buChar char="•"/>
-            </a:pPr>
-            <a:r>
-              <a:rPr dirty="0" err="1"/>
-              <a:t>Указание</a:t>
+              <a:t>синхронизации</a:t>
             </a:r>
             <a:r>
               <a:rPr dirty="0"/>
@@ -25810,7 +25736,15 @@
             </a:r>
             <a:r>
               <a:rPr dirty="0" err="1"/>
-              <a:t>точности</a:t>
+              <a:t>времени</a:t>
+            </a:r>
+            <a:r>
+              <a:rPr dirty="0"/>
+              <a:t> в </a:t>
+            </a:r>
+            <a:r>
+              <a:rPr dirty="0" err="1"/>
+              <a:t>реальном</a:t>
             </a:r>
             <a:r>
               <a:rPr dirty="0"/>
@@ -25818,7 +25752,7 @@
             </a:r>
             <a:r>
               <a:rPr dirty="0" err="1"/>
-              <a:t>системы</a:t>
+              <a:t>масштабе</a:t>
             </a:r>
             <a:r>
               <a:rPr dirty="0"/>
@@ -25826,75 +25760,9 @@
             </a:r>
             <a:r>
               <a:rPr dirty="0" err="1"/>
-              <a:t>синхронизации</a:t>
-            </a:r>
-            <a:r>
-              <a:rPr dirty="0"/>
-              <a:t> </a:t>
-            </a:r>
-            <a:r>
-              <a:rPr dirty="0" err="1"/>
               <a:t>времени</a:t>
             </a:r>
-            <a:r>
-              <a:rPr dirty="0"/>
-              <a:t> в </a:t>
-            </a:r>
-            <a:r>
-              <a:rPr dirty="0" err="1"/>
-              <a:t>реальном</a:t>
-            </a:r>
-            <a:r>
-              <a:rPr dirty="0"/>
-              <a:t> </a:t>
-            </a:r>
-            <a:r>
-              <a:rPr dirty="0" err="1"/>
-              <a:t>масштабе</a:t>
-            </a:r>
-            <a:r>
-              <a:rPr dirty="0"/>
-              <a:t> </a:t>
-            </a:r>
-            <a:r>
-              <a:rPr dirty="0" err="1"/>
-              <a:t>времени</a:t>
-            </a:r>
             <a:endParaRPr dirty="0"/>
-          </a:p>
-          <a:p>
-            <a:pPr marL="228600" lvl="0" indent="-228600" algn="l" rtl="0">
-              <a:lnSpc>
-                <a:spcPct val="90000"/>
-              </a:lnSpc>
-              <a:spcBef>
-                <a:spcPts val="1000"/>
-              </a:spcBef>
-              <a:spcAft>
-                <a:spcPct val="0"/>
-              </a:spcAft>
-              <a:buClr>
-                <a:schemeClr val="dk1"/>
-              </a:buClr>
-              <a:buSzPts val="2800"/>
-              <a:buChar char="•"/>
-            </a:pPr>
-            <a:r>
-              <a:rPr dirty="0" err="1"/>
-              <a:t>Разоблачение</a:t>
-            </a:r>
-            <a:r>
-              <a:rPr dirty="0"/>
-              <a:t> [</a:t>
-            </a:r>
-            <a:r>
-              <a:rPr dirty="0" err="1"/>
-              <a:t>компонентов</a:t>
-            </a:r>
-            <a:r>
-              <a:rPr dirty="0"/>
-              <a:t>]</a:t>
-            </a:r>
           </a:p>
           <a:p>
             <a:pPr marL="228600" lvl="0" indent="-50800" algn="l" rtl="0">
@@ -26273,8 +26141,42 @@
               <a:buChar char="•"/>
             </a:pPr>
             <a:r>
-              <a:t>Сингл ошибки времени - процесс оценки</a:t>
-            </a:r>
+              <a:rPr dirty="0" err="1"/>
+              <a:t>Сингл</a:t>
+            </a:r>
+            <a:r>
+              <a:rPr dirty="0"/>
+              <a:t> </a:t>
+            </a:r>
+            <a:r>
+              <a:rPr dirty="0" err="1"/>
+              <a:t>ошибки</a:t>
+            </a:r>
+            <a:r>
+              <a:rPr dirty="0"/>
+              <a:t> </a:t>
+            </a:r>
+            <a:r>
+              <a:rPr dirty="0" err="1"/>
+              <a:t>времени</a:t>
+            </a:r>
+            <a:r>
+              <a:rPr dirty="0"/>
+              <a:t> - </a:t>
+            </a:r>
+            <a:r>
+              <a:rPr dirty="0" err="1"/>
+              <a:t>процесс</a:t>
+            </a:r>
+            <a:r>
+              <a:rPr dirty="0"/>
+              <a:t> </a:t>
+            </a:r>
+            <a:r>
+              <a:rPr dirty="0" err="1"/>
+              <a:t>оценки</a:t>
+            </a:r>
+            <a:endParaRPr dirty="0"/>
           </a:p>
           <a:p>
             <a:pPr marL="228600" lvl="0" indent="-228600" algn="l" rtl="0">
@@ -26294,8 +26196,58 @@
               <a:buChar char="•"/>
             </a:pPr>
             <a:r>
-              <a:t>Текущее состояние определяется путем прокручивания прошлых наблюдений</a:t>
-            </a:r>
+              <a:rPr dirty="0" err="1"/>
+              <a:t>Текущее</a:t>
+            </a:r>
+            <a:r>
+              <a:rPr dirty="0"/>
+              <a:t> </a:t>
+            </a:r>
+            <a:r>
+              <a:rPr dirty="0" err="1"/>
+              <a:t>состояние</a:t>
+            </a:r>
+            <a:r>
+              <a:rPr dirty="0"/>
+              <a:t> </a:t>
+            </a:r>
+            <a:r>
+              <a:rPr dirty="0" err="1"/>
+              <a:t>определяется</a:t>
+            </a:r>
+            <a:r>
+              <a:rPr dirty="0"/>
+              <a:t> </a:t>
+            </a:r>
+            <a:r>
+              <a:rPr dirty="0" err="1"/>
+              <a:t>путем</a:t>
+            </a:r>
+            <a:r>
+              <a:rPr dirty="0"/>
+              <a:t> </a:t>
+            </a:r>
+            <a:r>
+              <a:rPr dirty="0" err="1"/>
+              <a:t>прокручивания</a:t>
+            </a:r>
+            <a:r>
+              <a:rPr dirty="0"/>
+              <a:t> </a:t>
+            </a:r>
+            <a:r>
+              <a:rPr dirty="0" err="1"/>
+              <a:t>прошлых</a:t>
+            </a:r>
+            <a:r>
+              <a:rPr dirty="0"/>
+              <a:t> </a:t>
+            </a:r>
+            <a:r>
+              <a:rPr dirty="0" err="1"/>
+              <a:t>наблюдений</a:t>
+            </a:r>
+            <a:endParaRPr dirty="0"/>
           </a:p>
           <a:p>
             <a:pPr marL="228600" lvl="0" indent="-228600" algn="l" rtl="0">
@@ -26315,8 +26267,74 @@
               <a:buChar char="•"/>
             </a:pPr>
             <a:r>
-              <a:t>Сенсорная информация, такая как мониторинг температуры, может улучшить оценку</a:t>
-            </a:r>
+              <a:rPr dirty="0" err="1"/>
+              <a:t>Сенсорная</a:t>
+            </a:r>
+            <a:r>
+              <a:rPr dirty="0"/>
+              <a:t> </a:t>
+            </a:r>
+            <a:r>
+              <a:rPr dirty="0" err="1"/>
+              <a:t>информация</a:t>
+            </a:r>
+            <a:r>
+              <a:rPr dirty="0"/>
+              <a:t>, </a:t>
+            </a:r>
+            <a:r>
+              <a:rPr dirty="0" err="1"/>
+              <a:t>такая</a:t>
+            </a:r>
+            <a:r>
+              <a:rPr dirty="0"/>
+              <a:t> </a:t>
+            </a:r>
+            <a:r>
+              <a:rPr dirty="0" err="1"/>
+              <a:t>как</a:t>
+            </a:r>
+            <a:r>
+              <a:rPr dirty="0"/>
+              <a:t> </a:t>
+            </a:r>
+            <a:r>
+              <a:rPr dirty="0" err="1"/>
+              <a:t>мониторинг</a:t>
+            </a:r>
+            <a:r>
+              <a:rPr dirty="0"/>
+              <a:t> </a:t>
+            </a:r>
+            <a:r>
+              <a:rPr dirty="0" err="1"/>
+              <a:t>температуры</a:t>
+            </a:r>
+            <a:r>
+              <a:rPr dirty="0"/>
+              <a:t>, </a:t>
+            </a:r>
+            <a:r>
+              <a:rPr dirty="0" err="1"/>
+              <a:t>может</a:t>
+            </a:r>
+            <a:r>
+              <a:rPr dirty="0"/>
+              <a:t> </a:t>
+            </a:r>
+            <a:r>
+              <a:rPr dirty="0" err="1"/>
+              <a:t>улучшить</a:t>
+            </a:r>
+            <a:r>
+              <a:rPr dirty="0"/>
+              <a:t> </a:t>
+            </a:r>
+            <a:r>
+              <a:rPr dirty="0" err="1"/>
+              <a:t>оценку</a:t>
+            </a:r>
+            <a:endParaRPr dirty="0"/>
           </a:p>
           <a:p>
             <a:pPr marL="228600" lvl="0" indent="-228600" algn="l" rtl="0">
@@ -26336,88 +26354,52 @@
               <a:buChar char="•"/>
             </a:pPr>
             <a:r>
-              <a:t>Точность и точность должны определяться и рассчитываться отдельно.</a:t>
-            </a:r>
-          </a:p>
-        </p:txBody>
-      </p:sp>
-    </p:spTree>
-  </p:cSld>
-  <p:clrMapOvr>
-    <a:masterClrMapping/>
-  </p:clrMapOvr>
-  <p:transition/>
-</p:sld>
-</file>
-
-<file path=ppt/slides/slide23.xml><?xml version="1.0" encoding="utf-8"?>
-<p:sld xmlns:a="http://schemas.openxmlformats.org/drawingml/2006/main" xmlns:r="http://schemas.openxmlformats.org/officeDocument/2006/relationships" xmlns:p="http://schemas.openxmlformats.org/presentationml/2006/main">
-  <p:cSld>
-    <p:spTree>
-      <p:nvGrpSpPr>
-        <p:cNvPr id="1" name="Shape 696"/>
-        <p:cNvGrpSpPr/>
-        <p:nvPr/>
-      </p:nvGrpSpPr>
-      <p:grpSpPr>
-        <a:xfrm>
-          <a:off x="0" y="0"/>
-          <a:ext cx="0" cy="0"/>
-          <a:chOff x="0" y="0"/>
-          <a:chExt cx="0" cy="0"/>
-        </a:xfrm>
-      </p:grpSpPr>
-      <p:sp>
-        <p:nvSpPr>
-          <p:cNvPr id="697" name="Google Shape;697;p25"/>
-          <p:cNvSpPr txBox="1">
-            <a:spLocks noGrp="1"/>
-          </p:cNvSpPr>
-          <p:nvPr>
-            <p:ph type="title"/>
-            <p:custDataLst>
-              <p:tags r:id="rId1"/>
-            </p:custDataLst>
-          </p:nvPr>
-        </p:nvSpPr>
-        <p:spPr>
-          <a:xfrm>
-            <a:off x="838200" y="365125"/>
-            <a:ext cx="10515600" cy="1325563"/>
-          </a:xfrm>
-          <a:prstGeom prst="rect">
-            <a:avLst/>
-          </a:prstGeom>
-          <a:noFill/>
-          <a:ln>
-            <a:noFill/>
-          </a:ln>
-        </p:spPr>
-        <p:txBody>
-          <a:bodyPr spcFirstLastPara="1" wrap="square" lIns="91425" tIns="45700" rIns="91425" bIns="45700" anchor="ctr" anchorCtr="0">
-            <a:normAutofit/>
-          </a:bodyPr>
-          <a:lstStyle/>
-          <a:p>
-            <a:pPr marL="0" lvl="0" indent="0" algn="l" rtl="0">
-              <a:lnSpc>
-                <a:spcPct val="90000"/>
-              </a:lnSpc>
-              <a:spcBef>
-                <a:spcPct val="0"/>
-              </a:spcBef>
-              <a:spcAft>
-                <a:spcPct val="0"/>
-              </a:spcAft>
-              <a:buClr>
-                <a:schemeClr val="dk1"/>
-              </a:buClr>
-              <a:buSzPts val="4400"/>
-              <a:buFont typeface="Calibri"/>
-              <a:buNone/>
-            </a:pPr>
-            <a:r>
-              <a:t>Вопросы?</a:t>
+              <a:rPr dirty="0" err="1"/>
+              <a:t>Точность</a:t>
+            </a:r>
+            <a:r>
+              <a:rPr dirty="0"/>
+              <a:t> и </a:t>
+            </a:r>
+            <a:r>
+              <a:rPr dirty="0" err="1"/>
+              <a:t>точность</a:t>
+            </a:r>
+            <a:r>
+              <a:rPr dirty="0"/>
+              <a:t> </a:t>
+            </a:r>
+            <a:r>
+              <a:rPr dirty="0" err="1"/>
+              <a:t>должны</a:t>
+            </a:r>
+            <a:r>
+              <a:rPr dirty="0"/>
+              <a:t> </a:t>
+            </a:r>
+            <a:r>
+              <a:rPr dirty="0" err="1"/>
+              <a:t>определяться</a:t>
+            </a:r>
+            <a:r>
+              <a:rPr dirty="0"/>
+              <a:t> и </a:t>
+            </a:r>
+            <a:r>
+              <a:rPr dirty="0" err="1"/>
+              <a:t>рассчитываться</a:t>
+            </a:r>
+            <a:r>
+              <a:rPr dirty="0"/>
+              <a:t> </a:t>
+            </a:r>
+            <a:r>
+              <a:rPr dirty="0" err="1"/>
+              <a:t>отдельно</a:t>
+            </a:r>
+            <a:r>
+              <a:rPr dirty="0"/>
+              <a:t>.</a:t>
             </a:r>
           </a:p>
         </p:txBody>
@@ -26531,7 +26513,7 @@
         </p:spPr>
         <p:txBody>
           <a:bodyPr spcFirstLastPara="1" wrap="square" lIns="91425" tIns="45700" rIns="91425" bIns="45700" anchor="t" anchorCtr="0">
-            <a:normAutofit/>
+            <a:normAutofit lnSpcReduction="10000"/>
           </a:bodyPr>
           <a:lstStyle/>
           <a:p>
@@ -26552,7 +26534,72 @@
               <a:buChar char="•"/>
             </a:pPr>
             <a:r>
-              <a:t>PT передает время конечным узлам от сервера времени [как Gt]</a:t>
+              <a:rPr dirty="0"/>
+              <a:t>PT </a:t>
+            </a:r>
+            <a:r>
+              <a:rPr dirty="0" err="1"/>
+              <a:t>передает</a:t>
+            </a:r>
+            <a:r>
+              <a:rPr dirty="0"/>
+              <a:t> </a:t>
+            </a:r>
+            <a:r>
+              <a:rPr dirty="0" err="1"/>
+              <a:t>время</a:t>
+            </a:r>
+            <a:r>
+              <a:rPr dirty="0"/>
+              <a:t> </a:t>
+            </a:r>
+            <a:r>
+              <a:rPr dirty="0" err="1"/>
+              <a:t>конечным</a:t>
+            </a:r>
+            <a:r>
+              <a:rPr dirty="0"/>
+              <a:t> </a:t>
+            </a:r>
+            <a:r>
+              <a:rPr dirty="0" err="1"/>
+              <a:t>узлам</a:t>
+            </a:r>
+            <a:r>
+              <a:rPr dirty="0"/>
+              <a:t> </a:t>
+            </a:r>
+            <a:r>
+              <a:rPr dirty="0" err="1"/>
+              <a:t>от</a:t>
+            </a:r>
+            <a:r>
+              <a:rPr dirty="0"/>
+              <a:t> </a:t>
+            </a:r>
+            <a:r>
+              <a:rPr dirty="0" err="1"/>
+              <a:t>сервера</a:t>
+            </a:r>
+            <a:r>
+              <a:rPr dirty="0"/>
+              <a:t> </a:t>
+            </a:r>
+            <a:r>
+              <a:rPr dirty="0" err="1"/>
+              <a:t>времени</a:t>
+            </a:r>
+            <a:r>
+              <a:rPr dirty="0"/>
+              <a:t> [</a:t>
+            </a:r>
+            <a:r>
+              <a:rPr dirty="0" err="1"/>
+              <a:t>как</a:t>
+            </a:r>
+            <a:r>
+              <a:rPr dirty="0"/>
+              <a:t> Gt]</a:t>
             </a:r>
           </a:p>
           <a:p>
@@ -26573,8 +26620,66 @@
               <a:buChar char="•"/>
             </a:pPr>
             <a:r>
-              <a:t>Конец узлам нужно оценить/ предугадать, что ошибка связана</a:t>
-            </a:r>
+              <a:rPr dirty="0" err="1"/>
+              <a:t>Конец</a:t>
+            </a:r>
+            <a:r>
+              <a:rPr dirty="0"/>
+              <a:t> </a:t>
+            </a:r>
+            <a:r>
+              <a:rPr dirty="0" err="1"/>
+              <a:t>узлам</a:t>
+            </a:r>
+            <a:r>
+              <a:rPr dirty="0"/>
+              <a:t> </a:t>
+            </a:r>
+            <a:r>
+              <a:rPr dirty="0" err="1"/>
+              <a:t>нужно</a:t>
+            </a:r>
+            <a:r>
+              <a:rPr dirty="0"/>
+              <a:t> </a:t>
+            </a:r>
+            <a:r>
+              <a:rPr dirty="0" err="1"/>
+              <a:t>оценить</a:t>
+            </a:r>
+            <a:r>
+              <a:rPr dirty="0"/>
+              <a:t>/</a:t>
+            </a:r>
+            <a:r>
+              <a:rPr dirty="0" err="1"/>
+              <a:t>предугадать</a:t>
+            </a:r>
+            <a:r>
+              <a:rPr dirty="0"/>
+              <a:t>, ч</a:t>
+            </a:r>
+            <a:r>
+              <a:rPr lang="ru-RU" dirty="0"/>
+              <a:t>ем</a:t>
+            </a:r>
+            <a:r>
+              <a:rPr dirty="0"/>
+              <a:t> </a:t>
+            </a:r>
+            <a:r>
+              <a:rPr dirty="0" err="1"/>
+              <a:t>ошибка</a:t>
+            </a:r>
+            <a:r>
+              <a:rPr dirty="0"/>
+              <a:t> </a:t>
+            </a:r>
+            <a:r>
+              <a:rPr lang="ru-RU" dirty="0"/>
+              <a:t>определяется</a:t>
+            </a:r>
+            <a:endParaRPr dirty="0"/>
           </a:p>
           <a:p>
             <a:pPr marL="228600" lvl="0" indent="-228600" algn="l" rtl="0">
@@ -26594,8 +26699,74 @@
               <a:buChar char="•"/>
             </a:pPr>
             <a:r>
-              <a:t>Сервер времени предоставляет конечным узлам погрешность, связанную с его сервисом</a:t>
-            </a:r>
+              <a:rPr dirty="0" err="1"/>
+              <a:t>Сервер</a:t>
+            </a:r>
+            <a:r>
+              <a:rPr dirty="0"/>
+              <a:t> </a:t>
+            </a:r>
+            <a:r>
+              <a:rPr dirty="0" err="1"/>
+              <a:t>времени</a:t>
+            </a:r>
+            <a:r>
+              <a:rPr dirty="0"/>
+              <a:t> </a:t>
+            </a:r>
+            <a:r>
+              <a:rPr dirty="0" err="1"/>
+              <a:t>предоставляет</a:t>
+            </a:r>
+            <a:r>
+              <a:rPr dirty="0"/>
+              <a:t> </a:t>
+            </a:r>
+            <a:r>
+              <a:rPr dirty="0" err="1"/>
+              <a:t>конечным</a:t>
+            </a:r>
+            <a:r>
+              <a:rPr dirty="0"/>
+              <a:t> </a:t>
+            </a:r>
+            <a:r>
+              <a:rPr dirty="0" err="1"/>
+              <a:t>узлам</a:t>
+            </a:r>
+            <a:r>
+              <a:rPr dirty="0"/>
+              <a:t> </a:t>
+            </a:r>
+            <a:r>
+              <a:rPr dirty="0" err="1"/>
+              <a:t>погрешность</a:t>
+            </a:r>
+            <a:r>
+              <a:rPr dirty="0"/>
+              <a:t>, </a:t>
+            </a:r>
+            <a:r>
+              <a:rPr dirty="0" err="1"/>
+              <a:t>связанную</a:t>
+            </a:r>
+            <a:r>
+              <a:rPr dirty="0"/>
+              <a:t> с </a:t>
+            </a:r>
+            <a:r>
+              <a:rPr dirty="0" err="1"/>
+              <a:t>его</a:t>
+            </a:r>
+            <a:r>
+              <a:rPr dirty="0"/>
+              <a:t> </a:t>
+            </a:r>
+            <a:r>
+              <a:rPr dirty="0" err="1"/>
+              <a:t>сервисом</a:t>
+            </a:r>
+            <a:endParaRPr dirty="0"/>
           </a:p>
           <a:p>
             <a:pPr marL="228600" lvl="0" indent="-228600" algn="l" rtl="0">
@@ -26615,8 +26786,74 @@
               <a:buChar char="•"/>
             </a:pPr>
             <a:r>
-              <a:t>Ошибки могут быть разделены на две части; точность и точность</a:t>
-            </a:r>
+              <a:rPr dirty="0" err="1"/>
+              <a:t>Ошибки</a:t>
+            </a:r>
+            <a:r>
+              <a:rPr dirty="0"/>
+              <a:t> </a:t>
+            </a:r>
+            <a:r>
+              <a:rPr dirty="0" err="1"/>
+              <a:t>могут</a:t>
+            </a:r>
+            <a:r>
+              <a:rPr dirty="0"/>
+              <a:t> </a:t>
+            </a:r>
+            <a:r>
+              <a:rPr dirty="0" err="1"/>
+              <a:t>быть</a:t>
+            </a:r>
+            <a:r>
+              <a:rPr dirty="0"/>
+              <a:t> </a:t>
+            </a:r>
+            <a:r>
+              <a:rPr dirty="0" err="1"/>
+              <a:t>разделены</a:t>
+            </a:r>
+            <a:r>
+              <a:rPr dirty="0"/>
+              <a:t> </a:t>
+            </a:r>
+            <a:r>
+              <a:rPr dirty="0" err="1"/>
+              <a:t>на</a:t>
+            </a:r>
+            <a:r>
+              <a:rPr dirty="0"/>
+              <a:t> </a:t>
+            </a:r>
+            <a:r>
+              <a:rPr dirty="0" err="1"/>
+              <a:t>две</a:t>
+            </a:r>
+            <a:r>
+              <a:rPr dirty="0"/>
+              <a:t> </a:t>
+            </a:r>
+            <a:r>
+              <a:rPr dirty="0" err="1"/>
+              <a:t>части</a:t>
+            </a:r>
+            <a:r>
+              <a:rPr dirty="0"/>
+              <a:t>; </a:t>
+            </a:r>
+            <a:r>
+              <a:rPr dirty="0" err="1"/>
+              <a:t>точность</a:t>
+            </a:r>
+            <a:r>
+              <a:rPr dirty="0"/>
+              <a:t> и </a:t>
+            </a:r>
+            <a:r>
+              <a:rPr lang="ru-RU" dirty="0"/>
+              <a:t>синхронизация</a:t>
+            </a:r>
+            <a:endParaRPr dirty="0"/>
           </a:p>
           <a:p>
             <a:pPr marL="228600" lvl="0" indent="-228600" algn="l" rtl="0">
@@ -26636,8 +26873,74 @@
               <a:buChar char="•"/>
             </a:pPr>
             <a:r>
-              <a:t>Точность основана на разнице в величине разницы, выраженной конечным узлом</a:t>
-            </a:r>
+              <a:rPr dirty="0" err="1"/>
+              <a:t>Точность</a:t>
+            </a:r>
+            <a:r>
+              <a:rPr dirty="0"/>
+              <a:t> </a:t>
+            </a:r>
+            <a:r>
+              <a:rPr dirty="0" err="1"/>
+              <a:t>основана</a:t>
+            </a:r>
+            <a:r>
+              <a:rPr dirty="0"/>
+              <a:t> </a:t>
+            </a:r>
+            <a:r>
+              <a:rPr dirty="0" err="1"/>
+              <a:t>на</a:t>
+            </a:r>
+            <a:r>
+              <a:rPr dirty="0"/>
+              <a:t> </a:t>
+            </a:r>
+            <a:r>
+              <a:rPr dirty="0" err="1"/>
+              <a:t>разнице</a:t>
+            </a:r>
+            <a:r>
+              <a:rPr dirty="0"/>
+              <a:t> в </a:t>
+            </a:r>
+            <a:r>
+              <a:rPr dirty="0" err="1"/>
+              <a:t>величине</a:t>
+            </a:r>
+            <a:r>
+              <a:rPr dirty="0"/>
+              <a:t> </a:t>
+            </a:r>
+            <a:r>
+              <a:rPr dirty="0" err="1"/>
+              <a:t>разницы</a:t>
+            </a:r>
+            <a:r>
+              <a:rPr dirty="0"/>
+              <a:t>, </a:t>
+            </a:r>
+            <a:r>
+              <a:rPr dirty="0" err="1"/>
+              <a:t>выраженной</a:t>
+            </a:r>
+            <a:r>
+              <a:rPr dirty="0"/>
+              <a:t> </a:t>
+            </a:r>
+            <a:r>
+              <a:rPr dirty="0" err="1"/>
+              <a:t>конечным</a:t>
+            </a:r>
+            <a:r>
+              <a:rPr dirty="0"/>
+              <a:t> </a:t>
+            </a:r>
+            <a:r>
+              <a:rPr dirty="0" err="1"/>
+              <a:t>узлом</a:t>
+            </a:r>
+            <a:endParaRPr dirty="0"/>
           </a:p>
           <a:p>
             <a:pPr marL="228600" lvl="0" indent="-228600" algn="l" rtl="0">
@@ -26657,8 +26960,54 @@
               <a:buChar char="•"/>
             </a:pPr>
             <a:r>
-              <a:t>Точность основывается на соглашении с другими коллегами</a:t>
-            </a:r>
+              <a:rPr dirty="0" err="1"/>
+              <a:t>Точность</a:t>
+            </a:r>
+            <a:r>
+              <a:rPr dirty="0"/>
+              <a:t> </a:t>
+            </a:r>
+            <a:r>
+              <a:rPr dirty="0" err="1"/>
+              <a:t>основывается</a:t>
+            </a:r>
+            <a:r>
+              <a:rPr dirty="0"/>
+              <a:t> </a:t>
+            </a:r>
+            <a:r>
+              <a:rPr dirty="0" err="1"/>
+              <a:t>на</a:t>
+            </a:r>
+            <a:r>
+              <a:rPr dirty="0"/>
+              <a:t> </a:t>
+            </a:r>
+            <a:r>
+              <a:rPr dirty="0" err="1"/>
+              <a:t>согла</a:t>
+            </a:r>
+            <a:r>
+              <a:rPr lang="ru-RU" dirty="0"/>
+              <a:t>совании</a:t>
+            </a:r>
+            <a:r>
+              <a:rPr dirty="0"/>
+              <a:t> с </a:t>
+            </a:r>
+            <a:r>
+              <a:rPr dirty="0" err="1"/>
+              <a:t>другими</a:t>
+            </a:r>
+            <a:r>
+              <a:rPr dirty="0"/>
+              <a:t> </a:t>
+            </a:r>
+            <a:r>
+              <a:rPr lang="ru-RU" dirty="0"/>
+              <a:t>узлами</a:t>
+            </a:r>
+            <a:endParaRPr dirty="0"/>
           </a:p>
         </p:txBody>
       </p:sp>
@@ -26792,7 +27141,140 @@
               <a:buChar char="•"/>
             </a:pPr>
             <a:r>
-              <a:t>Для синхронизации часов требуются процессы (p1, p2, p3,... pn), чтобы как можно ближе сблизить их часы с помощью связи между ними.</a:t>
+              <a:rPr dirty="0" err="1"/>
+              <a:t>Для</a:t>
+            </a:r>
+            <a:r>
+              <a:rPr dirty="0"/>
+              <a:t> </a:t>
+            </a:r>
+            <a:r>
+              <a:rPr dirty="0" err="1"/>
+              <a:t>синхронизации</a:t>
+            </a:r>
+            <a:r>
+              <a:rPr dirty="0"/>
+              <a:t> </a:t>
+            </a:r>
+            <a:r>
+              <a:rPr dirty="0" err="1"/>
+              <a:t>часов</a:t>
+            </a:r>
+            <a:r>
+              <a:rPr dirty="0"/>
+              <a:t> </a:t>
+            </a:r>
+            <a:r>
+              <a:rPr dirty="0" err="1"/>
+              <a:t>требуются</a:t>
+            </a:r>
+            <a:r>
+              <a:rPr dirty="0"/>
+              <a:t> </a:t>
+            </a:r>
+            <a:r>
+              <a:rPr dirty="0" err="1"/>
+              <a:t>процессы</a:t>
+            </a:r>
+            <a:r>
+              <a:rPr dirty="0"/>
+              <a:t> (p1, p2, p3,... </a:t>
+            </a:r>
+            <a:r>
+              <a:rPr dirty="0" err="1"/>
+              <a:t>pn</a:t>
+            </a:r>
+            <a:r>
+              <a:rPr dirty="0"/>
+              <a:t>), </a:t>
+            </a:r>
+            <a:r>
+              <a:rPr dirty="0" err="1"/>
+              <a:t>чтобы</a:t>
+            </a:r>
+            <a:r>
+              <a:rPr dirty="0"/>
+              <a:t> </a:t>
+            </a:r>
+            <a:r>
+              <a:rPr dirty="0" err="1"/>
+              <a:t>как</a:t>
+            </a:r>
+            <a:r>
+              <a:rPr dirty="0"/>
+              <a:t> </a:t>
+            </a:r>
+            <a:r>
+              <a:rPr dirty="0" err="1"/>
+              <a:t>можно</a:t>
+            </a:r>
+            <a:r>
+              <a:rPr dirty="0"/>
+              <a:t> </a:t>
+            </a:r>
+            <a:r>
+              <a:rPr dirty="0" err="1"/>
+              <a:t>ближе</a:t>
+            </a:r>
+            <a:r>
+              <a:rPr dirty="0"/>
+              <a:t> </a:t>
+            </a:r>
+            <a:r>
+              <a:rPr dirty="0" err="1"/>
+              <a:t>сблизить</a:t>
+            </a:r>
+            <a:r>
+              <a:rPr dirty="0"/>
+              <a:t> </a:t>
+            </a:r>
+            <a:r>
+              <a:rPr dirty="0" err="1"/>
+              <a:t>их</a:t>
+            </a:r>
+            <a:r>
+              <a:rPr dirty="0"/>
+              <a:t> </a:t>
+            </a:r>
+            <a:r>
+              <a:rPr dirty="0" err="1"/>
+              <a:t>часы</a:t>
+            </a:r>
+            <a:r>
+              <a:rPr dirty="0"/>
+              <a:t> с </a:t>
+            </a:r>
+            <a:r>
+              <a:rPr dirty="0" err="1"/>
+              <a:t>помощью</a:t>
+            </a:r>
+            <a:r>
+              <a:rPr dirty="0"/>
+              <a:t> </a:t>
+            </a:r>
+            <a:r>
+              <a:rPr dirty="0" err="1"/>
+              <a:t>связи</a:t>
+            </a:r>
+            <a:r>
+              <a:rPr dirty="0"/>
+              <a:t> </a:t>
+            </a:r>
+            <a:r>
+              <a:rPr dirty="0" err="1"/>
+              <a:t>между</a:t>
+            </a:r>
+            <a:r>
+              <a:rPr dirty="0"/>
+              <a:t> </a:t>
+            </a:r>
+            <a:r>
+              <a:rPr dirty="0" err="1"/>
+              <a:t>ними</a:t>
+            </a:r>
+            <a:r>
+              <a:rPr dirty="0"/>
+              <a:t>.</a:t>
             </a:r>
           </a:p>
           <a:p>
@@ -26813,8 +27295,106 @@
               <a:buChar char="•"/>
             </a:pPr>
             <a:r>
-              <a:t>Для процесса pi скорректированные часы процесса peri A(t)i являются функцией аппаратных часов He(t)i и переменной pri</a:t>
-            </a:r>
+              <a:rPr dirty="0" err="1"/>
+              <a:t>Для</a:t>
+            </a:r>
+            <a:r>
+              <a:rPr dirty="0"/>
+              <a:t> </a:t>
+            </a:r>
+            <a:r>
+              <a:rPr dirty="0" err="1"/>
+              <a:t>процесса</a:t>
+            </a:r>
+            <a:r>
+              <a:rPr dirty="0"/>
+              <a:t> pi </a:t>
+            </a:r>
+            <a:r>
+              <a:rPr dirty="0" err="1"/>
+              <a:t>скорректированные</a:t>
+            </a:r>
+            <a:r>
+              <a:rPr dirty="0"/>
+              <a:t> </a:t>
+            </a:r>
+            <a:r>
+              <a:rPr dirty="0" err="1"/>
+              <a:t>часы</a:t>
+            </a:r>
+            <a:r>
+              <a:rPr dirty="0"/>
+              <a:t> </a:t>
+            </a:r>
+            <a:r>
+              <a:rPr dirty="0" err="1"/>
+              <a:t>процесса</a:t>
+            </a:r>
+            <a:r>
+              <a:rPr dirty="0"/>
+              <a:t> peri A(t)</a:t>
+            </a:r>
+            <a:r>
+              <a:rPr dirty="0" err="1"/>
+              <a:t>i</a:t>
+            </a:r>
+            <a:r>
+              <a:rPr dirty="0"/>
+              <a:t> </a:t>
+            </a:r>
+            <a:r>
+              <a:rPr dirty="0" err="1"/>
+              <a:t>являются</a:t>
+            </a:r>
+            <a:r>
+              <a:rPr dirty="0"/>
+              <a:t> </a:t>
+            </a:r>
+            <a:r>
+              <a:rPr dirty="0" err="1"/>
+              <a:t>функцией</a:t>
+            </a:r>
+            <a:r>
+              <a:rPr dirty="0"/>
+              <a:t> </a:t>
+            </a:r>
+            <a:r>
+              <a:rPr dirty="0" err="1"/>
+              <a:t>аппаратных</a:t>
+            </a:r>
+            <a:r>
+              <a:rPr dirty="0"/>
+              <a:t> </a:t>
+            </a:r>
+            <a:r>
+              <a:rPr dirty="0" err="1"/>
+              <a:t>часов</a:t>
+            </a:r>
+            <a:r>
+              <a:rPr dirty="0"/>
+              <a:t> He(t)</a:t>
+            </a:r>
+            <a:r>
+              <a:rPr dirty="0" err="1"/>
+              <a:t>i</a:t>
+            </a:r>
+            <a:r>
+              <a:rPr dirty="0"/>
+              <a:t> и </a:t>
+            </a:r>
+            <a:r>
+              <a:rPr dirty="0" err="1"/>
+              <a:t>переменной</a:t>
+            </a:r>
+            <a:r>
+              <a:rPr dirty="0"/>
+              <a:t> </a:t>
+            </a:r>
+            <a:r>
+              <a:rPr dirty="0" err="1"/>
+              <a:t>pri</a:t>
+            </a:r>
+            <a:endParaRPr dirty="0"/>
           </a:p>
           <a:p>
             <a:pPr marL="228600" lvl="0" indent="-228600" algn="l" rtl="0">
@@ -26834,9 +27414,82 @@
               <a:buChar char="•"/>
             </a:pPr>
             <a:r>
-              <a:t>Процесс синхронизации в pi корректирует значение априта и тем самым изменяет значение A(t)i</a:t>
-            </a:r>
-            <a:endParaRPr baseline="-25000"/>
+              <a:rPr dirty="0" err="1"/>
+              <a:t>Процесс</a:t>
+            </a:r>
+            <a:r>
+              <a:rPr dirty="0"/>
+              <a:t> </a:t>
+            </a:r>
+            <a:r>
+              <a:rPr dirty="0" err="1"/>
+              <a:t>синхронизации</a:t>
+            </a:r>
+            <a:r>
+              <a:rPr dirty="0"/>
+              <a:t> в pi </a:t>
+            </a:r>
+            <a:r>
+              <a:rPr dirty="0" err="1"/>
+              <a:t>корректирует</a:t>
+            </a:r>
+            <a:r>
+              <a:rPr dirty="0"/>
+              <a:t> </a:t>
+            </a:r>
+            <a:r>
+              <a:rPr dirty="0" err="1"/>
+              <a:t>значение</a:t>
+            </a:r>
+            <a:r>
+              <a:rPr dirty="0"/>
+              <a:t> </a:t>
+            </a:r>
+            <a:r>
+              <a:rPr dirty="0" err="1"/>
+              <a:t>априта</a:t>
+            </a:r>
+            <a:r>
+              <a:rPr dirty="0"/>
+              <a:t> и </a:t>
+            </a:r>
+            <a:r>
+              <a:rPr dirty="0" err="1"/>
+              <a:t>тем</a:t>
+            </a:r>
+            <a:r>
+              <a:rPr dirty="0"/>
+              <a:t> </a:t>
+            </a:r>
+            <a:r>
+              <a:rPr dirty="0" err="1"/>
+              <a:t>самым</a:t>
+            </a:r>
+            <a:r>
+              <a:rPr dirty="0"/>
+              <a:t> </a:t>
+            </a:r>
+            <a:r>
+              <a:rPr dirty="0" err="1"/>
+              <a:t>изменяет</a:t>
+            </a:r>
+            <a:r>
+              <a:rPr dirty="0"/>
+              <a:t> </a:t>
+            </a:r>
+            <a:r>
+              <a:rPr dirty="0" err="1"/>
+              <a:t>значение</a:t>
+            </a:r>
+            <a:r>
+              <a:rPr dirty="0"/>
+              <a:t> A(t)</a:t>
+            </a:r>
+            <a:r>
+              <a:rPr dirty="0" err="1"/>
+              <a:t>i</a:t>
+            </a:r>
+            <a:endParaRPr baseline="-25000" dirty="0"/>
           </a:p>
           <a:p>
             <a:pPr marL="228600" lvl="0" indent="-228600" algn="l" rtl="0">
@@ -26856,9 +27509,114 @@
               <a:buChar char="•"/>
             </a:pPr>
             <a:r>
-              <a:t>Ошибочная граница γ определяется путем достижения ΔA(t)i-AC(t)j &gt; ≤ ___ для любого данного i и j, представляющих процессы pri и pj</a:t>
-            </a:r>
-            <a:endParaRPr baseline="-25000"/>
+              <a:rPr dirty="0" err="1"/>
+              <a:t>Ошибочная</a:t>
+            </a:r>
+            <a:r>
+              <a:rPr dirty="0"/>
+              <a:t> </a:t>
+            </a:r>
+            <a:r>
+              <a:rPr dirty="0" err="1"/>
+              <a:t>граница</a:t>
+            </a:r>
+            <a:r>
+              <a:rPr dirty="0"/>
+              <a:t> γ </a:t>
+            </a:r>
+            <a:r>
+              <a:rPr dirty="0" err="1"/>
+              <a:t>определяется</a:t>
+            </a:r>
+            <a:r>
+              <a:rPr dirty="0"/>
+              <a:t> </a:t>
+            </a:r>
+            <a:r>
+              <a:rPr dirty="0" err="1"/>
+              <a:t>путем</a:t>
+            </a:r>
+            <a:r>
+              <a:rPr dirty="0"/>
+              <a:t> </a:t>
+            </a:r>
+            <a:r>
+              <a:rPr dirty="0" err="1"/>
+              <a:t>достижения</a:t>
+            </a:r>
+            <a:r>
+              <a:rPr dirty="0"/>
+              <a:t> ΔA(t)</a:t>
+            </a:r>
+            <a:r>
+              <a:rPr dirty="0" err="1"/>
+              <a:t>i</a:t>
+            </a:r>
+            <a:r>
+              <a:rPr dirty="0"/>
+              <a:t>-AC(t)j &gt; ≤ ___ </a:t>
+            </a:r>
+            <a:r>
+              <a:rPr dirty="0" err="1"/>
+              <a:t>для</a:t>
+            </a:r>
+            <a:r>
+              <a:rPr dirty="0"/>
+              <a:t> </a:t>
+            </a:r>
+            <a:r>
+              <a:rPr dirty="0" err="1"/>
+              <a:t>любого</a:t>
+            </a:r>
+            <a:r>
+              <a:rPr dirty="0"/>
+              <a:t> </a:t>
+            </a:r>
+            <a:r>
+              <a:rPr dirty="0" err="1"/>
+              <a:t>данного</a:t>
+            </a:r>
+            <a:r>
+              <a:rPr dirty="0"/>
+              <a:t> </a:t>
+            </a:r>
+            <a:r>
+              <a:rPr dirty="0" err="1"/>
+              <a:t>i</a:t>
+            </a:r>
+            <a:r>
+              <a:rPr dirty="0"/>
+              <a:t> и j, </a:t>
+            </a:r>
+            <a:r>
+              <a:rPr dirty="0" err="1"/>
+              <a:t>представляющих</a:t>
+            </a:r>
+            <a:r>
+              <a:rPr dirty="0"/>
+              <a:t> </a:t>
+            </a:r>
+            <a:r>
+              <a:rPr dirty="0" err="1"/>
+              <a:t>процессы</a:t>
+            </a:r>
+            <a:r>
+              <a:rPr dirty="0"/>
+              <a:t> </a:t>
+            </a:r>
+            <a:r>
+              <a:rPr dirty="0" err="1"/>
+              <a:t>pri</a:t>
+            </a:r>
+            <a:r>
+              <a:rPr dirty="0"/>
+              <a:t> и </a:t>
+            </a:r>
+            <a:r>
+              <a:rPr dirty="0" err="1"/>
+              <a:t>pj</a:t>
+            </a:r>
+            <a:endParaRPr baseline="-25000" dirty="0"/>
           </a:p>
           <a:p>
             <a:pPr marL="228600" lvl="0" indent="-228600" algn="l" rtl="0">
@@ -26878,7 +27636,124 @@
               <a:buChar char="•"/>
             </a:pPr>
             <a:r>
-              <a:t>Для каждого ри, участвующего в синхронизации часов, по крайней мере Δ(1-1) /n ) где β - неопределенность в задержке сообщения [Lundelius and Linch 84]</a:t>
+              <a:rPr dirty="0" err="1"/>
+              <a:t>Для</a:t>
+            </a:r>
+            <a:r>
+              <a:rPr dirty="0"/>
+              <a:t> </a:t>
+            </a:r>
+            <a:r>
+              <a:rPr dirty="0" err="1"/>
+              <a:t>каждого</a:t>
+            </a:r>
+            <a:r>
+              <a:rPr dirty="0"/>
+              <a:t> </a:t>
+            </a:r>
+            <a:r>
+              <a:rPr dirty="0" err="1"/>
+              <a:t>ри</a:t>
+            </a:r>
+            <a:r>
+              <a:rPr dirty="0"/>
+              <a:t>, </a:t>
+            </a:r>
+            <a:r>
+              <a:rPr dirty="0" err="1"/>
+              <a:t>участвующего</a:t>
+            </a:r>
+            <a:r>
+              <a:rPr dirty="0"/>
+              <a:t> в </a:t>
+            </a:r>
+            <a:r>
+              <a:rPr dirty="0" err="1"/>
+              <a:t>синхронизации</a:t>
+            </a:r>
+            <a:r>
+              <a:rPr dirty="0"/>
+              <a:t> </a:t>
+            </a:r>
+            <a:r>
+              <a:rPr dirty="0" err="1"/>
+              <a:t>часов</a:t>
+            </a:r>
+            <a:r>
+              <a:rPr dirty="0"/>
+              <a:t>, </a:t>
+            </a:r>
+            <a:r>
+              <a:rPr dirty="0" err="1"/>
+              <a:t>по</a:t>
+            </a:r>
+            <a:r>
+              <a:rPr dirty="0"/>
+              <a:t> </a:t>
+            </a:r>
+            <a:r>
+              <a:rPr dirty="0" err="1"/>
+              <a:t>крайней</a:t>
+            </a:r>
+            <a:r>
+              <a:rPr dirty="0"/>
+              <a:t> </a:t>
+            </a:r>
+            <a:r>
+              <a:rPr dirty="0" err="1"/>
+              <a:t>мере</a:t>
+            </a:r>
+            <a:r>
+              <a:rPr dirty="0"/>
+              <a:t> Δ(1-1) /n ) </a:t>
+            </a:r>
+            <a:r>
+              <a:rPr dirty="0" err="1"/>
+              <a:t>где</a:t>
+            </a:r>
+            <a:r>
+              <a:rPr dirty="0"/>
+              <a:t> β - </a:t>
+            </a:r>
+            <a:r>
+              <a:rPr dirty="0" err="1"/>
+              <a:t>неопределенность</a:t>
+            </a:r>
+            <a:r>
+              <a:rPr dirty="0"/>
+              <a:t> в </a:t>
+            </a:r>
+            <a:r>
+              <a:rPr dirty="0" err="1"/>
+              <a:t>задержке</a:t>
+            </a:r>
+            <a:r>
+              <a:rPr dirty="0"/>
+              <a:t> </a:t>
+            </a:r>
+            <a:r>
+              <a:rPr dirty="0" err="1"/>
+              <a:t>сообщения</a:t>
+            </a:r>
+            <a:r>
+              <a:rPr dirty="0"/>
+              <a:t> [</a:t>
+            </a:r>
+            <a:r>
+              <a:rPr dirty="0" err="1"/>
+              <a:t>Lundelius</a:t>
+            </a:r>
+            <a:r>
+              <a:rPr dirty="0"/>
+              <a:t> and </a:t>
+            </a:r>
+            <a:r>
+              <a:rPr dirty="0" err="1"/>
+              <a:t>Linch</a:t>
+            </a:r>
+            <a:r>
+              <a:rPr dirty="0"/>
+              <a:t> 84]</a:t>
             </a:r>
           </a:p>
           <a:p>
@@ -26899,6 +27774,7 @@
               <a:buChar char="•"/>
             </a:pPr>
             <a:r>
+              <a:rPr dirty="0"/>
               <a:t>Assuming symmetry for the error bound γ we can write γ = (2(ε/2)+(n-2)ε)/n</a:t>
             </a:r>
           </a:p>
@@ -26919,7 +27795,7 @@
               <a:buSzTx/>
               <a:buNone/>
             </a:pPr>
-            <a:endParaRPr baseline="-25000"/>
+            <a:endParaRPr baseline="-25000" dirty="0"/>
           </a:p>
           <a:p>
             <a:pPr marL="228600" lvl="0" indent="-64135" algn="l" rtl="0">
@@ -26938,7 +27814,7 @@
               <a:buSzTx/>
               <a:buNone/>
             </a:pPr>
-            <a:endParaRPr/>
+            <a:endParaRPr dirty="0"/>
           </a:p>
           <a:p>
             <a:pPr marL="228600" lvl="0" indent="-64135" algn="l" rtl="0">
@@ -26957,7 +27833,7 @@
               <a:buSzTx/>
               <a:buNone/>
             </a:pPr>
-            <a:endParaRPr/>
+            <a:endParaRPr dirty="0"/>
           </a:p>
         </p:txBody>
       </p:sp>
@@ -27019,7 +27895,7 @@
           </a:bodyPr>
           <a:lstStyle/>
           <a:p>
-            <a:pPr marL="0" lvl="0" indent="0" algn="l" rtl="0">
+            <a:pPr marL="0" lvl="0" indent="0" algn="ctr" rtl="0">
               <a:lnSpc>
                 <a:spcPct val="90000"/>
               </a:lnSpc>
@@ -27037,8 +27913,26 @@
               <a:buNone/>
             </a:pPr>
             <a:r>
-              <a:t>Задача сверки сети</a:t>
-            </a:r>
+              <a:rPr dirty="0" err="1"/>
+              <a:t>Задача</a:t>
+            </a:r>
+            <a:r>
+              <a:rPr dirty="0"/>
+              <a:t> </a:t>
+            </a:r>
+            <a:r>
+              <a:rPr dirty="0" err="1"/>
+              <a:t>сверки</a:t>
+            </a:r>
+            <a:r>
+              <a:rPr dirty="0"/>
+              <a:t> </a:t>
+            </a:r>
+            <a:r>
+              <a:rPr dirty="0" err="1"/>
+              <a:t>сети</a:t>
+            </a:r>
+            <a:endParaRPr dirty="0"/>
           </a:p>
         </p:txBody>
       </p:sp>
@@ -27091,7 +27985,68 @@
               <a:buChar char="•"/>
             </a:pPr>
             <a:r>
-              <a:t>Синхронизация часов в сети через шумный процесс времени пакетов.</a:t>
+              <a:rPr dirty="0" err="1"/>
+              <a:t>Синхронизация</a:t>
+            </a:r>
+            <a:r>
+              <a:rPr dirty="0"/>
+              <a:t> </a:t>
+            </a:r>
+            <a:r>
+              <a:rPr dirty="0" err="1"/>
+              <a:t>часов</a:t>
+            </a:r>
+            <a:r>
+              <a:rPr dirty="0"/>
+              <a:t> в </a:t>
+            </a:r>
+            <a:r>
+              <a:rPr dirty="0" err="1"/>
+              <a:t>сети</a:t>
+            </a:r>
+            <a:r>
+              <a:rPr dirty="0"/>
+              <a:t> </a:t>
+            </a:r>
+            <a:r>
+              <a:rPr dirty="0" err="1"/>
+              <a:t>через</a:t>
+            </a:r>
+            <a:r>
+              <a:rPr dirty="0"/>
+              <a:t> </a:t>
+            </a:r>
+            <a:r>
+              <a:rPr dirty="0" err="1"/>
+              <a:t>шумный</a:t>
+            </a:r>
+            <a:r>
+              <a:rPr dirty="0"/>
+              <a:t> </a:t>
+            </a:r>
+            <a:r>
+              <a:rPr dirty="0" err="1"/>
+              <a:t>процесс</a:t>
+            </a:r>
+            <a:r>
+              <a:rPr dirty="0"/>
+              <a:t> </a:t>
+            </a:r>
+            <a:r>
+              <a:rPr dirty="0" err="1"/>
+              <a:t>времени</a:t>
+            </a:r>
+            <a:r>
+              <a:rPr dirty="0"/>
+              <a:t> </a:t>
+            </a:r>
+            <a:r>
+              <a:rPr dirty="0" err="1"/>
+              <a:t>пакетов</a:t>
+            </a:r>
+            <a:r>
+              <a:rPr dirty="0"/>
+              <a:t>.</a:t>
             </a:r>
           </a:p>
           <a:p>
@@ -27112,8 +28067,82 @@
               <a:buNone/>
             </a:pPr>
             <a:r>
-              <a:t>Div = расчетная разница между физическими часами pi и pj, рассчитанная на pj</a:t>
-            </a:r>
+              <a:rPr dirty="0" err="1"/>
+              <a:t>Div</a:t>
+            </a:r>
+            <a:r>
+              <a:rPr dirty="0"/>
+              <a:t> = </a:t>
+            </a:r>
+            <a:r>
+              <a:rPr dirty="0" err="1"/>
+              <a:t>расчетная</a:t>
+            </a:r>
+            <a:r>
+              <a:rPr dirty="0"/>
+              <a:t> </a:t>
+            </a:r>
+            <a:r>
+              <a:rPr dirty="0" err="1"/>
+              <a:t>разница</a:t>
+            </a:r>
+            <a:r>
+              <a:rPr dirty="0"/>
+              <a:t> </a:t>
+            </a:r>
+            <a:r>
+              <a:rPr dirty="0" err="1"/>
+              <a:t>между</a:t>
+            </a:r>
+            <a:r>
+              <a:rPr dirty="0"/>
+              <a:t> </a:t>
+            </a:r>
+            <a:r>
+              <a:rPr dirty="0" err="1"/>
+              <a:t>физическими</a:t>
+            </a:r>
+            <a:r>
+              <a:rPr dirty="0"/>
+              <a:t> </a:t>
+            </a:r>
+            <a:r>
+              <a:rPr dirty="0" err="1"/>
+              <a:t>часами</a:t>
+            </a:r>
+            <a:r>
+              <a:rPr dirty="0"/>
+              <a:t> pi и </a:t>
+            </a:r>
+            <a:r>
+              <a:rPr dirty="0" err="1"/>
+              <a:t>pj</a:t>
+            </a:r>
+            <a:r>
+              <a:rPr dirty="0"/>
+              <a:t>, </a:t>
+            </a:r>
+            <a:r>
+              <a:rPr dirty="0" err="1"/>
+              <a:t>рассчитанная</a:t>
+            </a:r>
+            <a:r>
+              <a:rPr dirty="0"/>
+              <a:t> </a:t>
+            </a:r>
+            <a:r>
+              <a:rPr dirty="0" err="1"/>
+              <a:t>на</a:t>
+            </a:r>
+            <a:r>
+              <a:rPr dirty="0"/>
+              <a:t> </a:t>
+            </a:r>
+            <a:r>
+              <a:rPr dirty="0" err="1"/>
+              <a:t>pj</a:t>
+            </a:r>
+            <a:endParaRPr dirty="0"/>
           </a:p>
           <a:p>
             <a:pPr marL="228600" lvl="0" indent="-228600" algn="l" rtl="0">
@@ -27133,7 +28162,76 @@
               <a:buNone/>
             </a:pPr>
             <a:r>
-              <a:t>Δrx = Истинная разница между процессором px и сервером времени (или ссылка)</a:t>
+              <a:rPr dirty="0" err="1"/>
+              <a:t>Δrx</a:t>
+            </a:r>
+            <a:r>
+              <a:rPr dirty="0"/>
+              <a:t> = </a:t>
+            </a:r>
+            <a:r>
+              <a:rPr dirty="0" err="1"/>
+              <a:t>Истинная</a:t>
+            </a:r>
+            <a:r>
+              <a:rPr dirty="0"/>
+              <a:t> </a:t>
+            </a:r>
+            <a:r>
+              <a:rPr dirty="0" err="1"/>
+              <a:t>разница</a:t>
+            </a:r>
+            <a:r>
+              <a:rPr dirty="0"/>
+              <a:t> </a:t>
+            </a:r>
+            <a:r>
+              <a:rPr dirty="0" err="1"/>
+              <a:t>между</a:t>
+            </a:r>
+            <a:r>
+              <a:rPr dirty="0"/>
+              <a:t> </a:t>
+            </a:r>
+            <a:r>
+              <a:rPr dirty="0" err="1"/>
+              <a:t>процессором</a:t>
+            </a:r>
+            <a:r>
+              <a:rPr dirty="0"/>
+              <a:t> px и </a:t>
+            </a:r>
+            <a:r>
+              <a:rPr dirty="0" err="1"/>
+              <a:t>сервером</a:t>
+            </a:r>
+            <a:r>
+              <a:rPr dirty="0"/>
+              <a:t> </a:t>
+            </a:r>
+            <a:r>
+              <a:rPr dirty="0" err="1"/>
+              <a:t>времени</a:t>
+            </a:r>
+            <a:r>
+              <a:rPr dirty="0"/>
+              <a:t> (</a:t>
+            </a:r>
+            <a:r>
+              <a:rPr dirty="0" err="1"/>
+              <a:t>или</a:t>
+            </a:r>
+            <a:r>
+              <a:rPr dirty="0"/>
+              <a:t> </a:t>
+            </a:r>
+            <a:r>
+              <a:rPr dirty="0" err="1"/>
+              <a:t>ссылка</a:t>
+            </a:r>
+            <a:r>
+              <a:rPr dirty="0"/>
+              <a:t>)</a:t>
             </a:r>
           </a:p>
           <a:p>
@@ -27154,7 +28252,20 @@
               <a:buNone/>
             </a:pPr>
             <a:r>
-              <a:t>Показать ΔAli(t)-AC(t) Δ ≤ β(1-1) /n )</a:t>
+              <a:rPr dirty="0" err="1"/>
+              <a:t>Показать</a:t>
+            </a:r>
+            <a:r>
+              <a:rPr dirty="0"/>
+              <a:t> </a:t>
+            </a:r>
+            <a:r>
+              <a:rPr dirty="0" err="1"/>
+              <a:t>ΔAli</a:t>
+            </a:r>
+            <a:r>
+              <a:rPr dirty="0"/>
+              <a:t>(t)-AC(t) Δ ≤ β(1-1) /n )</a:t>
             </a:r>
           </a:p>
           <a:p>
@@ -27175,7 +28286,44 @@
               <a:buNone/>
             </a:pPr>
             <a:r>
-              <a:t>ΔAli(t)-AC(t) γ = Δ(HCi(t) + abr) - (HCj(t) + abr)</a:t>
+              <a:rPr dirty="0" err="1"/>
+              <a:t>ΔAli</a:t>
+            </a:r>
+            <a:r>
+              <a:rPr dirty="0"/>
+              <a:t>(t)-AC(t) γ = Δ(</a:t>
+            </a:r>
+            <a:r>
+              <a:rPr dirty="0" err="1"/>
+              <a:t>HCi</a:t>
+            </a:r>
+            <a:r>
+              <a:rPr dirty="0"/>
+              <a:t>(t) + </a:t>
+            </a:r>
+            <a:r>
+              <a:rPr dirty="0" err="1"/>
+              <a:t>abr</a:t>
+            </a:r>
+            <a:r>
+              <a:rPr dirty="0"/>
+              <a:t>) - (</a:t>
+            </a:r>
+            <a:r>
+              <a:rPr dirty="0" err="1"/>
+              <a:t>HCj</a:t>
+            </a:r>
+            <a:r>
+              <a:rPr dirty="0"/>
+              <a:t>(t) + </a:t>
+            </a:r>
+            <a:r>
+              <a:rPr dirty="0" err="1"/>
+              <a:t>abr</a:t>
+            </a:r>
+            <a:r>
+              <a:rPr dirty="0"/>
+              <a:t>)</a:t>
             </a:r>
           </a:p>
           <a:p>
@@ -27196,7 +28344,56 @@
               <a:buNone/>
             </a:pPr>
             <a:r>
-              <a:t>= 1 /n ((Δri - Δrj) - (Doi - dr)) ) β ≤ (1) /n ) β(Δri - Δrj) - (Doi - dr)))</a:t>
+              <a:rPr dirty="0"/>
+              <a:t>= 1 /n ((</a:t>
+            </a:r>
+            <a:r>
+              <a:rPr dirty="0" err="1"/>
+              <a:t>Δri</a:t>
+            </a:r>
+            <a:r>
+              <a:rPr dirty="0"/>
+              <a:t> - </a:t>
+            </a:r>
+            <a:r>
+              <a:rPr dirty="0" err="1"/>
+              <a:t>Δrj</a:t>
+            </a:r>
+            <a:r>
+              <a:rPr dirty="0"/>
+              <a:t>) - (Doi - </a:t>
+            </a:r>
+            <a:r>
+              <a:rPr dirty="0" err="1"/>
+              <a:t>dr</a:t>
+            </a:r>
+            <a:r>
+              <a:rPr dirty="0"/>
+              <a:t>)) ) β ≤ (1) /n ) β(</a:t>
+            </a:r>
+            <a:r>
+              <a:rPr dirty="0" err="1"/>
+              <a:t>Δri</a:t>
+            </a:r>
+            <a:r>
+              <a:rPr dirty="0"/>
+              <a:t> - </a:t>
+            </a:r>
+            <a:r>
+              <a:rPr dirty="0" err="1"/>
+              <a:t>Δrj</a:t>
+            </a:r>
+            <a:r>
+              <a:rPr dirty="0"/>
+              <a:t>) - (Doi - </a:t>
+            </a:r>
+            <a:r>
+              <a:rPr dirty="0" err="1"/>
+              <a:t>dr</a:t>
+            </a:r>
+            <a:r>
+              <a:rPr dirty="0"/>
+              <a:t>)))</a:t>
             </a:r>
           </a:p>
           <a:p>
@@ -27217,7 +28414,16 @@
               <a:buNone/>
             </a:pPr>
             <a:r>
-              <a:t>≤ (1 /n ) (2 Кот-д'Ивуар + (n-2) ) = β(1-1) /n )</a:t>
+              <a:rPr dirty="0"/>
+              <a:t>≤ (1 /n ) (2 </a:t>
+            </a:r>
+            <a:r>
+              <a:rPr dirty="0" err="1"/>
+              <a:t>Кот-д'Ивуар</a:t>
+            </a:r>
+            <a:r>
+              <a:rPr dirty="0"/>
+              <a:t> + (n-2) ) = β(1-1) /n )</a:t>
             </a:r>
           </a:p>
           <a:p>
@@ -27238,6 +28444,7 @@
               <a:buNone/>
             </a:pPr>
             <a:r>
+              <a:rPr dirty="0"/>
               <a:t>  </a:t>
             </a:r>
           </a:p>
@@ -27258,7 +28465,7 @@
               <a:buSzTx/>
               <a:buNone/>
             </a:pPr>
-            <a:endParaRPr baseline="-25000"/>
+            <a:endParaRPr baseline="-25000" dirty="0"/>
           </a:p>
           <a:p>
             <a:pPr marL="228600" lvl="0" indent="-64135" algn="l" rtl="0">
@@ -27277,7 +28484,7 @@
               <a:buSzTx/>
               <a:buNone/>
             </a:pPr>
-            <a:endParaRPr/>
+            <a:endParaRPr dirty="0"/>
           </a:p>
           <a:p>
             <a:pPr marL="228600" lvl="0" indent="-64135" algn="l" rtl="0">
@@ -27296,7 +28503,7 @@
               <a:buSzTx/>
               <a:buNone/>
             </a:pPr>
-            <a:endParaRPr/>
+            <a:endParaRPr dirty="0"/>
           </a:p>
         </p:txBody>
       </p:sp>
@@ -27506,7 +28713,11 @@
             </a:r>
             <a:r>
               <a:rPr dirty="0" err="1"/>
-              <a:t>концом</a:t>
+              <a:t>кон</a:t>
+            </a:r>
+            <a:r>
+              <a:rPr lang="ru-RU" dirty="0" err="1"/>
+              <a:t>ечным</a:t>
             </a:r>
             <a:r>
               <a:rPr dirty="0"/>
@@ -27514,7 +28725,11 @@
             </a:r>
             <a:r>
               <a:rPr dirty="0" err="1"/>
-              <a:t>узла</a:t>
+              <a:t>узл</a:t>
+            </a:r>
+            <a:r>
+              <a:rPr lang="ru-RU" dirty="0"/>
+              <a:t>ом</a:t>
             </a:r>
             <a:endParaRPr dirty="0"/>
           </a:p>
@@ -27537,7 +28752,11 @@
             </a:pPr>
             <a:r>
               <a:rPr dirty="0" err="1"/>
-              <a:t>Конец</a:t>
+              <a:t>Коне</a:t>
+            </a:r>
+            <a:r>
+              <a:rPr lang="ru-RU" dirty="0" err="1"/>
+              <a:t>чный</a:t>
             </a:r>
             <a:r>
               <a:rPr dirty="0"/>
@@ -27545,7 +28764,11 @@
             </a:r>
             <a:r>
               <a:rPr dirty="0" err="1"/>
-              <a:t>узла</a:t>
+              <a:t>уз</a:t>
+            </a:r>
+            <a:r>
+              <a:rPr lang="ru-RU" dirty="0"/>
+              <a:t>ел</a:t>
             </a:r>
             <a:r>
               <a:rPr dirty="0"/>
@@ -27813,17 +29036,14 @@
           </p:nvPr>
         </p:nvPicPr>
         <p:blipFill>
-          <a:blip r:embed="rId37">
-            <a:alphaModFix/>
-          </a:blip>
-          <a:stretch>
-            <a:fillRect/>
-          </a:stretch>
+          <a:blip r:embed="rId37"/>
+          <a:srcRect/>
+          <a:stretch/>
         </p:blipFill>
         <p:spPr>
           <a:xfrm>
-            <a:off x="750328" y="1804601"/>
-            <a:ext cx="2561281" cy="1332053"/>
+            <a:off x="994927" y="1804601"/>
+            <a:ext cx="2072082" cy="1332053"/>
           </a:xfrm>
           <a:prstGeom prst="rect">
             <a:avLst/>
@@ -29435,45 +30655,13 @@
           </a:ln>
         </p:spPr>
       </p:pic>
-      <p:pic>
-        <p:nvPicPr>
-          <p:cNvPr id="359" name="Google Shape;359;p10"/>
-          <p:cNvPicPr preferRelativeResize="0"/>
-          <p:nvPr>
-            <p:custDataLst>
-              <p:tags r:id="rId3"/>
-            </p:custDataLst>
-          </p:nvPr>
-        </p:nvPicPr>
-        <p:blipFill>
-          <a:blip r:embed="rId39">
-            <a:alphaModFix/>
-          </a:blip>
-          <a:stretch>
-            <a:fillRect/>
-          </a:stretch>
-        </p:blipFill>
-        <p:spPr>
-          <a:xfrm>
-            <a:off x="743103" y="2702872"/>
-            <a:ext cx="2561281" cy="1332053"/>
-          </a:xfrm>
-          <a:prstGeom prst="rect">
-            <a:avLst/>
-          </a:prstGeom>
-          <a:noFill/>
-          <a:ln>
-            <a:noFill/>
-          </a:ln>
-        </p:spPr>
-      </p:pic>
       <p:sp>
         <p:nvSpPr>
           <p:cNvPr id="360" name="Google Shape;360;p10"/>
           <p:cNvSpPr txBox="1"/>
           <p:nvPr>
             <p:custDataLst>
-              <p:tags r:id="rId4"/>
+              <p:tags r:id="rId3"/>
             </p:custDataLst>
           </p:nvPr>
         </p:nvSpPr>
@@ -29524,7 +30712,7 @@
           <p:cNvSpPr/>
           <p:nvPr>
             <p:custDataLst>
-              <p:tags r:id="rId5"/>
+              <p:tags r:id="rId4"/>
             </p:custDataLst>
           </p:nvPr>
         </p:nvSpPr>
@@ -29580,7 +30768,7 @@
           <p:cNvSpPr/>
           <p:nvPr>
             <p:custDataLst>
-              <p:tags r:id="rId6"/>
+              <p:tags r:id="rId5"/>
             </p:custDataLst>
           </p:nvPr>
         </p:nvSpPr>
@@ -29639,7 +30827,7 @@
           <p:cNvSpPr/>
           <p:nvPr>
             <p:custDataLst>
-              <p:tags r:id="rId7"/>
+              <p:tags r:id="rId6"/>
             </p:custDataLst>
           </p:nvPr>
         </p:nvSpPr>
@@ -29695,7 +30883,7 @@
           <p:cNvSpPr/>
           <p:nvPr>
             <p:custDataLst>
-              <p:tags r:id="rId8"/>
+              <p:tags r:id="rId7"/>
             </p:custDataLst>
           </p:nvPr>
         </p:nvSpPr>
@@ -29754,7 +30942,7 @@
           <p:cNvSpPr/>
           <p:nvPr>
             <p:custDataLst>
-              <p:tags r:id="rId9"/>
+              <p:tags r:id="rId8"/>
             </p:custDataLst>
           </p:nvPr>
         </p:nvSpPr>
@@ -29813,7 +31001,7 @@
           <p:cNvSpPr/>
           <p:nvPr>
             <p:custDataLst>
-              <p:tags r:id="rId10"/>
+              <p:tags r:id="rId9"/>
             </p:custDataLst>
           </p:nvPr>
         </p:nvSpPr>
@@ -29872,7 +31060,7 @@
           <p:cNvSpPr/>
           <p:nvPr>
             <p:custDataLst>
-              <p:tags r:id="rId11"/>
+              <p:tags r:id="rId10"/>
             </p:custDataLst>
           </p:nvPr>
         </p:nvSpPr>
@@ -29931,7 +31119,7 @@
           <p:cNvSpPr/>
           <p:nvPr>
             <p:custDataLst>
-              <p:tags r:id="rId12"/>
+              <p:tags r:id="rId11"/>
             </p:custDataLst>
           </p:nvPr>
         </p:nvSpPr>
@@ -29990,7 +31178,7 @@
           <p:cNvSpPr/>
           <p:nvPr>
             <p:custDataLst>
-              <p:tags r:id="rId13"/>
+              <p:tags r:id="rId12"/>
             </p:custDataLst>
           </p:nvPr>
         </p:nvSpPr>
@@ -30049,7 +31237,7 @@
           <p:cNvSpPr/>
           <p:nvPr>
             <p:custDataLst>
-              <p:tags r:id="rId14"/>
+              <p:tags r:id="rId13"/>
             </p:custDataLst>
           </p:nvPr>
         </p:nvSpPr>
@@ -30111,7 +31299,7 @@
           </p:cNvCxnSpPr>
           <p:nvPr>
             <p:custDataLst>
-              <p:tags r:id="rId15"/>
+              <p:tags r:id="rId14"/>
             </p:custDataLst>
           </p:nvPr>
         </p:nvCxnSpPr>
@@ -30144,7 +31332,7 @@
           </p:cNvCxnSpPr>
           <p:nvPr>
             <p:custDataLst>
-              <p:tags r:id="rId16"/>
+              <p:tags r:id="rId15"/>
             </p:custDataLst>
           </p:nvPr>
         </p:nvCxnSpPr>
@@ -30177,7 +31365,7 @@
           </p:cNvCxnSpPr>
           <p:nvPr>
             <p:custDataLst>
-              <p:tags r:id="rId17"/>
+              <p:tags r:id="rId16"/>
             </p:custDataLst>
           </p:nvPr>
         </p:nvCxnSpPr>
@@ -30210,7 +31398,7 @@
           </p:cNvCxnSpPr>
           <p:nvPr>
             <p:custDataLst>
-              <p:tags r:id="rId18"/>
+              <p:tags r:id="rId17"/>
             </p:custDataLst>
           </p:nvPr>
         </p:nvCxnSpPr>
@@ -30243,7 +31431,7 @@
           </p:cNvCxnSpPr>
           <p:nvPr>
             <p:custDataLst>
-              <p:tags r:id="rId19"/>
+              <p:tags r:id="rId18"/>
             </p:custDataLst>
           </p:nvPr>
         </p:nvCxnSpPr>
@@ -30276,7 +31464,7 @@
           </p:cNvCxnSpPr>
           <p:nvPr>
             <p:custDataLst>
-              <p:tags r:id="rId20"/>
+              <p:tags r:id="rId19"/>
             </p:custDataLst>
           </p:nvPr>
         </p:nvCxnSpPr>
@@ -30306,7 +31494,7 @@
           <p:cNvCxnSpPr/>
           <p:nvPr>
             <p:custDataLst>
-              <p:tags r:id="rId21"/>
+              <p:tags r:id="rId20"/>
             </p:custDataLst>
           </p:nvPr>
         </p:nvCxnSpPr>
@@ -30336,7 +31524,7 @@
           <p:cNvCxnSpPr/>
           <p:nvPr>
             <p:custDataLst>
-              <p:tags r:id="rId22"/>
+              <p:tags r:id="rId21"/>
             </p:custDataLst>
           </p:nvPr>
         </p:nvCxnSpPr>
@@ -30369,7 +31557,7 @@
           </p:cNvCxnSpPr>
           <p:nvPr>
             <p:custDataLst>
-              <p:tags r:id="rId23"/>
+              <p:tags r:id="rId22"/>
             </p:custDataLst>
           </p:nvPr>
         </p:nvCxnSpPr>
@@ -30402,7 +31590,7 @@
           </p:cNvCxnSpPr>
           <p:nvPr>
             <p:custDataLst>
-              <p:tags r:id="rId24"/>
+              <p:tags r:id="rId23"/>
             </p:custDataLst>
           </p:nvPr>
         </p:nvCxnSpPr>
@@ -30435,7 +31623,7 @@
           </p:cNvCxnSpPr>
           <p:nvPr>
             <p:custDataLst>
-              <p:tags r:id="rId25"/>
+              <p:tags r:id="rId24"/>
             </p:custDataLst>
           </p:nvPr>
         </p:nvCxnSpPr>
@@ -30468,7 +31656,7 @@
           </p:cNvCxnSpPr>
           <p:nvPr>
             <p:custDataLst>
-              <p:tags r:id="rId26"/>
+              <p:tags r:id="rId25"/>
             </p:custDataLst>
           </p:nvPr>
         </p:nvCxnSpPr>
@@ -30501,7 +31689,7 @@
           </p:cNvCxnSpPr>
           <p:nvPr>
             <p:custDataLst>
-              <p:tags r:id="rId27"/>
+              <p:tags r:id="rId26"/>
             </p:custDataLst>
           </p:nvPr>
         </p:nvCxnSpPr>
@@ -30531,7 +31719,7 @@
           <p:cNvSpPr/>
           <p:nvPr>
             <p:custDataLst>
-              <p:tags r:id="rId28"/>
+              <p:tags r:id="rId27"/>
             </p:custDataLst>
           </p:nvPr>
         </p:nvSpPr>
@@ -30587,7 +31775,7 @@
           <p:cNvSpPr txBox="1"/>
           <p:nvPr>
             <p:custDataLst>
-              <p:tags r:id="rId29"/>
+              <p:tags r:id="rId28"/>
             </p:custDataLst>
           </p:nvPr>
         </p:nvSpPr>
@@ -30638,7 +31826,7 @@
           <p:cNvSpPr/>
           <p:nvPr>
             <p:custDataLst>
-              <p:tags r:id="rId30"/>
+              <p:tags r:id="rId29"/>
             </p:custDataLst>
           </p:nvPr>
         </p:nvSpPr>
@@ -30700,7 +31888,7 @@
           </p:cNvCxnSpPr>
           <p:nvPr>
             <p:custDataLst>
-              <p:tags r:id="rId31"/>
+              <p:tags r:id="rId30"/>
             </p:custDataLst>
           </p:nvPr>
         </p:nvCxnSpPr>
@@ -30732,7 +31920,7 @@
           <p:cNvSpPr txBox="1"/>
           <p:nvPr>
             <p:custDataLst>
-              <p:tags r:id="rId32"/>
+              <p:tags r:id="rId31"/>
             </p:custDataLst>
           </p:nvPr>
         </p:nvSpPr>
@@ -30783,7 +31971,7 @@
           <p:cNvSpPr/>
           <p:nvPr>
             <p:custDataLst>
-              <p:tags r:id="rId33"/>
+              <p:tags r:id="rId32"/>
             </p:custDataLst>
           </p:nvPr>
         </p:nvSpPr>
@@ -30842,7 +32030,7 @@
           <p:cNvSpPr/>
           <p:nvPr>
             <p:custDataLst>
-              <p:tags r:id="rId34"/>
+              <p:tags r:id="rId33"/>
             </p:custDataLst>
           </p:nvPr>
         </p:nvSpPr>
@@ -30901,7 +32089,7 @@
           <p:cNvSpPr/>
           <p:nvPr>
             <p:custDataLst>
-              <p:tags r:id="rId35"/>
+              <p:tags r:id="rId34"/>
             </p:custDataLst>
           </p:nvPr>
         </p:nvSpPr>
@@ -30954,6 +32142,41 @@
           </a:p>
         </p:txBody>
       </p:sp>
+      <p:pic>
+        <p:nvPicPr>
+          <p:cNvPr id="37" name="Google Shape;320;p9">
+            <a:extLst>
+              <a:ext uri="{FF2B5EF4-FFF2-40B4-BE49-F238E27FC236}">
+                <a16:creationId xmlns:a16="http://schemas.microsoft.com/office/drawing/2014/main" id="{CCEF284D-58F0-4E3B-B0FA-61E34F894E0E}"/>
+              </a:ext>
+            </a:extLst>
+          </p:cNvPr>
+          <p:cNvPicPr preferRelativeResize="0"/>
+          <p:nvPr>
+            <p:custDataLst>
+              <p:tags r:id="rId35"/>
+            </p:custDataLst>
+          </p:nvPr>
+        </p:nvPicPr>
+        <p:blipFill>
+          <a:blip r:embed="rId39"/>
+          <a:srcRect/>
+          <a:stretch/>
+        </p:blipFill>
+        <p:spPr>
+          <a:xfrm>
+            <a:off x="958398" y="2690831"/>
+            <a:ext cx="2072082" cy="1332053"/>
+          </a:xfrm>
+          <a:prstGeom prst="rect">
+            <a:avLst/>
+          </a:prstGeom>
+          <a:noFill/>
+          <a:ln>
+            <a:noFill/>
+          </a:ln>
+        </p:spPr>
+      </p:pic>
     </p:spTree>
   </p:cSld>
   <p:clrMapOvr>
@@ -30980,6 +32203,41 @@
           <a:chExt cx="0" cy="0"/>
         </a:xfrm>
       </p:grpSpPr>
+      <p:pic>
+        <p:nvPicPr>
+          <p:cNvPr id="11" name="Google Shape;320;p9">
+            <a:extLst>
+              <a:ext uri="{FF2B5EF4-FFF2-40B4-BE49-F238E27FC236}">
+                <a16:creationId xmlns:a16="http://schemas.microsoft.com/office/drawing/2014/main" id="{E04AEE35-258C-44D6-8C3C-E4FA23AF7C39}"/>
+              </a:ext>
+            </a:extLst>
+          </p:cNvPr>
+          <p:cNvPicPr preferRelativeResize="0"/>
+          <p:nvPr>
+            <p:custDataLst>
+              <p:tags r:id="rId1"/>
+            </p:custDataLst>
+          </p:nvPr>
+        </p:nvPicPr>
+        <p:blipFill>
+          <a:blip r:embed="rId12"/>
+          <a:srcRect/>
+          <a:stretch/>
+        </p:blipFill>
+        <p:spPr>
+          <a:xfrm>
+            <a:off x="3200847" y="1670241"/>
+            <a:ext cx="3045336" cy="1717608"/>
+          </a:xfrm>
+          <a:prstGeom prst="rect">
+            <a:avLst/>
+          </a:prstGeom>
+          <a:noFill/>
+          <a:ln>
+            <a:noFill/>
+          </a:ln>
+        </p:spPr>
+      </p:pic>
       <p:sp>
         <p:nvSpPr>
           <p:cNvPr id="396" name="Google Shape;396;p11"/>
@@ -30989,7 +32247,7 @@
           <p:nvPr>
             <p:ph type="title"/>
             <p:custDataLst>
-              <p:tags r:id="rId1"/>
+              <p:tags r:id="rId2"/>
             </p:custDataLst>
           </p:nvPr>
         </p:nvSpPr>
@@ -31035,38 +32293,6 @@
           </a:p>
         </p:txBody>
       </p:sp>
-      <p:pic>
-        <p:nvPicPr>
-          <p:cNvPr id="397" name="Google Shape;397;p11"/>
-          <p:cNvPicPr preferRelativeResize="0"/>
-          <p:nvPr>
-            <p:custDataLst>
-              <p:tags r:id="rId2"/>
-            </p:custDataLst>
-          </p:nvPr>
-        </p:nvPicPr>
-        <p:blipFill>
-          <a:blip r:embed="rId12">
-            <a:alphaModFix/>
-          </a:blip>
-          <a:stretch>
-            <a:fillRect/>
-          </a:stretch>
-        </p:blipFill>
-        <p:spPr>
-          <a:xfrm>
-            <a:off x="3178234" y="1585508"/>
-            <a:ext cx="4364718" cy="2269972"/>
-          </a:xfrm>
-          <a:prstGeom prst="rect">
-            <a:avLst/>
-          </a:prstGeom>
-          <a:noFill/>
-          <a:ln>
-            <a:noFill/>
-          </a:ln>
-        </p:spPr>
-      </p:pic>
       <p:sp>
         <p:nvSpPr>
           <p:cNvPr id="398" name="Google Shape;398;p11"/>
@@ -31280,7 +32506,7 @@
               <a:buNone/>
             </a:pPr>
             <a:r>
-              <a:rPr sz="1800">
+              <a:rPr sz="1800" dirty="0">
                 <a:latin typeface="Calibri"/>
                 <a:ea typeface="Calibri"/>
                 <a:cs typeface="Calibri"/>
@@ -31288,7 +32514,7 @@
               </a:rPr>
               <a:t>GNSS</a:t>
             </a:r>
-            <a:endParaRPr/>
+            <a:endParaRPr dirty="0"/>
           </a:p>
         </p:txBody>
       </p:sp>
@@ -31304,7 +32530,7 @@
         </p:nvSpPr>
         <p:spPr>
           <a:xfrm>
-            <a:off x="5452434" y="1616667"/>
+            <a:off x="3719736" y="2394081"/>
             <a:ext cx="643566" cy="592500"/>
           </a:xfrm>
           <a:prstGeom prst="rect">
@@ -31339,7 +32565,7 @@
               <a:buNone/>
             </a:pPr>
             <a:r>
-              <a:rPr sz="1800">
+              <a:rPr sz="1800" dirty="0">
                 <a:latin typeface="Calibri"/>
                 <a:ea typeface="Calibri"/>
                 <a:cs typeface="Calibri"/>
@@ -31347,7 +32573,7 @@
               </a:rPr>
               <a:t>MAC</a:t>
             </a:r>
-            <a:endParaRPr/>
+            <a:endParaRPr dirty="0"/>
           </a:p>
         </p:txBody>
       </p:sp>
@@ -31682,19 +32908,19 @@
 
 <file path=ppt/tags/tag137.xml><?xml version="1.0" encoding="utf-8"?>
 <p:tagLst xmlns:a="http://schemas.openxmlformats.org/drawingml/2006/main" xmlns:r="http://schemas.openxmlformats.org/officeDocument/2006/relationships" xmlns:p="http://schemas.openxmlformats.org/presentationml/2006/main">
-  <p:tag name="AS_UNIQUEID" val="231"/>
+  <p:tag name="AS_UNIQUEID" val="232"/>
 </p:tagLst>
 </file>
 
 <file path=ppt/tags/tag138.xml><?xml version="1.0" encoding="utf-8"?>
 <p:tagLst xmlns:a="http://schemas.openxmlformats.org/drawingml/2006/main" xmlns:r="http://schemas.openxmlformats.org/officeDocument/2006/relationships" xmlns:p="http://schemas.openxmlformats.org/presentationml/2006/main">
-  <p:tag name="AS_UNIQUEID" val="232"/>
+  <p:tag name="AS_UNIQUEID" val="233"/>
 </p:tagLst>
 </file>
 
 <file path=ppt/tags/tag139.xml><?xml version="1.0" encoding="utf-8"?>
 <p:tagLst xmlns:a="http://schemas.openxmlformats.org/drawingml/2006/main" xmlns:r="http://schemas.openxmlformats.org/officeDocument/2006/relationships" xmlns:p="http://schemas.openxmlformats.org/presentationml/2006/main">
-  <p:tag name="AS_UNIQUEID" val="233"/>
+  <p:tag name="AS_UNIQUEID" val="234"/>
 </p:tagLst>
 </file>
 
@@ -31706,61 +32932,61 @@
 
 <file path=ppt/tags/tag140.xml><?xml version="1.0" encoding="utf-8"?>
 <p:tagLst xmlns:a="http://schemas.openxmlformats.org/drawingml/2006/main" xmlns:r="http://schemas.openxmlformats.org/officeDocument/2006/relationships" xmlns:p="http://schemas.openxmlformats.org/presentationml/2006/main">
-  <p:tag name="AS_UNIQUEID" val="234"/>
+  <p:tag name="AS_UNIQUEID" val="235"/>
 </p:tagLst>
 </file>
 
 <file path=ppt/tags/tag141.xml><?xml version="1.0" encoding="utf-8"?>
 <p:tagLst xmlns:a="http://schemas.openxmlformats.org/drawingml/2006/main" xmlns:r="http://schemas.openxmlformats.org/officeDocument/2006/relationships" xmlns:p="http://schemas.openxmlformats.org/presentationml/2006/main">
-  <p:tag name="AS_UNIQUEID" val="235"/>
+  <p:tag name="AS_UNIQUEID" val="236"/>
 </p:tagLst>
 </file>
 
 <file path=ppt/tags/tag142.xml><?xml version="1.0" encoding="utf-8"?>
 <p:tagLst xmlns:a="http://schemas.openxmlformats.org/drawingml/2006/main" xmlns:r="http://schemas.openxmlformats.org/officeDocument/2006/relationships" xmlns:p="http://schemas.openxmlformats.org/presentationml/2006/main">
-  <p:tag name="AS_UNIQUEID" val="236"/>
+  <p:tag name="AS_UNIQUEID" val="237"/>
 </p:tagLst>
 </file>
 
 <file path=ppt/tags/tag143.xml><?xml version="1.0" encoding="utf-8"?>
 <p:tagLst xmlns:a="http://schemas.openxmlformats.org/drawingml/2006/main" xmlns:r="http://schemas.openxmlformats.org/officeDocument/2006/relationships" xmlns:p="http://schemas.openxmlformats.org/presentationml/2006/main">
-  <p:tag name="AS_UNIQUEID" val="237"/>
+  <p:tag name="AS_UNIQUEID" val="238"/>
 </p:tagLst>
 </file>
 
 <file path=ppt/tags/tag144.xml><?xml version="1.0" encoding="utf-8"?>
 <p:tagLst xmlns:a="http://schemas.openxmlformats.org/drawingml/2006/main" xmlns:r="http://schemas.openxmlformats.org/officeDocument/2006/relationships" xmlns:p="http://schemas.openxmlformats.org/presentationml/2006/main">
-  <p:tag name="AS_UNIQUEID" val="238"/>
+  <p:tag name="AS_UNIQUEID" val="239"/>
 </p:tagLst>
 </file>
 
 <file path=ppt/tags/tag145.xml><?xml version="1.0" encoding="utf-8"?>
 <p:tagLst xmlns:a="http://schemas.openxmlformats.org/drawingml/2006/main" xmlns:r="http://schemas.openxmlformats.org/officeDocument/2006/relationships" xmlns:p="http://schemas.openxmlformats.org/presentationml/2006/main">
-  <p:tag name="AS_UNIQUEID" val="239"/>
+  <p:tag name="AS_UNIQUEID" val="240"/>
 </p:tagLst>
 </file>
 
 <file path=ppt/tags/tag146.xml><?xml version="1.0" encoding="utf-8"?>
 <p:tagLst xmlns:a="http://schemas.openxmlformats.org/drawingml/2006/main" xmlns:r="http://schemas.openxmlformats.org/officeDocument/2006/relationships" xmlns:p="http://schemas.openxmlformats.org/presentationml/2006/main">
-  <p:tag name="AS_UNIQUEID" val="240"/>
+  <p:tag name="AS_UNIQUEID" val="241"/>
 </p:tagLst>
 </file>
 
 <file path=ppt/tags/tag147.xml><?xml version="1.0" encoding="utf-8"?>
 <p:tagLst xmlns:a="http://schemas.openxmlformats.org/drawingml/2006/main" xmlns:r="http://schemas.openxmlformats.org/officeDocument/2006/relationships" xmlns:p="http://schemas.openxmlformats.org/presentationml/2006/main">
-  <p:tag name="AS_UNIQUEID" val="241"/>
+  <p:tag name="AS_UNIQUEID" val="242"/>
 </p:tagLst>
 </file>
 
 <file path=ppt/tags/tag148.xml><?xml version="1.0" encoding="utf-8"?>
 <p:tagLst xmlns:a="http://schemas.openxmlformats.org/drawingml/2006/main" xmlns:r="http://schemas.openxmlformats.org/officeDocument/2006/relationships" xmlns:p="http://schemas.openxmlformats.org/presentationml/2006/main">
-  <p:tag name="AS_UNIQUEID" val="242"/>
+  <p:tag name="AS_UNIQUEID" val="243"/>
 </p:tagLst>
 </file>
 
 <file path=ppt/tags/tag149.xml><?xml version="1.0" encoding="utf-8"?>
 <p:tagLst xmlns:a="http://schemas.openxmlformats.org/drawingml/2006/main" xmlns:r="http://schemas.openxmlformats.org/officeDocument/2006/relationships" xmlns:p="http://schemas.openxmlformats.org/presentationml/2006/main">
-  <p:tag name="AS_UNIQUEID" val="243"/>
+  <p:tag name="AS_UNIQUEID" val="244"/>
 </p:tagLst>
 </file>
 
@@ -31772,61 +32998,61 @@
 
 <file path=ppt/tags/tag150.xml><?xml version="1.0" encoding="utf-8"?>
 <p:tagLst xmlns:a="http://schemas.openxmlformats.org/drawingml/2006/main" xmlns:r="http://schemas.openxmlformats.org/officeDocument/2006/relationships" xmlns:p="http://schemas.openxmlformats.org/presentationml/2006/main">
-  <p:tag name="AS_UNIQUEID" val="244"/>
+  <p:tag name="AS_UNIQUEID" val="245"/>
 </p:tagLst>
 </file>
 
 <file path=ppt/tags/tag151.xml><?xml version="1.0" encoding="utf-8"?>
 <p:tagLst xmlns:a="http://schemas.openxmlformats.org/drawingml/2006/main" xmlns:r="http://schemas.openxmlformats.org/officeDocument/2006/relationships" xmlns:p="http://schemas.openxmlformats.org/presentationml/2006/main">
-  <p:tag name="AS_UNIQUEID" val="245"/>
+  <p:tag name="AS_UNIQUEID" val="246"/>
 </p:tagLst>
 </file>
 
 <file path=ppt/tags/tag152.xml><?xml version="1.0" encoding="utf-8"?>
 <p:tagLst xmlns:a="http://schemas.openxmlformats.org/drawingml/2006/main" xmlns:r="http://schemas.openxmlformats.org/officeDocument/2006/relationships" xmlns:p="http://schemas.openxmlformats.org/presentationml/2006/main">
-  <p:tag name="AS_UNIQUEID" val="246"/>
+  <p:tag name="AS_UNIQUEID" val="247"/>
 </p:tagLst>
 </file>
 
 <file path=ppt/tags/tag153.xml><?xml version="1.0" encoding="utf-8"?>
 <p:tagLst xmlns:a="http://schemas.openxmlformats.org/drawingml/2006/main" xmlns:r="http://schemas.openxmlformats.org/officeDocument/2006/relationships" xmlns:p="http://schemas.openxmlformats.org/presentationml/2006/main">
-  <p:tag name="AS_UNIQUEID" val="247"/>
+  <p:tag name="AS_UNIQUEID" val="248"/>
 </p:tagLst>
 </file>
 
 <file path=ppt/tags/tag154.xml><?xml version="1.0" encoding="utf-8"?>
 <p:tagLst xmlns:a="http://schemas.openxmlformats.org/drawingml/2006/main" xmlns:r="http://schemas.openxmlformats.org/officeDocument/2006/relationships" xmlns:p="http://schemas.openxmlformats.org/presentationml/2006/main">
-  <p:tag name="AS_UNIQUEID" val="248"/>
+  <p:tag name="AS_UNIQUEID" val="249"/>
 </p:tagLst>
 </file>
 
 <file path=ppt/tags/tag155.xml><?xml version="1.0" encoding="utf-8"?>
 <p:tagLst xmlns:a="http://schemas.openxmlformats.org/drawingml/2006/main" xmlns:r="http://schemas.openxmlformats.org/officeDocument/2006/relationships" xmlns:p="http://schemas.openxmlformats.org/presentationml/2006/main">
-  <p:tag name="AS_UNIQUEID" val="249"/>
+  <p:tag name="AS_UNIQUEID" val="250"/>
 </p:tagLst>
 </file>
 
 <file path=ppt/tags/tag156.xml><?xml version="1.0" encoding="utf-8"?>
 <p:tagLst xmlns:a="http://schemas.openxmlformats.org/drawingml/2006/main" xmlns:r="http://schemas.openxmlformats.org/officeDocument/2006/relationships" xmlns:p="http://schemas.openxmlformats.org/presentationml/2006/main">
-  <p:tag name="AS_UNIQUEID" val="250"/>
+  <p:tag name="AS_UNIQUEID" val="251"/>
 </p:tagLst>
 </file>
 
 <file path=ppt/tags/tag157.xml><?xml version="1.0" encoding="utf-8"?>
 <p:tagLst xmlns:a="http://schemas.openxmlformats.org/drawingml/2006/main" xmlns:r="http://schemas.openxmlformats.org/officeDocument/2006/relationships" xmlns:p="http://schemas.openxmlformats.org/presentationml/2006/main">
-  <p:tag name="AS_UNIQUEID" val="251"/>
+  <p:tag name="AS_UNIQUEID" val="252"/>
 </p:tagLst>
 </file>
 
 <file path=ppt/tags/tag158.xml><?xml version="1.0" encoding="utf-8"?>
 <p:tagLst xmlns:a="http://schemas.openxmlformats.org/drawingml/2006/main" xmlns:r="http://schemas.openxmlformats.org/officeDocument/2006/relationships" xmlns:p="http://schemas.openxmlformats.org/presentationml/2006/main">
-  <p:tag name="AS_UNIQUEID" val="252"/>
+  <p:tag name="AS_UNIQUEID" val="253"/>
 </p:tagLst>
 </file>
 
 <file path=ppt/tags/tag159.xml><?xml version="1.0" encoding="utf-8"?>
 <p:tagLst xmlns:a="http://schemas.openxmlformats.org/drawingml/2006/main" xmlns:r="http://schemas.openxmlformats.org/officeDocument/2006/relationships" xmlns:p="http://schemas.openxmlformats.org/presentationml/2006/main">
-  <p:tag name="AS_UNIQUEID" val="253"/>
+  <p:tag name="AS_UNIQUEID" val="254"/>
 </p:tagLst>
 </file>
 
@@ -31838,61 +33064,61 @@
 
 <file path=ppt/tags/tag160.xml><?xml version="1.0" encoding="utf-8"?>
 <p:tagLst xmlns:a="http://schemas.openxmlformats.org/drawingml/2006/main" xmlns:r="http://schemas.openxmlformats.org/officeDocument/2006/relationships" xmlns:p="http://schemas.openxmlformats.org/presentationml/2006/main">
-  <p:tag name="AS_UNIQUEID" val="254"/>
+  <p:tag name="AS_UNIQUEID" val="255"/>
 </p:tagLst>
 </file>
 
 <file path=ppt/tags/tag161.xml><?xml version="1.0" encoding="utf-8"?>
 <p:tagLst xmlns:a="http://schemas.openxmlformats.org/drawingml/2006/main" xmlns:r="http://schemas.openxmlformats.org/officeDocument/2006/relationships" xmlns:p="http://schemas.openxmlformats.org/presentationml/2006/main">
-  <p:tag name="AS_UNIQUEID" val="255"/>
+  <p:tag name="AS_UNIQUEID" val="256"/>
 </p:tagLst>
 </file>
 
 <file path=ppt/tags/tag162.xml><?xml version="1.0" encoding="utf-8"?>
 <p:tagLst xmlns:a="http://schemas.openxmlformats.org/drawingml/2006/main" xmlns:r="http://schemas.openxmlformats.org/officeDocument/2006/relationships" xmlns:p="http://schemas.openxmlformats.org/presentationml/2006/main">
-  <p:tag name="AS_UNIQUEID" val="256"/>
+  <p:tag name="AS_UNIQUEID" val="257"/>
 </p:tagLst>
 </file>
 
 <file path=ppt/tags/tag163.xml><?xml version="1.0" encoding="utf-8"?>
 <p:tagLst xmlns:a="http://schemas.openxmlformats.org/drawingml/2006/main" xmlns:r="http://schemas.openxmlformats.org/officeDocument/2006/relationships" xmlns:p="http://schemas.openxmlformats.org/presentationml/2006/main">
-  <p:tag name="AS_UNIQUEID" val="257"/>
+  <p:tag name="AS_UNIQUEID" val="258"/>
 </p:tagLst>
 </file>
 
 <file path=ppt/tags/tag164.xml><?xml version="1.0" encoding="utf-8"?>
 <p:tagLst xmlns:a="http://schemas.openxmlformats.org/drawingml/2006/main" xmlns:r="http://schemas.openxmlformats.org/officeDocument/2006/relationships" xmlns:p="http://schemas.openxmlformats.org/presentationml/2006/main">
-  <p:tag name="AS_UNIQUEID" val="258"/>
+  <p:tag name="AS_UNIQUEID" val="259"/>
 </p:tagLst>
 </file>
 
 <file path=ppt/tags/tag165.xml><?xml version="1.0" encoding="utf-8"?>
 <p:tagLst xmlns:a="http://schemas.openxmlformats.org/drawingml/2006/main" xmlns:r="http://schemas.openxmlformats.org/officeDocument/2006/relationships" xmlns:p="http://schemas.openxmlformats.org/presentationml/2006/main">
-  <p:tag name="AS_UNIQUEID" val="259"/>
+  <p:tag name="AS_UNIQUEID" val="260"/>
 </p:tagLst>
 </file>
 
 <file path=ppt/tags/tag166.xml><?xml version="1.0" encoding="utf-8"?>
 <p:tagLst xmlns:a="http://schemas.openxmlformats.org/drawingml/2006/main" xmlns:r="http://schemas.openxmlformats.org/officeDocument/2006/relationships" xmlns:p="http://schemas.openxmlformats.org/presentationml/2006/main">
-  <p:tag name="AS_UNIQUEID" val="260"/>
+  <p:tag name="AS_UNIQUEID" val="261"/>
 </p:tagLst>
 </file>
 
 <file path=ppt/tags/tag167.xml><?xml version="1.0" encoding="utf-8"?>
 <p:tagLst xmlns:a="http://schemas.openxmlformats.org/drawingml/2006/main" xmlns:r="http://schemas.openxmlformats.org/officeDocument/2006/relationships" xmlns:p="http://schemas.openxmlformats.org/presentationml/2006/main">
-  <p:tag name="AS_UNIQUEID" val="261"/>
+  <p:tag name="AS_UNIQUEID" val="262"/>
 </p:tagLst>
 </file>
 
 <file path=ppt/tags/tag168.xml><?xml version="1.0" encoding="utf-8"?>
 <p:tagLst xmlns:a="http://schemas.openxmlformats.org/drawingml/2006/main" xmlns:r="http://schemas.openxmlformats.org/officeDocument/2006/relationships" xmlns:p="http://schemas.openxmlformats.org/presentationml/2006/main">
-  <p:tag name="AS_UNIQUEID" val="262"/>
+  <p:tag name="AS_UNIQUEID" val="263"/>
 </p:tagLst>
 </file>
 
 <file path=ppt/tags/tag169.xml><?xml version="1.0" encoding="utf-8"?>
 <p:tagLst xmlns:a="http://schemas.openxmlformats.org/drawingml/2006/main" xmlns:r="http://schemas.openxmlformats.org/officeDocument/2006/relationships" xmlns:p="http://schemas.openxmlformats.org/presentationml/2006/main">
-  <p:tag name="AS_UNIQUEID" val="263"/>
+  <p:tag name="AS_UNIQUEID" val="196"/>
 </p:tagLst>
 </file>
 
@@ -31916,16 +33142,16 @@
 
 <file path=ppt/tags/tag172.xml><?xml version="1.0" encoding="utf-8"?>
 <p:tagLst xmlns:a="http://schemas.openxmlformats.org/drawingml/2006/main" xmlns:r="http://schemas.openxmlformats.org/officeDocument/2006/relationships" xmlns:p="http://schemas.openxmlformats.org/presentationml/2006/main">
+  <p:tag name="AS_UNIQUEID" val="196"/>
+</p:tagLst>
+</file>
+
+<file path=ppt/tags/tag173.xml><?xml version="1.0" encoding="utf-8"?>
+<p:tagLst xmlns:a="http://schemas.openxmlformats.org/drawingml/2006/main" xmlns:r="http://schemas.openxmlformats.org/officeDocument/2006/relationships" xmlns:p="http://schemas.openxmlformats.org/presentationml/2006/main">
   <p:tag name="AS_UNIQUEID" val="264"/>
 </p:tagLst>
 </file>
 
-<file path=ppt/tags/tag173.xml><?xml version="1.0" encoding="utf-8"?>
-<p:tagLst xmlns:a="http://schemas.openxmlformats.org/drawingml/2006/main" xmlns:r="http://schemas.openxmlformats.org/officeDocument/2006/relationships" xmlns:p="http://schemas.openxmlformats.org/presentationml/2006/main">
-  <p:tag name="AS_UNIQUEID" val="265"/>
-</p:tagLst>
-</file>
-
 <file path=ppt/tags/tag174.xml><?xml version="1.0" encoding="utf-8"?>
 <p:tagLst xmlns:a="http://schemas.openxmlformats.org/drawingml/2006/main" xmlns:r="http://schemas.openxmlformats.org/officeDocument/2006/relationships" xmlns:p="http://schemas.openxmlformats.org/presentationml/2006/main">
   <p:tag name="AS_UNIQUEID" val="266"/>
@@ -32012,952 +33238,952 @@
 
 <file path=ppt/tags/tag187.xml><?xml version="1.0" encoding="utf-8"?>
 <p:tagLst xmlns:a="http://schemas.openxmlformats.org/drawingml/2006/main" xmlns:r="http://schemas.openxmlformats.org/officeDocument/2006/relationships" xmlns:p="http://schemas.openxmlformats.org/presentationml/2006/main">
+  <p:tag name="AS_UNIQUEID" val="196"/>
+</p:tagLst>
+</file>
+
+<file path=ppt/tags/tag188.xml><?xml version="1.0" encoding="utf-8"?>
+<p:tagLst xmlns:a="http://schemas.openxmlformats.org/drawingml/2006/main" xmlns:r="http://schemas.openxmlformats.org/officeDocument/2006/relationships" xmlns:p="http://schemas.openxmlformats.org/presentationml/2006/main">
+  <p:tag name="AS_UNIQUEID" val="196"/>
+</p:tagLst>
+</file>
+
+<file path=ppt/tags/tag189.xml><?xml version="1.0" encoding="utf-8"?>
+<p:tagLst xmlns:a="http://schemas.openxmlformats.org/drawingml/2006/main" xmlns:r="http://schemas.openxmlformats.org/officeDocument/2006/relationships" xmlns:p="http://schemas.openxmlformats.org/presentationml/2006/main">
   <p:tag name="AS_UNIQUEID" val="623"/>
 </p:tagLst>
 </file>
 
-<file path=ppt/tags/tag188.xml><?xml version="1.0" encoding="utf-8"?>
+<file path=ppt/tags/tag19.xml><?xml version="1.0" encoding="utf-8"?>
+<p:tagLst xmlns:a="http://schemas.openxmlformats.org/drawingml/2006/main" xmlns:r="http://schemas.openxmlformats.org/officeDocument/2006/relationships" xmlns:p="http://schemas.openxmlformats.org/presentationml/2006/main">
+  <p:tag name="AS_UNIQUEID" val="504"/>
+</p:tagLst>
+</file>
+
+<file path=ppt/tags/tag190.xml><?xml version="1.0" encoding="utf-8"?>
 <p:tagLst xmlns:a="http://schemas.openxmlformats.org/drawingml/2006/main" xmlns:r="http://schemas.openxmlformats.org/officeDocument/2006/relationships" xmlns:p="http://schemas.openxmlformats.org/presentationml/2006/main">
   <p:tag name="AS_UNIQUEID" val="624"/>
 </p:tagLst>
 </file>
 
-<file path=ppt/tags/tag189.xml><?xml version="1.0" encoding="utf-8"?>
-<p:tagLst xmlns:a="http://schemas.openxmlformats.org/drawingml/2006/main" xmlns:r="http://schemas.openxmlformats.org/officeDocument/2006/relationships" xmlns:p="http://schemas.openxmlformats.org/presentationml/2006/main">
-  <p:tag name="AS_UNIQUEID" val="625"/>
-</p:tagLst>
-</file>
-
-<file path=ppt/tags/tag19.xml><?xml version="1.0" encoding="utf-8"?>
-<p:tagLst xmlns:a="http://schemas.openxmlformats.org/drawingml/2006/main" xmlns:r="http://schemas.openxmlformats.org/officeDocument/2006/relationships" xmlns:p="http://schemas.openxmlformats.org/presentationml/2006/main">
-  <p:tag name="AS_UNIQUEID" val="504"/>
-</p:tagLst>
-</file>
-
-<file path=ppt/tags/tag190.xml><?xml version="1.0" encoding="utf-8"?>
+<file path=ppt/tags/tag191.xml><?xml version="1.0" encoding="utf-8"?>
 <p:tagLst xmlns:a="http://schemas.openxmlformats.org/drawingml/2006/main" xmlns:r="http://schemas.openxmlformats.org/officeDocument/2006/relationships" xmlns:p="http://schemas.openxmlformats.org/presentationml/2006/main">
   <p:tag name="AS_UNIQUEID" val="626"/>
 </p:tagLst>
 </file>
 
-<file path=ppt/tags/tag191.xml><?xml version="1.0" encoding="utf-8"?>
+<file path=ppt/tags/tag192.xml><?xml version="1.0" encoding="utf-8"?>
 <p:tagLst xmlns:a="http://schemas.openxmlformats.org/drawingml/2006/main" xmlns:r="http://schemas.openxmlformats.org/officeDocument/2006/relationships" xmlns:p="http://schemas.openxmlformats.org/presentationml/2006/main">
   <p:tag name="AS_UNIQUEID" val="627"/>
 </p:tagLst>
 </file>
 
-<file path=ppt/tags/tag192.xml><?xml version="1.0" encoding="utf-8"?>
+<file path=ppt/tags/tag193.xml><?xml version="1.0" encoding="utf-8"?>
 <p:tagLst xmlns:a="http://schemas.openxmlformats.org/drawingml/2006/main" xmlns:r="http://schemas.openxmlformats.org/officeDocument/2006/relationships" xmlns:p="http://schemas.openxmlformats.org/presentationml/2006/main">
   <p:tag name="AS_UNIQUEID" val="628"/>
 </p:tagLst>
 </file>
 
-<file path=ppt/tags/tag193.xml><?xml version="1.0" encoding="utf-8"?>
+<file path=ppt/tags/tag194.xml><?xml version="1.0" encoding="utf-8"?>
 <p:tagLst xmlns:a="http://schemas.openxmlformats.org/drawingml/2006/main" xmlns:r="http://schemas.openxmlformats.org/officeDocument/2006/relationships" xmlns:p="http://schemas.openxmlformats.org/presentationml/2006/main">
   <p:tag name="AS_UNIQUEID" val="629"/>
 </p:tagLst>
 </file>
 
-<file path=ppt/tags/tag194.xml><?xml version="1.0" encoding="utf-8"?>
+<file path=ppt/tags/tag195.xml><?xml version="1.0" encoding="utf-8"?>
 <p:tagLst xmlns:a="http://schemas.openxmlformats.org/drawingml/2006/main" xmlns:r="http://schemas.openxmlformats.org/officeDocument/2006/relationships" xmlns:p="http://schemas.openxmlformats.org/presentationml/2006/main">
   <p:tag name="AS_UNIQUEID" val="630"/>
 </p:tagLst>
 </file>
 
-<file path=ppt/tags/tag195.xml><?xml version="1.0" encoding="utf-8"?>
+<file path=ppt/tags/tag196.xml><?xml version="1.0" encoding="utf-8"?>
 <p:tagLst xmlns:a="http://schemas.openxmlformats.org/drawingml/2006/main" xmlns:r="http://schemas.openxmlformats.org/officeDocument/2006/relationships" xmlns:p="http://schemas.openxmlformats.org/presentationml/2006/main">
   <p:tag name="AS_UNIQUEID" val="631"/>
 </p:tagLst>
 </file>
 
-<file path=ppt/tags/tag196.xml><?xml version="1.0" encoding="utf-8"?>
+<file path=ppt/tags/tag197.xml><?xml version="1.0" encoding="utf-8"?>
 <p:tagLst xmlns:a="http://schemas.openxmlformats.org/drawingml/2006/main" xmlns:r="http://schemas.openxmlformats.org/officeDocument/2006/relationships" xmlns:p="http://schemas.openxmlformats.org/presentationml/2006/main">
   <p:tag name="AS_UNIQUEID" val="632"/>
 </p:tagLst>
 </file>
 
-<file path=ppt/tags/tag197.xml><?xml version="1.0" encoding="utf-8"?>
+<file path=ppt/tags/tag198.xml><?xml version="1.0" encoding="utf-8"?>
 <p:tagLst xmlns:a="http://schemas.openxmlformats.org/drawingml/2006/main" xmlns:r="http://schemas.openxmlformats.org/officeDocument/2006/relationships" xmlns:p="http://schemas.openxmlformats.org/presentationml/2006/main">
   <p:tag name="AS_UNIQUEID" val="633"/>
 </p:tagLst>
 </file>
 
-<file path=ppt/tags/tag198.xml><?xml version="1.0" encoding="utf-8"?>
+<file path=ppt/tags/tag199.xml><?xml version="1.0" encoding="utf-8"?>
 <p:tagLst xmlns:a="http://schemas.openxmlformats.org/drawingml/2006/main" xmlns:r="http://schemas.openxmlformats.org/officeDocument/2006/relationships" xmlns:p="http://schemas.openxmlformats.org/presentationml/2006/main">
   <p:tag name="AS_UNIQUEID" val="634"/>
 </p:tagLst>
 </file>
 
-<file path=ppt/tags/tag199.xml><?xml version="1.0" encoding="utf-8"?>
+<file path=ppt/tags/tag2.xml><?xml version="1.0" encoding="utf-8"?>
+<p:tagLst xmlns:a="http://schemas.openxmlformats.org/drawingml/2006/main" xmlns:r="http://schemas.openxmlformats.org/officeDocument/2006/relationships" xmlns:p="http://schemas.openxmlformats.org/presentationml/2006/main">
+  <p:tag name="AS_UNIQUEID" val="559"/>
+</p:tagLst>
+</file>
+
+<file path=ppt/tags/tag20.xml><?xml version="1.0" encoding="utf-8"?>
+<p:tagLst xmlns:a="http://schemas.openxmlformats.org/drawingml/2006/main" xmlns:r="http://schemas.openxmlformats.org/officeDocument/2006/relationships" xmlns:p="http://schemas.openxmlformats.org/presentationml/2006/main">
+  <p:tag name="AS_UNIQUEID" val="505"/>
+</p:tagLst>
+</file>
+
+<file path=ppt/tags/tag200.xml><?xml version="1.0" encoding="utf-8"?>
 <p:tagLst xmlns:a="http://schemas.openxmlformats.org/drawingml/2006/main" xmlns:r="http://schemas.openxmlformats.org/officeDocument/2006/relationships" xmlns:p="http://schemas.openxmlformats.org/presentationml/2006/main">
   <p:tag name="AS_UNIQUEID" val="635"/>
 </p:tagLst>
 </file>
 
-<file path=ppt/tags/tag2.xml><?xml version="1.0" encoding="utf-8"?>
-<p:tagLst xmlns:a="http://schemas.openxmlformats.org/drawingml/2006/main" xmlns:r="http://schemas.openxmlformats.org/officeDocument/2006/relationships" xmlns:p="http://schemas.openxmlformats.org/presentationml/2006/main">
-  <p:tag name="AS_UNIQUEID" val="559"/>
-</p:tagLst>
-</file>
-
-<file path=ppt/tags/tag20.xml><?xml version="1.0" encoding="utf-8"?>
-<p:tagLst xmlns:a="http://schemas.openxmlformats.org/drawingml/2006/main" xmlns:r="http://schemas.openxmlformats.org/officeDocument/2006/relationships" xmlns:p="http://schemas.openxmlformats.org/presentationml/2006/main">
-  <p:tag name="AS_UNIQUEID" val="505"/>
-</p:tagLst>
-</file>
-
-<file path=ppt/tags/tag200.xml><?xml version="1.0" encoding="utf-8"?>
+<file path=ppt/tags/tag201.xml><?xml version="1.0" encoding="utf-8"?>
 <p:tagLst xmlns:a="http://schemas.openxmlformats.org/drawingml/2006/main" xmlns:r="http://schemas.openxmlformats.org/officeDocument/2006/relationships" xmlns:p="http://schemas.openxmlformats.org/presentationml/2006/main">
   <p:tag name="AS_UNIQUEID" val="636"/>
 </p:tagLst>
 </file>
 
-<file path=ppt/tags/tag201.xml><?xml version="1.0" encoding="utf-8"?>
+<file path=ppt/tags/tag202.xml><?xml version="1.0" encoding="utf-8"?>
 <p:tagLst xmlns:a="http://schemas.openxmlformats.org/drawingml/2006/main" xmlns:r="http://schemas.openxmlformats.org/officeDocument/2006/relationships" xmlns:p="http://schemas.openxmlformats.org/presentationml/2006/main">
   <p:tag name="AS_UNIQUEID" val="637"/>
 </p:tagLst>
 </file>
 
-<file path=ppt/tags/tag202.xml><?xml version="1.0" encoding="utf-8"?>
+<file path=ppt/tags/tag203.xml><?xml version="1.0" encoding="utf-8"?>
 <p:tagLst xmlns:a="http://schemas.openxmlformats.org/drawingml/2006/main" xmlns:r="http://schemas.openxmlformats.org/officeDocument/2006/relationships" xmlns:p="http://schemas.openxmlformats.org/presentationml/2006/main">
   <p:tag name="AS_UNIQUEID" val="638"/>
 </p:tagLst>
 </file>
 
-<file path=ppt/tags/tag203.xml><?xml version="1.0" encoding="utf-8"?>
+<file path=ppt/tags/tag204.xml><?xml version="1.0" encoding="utf-8"?>
 <p:tagLst xmlns:a="http://schemas.openxmlformats.org/drawingml/2006/main" xmlns:r="http://schemas.openxmlformats.org/officeDocument/2006/relationships" xmlns:p="http://schemas.openxmlformats.org/presentationml/2006/main">
   <p:tag name="AS_UNIQUEID" val="639"/>
 </p:tagLst>
 </file>
 
-<file path=ppt/tags/tag204.xml><?xml version="1.0" encoding="utf-8"?>
+<file path=ppt/tags/tag205.xml><?xml version="1.0" encoding="utf-8"?>
 <p:tagLst xmlns:a="http://schemas.openxmlformats.org/drawingml/2006/main" xmlns:r="http://schemas.openxmlformats.org/officeDocument/2006/relationships" xmlns:p="http://schemas.openxmlformats.org/presentationml/2006/main">
   <p:tag name="AS_UNIQUEID" val="620"/>
 </p:tagLst>
 </file>
 
-<file path=ppt/tags/tag205.xml><?xml version="1.0" encoding="utf-8"?>
+<file path=ppt/tags/tag206.xml><?xml version="1.0" encoding="utf-8"?>
 <p:tagLst xmlns:a="http://schemas.openxmlformats.org/drawingml/2006/main" xmlns:r="http://schemas.openxmlformats.org/officeDocument/2006/relationships" xmlns:p="http://schemas.openxmlformats.org/presentationml/2006/main">
   <p:tag name="AS_UNIQUEID" val="621"/>
 </p:tagLst>
 </file>
 
-<file path=ppt/tags/tag206.xml><?xml version="1.0" encoding="utf-8"?>
+<file path=ppt/tags/tag207.xml><?xml version="1.0" encoding="utf-8"?>
 <p:tagLst xmlns:a="http://schemas.openxmlformats.org/drawingml/2006/main" xmlns:r="http://schemas.openxmlformats.org/officeDocument/2006/relationships" xmlns:p="http://schemas.openxmlformats.org/presentationml/2006/main">
   <p:tag name="AS_UNIQUEID" val="277"/>
 </p:tagLst>
 </file>
 
-<file path=ppt/tags/tag207.xml><?xml version="1.0" encoding="utf-8"?>
+<file path=ppt/tags/tag208.xml><?xml version="1.0" encoding="utf-8"?>
 <p:tagLst xmlns:a="http://schemas.openxmlformats.org/drawingml/2006/main" xmlns:r="http://schemas.openxmlformats.org/officeDocument/2006/relationships" xmlns:p="http://schemas.openxmlformats.org/presentationml/2006/main">
   <p:tag name="AS_UNIQUEID" val="278"/>
 </p:tagLst>
 </file>
 
-<file path=ppt/tags/tag208.xml><?xml version="1.0" encoding="utf-8"?>
+<file path=ppt/tags/tag209.xml><?xml version="1.0" encoding="utf-8"?>
 <p:tagLst xmlns:a="http://schemas.openxmlformats.org/drawingml/2006/main" xmlns:r="http://schemas.openxmlformats.org/officeDocument/2006/relationships" xmlns:p="http://schemas.openxmlformats.org/presentationml/2006/main">
   <p:tag name="AS_UNIQUEID" val="279"/>
 </p:tagLst>
 </file>
 
-<file path=ppt/tags/tag209.xml><?xml version="1.0" encoding="utf-8"?>
+<file path=ppt/tags/tag21.xml><?xml version="1.0" encoding="utf-8"?>
+<p:tagLst xmlns:a="http://schemas.openxmlformats.org/drawingml/2006/main" xmlns:r="http://schemas.openxmlformats.org/officeDocument/2006/relationships" xmlns:p="http://schemas.openxmlformats.org/presentationml/2006/main">
+  <p:tag name="AS_UNIQUEID" val="506"/>
+</p:tagLst>
+</file>
+
+<file path=ppt/tags/tag210.xml><?xml version="1.0" encoding="utf-8"?>
 <p:tagLst xmlns:a="http://schemas.openxmlformats.org/drawingml/2006/main" xmlns:r="http://schemas.openxmlformats.org/officeDocument/2006/relationships" xmlns:p="http://schemas.openxmlformats.org/presentationml/2006/main">
   <p:tag name="AS_UNIQUEID" val="641"/>
 </p:tagLst>
 </file>
 
-<file path=ppt/tags/tag21.xml><?xml version="1.0" encoding="utf-8"?>
-<p:tagLst xmlns:a="http://schemas.openxmlformats.org/drawingml/2006/main" xmlns:r="http://schemas.openxmlformats.org/officeDocument/2006/relationships" xmlns:p="http://schemas.openxmlformats.org/presentationml/2006/main">
-  <p:tag name="AS_UNIQUEID" val="506"/>
-</p:tagLst>
-</file>
-
-<file path=ppt/tags/tag210.xml><?xml version="1.0" encoding="utf-8"?>
+<file path=ppt/tags/tag211.xml><?xml version="1.0" encoding="utf-8"?>
 <p:tagLst xmlns:a="http://schemas.openxmlformats.org/drawingml/2006/main" xmlns:r="http://schemas.openxmlformats.org/officeDocument/2006/relationships" xmlns:p="http://schemas.openxmlformats.org/presentationml/2006/main">
   <p:tag name="AS_UNIQUEID" val="642"/>
 </p:tagLst>
 </file>
 
-<file path=ppt/tags/tag211.xml><?xml version="1.0" encoding="utf-8"?>
+<file path=ppt/tags/tag212.xml><?xml version="1.0" encoding="utf-8"?>
 <p:tagLst xmlns:a="http://schemas.openxmlformats.org/drawingml/2006/main" xmlns:r="http://schemas.openxmlformats.org/officeDocument/2006/relationships" xmlns:p="http://schemas.openxmlformats.org/presentationml/2006/main">
   <p:tag name="AS_UNIQUEID" val="280"/>
 </p:tagLst>
 </file>
 
-<file path=ppt/tags/tag212.xml><?xml version="1.0" encoding="utf-8"?>
+<file path=ppt/tags/tag213.xml><?xml version="1.0" encoding="utf-8"?>
 <p:tagLst xmlns:a="http://schemas.openxmlformats.org/drawingml/2006/main" xmlns:r="http://schemas.openxmlformats.org/officeDocument/2006/relationships" xmlns:p="http://schemas.openxmlformats.org/presentationml/2006/main">
   <p:tag name="AS_UNIQUEID" val="281"/>
 </p:tagLst>
 </file>
 
-<file path=ppt/tags/tag213.xml><?xml version="1.0" encoding="utf-8"?>
+<file path=ppt/tags/tag214.xml><?xml version="1.0" encoding="utf-8"?>
 <p:tagLst xmlns:a="http://schemas.openxmlformats.org/drawingml/2006/main" xmlns:r="http://schemas.openxmlformats.org/officeDocument/2006/relationships" xmlns:p="http://schemas.openxmlformats.org/presentationml/2006/main">
   <p:tag name="AS_UNIQUEID" val="645"/>
 </p:tagLst>
 </file>
 
-<file path=ppt/tags/tag214.xml><?xml version="1.0" encoding="utf-8"?>
+<file path=ppt/tags/tag215.xml><?xml version="1.0" encoding="utf-8"?>
 <p:tagLst xmlns:a="http://schemas.openxmlformats.org/drawingml/2006/main" xmlns:r="http://schemas.openxmlformats.org/officeDocument/2006/relationships" xmlns:p="http://schemas.openxmlformats.org/presentationml/2006/main">
   <p:tag name="AS_UNIQUEID" val="646"/>
 </p:tagLst>
 </file>
 
-<file path=ppt/tags/tag215.xml><?xml version="1.0" encoding="utf-8"?>
+<file path=ppt/tags/tag216.xml><?xml version="1.0" encoding="utf-8"?>
 <p:tagLst xmlns:a="http://schemas.openxmlformats.org/drawingml/2006/main" xmlns:r="http://schemas.openxmlformats.org/officeDocument/2006/relationships" xmlns:p="http://schemas.openxmlformats.org/presentationml/2006/main">
   <p:tag name="AS_UNIQUEID" val="647"/>
 </p:tagLst>
 </file>
 
-<file path=ppt/tags/tag216.xml><?xml version="1.0" encoding="utf-8"?>
+<file path=ppt/tags/tag217.xml><?xml version="1.0" encoding="utf-8"?>
 <p:tagLst xmlns:a="http://schemas.openxmlformats.org/drawingml/2006/main" xmlns:r="http://schemas.openxmlformats.org/officeDocument/2006/relationships" xmlns:p="http://schemas.openxmlformats.org/presentationml/2006/main">
   <p:tag name="AS_UNIQUEID" val="282"/>
 </p:tagLst>
 </file>
 
-<file path=ppt/tags/tag217.xml><?xml version="1.0" encoding="utf-8"?>
+<file path=ppt/tags/tag218.xml><?xml version="1.0" encoding="utf-8"?>
 <p:tagLst xmlns:a="http://schemas.openxmlformats.org/drawingml/2006/main" xmlns:r="http://schemas.openxmlformats.org/officeDocument/2006/relationships" xmlns:p="http://schemas.openxmlformats.org/presentationml/2006/main">
   <p:tag name="AS_UNIQUEID" val="283"/>
 </p:tagLst>
 </file>
 
-<file path=ppt/tags/tag218.xml><?xml version="1.0" encoding="utf-8"?>
+<file path=ppt/tags/tag219.xml><?xml version="1.0" encoding="utf-8"?>
 <p:tagLst xmlns:a="http://schemas.openxmlformats.org/drawingml/2006/main" xmlns:r="http://schemas.openxmlformats.org/officeDocument/2006/relationships" xmlns:p="http://schemas.openxmlformats.org/presentationml/2006/main">
   <p:tag name="AS_UNIQUEID" val="284"/>
 </p:tagLst>
 </file>
 
-<file path=ppt/tags/tag219.xml><?xml version="1.0" encoding="utf-8"?>
+<file path=ppt/tags/tag22.xml><?xml version="1.0" encoding="utf-8"?>
+<p:tagLst xmlns:a="http://schemas.openxmlformats.org/drawingml/2006/main" xmlns:r="http://schemas.openxmlformats.org/officeDocument/2006/relationships" xmlns:p="http://schemas.openxmlformats.org/presentationml/2006/main">
+  <p:tag name="AS_UNIQUEID" val="508"/>
+</p:tagLst>
+</file>
+
+<file path=ppt/tags/tag220.xml><?xml version="1.0" encoding="utf-8"?>
 <p:tagLst xmlns:a="http://schemas.openxmlformats.org/drawingml/2006/main" xmlns:r="http://schemas.openxmlformats.org/officeDocument/2006/relationships" xmlns:p="http://schemas.openxmlformats.org/presentationml/2006/main">
   <p:tag name="AS_UNIQUEID" val="285"/>
 </p:tagLst>
 </file>
 
-<file path=ppt/tags/tag22.xml><?xml version="1.0" encoding="utf-8"?>
-<p:tagLst xmlns:a="http://schemas.openxmlformats.org/drawingml/2006/main" xmlns:r="http://schemas.openxmlformats.org/officeDocument/2006/relationships" xmlns:p="http://schemas.openxmlformats.org/presentationml/2006/main">
-  <p:tag name="AS_UNIQUEID" val="508"/>
-</p:tagLst>
-</file>
-
-<file path=ppt/tags/tag220.xml><?xml version="1.0" encoding="utf-8"?>
+<file path=ppt/tags/tag221.xml><?xml version="1.0" encoding="utf-8"?>
 <p:tagLst xmlns:a="http://schemas.openxmlformats.org/drawingml/2006/main" xmlns:r="http://schemas.openxmlformats.org/officeDocument/2006/relationships" xmlns:p="http://schemas.openxmlformats.org/presentationml/2006/main">
   <p:tag name="AS_UNIQUEID" val="650"/>
 </p:tagLst>
 </file>
 
-<file path=ppt/tags/tag221.xml><?xml version="1.0" encoding="utf-8"?>
+<file path=ppt/tags/tag222.xml><?xml version="1.0" encoding="utf-8"?>
 <p:tagLst xmlns:a="http://schemas.openxmlformats.org/drawingml/2006/main" xmlns:r="http://schemas.openxmlformats.org/officeDocument/2006/relationships" xmlns:p="http://schemas.openxmlformats.org/presentationml/2006/main">
   <p:tag name="AS_UNIQUEID" val="651"/>
 </p:tagLst>
 </file>
 
-<file path=ppt/tags/tag222.xml><?xml version="1.0" encoding="utf-8"?>
+<file path=ppt/tags/tag223.xml><?xml version="1.0" encoding="utf-8"?>
 <p:tagLst xmlns:a="http://schemas.openxmlformats.org/drawingml/2006/main" xmlns:r="http://schemas.openxmlformats.org/officeDocument/2006/relationships" xmlns:p="http://schemas.openxmlformats.org/presentationml/2006/main">
   <p:tag name="AS_UNIQUEID" val="652"/>
 </p:tagLst>
 </file>
 
-<file path=ppt/tags/tag223.xml><?xml version="1.0" encoding="utf-8"?>
+<file path=ppt/tags/tag224.xml><?xml version="1.0" encoding="utf-8"?>
 <p:tagLst xmlns:a="http://schemas.openxmlformats.org/drawingml/2006/main" xmlns:r="http://schemas.openxmlformats.org/officeDocument/2006/relationships" xmlns:p="http://schemas.openxmlformats.org/presentationml/2006/main">
   <p:tag name="AS_UNIQUEID" val="286"/>
 </p:tagLst>
 </file>
 
-<file path=ppt/tags/tag224.xml><?xml version="1.0" encoding="utf-8"?>
+<file path=ppt/tags/tag225.xml><?xml version="1.0" encoding="utf-8"?>
 <p:tagLst xmlns:a="http://schemas.openxmlformats.org/drawingml/2006/main" xmlns:r="http://schemas.openxmlformats.org/officeDocument/2006/relationships" xmlns:p="http://schemas.openxmlformats.org/presentationml/2006/main">
   <p:tag name="AS_UNIQUEID" val="287"/>
 </p:tagLst>
 </file>
 
-<file path=ppt/tags/tag225.xml><?xml version="1.0" encoding="utf-8"?>
+<file path=ppt/tags/tag226.xml><?xml version="1.0" encoding="utf-8"?>
 <p:tagLst xmlns:a="http://schemas.openxmlformats.org/drawingml/2006/main" xmlns:r="http://schemas.openxmlformats.org/officeDocument/2006/relationships" xmlns:p="http://schemas.openxmlformats.org/presentationml/2006/main">
   <p:tag name="AS_UNIQUEID" val="655"/>
 </p:tagLst>
 </file>
 
-<file path=ppt/tags/tag226.xml><?xml version="1.0" encoding="utf-8"?>
+<file path=ppt/tags/tag227.xml><?xml version="1.0" encoding="utf-8"?>
 <p:tagLst xmlns:a="http://schemas.openxmlformats.org/drawingml/2006/main" xmlns:r="http://schemas.openxmlformats.org/officeDocument/2006/relationships" xmlns:p="http://schemas.openxmlformats.org/presentationml/2006/main">
   <p:tag name="AS_UNIQUEID" val="656"/>
 </p:tagLst>
 </file>
 
-<file path=ppt/tags/tag227.xml><?xml version="1.0" encoding="utf-8"?>
+<file path=ppt/tags/tag228.xml><?xml version="1.0" encoding="utf-8"?>
 <p:tagLst xmlns:a="http://schemas.openxmlformats.org/drawingml/2006/main" xmlns:r="http://schemas.openxmlformats.org/officeDocument/2006/relationships" xmlns:p="http://schemas.openxmlformats.org/presentationml/2006/main">
   <p:tag name="AS_UNIQUEID" val="288"/>
 </p:tagLst>
 </file>
 
-<file path=ppt/tags/tag228.xml><?xml version="1.0" encoding="utf-8"?>
+<file path=ppt/tags/tag229.xml><?xml version="1.0" encoding="utf-8"?>
 <p:tagLst xmlns:a="http://schemas.openxmlformats.org/drawingml/2006/main" xmlns:r="http://schemas.openxmlformats.org/officeDocument/2006/relationships" xmlns:p="http://schemas.openxmlformats.org/presentationml/2006/main">
   <p:tag name="AS_UNIQUEID" val="289"/>
 </p:tagLst>
 </file>
 
-<file path=ppt/tags/tag229.xml><?xml version="1.0" encoding="utf-8"?>
+<file path=ppt/tags/tag23.xml><?xml version="1.0" encoding="utf-8"?>
+<p:tagLst xmlns:a="http://schemas.openxmlformats.org/drawingml/2006/main" xmlns:r="http://schemas.openxmlformats.org/officeDocument/2006/relationships" xmlns:p="http://schemas.openxmlformats.org/presentationml/2006/main">
+  <p:tag name="AS_UNIQUEID" val="509"/>
+</p:tagLst>
+</file>
+
+<file path=ppt/tags/tag230.xml><?xml version="1.0" encoding="utf-8"?>
 <p:tagLst xmlns:a="http://schemas.openxmlformats.org/drawingml/2006/main" xmlns:r="http://schemas.openxmlformats.org/officeDocument/2006/relationships" xmlns:p="http://schemas.openxmlformats.org/presentationml/2006/main">
   <p:tag name="AS_UNIQUEID" val="290"/>
 </p:tagLst>
 </file>
 
-<file path=ppt/tags/tag23.xml><?xml version="1.0" encoding="utf-8"?>
-<p:tagLst xmlns:a="http://schemas.openxmlformats.org/drawingml/2006/main" xmlns:r="http://schemas.openxmlformats.org/officeDocument/2006/relationships" xmlns:p="http://schemas.openxmlformats.org/presentationml/2006/main">
-  <p:tag name="AS_UNIQUEID" val="509"/>
-</p:tagLst>
-</file>
-
-<file path=ppt/tags/tag230.xml><?xml version="1.0" encoding="utf-8"?>
+<file path=ppt/tags/tag231.xml><?xml version="1.0" encoding="utf-8"?>
 <p:tagLst xmlns:a="http://schemas.openxmlformats.org/drawingml/2006/main" xmlns:r="http://schemas.openxmlformats.org/officeDocument/2006/relationships" xmlns:p="http://schemas.openxmlformats.org/presentationml/2006/main">
   <p:tag name="AS_UNIQUEID" val="291"/>
 </p:tagLst>
 </file>
 
-<file path=ppt/tags/tag231.xml><?xml version="1.0" encoding="utf-8"?>
+<file path=ppt/tags/tag232.xml><?xml version="1.0" encoding="utf-8"?>
 <p:tagLst xmlns:a="http://schemas.openxmlformats.org/drawingml/2006/main" xmlns:r="http://schemas.openxmlformats.org/officeDocument/2006/relationships" xmlns:p="http://schemas.openxmlformats.org/presentationml/2006/main">
   <p:tag name="AS_UNIQUEID" val="292"/>
 </p:tagLst>
 </file>
 
-<file path=ppt/tags/tag232.xml><?xml version="1.0" encoding="utf-8"?>
+<file path=ppt/tags/tag233.xml><?xml version="1.0" encoding="utf-8"?>
 <p:tagLst xmlns:a="http://schemas.openxmlformats.org/drawingml/2006/main" xmlns:r="http://schemas.openxmlformats.org/officeDocument/2006/relationships" xmlns:p="http://schemas.openxmlformats.org/presentationml/2006/main">
   <p:tag name="AS_UNIQUEID" val="293"/>
 </p:tagLst>
 </file>
 
-<file path=ppt/tags/tag233.xml><?xml version="1.0" encoding="utf-8"?>
+<file path=ppt/tags/tag234.xml><?xml version="1.0" encoding="utf-8"?>
 <p:tagLst xmlns:a="http://schemas.openxmlformats.org/drawingml/2006/main" xmlns:r="http://schemas.openxmlformats.org/officeDocument/2006/relationships" xmlns:p="http://schemas.openxmlformats.org/presentationml/2006/main">
   <p:tag name="AS_UNIQUEID" val="294"/>
 </p:tagLst>
 </file>
 
-<file path=ppt/tags/tag234.xml><?xml version="1.0" encoding="utf-8"?>
+<file path=ppt/tags/tag235.xml><?xml version="1.0" encoding="utf-8"?>
 <p:tagLst xmlns:a="http://schemas.openxmlformats.org/drawingml/2006/main" xmlns:r="http://schemas.openxmlformats.org/officeDocument/2006/relationships" xmlns:p="http://schemas.openxmlformats.org/presentationml/2006/main">
   <p:tag name="AS_UNIQUEID" val="295"/>
 </p:tagLst>
 </file>
 
-<file path=ppt/tags/tag235.xml><?xml version="1.0" encoding="utf-8"?>
+<file path=ppt/tags/tag236.xml><?xml version="1.0" encoding="utf-8"?>
 <p:tagLst xmlns:a="http://schemas.openxmlformats.org/drawingml/2006/main" xmlns:r="http://schemas.openxmlformats.org/officeDocument/2006/relationships" xmlns:p="http://schemas.openxmlformats.org/presentationml/2006/main">
   <p:tag name="AS_UNIQUEID" val="296"/>
 </p:tagLst>
 </file>
 
-<file path=ppt/tags/tag236.xml><?xml version="1.0" encoding="utf-8"?>
+<file path=ppt/tags/tag237.xml><?xml version="1.0" encoding="utf-8"?>
 <p:tagLst xmlns:a="http://schemas.openxmlformats.org/drawingml/2006/main" xmlns:r="http://schemas.openxmlformats.org/officeDocument/2006/relationships" xmlns:p="http://schemas.openxmlformats.org/presentationml/2006/main">
   <p:tag name="AS_UNIQUEID" val="297"/>
 </p:tagLst>
 </file>
 
-<file path=ppt/tags/tag237.xml><?xml version="1.0" encoding="utf-8"?>
+<file path=ppt/tags/tag238.xml><?xml version="1.0" encoding="utf-8"?>
 <p:tagLst xmlns:a="http://schemas.openxmlformats.org/drawingml/2006/main" xmlns:r="http://schemas.openxmlformats.org/officeDocument/2006/relationships" xmlns:p="http://schemas.openxmlformats.org/presentationml/2006/main">
   <p:tag name="AS_UNIQUEID" val="298"/>
 </p:tagLst>
 </file>
 
-<file path=ppt/tags/tag238.xml><?xml version="1.0" encoding="utf-8"?>
+<file path=ppt/tags/tag239.xml><?xml version="1.0" encoding="utf-8"?>
 <p:tagLst xmlns:a="http://schemas.openxmlformats.org/drawingml/2006/main" xmlns:r="http://schemas.openxmlformats.org/officeDocument/2006/relationships" xmlns:p="http://schemas.openxmlformats.org/presentationml/2006/main">
   <p:tag name="AS_UNIQUEID" val="299"/>
 </p:tagLst>
 </file>
 
-<file path=ppt/tags/tag239.xml><?xml version="1.0" encoding="utf-8"?>
+<file path=ppt/tags/tag24.xml><?xml version="1.0" encoding="utf-8"?>
+<p:tagLst xmlns:a="http://schemas.openxmlformats.org/drawingml/2006/main" xmlns:r="http://schemas.openxmlformats.org/officeDocument/2006/relationships" xmlns:p="http://schemas.openxmlformats.org/presentationml/2006/main">
+  <p:tag name="AS_UNIQUEID" val="510"/>
+</p:tagLst>
+</file>
+
+<file path=ppt/tags/tag240.xml><?xml version="1.0" encoding="utf-8"?>
 <p:tagLst xmlns:a="http://schemas.openxmlformats.org/drawingml/2006/main" xmlns:r="http://schemas.openxmlformats.org/officeDocument/2006/relationships" xmlns:p="http://schemas.openxmlformats.org/presentationml/2006/main">
   <p:tag name="AS_UNIQUEID" val="300"/>
 </p:tagLst>
 </file>
 
-<file path=ppt/tags/tag24.xml><?xml version="1.0" encoding="utf-8"?>
-<p:tagLst xmlns:a="http://schemas.openxmlformats.org/drawingml/2006/main" xmlns:r="http://schemas.openxmlformats.org/officeDocument/2006/relationships" xmlns:p="http://schemas.openxmlformats.org/presentationml/2006/main">
-  <p:tag name="AS_UNIQUEID" val="510"/>
-</p:tagLst>
-</file>
-
-<file path=ppt/tags/tag240.xml><?xml version="1.0" encoding="utf-8"?>
+<file path=ppt/tags/tag241.xml><?xml version="1.0" encoding="utf-8"?>
 <p:tagLst xmlns:a="http://schemas.openxmlformats.org/drawingml/2006/main" xmlns:r="http://schemas.openxmlformats.org/officeDocument/2006/relationships" xmlns:p="http://schemas.openxmlformats.org/presentationml/2006/main">
   <p:tag name="AS_UNIQUEID" val="301"/>
 </p:tagLst>
 </file>
 
-<file path=ppt/tags/tag241.xml><?xml version="1.0" encoding="utf-8"?>
+<file path=ppt/tags/tag242.xml><?xml version="1.0" encoding="utf-8"?>
 <p:tagLst xmlns:a="http://schemas.openxmlformats.org/drawingml/2006/main" xmlns:r="http://schemas.openxmlformats.org/officeDocument/2006/relationships" xmlns:p="http://schemas.openxmlformats.org/presentationml/2006/main">
   <p:tag name="AS_UNIQUEID" val="302"/>
 </p:tagLst>
 </file>
 
-<file path=ppt/tags/tag242.xml><?xml version="1.0" encoding="utf-8"?>
+<file path=ppt/tags/tag243.xml><?xml version="1.0" encoding="utf-8"?>
 <p:tagLst xmlns:a="http://schemas.openxmlformats.org/drawingml/2006/main" xmlns:r="http://schemas.openxmlformats.org/officeDocument/2006/relationships" xmlns:p="http://schemas.openxmlformats.org/presentationml/2006/main">
   <p:tag name="AS_UNIQUEID" val="303"/>
 </p:tagLst>
 </file>
 
-<file path=ppt/tags/tag243.xml><?xml version="1.0" encoding="utf-8"?>
+<file path=ppt/tags/tag244.xml><?xml version="1.0" encoding="utf-8"?>
 <p:tagLst xmlns:a="http://schemas.openxmlformats.org/drawingml/2006/main" xmlns:r="http://schemas.openxmlformats.org/officeDocument/2006/relationships" xmlns:p="http://schemas.openxmlformats.org/presentationml/2006/main">
   <p:tag name="AS_UNIQUEID" val="304"/>
 </p:tagLst>
 </file>
 
-<file path=ppt/tags/tag244.xml><?xml version="1.0" encoding="utf-8"?>
+<file path=ppt/tags/tag245.xml><?xml version="1.0" encoding="utf-8"?>
 <p:tagLst xmlns:a="http://schemas.openxmlformats.org/drawingml/2006/main" xmlns:r="http://schemas.openxmlformats.org/officeDocument/2006/relationships" xmlns:p="http://schemas.openxmlformats.org/presentationml/2006/main">
   <p:tag name="AS_UNIQUEID" val="305"/>
 </p:tagLst>
 </file>
 
-<file path=ppt/tags/tag245.xml><?xml version="1.0" encoding="utf-8"?>
+<file path=ppt/tags/tag246.xml><?xml version="1.0" encoding="utf-8"?>
 <p:tagLst xmlns:a="http://schemas.openxmlformats.org/drawingml/2006/main" xmlns:r="http://schemas.openxmlformats.org/officeDocument/2006/relationships" xmlns:p="http://schemas.openxmlformats.org/presentationml/2006/main">
   <p:tag name="AS_UNIQUEID" val="306"/>
 </p:tagLst>
 </file>
 
-<file path=ppt/tags/tag246.xml><?xml version="1.0" encoding="utf-8"?>
+<file path=ppt/tags/tag247.xml><?xml version="1.0" encoding="utf-8"?>
 <p:tagLst xmlns:a="http://schemas.openxmlformats.org/drawingml/2006/main" xmlns:r="http://schemas.openxmlformats.org/officeDocument/2006/relationships" xmlns:p="http://schemas.openxmlformats.org/presentationml/2006/main">
   <p:tag name="AS_UNIQUEID" val="307"/>
 </p:tagLst>
 </file>
 
-<file path=ppt/tags/tag247.xml><?xml version="1.0" encoding="utf-8"?>
+<file path=ppt/tags/tag248.xml><?xml version="1.0" encoding="utf-8"?>
 <p:tagLst xmlns:a="http://schemas.openxmlformats.org/drawingml/2006/main" xmlns:r="http://schemas.openxmlformats.org/officeDocument/2006/relationships" xmlns:p="http://schemas.openxmlformats.org/presentationml/2006/main">
   <p:tag name="AS_UNIQUEID" val="308"/>
 </p:tagLst>
 </file>
 
-<file path=ppt/tags/tag248.xml><?xml version="1.0" encoding="utf-8"?>
+<file path=ppt/tags/tag249.xml><?xml version="1.0" encoding="utf-8"?>
 <p:tagLst xmlns:a="http://schemas.openxmlformats.org/drawingml/2006/main" xmlns:r="http://schemas.openxmlformats.org/officeDocument/2006/relationships" xmlns:p="http://schemas.openxmlformats.org/presentationml/2006/main">
   <p:tag name="AS_UNIQUEID" val="309"/>
 </p:tagLst>
 </file>
 
-<file path=ppt/tags/tag249.xml><?xml version="1.0" encoding="utf-8"?>
+<file path=ppt/tags/tag25.xml><?xml version="1.0" encoding="utf-8"?>
+<p:tagLst xmlns:a="http://schemas.openxmlformats.org/drawingml/2006/main" xmlns:r="http://schemas.openxmlformats.org/officeDocument/2006/relationships" xmlns:p="http://schemas.openxmlformats.org/presentationml/2006/main">
+  <p:tag name="AS_UNIQUEID" val="511"/>
+</p:tagLst>
+</file>
+
+<file path=ppt/tags/tag250.xml><?xml version="1.0" encoding="utf-8"?>
 <p:tagLst xmlns:a="http://schemas.openxmlformats.org/drawingml/2006/main" xmlns:r="http://schemas.openxmlformats.org/officeDocument/2006/relationships" xmlns:p="http://schemas.openxmlformats.org/presentationml/2006/main">
   <p:tag name="AS_UNIQUEID" val="310"/>
 </p:tagLst>
 </file>
 
-<file path=ppt/tags/tag25.xml><?xml version="1.0" encoding="utf-8"?>
-<p:tagLst xmlns:a="http://schemas.openxmlformats.org/drawingml/2006/main" xmlns:r="http://schemas.openxmlformats.org/officeDocument/2006/relationships" xmlns:p="http://schemas.openxmlformats.org/presentationml/2006/main">
-  <p:tag name="AS_UNIQUEID" val="511"/>
-</p:tagLst>
-</file>
-
-<file path=ppt/tags/tag250.xml><?xml version="1.0" encoding="utf-8"?>
+<file path=ppt/tags/tag251.xml><?xml version="1.0" encoding="utf-8"?>
 <p:tagLst xmlns:a="http://schemas.openxmlformats.org/drawingml/2006/main" xmlns:r="http://schemas.openxmlformats.org/officeDocument/2006/relationships" xmlns:p="http://schemas.openxmlformats.org/presentationml/2006/main">
   <p:tag name="AS_UNIQUEID" val="311"/>
 </p:tagLst>
 </file>
 
-<file path=ppt/tags/tag251.xml><?xml version="1.0" encoding="utf-8"?>
+<file path=ppt/tags/tag252.xml><?xml version="1.0" encoding="utf-8"?>
 <p:tagLst xmlns:a="http://schemas.openxmlformats.org/drawingml/2006/main" xmlns:r="http://schemas.openxmlformats.org/officeDocument/2006/relationships" xmlns:p="http://schemas.openxmlformats.org/presentationml/2006/main">
   <p:tag name="AS_UNIQUEID" val="312"/>
 </p:tagLst>
 </file>
 
-<file path=ppt/tags/tag252.xml><?xml version="1.0" encoding="utf-8"?>
+<file path=ppt/tags/tag253.xml><?xml version="1.0" encoding="utf-8"?>
 <p:tagLst xmlns:a="http://schemas.openxmlformats.org/drawingml/2006/main" xmlns:r="http://schemas.openxmlformats.org/officeDocument/2006/relationships" xmlns:p="http://schemas.openxmlformats.org/presentationml/2006/main">
   <p:tag name="AS_UNIQUEID" val="313"/>
 </p:tagLst>
 </file>
 
-<file path=ppt/tags/tag253.xml><?xml version="1.0" encoding="utf-8"?>
+<file path=ppt/tags/tag254.xml><?xml version="1.0" encoding="utf-8"?>
 <p:tagLst xmlns:a="http://schemas.openxmlformats.org/drawingml/2006/main" xmlns:r="http://schemas.openxmlformats.org/officeDocument/2006/relationships" xmlns:p="http://schemas.openxmlformats.org/presentationml/2006/main">
   <p:tag name="AS_UNIQUEID" val="314"/>
 </p:tagLst>
 </file>
 
-<file path=ppt/tags/tag254.xml><?xml version="1.0" encoding="utf-8"?>
+<file path=ppt/tags/tag255.xml><?xml version="1.0" encoding="utf-8"?>
 <p:tagLst xmlns:a="http://schemas.openxmlformats.org/drawingml/2006/main" xmlns:r="http://schemas.openxmlformats.org/officeDocument/2006/relationships" xmlns:p="http://schemas.openxmlformats.org/presentationml/2006/main">
   <p:tag name="AS_UNIQUEID" val="315"/>
 </p:tagLst>
 </file>
 
-<file path=ppt/tags/tag255.xml><?xml version="1.0" encoding="utf-8"?>
+<file path=ppt/tags/tag256.xml><?xml version="1.0" encoding="utf-8"?>
 <p:tagLst xmlns:a="http://schemas.openxmlformats.org/drawingml/2006/main" xmlns:r="http://schemas.openxmlformats.org/officeDocument/2006/relationships" xmlns:p="http://schemas.openxmlformats.org/presentationml/2006/main">
   <p:tag name="AS_UNIQUEID" val="316"/>
 </p:tagLst>
 </file>
 
-<file path=ppt/tags/tag256.xml><?xml version="1.0" encoding="utf-8"?>
+<file path=ppt/tags/tag257.xml><?xml version="1.0" encoding="utf-8"?>
 <p:tagLst xmlns:a="http://schemas.openxmlformats.org/drawingml/2006/main" xmlns:r="http://schemas.openxmlformats.org/officeDocument/2006/relationships" xmlns:p="http://schemas.openxmlformats.org/presentationml/2006/main">
   <p:tag name="AS_UNIQUEID" val="317"/>
 </p:tagLst>
 </file>
 
-<file path=ppt/tags/tag257.xml><?xml version="1.0" encoding="utf-8"?>
+<file path=ppt/tags/tag258.xml><?xml version="1.0" encoding="utf-8"?>
 <p:tagLst xmlns:a="http://schemas.openxmlformats.org/drawingml/2006/main" xmlns:r="http://schemas.openxmlformats.org/officeDocument/2006/relationships" xmlns:p="http://schemas.openxmlformats.org/presentationml/2006/main">
   <p:tag name="AS_UNIQUEID" val="318"/>
 </p:tagLst>
 </file>
 
-<file path=ppt/tags/tag258.xml><?xml version="1.0" encoding="utf-8"?>
+<file path=ppt/tags/tag259.xml><?xml version="1.0" encoding="utf-8"?>
 <p:tagLst xmlns:a="http://schemas.openxmlformats.org/drawingml/2006/main" xmlns:r="http://schemas.openxmlformats.org/officeDocument/2006/relationships" xmlns:p="http://schemas.openxmlformats.org/presentationml/2006/main">
   <p:tag name="AS_UNIQUEID" val="319"/>
 </p:tagLst>
 </file>
 
-<file path=ppt/tags/tag259.xml><?xml version="1.0" encoding="utf-8"?>
+<file path=ppt/tags/tag26.xml><?xml version="1.0" encoding="utf-8"?>
+<p:tagLst xmlns:a="http://schemas.openxmlformats.org/drawingml/2006/main" xmlns:r="http://schemas.openxmlformats.org/officeDocument/2006/relationships" xmlns:p="http://schemas.openxmlformats.org/presentationml/2006/main">
+  <p:tag name="AS_UNIQUEID" val="512"/>
+</p:tagLst>
+</file>
+
+<file path=ppt/tags/tag260.xml><?xml version="1.0" encoding="utf-8"?>
 <p:tagLst xmlns:a="http://schemas.openxmlformats.org/drawingml/2006/main" xmlns:r="http://schemas.openxmlformats.org/officeDocument/2006/relationships" xmlns:p="http://schemas.openxmlformats.org/presentationml/2006/main">
   <p:tag name="AS_UNIQUEID" val="320"/>
 </p:tagLst>
 </file>
 
-<file path=ppt/tags/tag26.xml><?xml version="1.0" encoding="utf-8"?>
-<p:tagLst xmlns:a="http://schemas.openxmlformats.org/drawingml/2006/main" xmlns:r="http://schemas.openxmlformats.org/officeDocument/2006/relationships" xmlns:p="http://schemas.openxmlformats.org/presentationml/2006/main">
-  <p:tag name="AS_UNIQUEID" val="512"/>
-</p:tagLst>
-</file>
-
-<file path=ppt/tags/tag260.xml><?xml version="1.0" encoding="utf-8"?>
+<file path=ppt/tags/tag261.xml><?xml version="1.0" encoding="utf-8"?>
 <p:tagLst xmlns:a="http://schemas.openxmlformats.org/drawingml/2006/main" xmlns:r="http://schemas.openxmlformats.org/officeDocument/2006/relationships" xmlns:p="http://schemas.openxmlformats.org/presentationml/2006/main">
   <p:tag name="AS_UNIQUEID" val="321"/>
 </p:tagLst>
 </file>
 
-<file path=ppt/tags/tag261.xml><?xml version="1.0" encoding="utf-8"?>
+<file path=ppt/tags/tag262.xml><?xml version="1.0" encoding="utf-8"?>
 <p:tagLst xmlns:a="http://schemas.openxmlformats.org/drawingml/2006/main" xmlns:r="http://schemas.openxmlformats.org/officeDocument/2006/relationships" xmlns:p="http://schemas.openxmlformats.org/presentationml/2006/main">
   <p:tag name="AS_UNIQUEID" val="322"/>
 </p:tagLst>
 </file>
 
-<file path=ppt/tags/tag262.xml><?xml version="1.0" encoding="utf-8"?>
+<file path=ppt/tags/tag263.xml><?xml version="1.0" encoding="utf-8"?>
 <p:tagLst xmlns:a="http://schemas.openxmlformats.org/drawingml/2006/main" xmlns:r="http://schemas.openxmlformats.org/officeDocument/2006/relationships" xmlns:p="http://schemas.openxmlformats.org/presentationml/2006/main">
   <p:tag name="AS_UNIQUEID" val="323"/>
 </p:tagLst>
 </file>
 
-<file path=ppt/tags/tag263.xml><?xml version="1.0" encoding="utf-8"?>
+<file path=ppt/tags/tag264.xml><?xml version="1.0" encoding="utf-8"?>
 <p:tagLst xmlns:a="http://schemas.openxmlformats.org/drawingml/2006/main" xmlns:r="http://schemas.openxmlformats.org/officeDocument/2006/relationships" xmlns:p="http://schemas.openxmlformats.org/presentationml/2006/main">
   <p:tag name="AS_UNIQUEID" val="324"/>
 </p:tagLst>
 </file>
 
-<file path=ppt/tags/tag264.xml><?xml version="1.0" encoding="utf-8"?>
+<file path=ppt/tags/tag265.xml><?xml version="1.0" encoding="utf-8"?>
 <p:tagLst xmlns:a="http://schemas.openxmlformats.org/drawingml/2006/main" xmlns:r="http://schemas.openxmlformats.org/officeDocument/2006/relationships" xmlns:p="http://schemas.openxmlformats.org/presentationml/2006/main">
   <p:tag name="AS_UNIQUEID" val="325"/>
 </p:tagLst>
 </file>
 
-<file path=ppt/tags/tag265.xml><?xml version="1.0" encoding="utf-8"?>
+<file path=ppt/tags/tag266.xml><?xml version="1.0" encoding="utf-8"?>
 <p:tagLst xmlns:a="http://schemas.openxmlformats.org/drawingml/2006/main" xmlns:r="http://schemas.openxmlformats.org/officeDocument/2006/relationships" xmlns:p="http://schemas.openxmlformats.org/presentationml/2006/main">
   <p:tag name="AS_UNIQUEID" val="326"/>
 </p:tagLst>
 </file>
 
-<file path=ppt/tags/tag266.xml><?xml version="1.0" encoding="utf-8"?>
+<file path=ppt/tags/tag267.xml><?xml version="1.0" encoding="utf-8"?>
 <p:tagLst xmlns:a="http://schemas.openxmlformats.org/drawingml/2006/main" xmlns:r="http://schemas.openxmlformats.org/officeDocument/2006/relationships" xmlns:p="http://schemas.openxmlformats.org/presentationml/2006/main">
   <p:tag name="AS_UNIQUEID" val="327"/>
 </p:tagLst>
 </file>
 
-<file path=ppt/tags/tag267.xml><?xml version="1.0" encoding="utf-8"?>
+<file path=ppt/tags/tag268.xml><?xml version="1.0" encoding="utf-8"?>
 <p:tagLst xmlns:a="http://schemas.openxmlformats.org/drawingml/2006/main" xmlns:r="http://schemas.openxmlformats.org/officeDocument/2006/relationships" xmlns:p="http://schemas.openxmlformats.org/presentationml/2006/main">
   <p:tag name="AS_UNIQUEID" val="328"/>
 </p:tagLst>
 </file>
 
-<file path=ppt/tags/tag268.xml><?xml version="1.0" encoding="utf-8"?>
+<file path=ppt/tags/tag269.xml><?xml version="1.0" encoding="utf-8"?>
 <p:tagLst xmlns:a="http://schemas.openxmlformats.org/drawingml/2006/main" xmlns:r="http://schemas.openxmlformats.org/officeDocument/2006/relationships" xmlns:p="http://schemas.openxmlformats.org/presentationml/2006/main">
   <p:tag name="AS_UNIQUEID" val="329"/>
 </p:tagLst>
 </file>
 
-<file path=ppt/tags/tag269.xml><?xml version="1.0" encoding="utf-8"?>
+<file path=ppt/tags/tag27.xml><?xml version="1.0" encoding="utf-8"?>
+<p:tagLst xmlns:a="http://schemas.openxmlformats.org/drawingml/2006/main" xmlns:r="http://schemas.openxmlformats.org/officeDocument/2006/relationships" xmlns:p="http://schemas.openxmlformats.org/presentationml/2006/main">
+  <p:tag name="AS_UNIQUEID" val="513"/>
+</p:tagLst>
+</file>
+
+<file path=ppt/tags/tag270.xml><?xml version="1.0" encoding="utf-8"?>
 <p:tagLst xmlns:a="http://schemas.openxmlformats.org/drawingml/2006/main" xmlns:r="http://schemas.openxmlformats.org/officeDocument/2006/relationships" xmlns:p="http://schemas.openxmlformats.org/presentationml/2006/main">
   <p:tag name="AS_UNIQUEID" val="330"/>
 </p:tagLst>
 </file>
 
-<file path=ppt/tags/tag27.xml><?xml version="1.0" encoding="utf-8"?>
-<p:tagLst xmlns:a="http://schemas.openxmlformats.org/drawingml/2006/main" xmlns:r="http://schemas.openxmlformats.org/officeDocument/2006/relationships" xmlns:p="http://schemas.openxmlformats.org/presentationml/2006/main">
-  <p:tag name="AS_UNIQUEID" val="513"/>
-</p:tagLst>
-</file>
-
-<file path=ppt/tags/tag270.xml><?xml version="1.0" encoding="utf-8"?>
+<file path=ppt/tags/tag271.xml><?xml version="1.0" encoding="utf-8"?>
 <p:tagLst xmlns:a="http://schemas.openxmlformats.org/drawingml/2006/main" xmlns:r="http://schemas.openxmlformats.org/officeDocument/2006/relationships" xmlns:p="http://schemas.openxmlformats.org/presentationml/2006/main">
   <p:tag name="AS_UNIQUEID" val="331"/>
 </p:tagLst>
 </file>
 
-<file path=ppt/tags/tag271.xml><?xml version="1.0" encoding="utf-8"?>
+<file path=ppt/tags/tag272.xml><?xml version="1.0" encoding="utf-8"?>
 <p:tagLst xmlns:a="http://schemas.openxmlformats.org/drawingml/2006/main" xmlns:r="http://schemas.openxmlformats.org/officeDocument/2006/relationships" xmlns:p="http://schemas.openxmlformats.org/presentationml/2006/main">
   <p:tag name="AS_UNIQUEID" val="332"/>
 </p:tagLst>
 </file>
 
-<file path=ppt/tags/tag272.xml><?xml version="1.0" encoding="utf-8"?>
+<file path=ppt/tags/tag273.xml><?xml version="1.0" encoding="utf-8"?>
 <p:tagLst xmlns:a="http://schemas.openxmlformats.org/drawingml/2006/main" xmlns:r="http://schemas.openxmlformats.org/officeDocument/2006/relationships" xmlns:p="http://schemas.openxmlformats.org/presentationml/2006/main">
   <p:tag name="AS_UNIQUEID" val="333"/>
 </p:tagLst>
 </file>
 
-<file path=ppt/tags/tag273.xml><?xml version="1.0" encoding="utf-8"?>
+<file path=ppt/tags/tag274.xml><?xml version="1.0" encoding="utf-8"?>
 <p:tagLst xmlns:a="http://schemas.openxmlformats.org/drawingml/2006/main" xmlns:r="http://schemas.openxmlformats.org/officeDocument/2006/relationships" xmlns:p="http://schemas.openxmlformats.org/presentationml/2006/main">
   <p:tag name="AS_UNIQUEID" val="334"/>
 </p:tagLst>
 </file>
 
-<file path=ppt/tags/tag274.xml><?xml version="1.0" encoding="utf-8"?>
+<file path=ppt/tags/tag275.xml><?xml version="1.0" encoding="utf-8"?>
 <p:tagLst xmlns:a="http://schemas.openxmlformats.org/drawingml/2006/main" xmlns:r="http://schemas.openxmlformats.org/officeDocument/2006/relationships" xmlns:p="http://schemas.openxmlformats.org/presentationml/2006/main">
   <p:tag name="AS_UNIQUEID" val="335"/>
 </p:tagLst>
 </file>
 
-<file path=ppt/tags/tag275.xml><?xml version="1.0" encoding="utf-8"?>
+<file path=ppt/tags/tag276.xml><?xml version="1.0" encoding="utf-8"?>
 <p:tagLst xmlns:a="http://schemas.openxmlformats.org/drawingml/2006/main" xmlns:r="http://schemas.openxmlformats.org/officeDocument/2006/relationships" xmlns:p="http://schemas.openxmlformats.org/presentationml/2006/main">
   <p:tag name="AS_UNIQUEID" val="336"/>
 </p:tagLst>
 </file>
 
-<file path=ppt/tags/tag276.xml><?xml version="1.0" encoding="utf-8"?>
+<file path=ppt/tags/tag277.xml><?xml version="1.0" encoding="utf-8"?>
 <p:tagLst xmlns:a="http://schemas.openxmlformats.org/drawingml/2006/main" xmlns:r="http://schemas.openxmlformats.org/officeDocument/2006/relationships" xmlns:p="http://schemas.openxmlformats.org/presentationml/2006/main">
   <p:tag name="AS_UNIQUEID" val="337"/>
 </p:tagLst>
 </file>
 
-<file path=ppt/tags/tag277.xml><?xml version="1.0" encoding="utf-8"?>
+<file path=ppt/tags/tag278.xml><?xml version="1.0" encoding="utf-8"?>
 <p:tagLst xmlns:a="http://schemas.openxmlformats.org/drawingml/2006/main" xmlns:r="http://schemas.openxmlformats.org/officeDocument/2006/relationships" xmlns:p="http://schemas.openxmlformats.org/presentationml/2006/main">
   <p:tag name="AS_UNIQUEID" val="338"/>
 </p:tagLst>
 </file>
 
-<file path=ppt/tags/tag278.xml><?xml version="1.0" encoding="utf-8"?>
+<file path=ppt/tags/tag279.xml><?xml version="1.0" encoding="utf-8"?>
 <p:tagLst xmlns:a="http://schemas.openxmlformats.org/drawingml/2006/main" xmlns:r="http://schemas.openxmlformats.org/officeDocument/2006/relationships" xmlns:p="http://schemas.openxmlformats.org/presentationml/2006/main">
   <p:tag name="AS_UNIQUEID" val="339"/>
 </p:tagLst>
 </file>
 
-<file path=ppt/tags/tag279.xml><?xml version="1.0" encoding="utf-8"?>
+<file path=ppt/tags/tag28.xml><?xml version="1.0" encoding="utf-8"?>
+<p:tagLst xmlns:a="http://schemas.openxmlformats.org/drawingml/2006/main" xmlns:r="http://schemas.openxmlformats.org/officeDocument/2006/relationships" xmlns:p="http://schemas.openxmlformats.org/presentationml/2006/main">
+  <p:tag name="AS_UNIQUEID" val="515"/>
+</p:tagLst>
+</file>
+
+<file path=ppt/tags/tag280.xml><?xml version="1.0" encoding="utf-8"?>
 <p:tagLst xmlns:a="http://schemas.openxmlformats.org/drawingml/2006/main" xmlns:r="http://schemas.openxmlformats.org/officeDocument/2006/relationships" xmlns:p="http://schemas.openxmlformats.org/presentationml/2006/main">
   <p:tag name="AS_UNIQUEID" val="340"/>
 </p:tagLst>
 </file>
 
-<file path=ppt/tags/tag28.xml><?xml version="1.0" encoding="utf-8"?>
-<p:tagLst xmlns:a="http://schemas.openxmlformats.org/drawingml/2006/main" xmlns:r="http://schemas.openxmlformats.org/officeDocument/2006/relationships" xmlns:p="http://schemas.openxmlformats.org/presentationml/2006/main">
-  <p:tag name="AS_UNIQUEID" val="515"/>
-</p:tagLst>
-</file>
-
-<file path=ppt/tags/tag280.xml><?xml version="1.0" encoding="utf-8"?>
+<file path=ppt/tags/tag281.xml><?xml version="1.0" encoding="utf-8"?>
 <p:tagLst xmlns:a="http://schemas.openxmlformats.org/drawingml/2006/main" xmlns:r="http://schemas.openxmlformats.org/officeDocument/2006/relationships" xmlns:p="http://schemas.openxmlformats.org/presentationml/2006/main">
   <p:tag name="AS_UNIQUEID" val="341"/>
 </p:tagLst>
 </file>
 
-<file path=ppt/tags/tag281.xml><?xml version="1.0" encoding="utf-8"?>
+<file path=ppt/tags/tag282.xml><?xml version="1.0" encoding="utf-8"?>
 <p:tagLst xmlns:a="http://schemas.openxmlformats.org/drawingml/2006/main" xmlns:r="http://schemas.openxmlformats.org/officeDocument/2006/relationships" xmlns:p="http://schemas.openxmlformats.org/presentationml/2006/main">
   <p:tag name="AS_UNIQUEID" val="342"/>
 </p:tagLst>
 </file>
 
-<file path=ppt/tags/tag282.xml><?xml version="1.0" encoding="utf-8"?>
+<file path=ppt/tags/tag283.xml><?xml version="1.0" encoding="utf-8"?>
 <p:tagLst xmlns:a="http://schemas.openxmlformats.org/drawingml/2006/main" xmlns:r="http://schemas.openxmlformats.org/officeDocument/2006/relationships" xmlns:p="http://schemas.openxmlformats.org/presentationml/2006/main">
   <p:tag name="AS_UNIQUEID" val="343"/>
 </p:tagLst>
 </file>
 
-<file path=ppt/tags/tag283.xml><?xml version="1.0" encoding="utf-8"?>
+<file path=ppt/tags/tag284.xml><?xml version="1.0" encoding="utf-8"?>
 <p:tagLst xmlns:a="http://schemas.openxmlformats.org/drawingml/2006/main" xmlns:r="http://schemas.openxmlformats.org/officeDocument/2006/relationships" xmlns:p="http://schemas.openxmlformats.org/presentationml/2006/main">
   <p:tag name="AS_UNIQUEID" val="344"/>
 </p:tagLst>
 </file>
 
-<file path=ppt/tags/tag284.xml><?xml version="1.0" encoding="utf-8"?>
+<file path=ppt/tags/tag285.xml><?xml version="1.0" encoding="utf-8"?>
 <p:tagLst xmlns:a="http://schemas.openxmlformats.org/drawingml/2006/main" xmlns:r="http://schemas.openxmlformats.org/officeDocument/2006/relationships" xmlns:p="http://schemas.openxmlformats.org/presentationml/2006/main">
   <p:tag name="AS_UNIQUEID" val="345"/>
 </p:tagLst>
 </file>
 
-<file path=ppt/tags/tag285.xml><?xml version="1.0" encoding="utf-8"?>
+<file path=ppt/tags/tag286.xml><?xml version="1.0" encoding="utf-8"?>
 <p:tagLst xmlns:a="http://schemas.openxmlformats.org/drawingml/2006/main" xmlns:r="http://schemas.openxmlformats.org/officeDocument/2006/relationships" xmlns:p="http://schemas.openxmlformats.org/presentationml/2006/main">
   <p:tag name="AS_UNIQUEID" val="346"/>
 </p:tagLst>
 </file>
 
-<file path=ppt/tags/tag286.xml><?xml version="1.0" encoding="utf-8"?>
+<file path=ppt/tags/tag287.xml><?xml version="1.0" encoding="utf-8"?>
 <p:tagLst xmlns:a="http://schemas.openxmlformats.org/drawingml/2006/main" xmlns:r="http://schemas.openxmlformats.org/officeDocument/2006/relationships" xmlns:p="http://schemas.openxmlformats.org/presentationml/2006/main">
   <p:tag name="AS_UNIQUEID" val="347"/>
 </p:tagLst>
 </file>
 
-<file path=ppt/tags/tag287.xml><?xml version="1.0" encoding="utf-8"?>
+<file path=ppt/tags/tag288.xml><?xml version="1.0" encoding="utf-8"?>
 <p:tagLst xmlns:a="http://schemas.openxmlformats.org/drawingml/2006/main" xmlns:r="http://schemas.openxmlformats.org/officeDocument/2006/relationships" xmlns:p="http://schemas.openxmlformats.org/presentationml/2006/main">
   <p:tag name="AS_UNIQUEID" val="348"/>
 </p:tagLst>
 </file>
 
-<file path=ppt/tags/tag288.xml><?xml version="1.0" encoding="utf-8"?>
+<file path=ppt/tags/tag289.xml><?xml version="1.0" encoding="utf-8"?>
 <p:tagLst xmlns:a="http://schemas.openxmlformats.org/drawingml/2006/main" xmlns:r="http://schemas.openxmlformats.org/officeDocument/2006/relationships" xmlns:p="http://schemas.openxmlformats.org/presentationml/2006/main">
   <p:tag name="AS_UNIQUEID" val="349"/>
 </p:tagLst>
 </file>
 
-<file path=ppt/tags/tag289.xml><?xml version="1.0" encoding="utf-8"?>
+<file path=ppt/tags/tag29.xml><?xml version="1.0" encoding="utf-8"?>
+<p:tagLst xmlns:a="http://schemas.openxmlformats.org/drawingml/2006/main" xmlns:r="http://schemas.openxmlformats.org/officeDocument/2006/relationships" xmlns:p="http://schemas.openxmlformats.org/presentationml/2006/main">
+  <p:tag name="AS_UNIQUEID" val="516"/>
+</p:tagLst>
+</file>
+
+<file path=ppt/tags/tag290.xml><?xml version="1.0" encoding="utf-8"?>
 <p:tagLst xmlns:a="http://schemas.openxmlformats.org/drawingml/2006/main" xmlns:r="http://schemas.openxmlformats.org/officeDocument/2006/relationships" xmlns:p="http://schemas.openxmlformats.org/presentationml/2006/main">
   <p:tag name="AS_UNIQUEID" val="350"/>
 </p:tagLst>
 </file>
 
-<file path=ppt/tags/tag29.xml><?xml version="1.0" encoding="utf-8"?>
-<p:tagLst xmlns:a="http://schemas.openxmlformats.org/drawingml/2006/main" xmlns:r="http://schemas.openxmlformats.org/officeDocument/2006/relationships" xmlns:p="http://schemas.openxmlformats.org/presentationml/2006/main">
-  <p:tag name="AS_UNIQUEID" val="516"/>
-</p:tagLst>
-</file>
-
-<file path=ppt/tags/tag290.xml><?xml version="1.0" encoding="utf-8"?>
+<file path=ppt/tags/tag291.xml><?xml version="1.0" encoding="utf-8"?>
 <p:tagLst xmlns:a="http://schemas.openxmlformats.org/drawingml/2006/main" xmlns:r="http://schemas.openxmlformats.org/officeDocument/2006/relationships" xmlns:p="http://schemas.openxmlformats.org/presentationml/2006/main">
   <p:tag name="AS_UNIQUEID" val="351"/>
 </p:tagLst>
 </file>
 
-<file path=ppt/tags/tag291.xml><?xml version="1.0" encoding="utf-8"?>
+<file path=ppt/tags/tag292.xml><?xml version="1.0" encoding="utf-8"?>
 <p:tagLst xmlns:a="http://schemas.openxmlformats.org/drawingml/2006/main" xmlns:r="http://schemas.openxmlformats.org/officeDocument/2006/relationships" xmlns:p="http://schemas.openxmlformats.org/presentationml/2006/main">
   <p:tag name="AS_UNIQUEID" val="352"/>
 </p:tagLst>
 </file>
 
-<file path=ppt/tags/tag292.xml><?xml version="1.0" encoding="utf-8"?>
+<file path=ppt/tags/tag293.xml><?xml version="1.0" encoding="utf-8"?>
 <p:tagLst xmlns:a="http://schemas.openxmlformats.org/drawingml/2006/main" xmlns:r="http://schemas.openxmlformats.org/officeDocument/2006/relationships" xmlns:p="http://schemas.openxmlformats.org/presentationml/2006/main">
   <p:tag name="AS_UNIQUEID" val="353"/>
 </p:tagLst>
 </file>
 
-<file path=ppt/tags/tag293.xml><?xml version="1.0" encoding="utf-8"?>
+<file path=ppt/tags/tag294.xml><?xml version="1.0" encoding="utf-8"?>
 <p:tagLst xmlns:a="http://schemas.openxmlformats.org/drawingml/2006/main" xmlns:r="http://schemas.openxmlformats.org/officeDocument/2006/relationships" xmlns:p="http://schemas.openxmlformats.org/presentationml/2006/main">
   <p:tag name="AS_UNIQUEID" val="354"/>
 </p:tagLst>
 </file>
 
-<file path=ppt/tags/tag294.xml><?xml version="1.0" encoding="utf-8"?>
+<file path=ppt/tags/tag295.xml><?xml version="1.0" encoding="utf-8"?>
 <p:tagLst xmlns:a="http://schemas.openxmlformats.org/drawingml/2006/main" xmlns:r="http://schemas.openxmlformats.org/officeDocument/2006/relationships" xmlns:p="http://schemas.openxmlformats.org/presentationml/2006/main">
   <p:tag name="AS_UNIQUEID" val="355"/>
 </p:tagLst>
 </file>
 
-<file path=ppt/tags/tag295.xml><?xml version="1.0" encoding="utf-8"?>
+<file path=ppt/tags/tag296.xml><?xml version="1.0" encoding="utf-8"?>
 <p:tagLst xmlns:a="http://schemas.openxmlformats.org/drawingml/2006/main" xmlns:r="http://schemas.openxmlformats.org/officeDocument/2006/relationships" xmlns:p="http://schemas.openxmlformats.org/presentationml/2006/main">
   <p:tag name="AS_UNIQUEID" val="356"/>
 </p:tagLst>
 </file>
 
-<file path=ppt/tags/tag296.xml><?xml version="1.0" encoding="utf-8"?>
+<file path=ppt/tags/tag297.xml><?xml version="1.0" encoding="utf-8"?>
 <p:tagLst xmlns:a="http://schemas.openxmlformats.org/drawingml/2006/main" xmlns:r="http://schemas.openxmlformats.org/officeDocument/2006/relationships" xmlns:p="http://schemas.openxmlformats.org/presentationml/2006/main">
   <p:tag name="AS_UNIQUEID" val="357"/>
 </p:tagLst>
 </file>
 
-<file path=ppt/tags/tag297.xml><?xml version="1.0" encoding="utf-8"?>
+<file path=ppt/tags/tag298.xml><?xml version="1.0" encoding="utf-8"?>
 <p:tagLst xmlns:a="http://schemas.openxmlformats.org/drawingml/2006/main" xmlns:r="http://schemas.openxmlformats.org/officeDocument/2006/relationships" xmlns:p="http://schemas.openxmlformats.org/presentationml/2006/main">
   <p:tag name="AS_UNIQUEID" val="358"/>
 </p:tagLst>
 </file>
 
-<file path=ppt/tags/tag298.xml><?xml version="1.0" encoding="utf-8"?>
+<file path=ppt/tags/tag299.xml><?xml version="1.0" encoding="utf-8"?>
 <p:tagLst xmlns:a="http://schemas.openxmlformats.org/drawingml/2006/main" xmlns:r="http://schemas.openxmlformats.org/officeDocument/2006/relationships" xmlns:p="http://schemas.openxmlformats.org/presentationml/2006/main">
   <p:tag name="AS_UNIQUEID" val="359"/>
 </p:tagLst>
 </file>
 
-<file path=ppt/tags/tag299.xml><?xml version="1.0" encoding="utf-8"?>
+<file path=ppt/tags/tag3.xml><?xml version="1.0" encoding="utf-8"?>
+<p:tagLst xmlns:a="http://schemas.openxmlformats.org/drawingml/2006/main" xmlns:r="http://schemas.openxmlformats.org/officeDocument/2006/relationships" xmlns:p="http://schemas.openxmlformats.org/presentationml/2006/main">
+  <p:tag name="AS_UNIQUEID" val="560"/>
+</p:tagLst>
+</file>
+
+<file path=ppt/tags/tag30.xml><?xml version="1.0" encoding="utf-8"?>
+<p:tagLst xmlns:a="http://schemas.openxmlformats.org/drawingml/2006/main" xmlns:r="http://schemas.openxmlformats.org/officeDocument/2006/relationships" xmlns:p="http://schemas.openxmlformats.org/presentationml/2006/main">
+  <p:tag name="AS_UNIQUEID" val="517"/>
+</p:tagLst>
+</file>
+
+<file path=ppt/tags/tag300.xml><?xml version="1.0" encoding="utf-8"?>
 <p:tagLst xmlns:a="http://schemas.openxmlformats.org/drawingml/2006/main" xmlns:r="http://schemas.openxmlformats.org/officeDocument/2006/relationships" xmlns:p="http://schemas.openxmlformats.org/presentationml/2006/main">
   <p:tag name="AS_UNIQUEID" val="360"/>
 </p:tagLst>
 </file>
 
-<file path=ppt/tags/tag3.xml><?xml version="1.0" encoding="utf-8"?>
-<p:tagLst xmlns:a="http://schemas.openxmlformats.org/drawingml/2006/main" xmlns:r="http://schemas.openxmlformats.org/officeDocument/2006/relationships" xmlns:p="http://schemas.openxmlformats.org/presentationml/2006/main">
-  <p:tag name="AS_UNIQUEID" val="560"/>
-</p:tagLst>
-</file>
-
-<file path=ppt/tags/tag30.xml><?xml version="1.0" encoding="utf-8"?>
-<p:tagLst xmlns:a="http://schemas.openxmlformats.org/drawingml/2006/main" xmlns:r="http://schemas.openxmlformats.org/officeDocument/2006/relationships" xmlns:p="http://schemas.openxmlformats.org/presentationml/2006/main">
-  <p:tag name="AS_UNIQUEID" val="517"/>
-</p:tagLst>
-</file>
-
-<file path=ppt/tags/tag300.xml><?xml version="1.0" encoding="utf-8"?>
+<file path=ppt/tags/tag301.xml><?xml version="1.0" encoding="utf-8"?>
 <p:tagLst xmlns:a="http://schemas.openxmlformats.org/drawingml/2006/main" xmlns:r="http://schemas.openxmlformats.org/officeDocument/2006/relationships" xmlns:p="http://schemas.openxmlformats.org/presentationml/2006/main">
   <p:tag name="AS_UNIQUEID" val="361"/>
 </p:tagLst>
 </file>
 
-<file path=ppt/tags/tag301.xml><?xml version="1.0" encoding="utf-8"?>
+<file path=ppt/tags/tag302.xml><?xml version="1.0" encoding="utf-8"?>
 <p:tagLst xmlns:a="http://schemas.openxmlformats.org/drawingml/2006/main" xmlns:r="http://schemas.openxmlformats.org/officeDocument/2006/relationships" xmlns:p="http://schemas.openxmlformats.org/presentationml/2006/main">
   <p:tag name="AS_UNIQUEID" val="362"/>
 </p:tagLst>
 </file>
 
-<file path=ppt/tags/tag302.xml><?xml version="1.0" encoding="utf-8"?>
+<file path=ppt/tags/tag303.xml><?xml version="1.0" encoding="utf-8"?>
 <p:tagLst xmlns:a="http://schemas.openxmlformats.org/drawingml/2006/main" xmlns:r="http://schemas.openxmlformats.org/officeDocument/2006/relationships" xmlns:p="http://schemas.openxmlformats.org/presentationml/2006/main">
   <p:tag name="AS_UNIQUEID" val="363"/>
 </p:tagLst>
 </file>
 
-<file path=ppt/tags/tag303.xml><?xml version="1.0" encoding="utf-8"?>
+<file path=ppt/tags/tag304.xml><?xml version="1.0" encoding="utf-8"?>
 <p:tagLst xmlns:a="http://schemas.openxmlformats.org/drawingml/2006/main" xmlns:r="http://schemas.openxmlformats.org/officeDocument/2006/relationships" xmlns:p="http://schemas.openxmlformats.org/presentationml/2006/main">
   <p:tag name="AS_UNIQUEID" val="364"/>
 </p:tagLst>
 </file>
 
-<file path=ppt/tags/tag304.xml><?xml version="1.0" encoding="utf-8"?>
+<file path=ppt/tags/tag305.xml><?xml version="1.0" encoding="utf-8"?>
 <p:tagLst xmlns:a="http://schemas.openxmlformats.org/drawingml/2006/main" xmlns:r="http://schemas.openxmlformats.org/officeDocument/2006/relationships" xmlns:p="http://schemas.openxmlformats.org/presentationml/2006/main">
   <p:tag name="AS_UNIQUEID" val="365"/>
 </p:tagLst>
 </file>
 
-<file path=ppt/tags/tag305.xml><?xml version="1.0" encoding="utf-8"?>
+<file path=ppt/tags/tag306.xml><?xml version="1.0" encoding="utf-8"?>
 <p:tagLst xmlns:a="http://schemas.openxmlformats.org/drawingml/2006/main" xmlns:r="http://schemas.openxmlformats.org/officeDocument/2006/relationships" xmlns:p="http://schemas.openxmlformats.org/presentationml/2006/main">
   <p:tag name="AS_UNIQUEID" val="366"/>
 </p:tagLst>
 </file>
 
-<file path=ppt/tags/tag306.xml><?xml version="1.0" encoding="utf-8"?>
+<file path=ppt/tags/tag307.xml><?xml version="1.0" encoding="utf-8"?>
 <p:tagLst xmlns:a="http://schemas.openxmlformats.org/drawingml/2006/main" xmlns:r="http://schemas.openxmlformats.org/officeDocument/2006/relationships" xmlns:p="http://schemas.openxmlformats.org/presentationml/2006/main">
   <p:tag name="AS_UNIQUEID" val="367"/>
 </p:tagLst>
 </file>
 
-<file path=ppt/tags/tag307.xml><?xml version="1.0" encoding="utf-8"?>
+<file path=ppt/tags/tag308.xml><?xml version="1.0" encoding="utf-8"?>
 <p:tagLst xmlns:a="http://schemas.openxmlformats.org/drawingml/2006/main" xmlns:r="http://schemas.openxmlformats.org/officeDocument/2006/relationships" xmlns:p="http://schemas.openxmlformats.org/presentationml/2006/main">
   <p:tag name="AS_UNIQUEID" val="368"/>
 </p:tagLst>
 </file>
 
-<file path=ppt/tags/tag308.xml><?xml version="1.0" encoding="utf-8"?>
+<file path=ppt/tags/tag309.xml><?xml version="1.0" encoding="utf-8"?>
 <p:tagLst xmlns:a="http://schemas.openxmlformats.org/drawingml/2006/main" xmlns:r="http://schemas.openxmlformats.org/officeDocument/2006/relationships" xmlns:p="http://schemas.openxmlformats.org/presentationml/2006/main">
   <p:tag name="AS_UNIQUEID" val="369"/>
 </p:tagLst>
 </file>
 
-<file path=ppt/tags/tag309.xml><?xml version="1.0" encoding="utf-8"?>
+<file path=ppt/tags/tag31.xml><?xml version="1.0" encoding="utf-8"?>
+<p:tagLst xmlns:a="http://schemas.openxmlformats.org/drawingml/2006/main" xmlns:r="http://schemas.openxmlformats.org/officeDocument/2006/relationships" xmlns:p="http://schemas.openxmlformats.org/presentationml/2006/main">
+  <p:tag name="AS_UNIQUEID" val="518"/>
+</p:tagLst>
+</file>
+
+<file path=ppt/tags/tag310.xml><?xml version="1.0" encoding="utf-8"?>
 <p:tagLst xmlns:a="http://schemas.openxmlformats.org/drawingml/2006/main" xmlns:r="http://schemas.openxmlformats.org/officeDocument/2006/relationships" xmlns:p="http://schemas.openxmlformats.org/presentationml/2006/main">
   <p:tag name="AS_UNIQUEID" val="370"/>
 </p:tagLst>
 </file>
 
-<file path=ppt/tags/tag31.xml><?xml version="1.0" encoding="utf-8"?>
-<p:tagLst xmlns:a="http://schemas.openxmlformats.org/drawingml/2006/main" xmlns:r="http://schemas.openxmlformats.org/officeDocument/2006/relationships" xmlns:p="http://schemas.openxmlformats.org/presentationml/2006/main">
-  <p:tag name="AS_UNIQUEID" val="518"/>
-</p:tagLst>
-</file>
-
-<file path=ppt/tags/tag310.xml><?xml version="1.0" encoding="utf-8"?>
+<file path=ppt/tags/tag311.xml><?xml version="1.0" encoding="utf-8"?>
 <p:tagLst xmlns:a="http://schemas.openxmlformats.org/drawingml/2006/main" xmlns:r="http://schemas.openxmlformats.org/officeDocument/2006/relationships" xmlns:p="http://schemas.openxmlformats.org/presentationml/2006/main">
   <p:tag name="AS_UNIQUEID" val="371"/>
 </p:tagLst>
 </file>
 
-<file path=ppt/tags/tag311.xml><?xml version="1.0" encoding="utf-8"?>
+<file path=ppt/tags/tag312.xml><?xml version="1.0" encoding="utf-8"?>
 <p:tagLst xmlns:a="http://schemas.openxmlformats.org/drawingml/2006/main" xmlns:r="http://schemas.openxmlformats.org/officeDocument/2006/relationships" xmlns:p="http://schemas.openxmlformats.org/presentationml/2006/main">
   <p:tag name="AS_UNIQUEID" val="372"/>
 </p:tagLst>
 </file>
 
-<file path=ppt/tags/tag312.xml><?xml version="1.0" encoding="utf-8"?>
+<file path=ppt/tags/tag313.xml><?xml version="1.0" encoding="utf-8"?>
 <p:tagLst xmlns:a="http://schemas.openxmlformats.org/drawingml/2006/main" xmlns:r="http://schemas.openxmlformats.org/officeDocument/2006/relationships" xmlns:p="http://schemas.openxmlformats.org/presentationml/2006/main">
   <p:tag name="AS_UNIQUEID" val="373"/>
 </p:tagLst>
 </file>
 
-<file path=ppt/tags/tag313.xml><?xml version="1.0" encoding="utf-8"?>
+<file path=ppt/tags/tag314.xml><?xml version="1.0" encoding="utf-8"?>
 <p:tagLst xmlns:a="http://schemas.openxmlformats.org/drawingml/2006/main" xmlns:r="http://schemas.openxmlformats.org/officeDocument/2006/relationships" xmlns:p="http://schemas.openxmlformats.org/presentationml/2006/main">
   <p:tag name="AS_UNIQUEID" val="374"/>
 </p:tagLst>
 </file>
 
-<file path=ppt/tags/tag314.xml><?xml version="1.0" encoding="utf-8"?>
+<file path=ppt/tags/tag315.xml><?xml version="1.0" encoding="utf-8"?>
 <p:tagLst xmlns:a="http://schemas.openxmlformats.org/drawingml/2006/main" xmlns:r="http://schemas.openxmlformats.org/officeDocument/2006/relationships" xmlns:p="http://schemas.openxmlformats.org/presentationml/2006/main">
   <p:tag name="AS_UNIQUEID" val="375"/>
 </p:tagLst>
 </file>
 
-<file path=ppt/tags/tag315.xml><?xml version="1.0" encoding="utf-8"?>
+<file path=ppt/tags/tag316.xml><?xml version="1.0" encoding="utf-8"?>
 <p:tagLst xmlns:a="http://schemas.openxmlformats.org/drawingml/2006/main" xmlns:r="http://schemas.openxmlformats.org/officeDocument/2006/relationships" xmlns:p="http://schemas.openxmlformats.org/presentationml/2006/main">
   <p:tag name="AS_UNIQUEID" val="376"/>
 </p:tagLst>
 </file>
 
-<file path=ppt/tags/tag316.xml><?xml version="1.0" encoding="utf-8"?>
+<file path=ppt/tags/tag317.xml><?xml version="1.0" encoding="utf-8"?>
 <p:tagLst xmlns:a="http://schemas.openxmlformats.org/drawingml/2006/main" xmlns:r="http://schemas.openxmlformats.org/officeDocument/2006/relationships" xmlns:p="http://schemas.openxmlformats.org/presentationml/2006/main">
   <p:tag name="AS_UNIQUEID" val="377"/>
 </p:tagLst>
 </file>
 
-<file path=ppt/tags/tag317.xml><?xml version="1.0" encoding="utf-8"?>
+<file path=ppt/tags/tag318.xml><?xml version="1.0" encoding="utf-8"?>
 <p:tagLst xmlns:a="http://schemas.openxmlformats.org/drawingml/2006/main" xmlns:r="http://schemas.openxmlformats.org/officeDocument/2006/relationships" xmlns:p="http://schemas.openxmlformats.org/presentationml/2006/main">
   <p:tag name="AS_UNIQUEID" val="378"/>
 </p:tagLst>
 </file>
 
-<file path=ppt/tags/tag318.xml><?xml version="1.0" encoding="utf-8"?>
+<file path=ppt/tags/tag319.xml><?xml version="1.0" encoding="utf-8"?>
 <p:tagLst xmlns:a="http://schemas.openxmlformats.org/drawingml/2006/main" xmlns:r="http://schemas.openxmlformats.org/officeDocument/2006/relationships" xmlns:p="http://schemas.openxmlformats.org/presentationml/2006/main">
   <p:tag name="AS_UNIQUEID" val="659"/>
 </p:tagLst>
 </file>
 
-<file path=ppt/tags/tag319.xml><?xml version="1.0" encoding="utf-8"?>
+<file path=ppt/tags/tag32.xml><?xml version="1.0" encoding="utf-8"?>
+<p:tagLst xmlns:a="http://schemas.openxmlformats.org/drawingml/2006/main" xmlns:r="http://schemas.openxmlformats.org/officeDocument/2006/relationships" xmlns:p="http://schemas.openxmlformats.org/presentationml/2006/main">
+  <p:tag name="AS_UNIQUEID" val="519"/>
+</p:tagLst>
+</file>
+
+<file path=ppt/tags/tag320.xml><?xml version="1.0" encoding="utf-8"?>
 <p:tagLst xmlns:a="http://schemas.openxmlformats.org/drawingml/2006/main" xmlns:r="http://schemas.openxmlformats.org/officeDocument/2006/relationships" xmlns:p="http://schemas.openxmlformats.org/presentationml/2006/main">
   <p:tag name="AS_UNIQUEID" val="660"/>
 </p:tagLst>
 </file>
 
-<file path=ppt/tags/tag32.xml><?xml version="1.0" encoding="utf-8"?>
-<p:tagLst xmlns:a="http://schemas.openxmlformats.org/drawingml/2006/main" xmlns:r="http://schemas.openxmlformats.org/officeDocument/2006/relationships" xmlns:p="http://schemas.openxmlformats.org/presentationml/2006/main">
-  <p:tag name="AS_UNIQUEID" val="519"/>
-</p:tagLst>
-</file>
-
-<file path=ppt/tags/tag320.xml><?xml version="1.0" encoding="utf-8"?>
+<file path=ppt/tags/tag321.xml><?xml version="1.0" encoding="utf-8"?>
 <p:tagLst xmlns:a="http://schemas.openxmlformats.org/drawingml/2006/main" xmlns:r="http://schemas.openxmlformats.org/officeDocument/2006/relationships" xmlns:p="http://schemas.openxmlformats.org/presentationml/2006/main">
   <p:tag name="AS_UNIQUEID" val="661"/>
 </p:tagLst>
 </file>
 
-<file path=ppt/tags/tag321.xml><?xml version="1.0" encoding="utf-8"?>
+<file path=ppt/tags/tag322.xml><?xml version="1.0" encoding="utf-8"?>
 <p:tagLst xmlns:a="http://schemas.openxmlformats.org/drawingml/2006/main" xmlns:r="http://schemas.openxmlformats.org/officeDocument/2006/relationships" xmlns:p="http://schemas.openxmlformats.org/presentationml/2006/main">
   <p:tag name="AS_UNIQUEID" val="379"/>
 </p:tagLst>
 </file>
 
-<file path=ppt/tags/tag322.xml><?xml version="1.0" encoding="utf-8"?>
+<file path=ppt/tags/tag323.xml><?xml version="1.0" encoding="utf-8"?>
 <p:tagLst xmlns:a="http://schemas.openxmlformats.org/drawingml/2006/main" xmlns:r="http://schemas.openxmlformats.org/officeDocument/2006/relationships" xmlns:p="http://schemas.openxmlformats.org/presentationml/2006/main">
   <p:tag name="AS_UNIQUEID" val="380"/>
 </p:tagLst>
 </file>
 
-<file path=ppt/tags/tag323.xml><?xml version="1.0" encoding="utf-8"?>
+<file path=ppt/tags/tag324.xml><?xml version="1.0" encoding="utf-8"?>
 <p:tagLst xmlns:a="http://schemas.openxmlformats.org/drawingml/2006/main" xmlns:r="http://schemas.openxmlformats.org/officeDocument/2006/relationships" xmlns:p="http://schemas.openxmlformats.org/presentationml/2006/main">
   <p:tag name="AS_UNIQUEID" val="664"/>
 </p:tagLst>
 </file>
 
-<file path=ppt/tags/tag324.xml><?xml version="1.0" encoding="utf-8"?>
+<file path=ppt/tags/tag325.xml><?xml version="1.0" encoding="utf-8"?>
 <p:tagLst xmlns:a="http://schemas.openxmlformats.org/drawingml/2006/main" xmlns:r="http://schemas.openxmlformats.org/officeDocument/2006/relationships" xmlns:p="http://schemas.openxmlformats.org/presentationml/2006/main">
   <p:tag name="AS_UNIQUEID" val="665"/>
 </p:tagLst>
 </file>
 
-<file path=ppt/tags/tag325.xml><?xml version="1.0" encoding="utf-8"?>
+<file path=ppt/tags/tag326.xml><?xml version="1.0" encoding="utf-8"?>
 <p:tagLst xmlns:a="http://schemas.openxmlformats.org/drawingml/2006/main" xmlns:r="http://schemas.openxmlformats.org/officeDocument/2006/relationships" xmlns:p="http://schemas.openxmlformats.org/presentationml/2006/main">
   <p:tag name="AS_UNIQUEID" val="381"/>
 </p:tagLst>
 </file>
 
-<file path=ppt/tags/tag326.xml><?xml version="1.0" encoding="utf-8"?>
+<file path=ppt/tags/tag327.xml><?xml version="1.0" encoding="utf-8"?>
 <p:tagLst xmlns:a="http://schemas.openxmlformats.org/drawingml/2006/main" xmlns:r="http://schemas.openxmlformats.org/officeDocument/2006/relationships" xmlns:p="http://schemas.openxmlformats.org/presentationml/2006/main">
   <p:tag name="AS_UNIQUEID" val="382"/>
 </p:tagLst>
 </file>
 
-<file path=ppt/tags/tag327.xml><?xml version="1.0" encoding="utf-8"?>
+<file path=ppt/tags/tag328.xml><?xml version="1.0" encoding="utf-8"?>
 <p:tagLst xmlns:a="http://schemas.openxmlformats.org/drawingml/2006/main" xmlns:r="http://schemas.openxmlformats.org/officeDocument/2006/relationships" xmlns:p="http://schemas.openxmlformats.org/presentationml/2006/main">
   <p:tag name="AS_UNIQUEID" val="383"/>
 </p:tagLst>
 </file>
 
-<file path=ppt/tags/tag328.xml><?xml version="1.0" encoding="utf-8"?>
-<p:tagLst xmlns:a="http://schemas.openxmlformats.org/drawingml/2006/main" xmlns:r="http://schemas.openxmlformats.org/officeDocument/2006/relationships" xmlns:p="http://schemas.openxmlformats.org/presentationml/2006/main">
-  <p:tag name="AS_UNIQUEID" val="384"/>
-</p:tagLst>
-</file>
-
 <file path=ppt/tags/tag329.xml><?xml version="1.0" encoding="utf-8"?>
 <p:tagLst xmlns:a="http://schemas.openxmlformats.org/drawingml/2006/main" xmlns:r="http://schemas.openxmlformats.org/officeDocument/2006/relationships" xmlns:p="http://schemas.openxmlformats.org/presentationml/2006/main">
   <p:tag name="AS_UNIQUEID" val="385"/>
@@ -33236,40 +34462,40 @@
 
 <file path=ppt/tags/tag370.xml><?xml version="1.0" encoding="utf-8"?>
 <p:tagLst xmlns:a="http://schemas.openxmlformats.org/drawingml/2006/main" xmlns:r="http://schemas.openxmlformats.org/officeDocument/2006/relationships" xmlns:p="http://schemas.openxmlformats.org/presentationml/2006/main">
+  <p:tag name="AS_UNIQUEID" val="196"/>
+</p:tagLst>
+</file>
+
+<file path=ppt/tags/tag371.xml><?xml version="1.0" encoding="utf-8"?>
+<p:tagLst xmlns:a="http://schemas.openxmlformats.org/drawingml/2006/main" xmlns:r="http://schemas.openxmlformats.org/officeDocument/2006/relationships" xmlns:p="http://schemas.openxmlformats.org/presentationml/2006/main">
   <p:tag name="AS_UNIQUEID" val="668"/>
 </p:tagLst>
 </file>
 
-<file path=ppt/tags/tag371.xml><?xml version="1.0" encoding="utf-8"?>
+<file path=ppt/tags/tag372.xml><?xml version="1.0" encoding="utf-8"?>
 <p:tagLst xmlns:a="http://schemas.openxmlformats.org/drawingml/2006/main" xmlns:r="http://schemas.openxmlformats.org/officeDocument/2006/relationships" xmlns:p="http://schemas.openxmlformats.org/presentationml/2006/main">
   <p:tag name="AS_UNIQUEID" val="669"/>
 </p:tagLst>
 </file>
 
-<file path=ppt/tags/tag372.xml><?xml version="1.0" encoding="utf-8"?>
+<file path=ppt/tags/tag373.xml><?xml version="1.0" encoding="utf-8"?>
 <p:tagLst xmlns:a="http://schemas.openxmlformats.org/drawingml/2006/main" xmlns:r="http://schemas.openxmlformats.org/officeDocument/2006/relationships" xmlns:p="http://schemas.openxmlformats.org/presentationml/2006/main">
   <p:tag name="AS_UNIQUEID" val="426"/>
 </p:tagLst>
 </file>
 
-<file path=ppt/tags/tag373.xml><?xml version="1.0" encoding="utf-8"?>
+<file path=ppt/tags/tag374.xml><?xml version="1.0" encoding="utf-8"?>
 <p:tagLst xmlns:a="http://schemas.openxmlformats.org/drawingml/2006/main" xmlns:r="http://schemas.openxmlformats.org/officeDocument/2006/relationships" xmlns:p="http://schemas.openxmlformats.org/presentationml/2006/main">
   <p:tag name="AS_UNIQUEID" val="427"/>
 </p:tagLst>
 </file>
 
-<file path=ppt/tags/tag374.xml><?xml version="1.0" encoding="utf-8"?>
+<file path=ppt/tags/tag375.xml><?xml version="1.0" encoding="utf-8"?>
 <p:tagLst xmlns:a="http://schemas.openxmlformats.org/drawingml/2006/main" xmlns:r="http://schemas.openxmlformats.org/officeDocument/2006/relationships" xmlns:p="http://schemas.openxmlformats.org/presentationml/2006/main">
   <p:tag name="AS_UNIQUEID" val="428"/>
 </p:tagLst>
 </file>
 
-<file path=ppt/tags/tag375.xml><?xml version="1.0" encoding="utf-8"?>
-<p:tagLst xmlns:a="http://schemas.openxmlformats.org/drawingml/2006/main" xmlns:r="http://schemas.openxmlformats.org/officeDocument/2006/relationships" xmlns:p="http://schemas.openxmlformats.org/presentationml/2006/main">
-  <p:tag name="AS_UNIQUEID" val="429"/>
-</p:tagLst>
-</file>
-
 <file path=ppt/tags/tag376.xml><?xml version="1.0" encoding="utf-8"?>
 <p:tagLst xmlns:a="http://schemas.openxmlformats.org/drawingml/2006/main" xmlns:r="http://schemas.openxmlformats.org/officeDocument/2006/relationships" xmlns:p="http://schemas.openxmlformats.org/presentationml/2006/main">
   <p:tag name="AS_UNIQUEID" val="430"/>
@@ -33608,145 +34834,133 @@
 
 <file path=ppt/tags/tag426.xml><?xml version="1.0" encoding="utf-8"?>
 <p:tagLst xmlns:a="http://schemas.openxmlformats.org/drawingml/2006/main" xmlns:r="http://schemas.openxmlformats.org/officeDocument/2006/relationships" xmlns:p="http://schemas.openxmlformats.org/presentationml/2006/main">
+  <p:tag name="AS_UNIQUEID" val="196"/>
+</p:tagLst>
+</file>
+
+<file path=ppt/tags/tag427.xml><?xml version="1.0" encoding="utf-8"?>
+<p:tagLst xmlns:a="http://schemas.openxmlformats.org/drawingml/2006/main" xmlns:r="http://schemas.openxmlformats.org/officeDocument/2006/relationships" xmlns:p="http://schemas.openxmlformats.org/presentationml/2006/main">
   <p:tag name="AS_UNIQUEID" val="672"/>
 </p:tagLst>
 </file>
 
-<file path=ppt/tags/tag427.xml><?xml version="1.0" encoding="utf-8"?>
+<file path=ppt/tags/tag428.xml><?xml version="1.0" encoding="utf-8"?>
 <p:tagLst xmlns:a="http://schemas.openxmlformats.org/drawingml/2006/main" xmlns:r="http://schemas.openxmlformats.org/officeDocument/2006/relationships" xmlns:p="http://schemas.openxmlformats.org/presentationml/2006/main">
   <p:tag name="AS_UNIQUEID" val="673"/>
 </p:tagLst>
 </file>
 
-<file path=ppt/tags/tag428.xml><?xml version="1.0" encoding="utf-8"?>
+<file path=ppt/tags/tag429.xml><?xml version="1.0" encoding="utf-8"?>
 <p:tagLst xmlns:a="http://schemas.openxmlformats.org/drawingml/2006/main" xmlns:r="http://schemas.openxmlformats.org/officeDocument/2006/relationships" xmlns:p="http://schemas.openxmlformats.org/presentationml/2006/main">
   <p:tag name="AS_UNIQUEID" val="674"/>
 </p:tagLst>
 </file>
 
-<file path=ppt/tags/tag429.xml><?xml version="1.0" encoding="utf-8"?>
+<file path=ppt/tags/tag43.xml><?xml version="1.0" encoding="utf-8"?>
+<p:tagLst xmlns:a="http://schemas.openxmlformats.org/drawingml/2006/main" xmlns:r="http://schemas.openxmlformats.org/officeDocument/2006/relationships" xmlns:p="http://schemas.openxmlformats.org/presentationml/2006/main">
+  <p:tag name="AS_UNIQUEID" val="533"/>
+</p:tagLst>
+</file>
+
+<file path=ppt/tags/tag430.xml><?xml version="1.0" encoding="utf-8"?>
 <p:tagLst xmlns:a="http://schemas.openxmlformats.org/drawingml/2006/main" xmlns:r="http://schemas.openxmlformats.org/officeDocument/2006/relationships" xmlns:p="http://schemas.openxmlformats.org/presentationml/2006/main">
   <p:tag name="AS_UNIQUEID" val="480"/>
 </p:tagLst>
 </file>
 
-<file path=ppt/tags/tag43.xml><?xml version="1.0" encoding="utf-8"?>
-<p:tagLst xmlns:a="http://schemas.openxmlformats.org/drawingml/2006/main" xmlns:r="http://schemas.openxmlformats.org/officeDocument/2006/relationships" xmlns:p="http://schemas.openxmlformats.org/presentationml/2006/main">
-  <p:tag name="AS_UNIQUEID" val="533"/>
-</p:tagLst>
-</file>
-
-<file path=ppt/tags/tag430.xml><?xml version="1.0" encoding="utf-8"?>
+<file path=ppt/tags/tag431.xml><?xml version="1.0" encoding="utf-8"?>
 <p:tagLst xmlns:a="http://schemas.openxmlformats.org/drawingml/2006/main" xmlns:r="http://schemas.openxmlformats.org/officeDocument/2006/relationships" xmlns:p="http://schemas.openxmlformats.org/presentationml/2006/main">
   <p:tag name="AS_UNIQUEID" val="481"/>
 </p:tagLst>
 </file>
 
-<file path=ppt/tags/tag431.xml><?xml version="1.0" encoding="utf-8"?>
+<file path=ppt/tags/tag432.xml><?xml version="1.0" encoding="utf-8"?>
 <p:tagLst xmlns:a="http://schemas.openxmlformats.org/drawingml/2006/main" xmlns:r="http://schemas.openxmlformats.org/officeDocument/2006/relationships" xmlns:p="http://schemas.openxmlformats.org/presentationml/2006/main">
   <p:tag name="AS_UNIQUEID" val="677"/>
 </p:tagLst>
 </file>
 
-<file path=ppt/tags/tag432.xml><?xml version="1.0" encoding="utf-8"?>
+<file path=ppt/tags/tag433.xml><?xml version="1.0" encoding="utf-8"?>
 <p:tagLst xmlns:a="http://schemas.openxmlformats.org/drawingml/2006/main" xmlns:r="http://schemas.openxmlformats.org/officeDocument/2006/relationships" xmlns:p="http://schemas.openxmlformats.org/presentationml/2006/main">
   <p:tag name="AS_UNIQUEID" val="678"/>
 </p:tagLst>
 </file>
 
-<file path=ppt/tags/tag433.xml><?xml version="1.0" encoding="utf-8"?>
+<file path=ppt/tags/tag434.xml><?xml version="1.0" encoding="utf-8"?>
 <p:tagLst xmlns:a="http://schemas.openxmlformats.org/drawingml/2006/main" xmlns:r="http://schemas.openxmlformats.org/officeDocument/2006/relationships" xmlns:p="http://schemas.openxmlformats.org/presentationml/2006/main">
   <p:tag name="AS_UNIQUEID" val="482"/>
 </p:tagLst>
 </file>
 
-<file path=ppt/tags/tag434.xml><?xml version="1.0" encoding="utf-8"?>
+<file path=ppt/tags/tag435.xml><?xml version="1.0" encoding="utf-8"?>
 <p:tagLst xmlns:a="http://schemas.openxmlformats.org/drawingml/2006/main" xmlns:r="http://schemas.openxmlformats.org/officeDocument/2006/relationships" xmlns:p="http://schemas.openxmlformats.org/presentationml/2006/main">
   <p:tag name="AS_UNIQUEID" val="483"/>
 </p:tagLst>
 </file>
 
-<file path=ppt/tags/tag435.xml><?xml version="1.0" encoding="utf-8"?>
+<file path=ppt/tags/tag436.xml><?xml version="1.0" encoding="utf-8"?>
 <p:tagLst xmlns:a="http://schemas.openxmlformats.org/drawingml/2006/main" xmlns:r="http://schemas.openxmlformats.org/officeDocument/2006/relationships" xmlns:p="http://schemas.openxmlformats.org/presentationml/2006/main">
   <p:tag name="AS_UNIQUEID" val="681"/>
 </p:tagLst>
 </file>
 
-<file path=ppt/tags/tag436.xml><?xml version="1.0" encoding="utf-8"?>
+<file path=ppt/tags/tag437.xml><?xml version="1.0" encoding="utf-8"?>
 <p:tagLst xmlns:a="http://schemas.openxmlformats.org/drawingml/2006/main" xmlns:r="http://schemas.openxmlformats.org/officeDocument/2006/relationships" xmlns:p="http://schemas.openxmlformats.org/presentationml/2006/main">
   <p:tag name="AS_UNIQUEID" val="682"/>
 </p:tagLst>
 </file>
 
-<file path=ppt/tags/tag437.xml><?xml version="1.0" encoding="utf-8"?>
+<file path=ppt/tags/tag438.xml><?xml version="1.0" encoding="utf-8"?>
 <p:tagLst xmlns:a="http://schemas.openxmlformats.org/drawingml/2006/main" xmlns:r="http://schemas.openxmlformats.org/officeDocument/2006/relationships" xmlns:p="http://schemas.openxmlformats.org/presentationml/2006/main">
   <p:tag name="AS_UNIQUEID" val="484"/>
 </p:tagLst>
 </file>
 
-<file path=ppt/tags/tag438.xml><?xml version="1.0" encoding="utf-8"?>
+<file path=ppt/tags/tag439.xml><?xml version="1.0" encoding="utf-8"?>
 <p:tagLst xmlns:a="http://schemas.openxmlformats.org/drawingml/2006/main" xmlns:r="http://schemas.openxmlformats.org/officeDocument/2006/relationships" xmlns:p="http://schemas.openxmlformats.org/presentationml/2006/main">
   <p:tag name="AS_UNIQUEID" val="485"/>
 </p:tagLst>
 </file>
 
-<file path=ppt/tags/tag439.xml><?xml version="1.0" encoding="utf-8"?>
+<file path=ppt/tags/tag44.xml><?xml version="1.0" encoding="utf-8"?>
+<p:tagLst xmlns:a="http://schemas.openxmlformats.org/drawingml/2006/main" xmlns:r="http://schemas.openxmlformats.org/officeDocument/2006/relationships" xmlns:p="http://schemas.openxmlformats.org/presentationml/2006/main">
+  <p:tag name="AS_UNIQUEID" val="534"/>
+</p:tagLst>
+</file>
+
+<file path=ppt/tags/tag440.xml><?xml version="1.0" encoding="utf-8"?>
 <p:tagLst xmlns:a="http://schemas.openxmlformats.org/drawingml/2006/main" xmlns:r="http://schemas.openxmlformats.org/officeDocument/2006/relationships" xmlns:p="http://schemas.openxmlformats.org/presentationml/2006/main">
   <p:tag name="AS_UNIQUEID" val="685"/>
 </p:tagLst>
 </file>
 
-<file path=ppt/tags/tag44.xml><?xml version="1.0" encoding="utf-8"?>
-<p:tagLst xmlns:a="http://schemas.openxmlformats.org/drawingml/2006/main" xmlns:r="http://schemas.openxmlformats.org/officeDocument/2006/relationships" xmlns:p="http://schemas.openxmlformats.org/presentationml/2006/main">
-  <p:tag name="AS_UNIQUEID" val="534"/>
-</p:tagLst>
-</file>
-
-<file path=ppt/tags/tag440.xml><?xml version="1.0" encoding="utf-8"?>
+<file path=ppt/tags/tag441.xml><?xml version="1.0" encoding="utf-8"?>
 <p:tagLst xmlns:a="http://schemas.openxmlformats.org/drawingml/2006/main" xmlns:r="http://schemas.openxmlformats.org/officeDocument/2006/relationships" xmlns:p="http://schemas.openxmlformats.org/presentationml/2006/main">
   <p:tag name="AS_UNIQUEID" val="686"/>
 </p:tagLst>
 </file>
 
-<file path=ppt/tags/tag441.xml><?xml version="1.0" encoding="utf-8"?>
+<file path=ppt/tags/tag442.xml><?xml version="1.0" encoding="utf-8"?>
 <p:tagLst xmlns:a="http://schemas.openxmlformats.org/drawingml/2006/main" xmlns:r="http://schemas.openxmlformats.org/officeDocument/2006/relationships" xmlns:p="http://schemas.openxmlformats.org/presentationml/2006/main">
   <p:tag name="AS_UNIQUEID" val="486"/>
 </p:tagLst>
 </file>
 
-<file path=ppt/tags/tag442.xml><?xml version="1.0" encoding="utf-8"?>
+<file path=ppt/tags/tag443.xml><?xml version="1.0" encoding="utf-8"?>
 <p:tagLst xmlns:a="http://schemas.openxmlformats.org/drawingml/2006/main" xmlns:r="http://schemas.openxmlformats.org/officeDocument/2006/relationships" xmlns:p="http://schemas.openxmlformats.org/presentationml/2006/main">
   <p:tag name="AS_UNIQUEID" val="487"/>
 </p:tagLst>
 </file>
 
-<file path=ppt/tags/tag443.xml><?xml version="1.0" encoding="utf-8"?>
+<file path=ppt/tags/tag444.xml><?xml version="1.0" encoding="utf-8"?>
 <p:tagLst xmlns:a="http://schemas.openxmlformats.org/drawingml/2006/main" xmlns:r="http://schemas.openxmlformats.org/officeDocument/2006/relationships" xmlns:p="http://schemas.openxmlformats.org/presentationml/2006/main">
   <p:tag name="AS_UNIQUEID" val="689"/>
 </p:tagLst>
 </file>
 
-<file path=ppt/tags/tag444.xml><?xml version="1.0" encoding="utf-8"?>
+<file path=ppt/tags/tag445.xml><?xml version="1.0" encoding="utf-8"?>
 <p:tagLst xmlns:a="http://schemas.openxmlformats.org/drawingml/2006/main" xmlns:r="http://schemas.openxmlformats.org/officeDocument/2006/relationships" xmlns:p="http://schemas.openxmlformats.org/presentationml/2006/main">
   <p:tag name="AS_UNIQUEID" val="690"/>
-</p:tagLst>
-</file>
-
-<file path=ppt/tags/tag445.xml><?xml version="1.0" encoding="utf-8"?>
-<p:tagLst xmlns:a="http://schemas.openxmlformats.org/drawingml/2006/main" xmlns:r="http://schemas.openxmlformats.org/officeDocument/2006/relationships" xmlns:p="http://schemas.openxmlformats.org/presentationml/2006/main">
-  <p:tag name="AS_UNIQUEID" val="488"/>
-</p:tagLst>
-</file>
-
-<file path=ppt/tags/tag446.xml><?xml version="1.0" encoding="utf-8"?>
-<p:tagLst xmlns:a="http://schemas.openxmlformats.org/drawingml/2006/main" xmlns:r="http://schemas.openxmlformats.org/officeDocument/2006/relationships" xmlns:p="http://schemas.openxmlformats.org/presentationml/2006/main">
-  <p:tag name="AS_UNIQUEID" val="693"/>
-</p:tagLst>
-</file>
-
-<file path=ppt/tags/tag447.xml><?xml version="1.0" encoding="utf-8"?>
-<p:tagLst xmlns:a="http://schemas.openxmlformats.org/drawingml/2006/main" xmlns:r="http://schemas.openxmlformats.org/officeDocument/2006/relationships" xmlns:p="http://schemas.openxmlformats.org/presentationml/2006/main">
-  <p:tag name="AS_UNIQUEID" val="694"/>
 </p:tagLst>
 </file>
 

--- a/Time-Card/ДОКУМЕНТЫ/МАТЕРИАЛ СТАТЬИ/translator_ru_conholdate.app.pptx
+++ b/Time-Card/ДОКУМЕНТЫ/МАТЕРИАЛ СТАТЬИ/translator_ru_conholdate.app.pptx
@@ -5,7 +5,7 @@
     <p:sldMasterId id="2147483648" r:id="rId1"/>
   </p:sldMasterIdLst>
   <p:notesMasterIdLst>
-    <p:notesMasterId r:id="rId24"/>
+    <p:notesMasterId r:id="rId23"/>
   </p:notesMasterIdLst>
   <p:sldIdLst>
     <p:sldId id="256" r:id="rId2"/>
@@ -22,32 +22,31 @@
     <p:sldId id="269" r:id="rId13"/>
     <p:sldId id="270" r:id="rId14"/>
     <p:sldId id="271" r:id="rId15"/>
-    <p:sldId id="272" r:id="rId16"/>
-    <p:sldId id="273" r:id="rId17"/>
-    <p:sldId id="274" r:id="rId18"/>
-    <p:sldId id="275" r:id="rId19"/>
-    <p:sldId id="276" r:id="rId20"/>
-    <p:sldId id="277" r:id="rId21"/>
-    <p:sldId id="278" r:id="rId22"/>
-    <p:sldId id="279" r:id="rId23"/>
+    <p:sldId id="273" r:id="rId16"/>
+    <p:sldId id="274" r:id="rId17"/>
+    <p:sldId id="275" r:id="rId18"/>
+    <p:sldId id="276" r:id="rId19"/>
+    <p:sldId id="277" r:id="rId20"/>
+    <p:sldId id="278" r:id="rId21"/>
+    <p:sldId id="279" r:id="rId22"/>
   </p:sldIdLst>
   <p:sldSz cx="12192000" cy="6858000"/>
   <p:notesSz cx="6858000" cy="9144000"/>
   <p:embeddedFontLst>
     <p:embeddedFont>
       <p:font typeface="Calibri" panose="020F0502020204030204" pitchFamily="34" charset="0"/>
-      <p:regular r:id="rId25"/>
-      <p:bold r:id="rId26"/>
-      <p:italic r:id="rId27"/>
-      <p:boldItalic r:id="rId28"/>
+      <p:regular r:id="rId24"/>
+      <p:bold r:id="rId25"/>
+      <p:italic r:id="rId26"/>
+      <p:boldItalic r:id="rId27"/>
     </p:embeddedFont>
     <p:embeddedFont>
       <p:font typeface="Optimistic Display" panose="020B0604020202020204" charset="0"/>
-      <p:bold r:id="rId29"/>
+      <p:bold r:id="rId28"/>
     </p:embeddedFont>
   </p:embeddedFontLst>
   <p:custDataLst>
-    <p:tags r:id="rId30"/>
+    <p:tags r:id="rId29"/>
   </p:custDataLst>
   <p:defaultTextStyle>
     <a:defPPr marR="0" lvl="0" algn="l" rtl="0">
@@ -286,7 +285,7 @@
       <p15:notesGuideLst xmlns:p15="http://schemas.microsoft.com/office/powerpoint/2012/main"/>
     </p:ext>
     <p:ext uri="GoogleSlidesCustomDataVersion2">
-      <go:slidesCustomData xmlns="" xmlns:go="http://customooxmlschemas.google.com/" r:id="rId32" roundtripDataSignature="AMtx7mhNngTpdb6Kst2mlBop8mV18dUr4w=="/>
+      <go:slidesCustomData xmlns:go="http://customooxmlschemas.google.com/" xmlns="" r:id="rId32" roundtripDataSignature="AMtx7mhNngTpdb6Kst2mlBop8mV18dUr4w=="/>
     </p:ext>
   </p:extLst>
 </p:presentation>
@@ -2296,7 +2295,7 @@
   <p:cSld>
     <p:spTree>
       <p:nvGrpSpPr>
-        <p:cNvPr id="1" name="Shape 459"/>
+        <p:cNvPr id="1" name="Shape 555"/>
         <p:cNvGrpSpPr/>
         <p:nvPr/>
       </p:nvGrpSpPr>
@@ -2310,7 +2309,227 @@
       </p:grpSpPr>
       <p:sp>
         <p:nvSpPr>
-          <p:cNvPr id="460" name="Google Shape;460;p17:notes"/>
+          <p:cNvPr id="556" name="Google Shape;556;p18:notes"/>
+          <p:cNvSpPr txBox="1">
+            <a:spLocks noGrp="1"/>
+          </p:cNvSpPr>
+          <p:nvPr>
+            <p:ph type="body" idx="1"/>
+            <p:custDataLst>
+              <p:tags r:id="rId1"/>
+            </p:custDataLst>
+          </p:nvPr>
+        </p:nvSpPr>
+        <p:spPr>
+          <a:xfrm>
+            <a:off x="685800" y="4400550"/>
+            <a:ext cx="5486400" cy="3600450"/>
+          </a:xfrm>
+          <a:prstGeom prst="rect">
+            <a:avLst/>
+          </a:prstGeom>
+        </p:spPr>
+        <p:txBody>
+          <a:bodyPr spcFirstLastPara="1" wrap="square" lIns="91425" tIns="45700" rIns="91425" bIns="45700" anchor="t" anchorCtr="0">
+            <a:noAutofit/>
+          </a:bodyPr>
+          <a:lstStyle/>
+          <a:p>
+            <a:pPr marL="0" lvl="0" indent="0" algn="l" rtl="0">
+              <a:spcBef>
+                <a:spcPct val="0"/>
+              </a:spcBef>
+              <a:spcAft>
+                <a:spcPct val="0"/>
+              </a:spcAft>
+              <a:buNone/>
+            </a:pPr>
+            <a:endParaRPr/>
+          </a:p>
+        </p:txBody>
+      </p:sp>
+      <p:sp>
+        <p:nvSpPr>
+          <p:cNvPr id="557" name="Google Shape;557;p18:notes"/>
+          <p:cNvSpPr>
+            <a:spLocks noGrp="1" noRot="1" noChangeAspect="1"/>
+          </p:cNvSpPr>
+          <p:nvPr>
+            <p:ph type="sldImg" idx="2"/>
+            <p:custDataLst>
+              <p:tags r:id="rId2"/>
+            </p:custDataLst>
+          </p:nvPr>
+        </p:nvSpPr>
+        <p:spPr>
+          <a:xfrm>
+            <a:off x="685800" y="1143000"/>
+            <a:ext cx="5486400" cy="3086100"/>
+          </a:xfrm>
+          <a:custGeom>
+            <a:avLst/>
+            <a:gdLst/>
+            <a:ahLst/>
+            <a:cxnLst/>
+            <a:rect l="l" t="t" r="r" b="b"/>
+            <a:pathLst>
+              <a:path w="119999" h="119999" extrusionOk="0">
+                <a:moveTo>
+                  <a:pt x="0" y="0"/>
+                </a:moveTo>
+                <a:lnTo>
+                  <a:pt x="120000" y="0"/>
+                </a:lnTo>
+                <a:lnTo>
+                  <a:pt x="120000" y="120000"/>
+                </a:lnTo>
+                <a:lnTo>
+                  <a:pt x="0" y="120000"/>
+                </a:lnTo>
+                <a:close/>
+              </a:path>
+            </a:pathLst>
+          </a:custGeom>
+        </p:spPr>
+      </p:sp>
+    </p:spTree>
+  </p:cSld>
+  <p:clrMapOvr>
+    <a:masterClrMapping/>
+  </p:clrMapOvr>
+</p:notes>
+</file>
+
+<file path=ppt/notesSlides/notesSlide16.xml><?xml version="1.0" encoding="utf-8"?>
+<p:notes xmlns:a="http://schemas.openxmlformats.org/drawingml/2006/main" xmlns:r="http://schemas.openxmlformats.org/officeDocument/2006/relationships" xmlns:p="http://schemas.openxmlformats.org/presentationml/2006/main" showMasterSp="0" showMasterPhAnim="0">
+  <p:cSld>
+    <p:spTree>
+      <p:nvGrpSpPr>
+        <p:cNvPr id="1" name="Shape 561"/>
+        <p:cNvGrpSpPr/>
+        <p:nvPr/>
+      </p:nvGrpSpPr>
+      <p:grpSpPr>
+        <a:xfrm>
+          <a:off x="0" y="0"/>
+          <a:ext cx="0" cy="0"/>
+          <a:chOff x="0" y="0"/>
+          <a:chExt cx="0" cy="0"/>
+        </a:xfrm>
+      </p:grpSpPr>
+      <p:sp>
+        <p:nvSpPr>
+          <p:cNvPr id="562" name="Google Shape;562;p19:notes"/>
+          <p:cNvSpPr txBox="1">
+            <a:spLocks noGrp="1"/>
+          </p:cNvSpPr>
+          <p:nvPr>
+            <p:ph type="body" idx="1"/>
+            <p:custDataLst>
+              <p:tags r:id="rId1"/>
+            </p:custDataLst>
+          </p:nvPr>
+        </p:nvSpPr>
+        <p:spPr>
+          <a:xfrm>
+            <a:off x="685800" y="4400550"/>
+            <a:ext cx="5486400" cy="3600450"/>
+          </a:xfrm>
+          <a:prstGeom prst="rect">
+            <a:avLst/>
+          </a:prstGeom>
+        </p:spPr>
+        <p:txBody>
+          <a:bodyPr spcFirstLastPara="1" wrap="square" lIns="91425" tIns="45700" rIns="91425" bIns="45700" anchor="t" anchorCtr="0">
+            <a:noAutofit/>
+          </a:bodyPr>
+          <a:lstStyle/>
+          <a:p>
+            <a:pPr marL="0" lvl="0" indent="0" algn="l" rtl="0">
+              <a:spcBef>
+                <a:spcPct val="0"/>
+              </a:spcBef>
+              <a:spcAft>
+                <a:spcPct val="0"/>
+              </a:spcAft>
+              <a:buNone/>
+            </a:pPr>
+            <a:endParaRPr/>
+          </a:p>
+        </p:txBody>
+      </p:sp>
+      <p:sp>
+        <p:nvSpPr>
+          <p:cNvPr id="563" name="Google Shape;563;p19:notes"/>
+          <p:cNvSpPr>
+            <a:spLocks noGrp="1" noRot="1" noChangeAspect="1"/>
+          </p:cNvSpPr>
+          <p:nvPr>
+            <p:ph type="sldImg" idx="2"/>
+            <p:custDataLst>
+              <p:tags r:id="rId2"/>
+            </p:custDataLst>
+          </p:nvPr>
+        </p:nvSpPr>
+        <p:spPr>
+          <a:xfrm>
+            <a:off x="685800" y="1143000"/>
+            <a:ext cx="5486400" cy="3086100"/>
+          </a:xfrm>
+          <a:custGeom>
+            <a:avLst/>
+            <a:gdLst/>
+            <a:ahLst/>
+            <a:cxnLst/>
+            <a:rect l="l" t="t" r="r" b="b"/>
+            <a:pathLst>
+              <a:path w="119999" h="119999" extrusionOk="0">
+                <a:moveTo>
+                  <a:pt x="0" y="0"/>
+                </a:moveTo>
+                <a:lnTo>
+                  <a:pt x="120000" y="0"/>
+                </a:lnTo>
+                <a:lnTo>
+                  <a:pt x="120000" y="120000"/>
+                </a:lnTo>
+                <a:lnTo>
+                  <a:pt x="0" y="120000"/>
+                </a:lnTo>
+                <a:close/>
+              </a:path>
+            </a:pathLst>
+          </a:custGeom>
+        </p:spPr>
+      </p:sp>
+    </p:spTree>
+  </p:cSld>
+  <p:clrMapOvr>
+    <a:masterClrMapping/>
+  </p:clrMapOvr>
+</p:notes>
+</file>
+
+<file path=ppt/notesSlides/notesSlide17.xml><?xml version="1.0" encoding="utf-8"?>
+<p:notes xmlns:a="http://schemas.openxmlformats.org/drawingml/2006/main" xmlns:r="http://schemas.openxmlformats.org/officeDocument/2006/relationships" xmlns:p="http://schemas.openxmlformats.org/presentationml/2006/main" showMasterSp="0" showMasterPhAnim="0">
+  <p:cSld>
+    <p:spTree>
+      <p:nvGrpSpPr>
+        <p:cNvPr id="1" name="Shape 610"/>
+        <p:cNvGrpSpPr/>
+        <p:nvPr/>
+      </p:nvGrpSpPr>
+      <p:grpSpPr>
+        <a:xfrm>
+          <a:off x="0" y="0"/>
+          <a:ext cx="0" cy="0"/>
+          <a:chOff x="0" y="0"/>
+          <a:chExt cx="0" cy="0"/>
+        </a:xfrm>
+      </p:grpSpPr>
+      <p:sp>
+        <p:nvSpPr>
+          <p:cNvPr id="611" name="Google Shape;611;p20:notes"/>
           <p:cNvSpPr>
             <a:spLocks noGrp="1" noRot="1" noChangeAspect="1"/>
           </p:cNvSpPr>
@@ -2364,7 +2583,7 @@
       </p:sp>
       <p:sp>
         <p:nvSpPr>
-          <p:cNvPr id="461" name="Google Shape;461;p17:notes"/>
+          <p:cNvPr id="612" name="Google Shape;612;p20:notes"/>
           <p:cNvSpPr txBox="1">
             <a:spLocks noGrp="1"/>
           </p:cNvSpPr>
@@ -2409,7 +2628,7 @@
       </p:sp>
       <p:sp>
         <p:nvSpPr>
-          <p:cNvPr id="462" name="Google Shape;462;p17:notes"/>
+          <p:cNvPr id="613" name="Google Shape;613;p20:notes"/>
           <p:cNvSpPr txBox="1">
             <a:spLocks noGrp="1"/>
           </p:cNvSpPr>
@@ -2450,7 +2669,7 @@
             </a:pPr>
             <a:fld id="{00000000-1234-1234-1234-123412341234}" type="slidenum">
               <a:rPr lang="en-US"/>
-              <a:t>15</a:t>
+              <a:t>17</a:t>
             </a:fld>
             <a:endParaRPr/>
           </a:p>
@@ -2464,12 +2683,12 @@
 </p:notes>
 </file>
 
-<file path=ppt/notesSlides/notesSlide16.xml><?xml version="1.0" encoding="utf-8"?>
+<file path=ppt/notesSlides/notesSlide18.xml><?xml version="1.0" encoding="utf-8"?>
 <p:notes xmlns:a="http://schemas.openxmlformats.org/drawingml/2006/main" xmlns:r="http://schemas.openxmlformats.org/officeDocument/2006/relationships" xmlns:p="http://schemas.openxmlformats.org/presentationml/2006/main" showMasterSp="0" showMasterPhAnim="0">
   <p:cSld>
     <p:spTree>
       <p:nvGrpSpPr>
-        <p:cNvPr id="1" name="Shape 555"/>
+        <p:cNvPr id="1" name="Shape 669"/>
         <p:cNvGrpSpPr/>
         <p:nvPr/>
       </p:nvGrpSpPr>
@@ -2483,7 +2702,7 @@
       </p:grpSpPr>
       <p:sp>
         <p:nvSpPr>
-          <p:cNvPr id="556" name="Google Shape;556;p18:notes"/>
+          <p:cNvPr id="670" name="Google Shape;670;p21:notes"/>
           <p:cNvSpPr txBox="1">
             <a:spLocks noGrp="1"/>
           </p:cNvSpPr>
@@ -2524,7 +2743,7 @@
       </p:sp>
       <p:sp>
         <p:nvSpPr>
-          <p:cNvPr id="557" name="Google Shape;557;p18:notes"/>
+          <p:cNvPr id="671" name="Google Shape;671;p21:notes"/>
           <p:cNvSpPr>
             <a:spLocks noGrp="1" noRot="1" noChangeAspect="1"/>
           </p:cNvSpPr>
@@ -2574,12 +2793,12 @@
 </p:notes>
 </file>
 
-<file path=ppt/notesSlides/notesSlide17.xml><?xml version="1.0" encoding="utf-8"?>
+<file path=ppt/notesSlides/notesSlide19.xml><?xml version="1.0" encoding="utf-8"?>
 <p:notes xmlns:a="http://schemas.openxmlformats.org/drawingml/2006/main" xmlns:r="http://schemas.openxmlformats.org/officeDocument/2006/relationships" xmlns:p="http://schemas.openxmlformats.org/presentationml/2006/main" showMasterSp="0" showMasterPhAnim="0">
   <p:cSld>
     <p:spTree>
       <p:nvGrpSpPr>
-        <p:cNvPr id="1" name="Shape 561"/>
+        <p:cNvPr id="1" name="Shape 675"/>
         <p:cNvGrpSpPr/>
         <p:nvPr/>
       </p:nvGrpSpPr>
@@ -2593,7 +2812,7 @@
       </p:grpSpPr>
       <p:sp>
         <p:nvSpPr>
-          <p:cNvPr id="562" name="Google Shape;562;p19:notes"/>
+          <p:cNvPr id="676" name="Google Shape;676;p22:notes"/>
           <p:cNvSpPr txBox="1">
             <a:spLocks noGrp="1"/>
           </p:cNvSpPr>
@@ -2634,290 +2853,7 @@
       </p:sp>
       <p:sp>
         <p:nvSpPr>
-          <p:cNvPr id="563" name="Google Shape;563;p19:notes"/>
-          <p:cNvSpPr>
-            <a:spLocks noGrp="1" noRot="1" noChangeAspect="1"/>
-          </p:cNvSpPr>
-          <p:nvPr>
-            <p:ph type="sldImg" idx="2"/>
-            <p:custDataLst>
-              <p:tags r:id="rId2"/>
-            </p:custDataLst>
-          </p:nvPr>
-        </p:nvSpPr>
-        <p:spPr>
-          <a:xfrm>
-            <a:off x="685800" y="1143000"/>
-            <a:ext cx="5486400" cy="3086100"/>
-          </a:xfrm>
-          <a:custGeom>
-            <a:avLst/>
-            <a:gdLst/>
-            <a:ahLst/>
-            <a:cxnLst/>
-            <a:rect l="l" t="t" r="r" b="b"/>
-            <a:pathLst>
-              <a:path w="119999" h="119999" extrusionOk="0">
-                <a:moveTo>
-                  <a:pt x="0" y="0"/>
-                </a:moveTo>
-                <a:lnTo>
-                  <a:pt x="120000" y="0"/>
-                </a:lnTo>
-                <a:lnTo>
-                  <a:pt x="120000" y="120000"/>
-                </a:lnTo>
-                <a:lnTo>
-                  <a:pt x="0" y="120000"/>
-                </a:lnTo>
-                <a:close/>
-              </a:path>
-            </a:pathLst>
-          </a:custGeom>
-        </p:spPr>
-      </p:sp>
-    </p:spTree>
-  </p:cSld>
-  <p:clrMapOvr>
-    <a:masterClrMapping/>
-  </p:clrMapOvr>
-</p:notes>
-</file>
-
-<file path=ppt/notesSlides/notesSlide18.xml><?xml version="1.0" encoding="utf-8"?>
-<p:notes xmlns:a="http://schemas.openxmlformats.org/drawingml/2006/main" xmlns:r="http://schemas.openxmlformats.org/officeDocument/2006/relationships" xmlns:p="http://schemas.openxmlformats.org/presentationml/2006/main" showMasterSp="0" showMasterPhAnim="0">
-  <p:cSld>
-    <p:spTree>
-      <p:nvGrpSpPr>
-        <p:cNvPr id="1" name="Shape 610"/>
-        <p:cNvGrpSpPr/>
-        <p:nvPr/>
-      </p:nvGrpSpPr>
-      <p:grpSpPr>
-        <a:xfrm>
-          <a:off x="0" y="0"/>
-          <a:ext cx="0" cy="0"/>
-          <a:chOff x="0" y="0"/>
-          <a:chExt cx="0" cy="0"/>
-        </a:xfrm>
-      </p:grpSpPr>
-      <p:sp>
-        <p:nvSpPr>
-          <p:cNvPr id="611" name="Google Shape;611;p20:notes"/>
-          <p:cNvSpPr>
-            <a:spLocks noGrp="1" noRot="1" noChangeAspect="1"/>
-          </p:cNvSpPr>
-          <p:nvPr>
-            <p:ph type="sldImg" idx="2"/>
-            <p:custDataLst>
-              <p:tags r:id="rId1"/>
-            </p:custDataLst>
-          </p:nvPr>
-        </p:nvSpPr>
-        <p:spPr>
-          <a:xfrm>
-            <a:off x="685800" y="1143000"/>
-            <a:ext cx="5486400" cy="3086100"/>
-          </a:xfrm>
-          <a:custGeom>
-            <a:avLst/>
-            <a:gdLst/>
-            <a:ahLst/>
-            <a:cxnLst/>
-            <a:rect l="l" t="t" r="r" b="b"/>
-            <a:pathLst>
-              <a:path w="119999" h="119999" extrusionOk="0">
-                <a:moveTo>
-                  <a:pt x="0" y="0"/>
-                </a:moveTo>
-                <a:lnTo>
-                  <a:pt x="120000" y="0"/>
-                </a:lnTo>
-                <a:lnTo>
-                  <a:pt x="120000" y="120000"/>
-                </a:lnTo>
-                <a:lnTo>
-                  <a:pt x="0" y="120000"/>
-                </a:lnTo>
-                <a:close/>
-              </a:path>
-            </a:pathLst>
-          </a:custGeom>
-          <a:noFill/>
-          <a:ln w="12700" cap="flat" cmpd="sng">
-            <a:solidFill>
-              <a:srgbClr val="000000"/>
-            </a:solidFill>
-            <a:prstDash val="solid"/>
-            <a:round/>
-            <a:headEnd type="none" w="sm" len="sm"/>
-            <a:tailEnd type="none" w="sm" len="sm"/>
-          </a:ln>
-        </p:spPr>
-      </p:sp>
-      <p:sp>
-        <p:nvSpPr>
-          <p:cNvPr id="612" name="Google Shape;612;p20:notes"/>
-          <p:cNvSpPr txBox="1">
-            <a:spLocks noGrp="1"/>
-          </p:cNvSpPr>
-          <p:nvPr>
-            <p:ph type="body" idx="1"/>
-            <p:custDataLst>
-              <p:tags r:id="rId2"/>
-            </p:custDataLst>
-          </p:nvPr>
-        </p:nvSpPr>
-        <p:spPr>
-          <a:xfrm>
-            <a:off x="685800" y="4400550"/>
-            <a:ext cx="5486400" cy="3600450"/>
-          </a:xfrm>
-          <a:prstGeom prst="rect">
-            <a:avLst/>
-          </a:prstGeom>
-          <a:noFill/>
-          <a:ln>
-            <a:noFill/>
-          </a:ln>
-        </p:spPr>
-        <p:txBody>
-          <a:bodyPr spcFirstLastPara="1" wrap="square" lIns="91425" tIns="45700" rIns="91425" bIns="45700" anchor="t" anchorCtr="0">
-            <a:noAutofit/>
-          </a:bodyPr>
-          <a:lstStyle/>
-          <a:p>
-            <a:pPr marL="0" lvl="0" indent="0" algn="l" rtl="0">
-              <a:spcBef>
-                <a:spcPct val="0"/>
-              </a:spcBef>
-              <a:spcAft>
-                <a:spcPct val="0"/>
-              </a:spcAft>
-              <a:buNone/>
-            </a:pPr>
-            <a:endParaRPr/>
-          </a:p>
-        </p:txBody>
-      </p:sp>
-      <p:sp>
-        <p:nvSpPr>
-          <p:cNvPr id="613" name="Google Shape;613;p20:notes"/>
-          <p:cNvSpPr txBox="1">
-            <a:spLocks noGrp="1"/>
-          </p:cNvSpPr>
-          <p:nvPr>
-            <p:ph type="sldNum" idx="12"/>
-            <p:custDataLst>
-              <p:tags r:id="rId3"/>
-            </p:custDataLst>
-          </p:nvPr>
-        </p:nvSpPr>
-        <p:spPr>
-          <a:xfrm>
-            <a:off x="3884613" y="8685213"/>
-            <a:ext cx="2971800" cy="458787"/>
-          </a:xfrm>
-          <a:prstGeom prst="rect">
-            <a:avLst/>
-          </a:prstGeom>
-          <a:noFill/>
-          <a:ln>
-            <a:noFill/>
-          </a:ln>
-        </p:spPr>
-        <p:txBody>
-          <a:bodyPr spcFirstLastPara="1" wrap="square" lIns="91425" tIns="45700" rIns="91425" bIns="45700" anchor="b" anchorCtr="0">
-            <a:noAutofit/>
-          </a:bodyPr>
-          <a:lstStyle/>
-          <a:p>
-            <a:pPr marL="0" lvl="0" indent="0" algn="r" rtl="0">
-              <a:spcBef>
-                <a:spcPct val="0"/>
-              </a:spcBef>
-              <a:spcAft>
-                <a:spcPct val="0"/>
-              </a:spcAft>
-              <a:buNone/>
-            </a:pPr>
-            <a:fld id="{00000000-1234-1234-1234-123412341234}" type="slidenum">
-              <a:rPr lang="en-US"/>
-              <a:t>18</a:t>
-            </a:fld>
-            <a:endParaRPr/>
-          </a:p>
-        </p:txBody>
-      </p:sp>
-    </p:spTree>
-  </p:cSld>
-  <p:clrMapOvr>
-    <a:masterClrMapping/>
-  </p:clrMapOvr>
-</p:notes>
-</file>
-
-<file path=ppt/notesSlides/notesSlide19.xml><?xml version="1.0" encoding="utf-8"?>
-<p:notes xmlns:a="http://schemas.openxmlformats.org/drawingml/2006/main" xmlns:r="http://schemas.openxmlformats.org/officeDocument/2006/relationships" xmlns:p="http://schemas.openxmlformats.org/presentationml/2006/main" showMasterSp="0" showMasterPhAnim="0">
-  <p:cSld>
-    <p:spTree>
-      <p:nvGrpSpPr>
-        <p:cNvPr id="1" name="Shape 669"/>
-        <p:cNvGrpSpPr/>
-        <p:nvPr/>
-      </p:nvGrpSpPr>
-      <p:grpSpPr>
-        <a:xfrm>
-          <a:off x="0" y="0"/>
-          <a:ext cx="0" cy="0"/>
-          <a:chOff x="0" y="0"/>
-          <a:chExt cx="0" cy="0"/>
-        </a:xfrm>
-      </p:grpSpPr>
-      <p:sp>
-        <p:nvSpPr>
-          <p:cNvPr id="670" name="Google Shape;670;p21:notes"/>
-          <p:cNvSpPr txBox="1">
-            <a:spLocks noGrp="1"/>
-          </p:cNvSpPr>
-          <p:nvPr>
-            <p:ph type="body" idx="1"/>
-            <p:custDataLst>
-              <p:tags r:id="rId1"/>
-            </p:custDataLst>
-          </p:nvPr>
-        </p:nvSpPr>
-        <p:spPr>
-          <a:xfrm>
-            <a:off x="685800" y="4400550"/>
-            <a:ext cx="5486400" cy="3600450"/>
-          </a:xfrm>
-          <a:prstGeom prst="rect">
-            <a:avLst/>
-          </a:prstGeom>
-        </p:spPr>
-        <p:txBody>
-          <a:bodyPr spcFirstLastPara="1" wrap="square" lIns="91425" tIns="45700" rIns="91425" bIns="45700" anchor="t" anchorCtr="0">
-            <a:noAutofit/>
-          </a:bodyPr>
-          <a:lstStyle/>
-          <a:p>
-            <a:pPr marL="0" lvl="0" indent="0" algn="l" rtl="0">
-              <a:spcBef>
-                <a:spcPct val="0"/>
-              </a:spcBef>
-              <a:spcAft>
-                <a:spcPct val="0"/>
-              </a:spcAft>
-              <a:buNone/>
-            </a:pPr>
-            <a:endParaRPr/>
-          </a:p>
-        </p:txBody>
-      </p:sp>
-      <p:sp>
-        <p:nvSpPr>
-          <p:cNvPr id="671" name="Google Shape;671;p21:notes"/>
+          <p:cNvPr id="677" name="Google Shape;677;p22:notes"/>
           <p:cNvSpPr>
             <a:spLocks noGrp="1" noRot="1" noChangeAspect="1"/>
           </p:cNvSpPr>
@@ -3082,7 +3018,7 @@
   <p:cSld>
     <p:spTree>
       <p:nvGrpSpPr>
-        <p:cNvPr id="1" name="Shape 675"/>
+        <p:cNvPr id="1" name="Shape 681"/>
         <p:cNvGrpSpPr/>
         <p:nvPr/>
       </p:nvGrpSpPr>
@@ -3096,7 +3032,7 @@
       </p:grpSpPr>
       <p:sp>
         <p:nvSpPr>
-          <p:cNvPr id="676" name="Google Shape;676;p22:notes"/>
+          <p:cNvPr id="682" name="Google Shape;682;p23:notes"/>
           <p:cNvSpPr txBox="1">
             <a:spLocks noGrp="1"/>
           </p:cNvSpPr>
@@ -3137,7 +3073,7 @@
       </p:sp>
       <p:sp>
         <p:nvSpPr>
-          <p:cNvPr id="677" name="Google Shape;677;p22:notes"/>
+          <p:cNvPr id="683" name="Google Shape;683;p23:notes"/>
           <p:cNvSpPr>
             <a:spLocks noGrp="1" noRot="1" noChangeAspect="1"/>
           </p:cNvSpPr>
@@ -3188,116 +3124,6 @@
 </file>
 
 <file path=ppt/notesSlides/notesSlide21.xml><?xml version="1.0" encoding="utf-8"?>
-<p:notes xmlns:a="http://schemas.openxmlformats.org/drawingml/2006/main" xmlns:r="http://schemas.openxmlformats.org/officeDocument/2006/relationships" xmlns:p="http://schemas.openxmlformats.org/presentationml/2006/main" showMasterSp="0" showMasterPhAnim="0">
-  <p:cSld>
-    <p:spTree>
-      <p:nvGrpSpPr>
-        <p:cNvPr id="1" name="Shape 681"/>
-        <p:cNvGrpSpPr/>
-        <p:nvPr/>
-      </p:nvGrpSpPr>
-      <p:grpSpPr>
-        <a:xfrm>
-          <a:off x="0" y="0"/>
-          <a:ext cx="0" cy="0"/>
-          <a:chOff x="0" y="0"/>
-          <a:chExt cx="0" cy="0"/>
-        </a:xfrm>
-      </p:grpSpPr>
-      <p:sp>
-        <p:nvSpPr>
-          <p:cNvPr id="682" name="Google Shape;682;p23:notes"/>
-          <p:cNvSpPr txBox="1">
-            <a:spLocks noGrp="1"/>
-          </p:cNvSpPr>
-          <p:nvPr>
-            <p:ph type="body" idx="1"/>
-            <p:custDataLst>
-              <p:tags r:id="rId1"/>
-            </p:custDataLst>
-          </p:nvPr>
-        </p:nvSpPr>
-        <p:spPr>
-          <a:xfrm>
-            <a:off x="685800" y="4400550"/>
-            <a:ext cx="5486400" cy="3600450"/>
-          </a:xfrm>
-          <a:prstGeom prst="rect">
-            <a:avLst/>
-          </a:prstGeom>
-        </p:spPr>
-        <p:txBody>
-          <a:bodyPr spcFirstLastPara="1" wrap="square" lIns="91425" tIns="45700" rIns="91425" bIns="45700" anchor="t" anchorCtr="0">
-            <a:noAutofit/>
-          </a:bodyPr>
-          <a:lstStyle/>
-          <a:p>
-            <a:pPr marL="0" lvl="0" indent="0" algn="l" rtl="0">
-              <a:spcBef>
-                <a:spcPct val="0"/>
-              </a:spcBef>
-              <a:spcAft>
-                <a:spcPct val="0"/>
-              </a:spcAft>
-              <a:buNone/>
-            </a:pPr>
-            <a:endParaRPr/>
-          </a:p>
-        </p:txBody>
-      </p:sp>
-      <p:sp>
-        <p:nvSpPr>
-          <p:cNvPr id="683" name="Google Shape;683;p23:notes"/>
-          <p:cNvSpPr>
-            <a:spLocks noGrp="1" noRot="1" noChangeAspect="1"/>
-          </p:cNvSpPr>
-          <p:nvPr>
-            <p:ph type="sldImg" idx="2"/>
-            <p:custDataLst>
-              <p:tags r:id="rId2"/>
-            </p:custDataLst>
-          </p:nvPr>
-        </p:nvSpPr>
-        <p:spPr>
-          <a:xfrm>
-            <a:off x="685800" y="1143000"/>
-            <a:ext cx="5486400" cy="3086100"/>
-          </a:xfrm>
-          <a:custGeom>
-            <a:avLst/>
-            <a:gdLst/>
-            <a:ahLst/>
-            <a:cxnLst/>
-            <a:rect l="l" t="t" r="r" b="b"/>
-            <a:pathLst>
-              <a:path w="119999" h="119999" extrusionOk="0">
-                <a:moveTo>
-                  <a:pt x="0" y="0"/>
-                </a:moveTo>
-                <a:lnTo>
-                  <a:pt x="120000" y="0"/>
-                </a:lnTo>
-                <a:lnTo>
-                  <a:pt x="120000" y="120000"/>
-                </a:lnTo>
-                <a:lnTo>
-                  <a:pt x="0" y="120000"/>
-                </a:lnTo>
-                <a:close/>
-              </a:path>
-            </a:pathLst>
-          </a:custGeom>
-        </p:spPr>
-      </p:sp>
-    </p:spTree>
-  </p:cSld>
-  <p:clrMapOvr>
-    <a:masterClrMapping/>
-  </p:clrMapOvr>
-</p:notes>
-</file>
-
-<file path=ppt/notesSlides/notesSlide22.xml><?xml version="1.0" encoding="utf-8"?>
 <p:notes xmlns:a="http://schemas.openxmlformats.org/drawingml/2006/main" xmlns:r="http://schemas.openxmlformats.org/officeDocument/2006/relationships" xmlns:p="http://schemas.openxmlformats.org/presentationml/2006/main" showMasterSp="0" showMasterPhAnim="0">
   <p:cSld>
     <p:spTree>
@@ -14804,58 +14630,6 @@
             <a:r>
               <a:t>Окно неопределенности</a:t>
             </a:r>
-          </a:p>
-        </p:txBody>
-      </p:sp>
-      <p:sp>
-        <p:nvSpPr>
-          <p:cNvPr id="89" name="Google Shape;89;p1"/>
-          <p:cNvSpPr txBox="1">
-            <a:spLocks noGrp="1"/>
-          </p:cNvSpPr>
-          <p:nvPr>
-            <p:ph type="subTitle" idx="1"/>
-            <p:custDataLst>
-              <p:tags r:id="rId2"/>
-            </p:custDataLst>
-          </p:nvPr>
-        </p:nvSpPr>
-        <p:spPr>
-          <a:xfrm>
-            <a:off x="1524000" y="4593020"/>
-            <a:ext cx="9144000" cy="664779"/>
-          </a:xfrm>
-          <a:prstGeom prst="rect">
-            <a:avLst/>
-          </a:prstGeom>
-          <a:noFill/>
-          <a:ln>
-            <a:noFill/>
-          </a:ln>
-        </p:spPr>
-        <p:txBody>
-          <a:bodyPr spcFirstLastPara="1" wrap="square" lIns="91425" tIns="45700" rIns="91425" bIns="45700" anchor="t" anchorCtr="0">
-            <a:normAutofit/>
-          </a:bodyPr>
-          <a:lstStyle/>
-          <a:p>
-            <a:pPr marL="0" lvl="0" indent="0" algn="r" rtl="0">
-              <a:lnSpc>
-                <a:spcPct val="90000"/>
-              </a:lnSpc>
-              <a:spcBef>
-                <a:spcPct val="0"/>
-              </a:spcBef>
-              <a:spcAft>
-                <a:spcPct val="0"/>
-              </a:spcAft>
-              <a:buClr>
-                <a:schemeClr val="dk1"/>
-              </a:buClr>
-              <a:buSzPts val="2000"/>
-              <a:buNone/>
-            </a:pPr>
-            <a:endParaRPr dirty="0"/>
           </a:p>
         </p:txBody>
       </p:sp>
@@ -16605,3786 +16379,6 @@
   <p:cSld>
     <p:spTree>
       <p:nvGrpSpPr>
-        <p:cNvPr id="1" name="Shape 463"/>
-        <p:cNvGrpSpPr/>
-        <p:nvPr/>
-      </p:nvGrpSpPr>
-      <p:grpSpPr>
-        <a:xfrm>
-          <a:off x="0" y="0"/>
-          <a:ext cx="0" cy="0"/>
-          <a:chOff x="0" y="0"/>
-          <a:chExt cx="0" cy="0"/>
-        </a:xfrm>
-      </p:grpSpPr>
-      <p:sp>
-        <p:nvSpPr>
-          <p:cNvPr id="464" name="Google Shape;464;p17"/>
-          <p:cNvSpPr txBox="1">
-            <a:spLocks noGrp="1"/>
-          </p:cNvSpPr>
-          <p:nvPr>
-            <p:ph type="title"/>
-            <p:custDataLst>
-              <p:tags r:id="rId1"/>
-            </p:custDataLst>
-          </p:nvPr>
-        </p:nvSpPr>
-        <p:spPr>
-          <a:xfrm>
-            <a:off x="838200" y="249622"/>
-            <a:ext cx="10515600" cy="1325563"/>
-          </a:xfrm>
-          <a:prstGeom prst="rect">
-            <a:avLst/>
-          </a:prstGeom>
-          <a:noFill/>
-          <a:ln>
-            <a:noFill/>
-          </a:ln>
-        </p:spPr>
-        <p:txBody>
-          <a:bodyPr spcFirstLastPara="1" wrap="square" lIns="91425" tIns="45700" rIns="91425" bIns="45700" anchor="ctr" anchorCtr="0">
-            <a:normAutofit/>
-          </a:bodyPr>
-          <a:lstStyle/>
-          <a:p>
-            <a:pPr marL="0" lvl="0" indent="0" algn="l" rtl="0">
-              <a:lnSpc>
-                <a:spcPct val="90000"/>
-              </a:lnSpc>
-              <a:spcBef>
-                <a:spcPct val="0"/>
-              </a:spcBef>
-              <a:spcAft>
-                <a:spcPct val="0"/>
-              </a:spcAft>
-              <a:buClr>
-                <a:schemeClr val="dk1"/>
-              </a:buClr>
-              <a:buSzPts val="4400"/>
-              <a:buFont typeface="Calibri"/>
-              <a:buNone/>
-            </a:pPr>
-            <a:r>
-              <a:t>Оценка точности</a:t>
-            </a:r>
-          </a:p>
-        </p:txBody>
-      </p:sp>
-      <p:sp>
-        <p:nvSpPr>
-          <p:cNvPr id="465" name="Google Shape;465;p17"/>
-          <p:cNvSpPr/>
-          <p:nvPr>
-            <p:custDataLst>
-              <p:tags r:id="rId2"/>
-            </p:custDataLst>
-          </p:nvPr>
-        </p:nvSpPr>
-        <p:spPr>
-          <a:xfrm>
-            <a:off x="10621318" y="1567702"/>
-            <a:ext cx="1051034" cy="1051034"/>
-          </a:xfrm>
-          <a:prstGeom prst="ellipse">
-            <a:avLst/>
-          </a:prstGeom>
-          <a:solidFill>
-            <a:schemeClr val="lt1"/>
-          </a:solidFill>
-          <a:ln w="12700" cap="flat" cmpd="sng">
-            <a:solidFill>
-              <a:schemeClr val="accent6"/>
-            </a:solidFill>
-            <a:prstDash val="solid"/>
-            <a:miter lim="800000"/>
-            <a:headEnd type="none" w="sm" len="sm"/>
-            <a:tailEnd type="none" w="sm" len="sm"/>
-          </a:ln>
-        </p:spPr>
-        <p:txBody>
-          <a:bodyPr spcFirstLastPara="1" wrap="square" lIns="91425" tIns="45700" rIns="91425" bIns="45700" anchor="ctr" anchorCtr="0">
-            <a:noAutofit/>
-          </a:bodyPr>
-          <a:lstStyle/>
-          <a:p>
-            <a:pPr marL="0" marR="0" lvl="0" indent="0" algn="ctr" rtl="0">
-              <a:spcBef>
-                <a:spcPct val="0"/>
-              </a:spcBef>
-              <a:spcAft>
-                <a:spcPct val="0"/>
-              </a:spcAft>
-              <a:buNone/>
-            </a:pPr>
-            <a:endParaRPr sz="1800">
-              <a:solidFill>
-                <a:schemeClr val="dk1"/>
-              </a:solidFill>
-              <a:latin typeface="Calibri"/>
-              <a:ea typeface="Calibri"/>
-              <a:cs typeface="Calibri"/>
-              <a:sym typeface="Calibri"/>
-            </a:endParaRPr>
-          </a:p>
-        </p:txBody>
-      </p:sp>
-      <p:cxnSp>
-        <p:nvCxnSpPr>
-          <p:cNvPr id="466" name="Google Shape;466;p17"/>
-          <p:cNvCxnSpPr/>
-          <p:nvPr>
-            <p:custDataLst>
-              <p:tags r:id="rId3"/>
-            </p:custDataLst>
-          </p:nvPr>
-        </p:nvCxnSpPr>
-        <p:spPr>
-          <a:xfrm rot="10800000" flipH="1">
-            <a:off x="11150138" y="1850693"/>
-            <a:ext cx="201386" cy="249283"/>
-          </a:xfrm>
-          <a:prstGeom prst="straightConnector1">
-            <a:avLst/>
-          </a:prstGeom>
-          <a:noFill/>
-          <a:ln w="9525" cap="flat" cmpd="sng">
-            <a:solidFill>
-              <a:schemeClr val="accent1"/>
-            </a:solidFill>
-            <a:prstDash val="solid"/>
-            <a:miter lim="800000"/>
-            <a:headEnd type="none" w="sm" len="sm"/>
-            <a:tailEnd type="triangle" w="med" len="med"/>
-          </a:ln>
-        </p:spPr>
-      </p:cxnSp>
-      <p:cxnSp>
-        <p:nvCxnSpPr>
-          <p:cNvPr id="467" name="Google Shape;467;p17"/>
-          <p:cNvCxnSpPr/>
-          <p:nvPr>
-            <p:custDataLst>
-              <p:tags r:id="rId4"/>
-            </p:custDataLst>
-          </p:nvPr>
-        </p:nvCxnSpPr>
-        <p:spPr>
-          <a:xfrm rot="10800000" flipH="1">
-            <a:off x="11158846" y="1789733"/>
-            <a:ext cx="0" cy="310243"/>
-          </a:xfrm>
-          <a:prstGeom prst="straightConnector1">
-            <a:avLst/>
-          </a:prstGeom>
-          <a:noFill/>
-          <a:ln w="28575" cap="flat" cmpd="sng">
-            <a:solidFill>
-              <a:schemeClr val="accent1"/>
-            </a:solidFill>
-            <a:prstDash val="solid"/>
-            <a:miter lim="800000"/>
-            <a:headEnd type="none" w="sm" len="sm"/>
-            <a:tailEnd type="triangle" w="med" len="med"/>
-          </a:ln>
-        </p:spPr>
-      </p:cxnSp>
-      <p:sp>
-        <p:nvSpPr>
-          <p:cNvPr id="468" name="Google Shape;468;p17"/>
-          <p:cNvSpPr/>
-          <p:nvPr>
-            <p:custDataLst>
-              <p:tags r:id="rId5"/>
-            </p:custDataLst>
-          </p:nvPr>
-        </p:nvSpPr>
-        <p:spPr>
-          <a:xfrm>
-            <a:off x="10621318" y="2840767"/>
-            <a:ext cx="1051034" cy="1051034"/>
-          </a:xfrm>
-          <a:prstGeom prst="ellipse">
-            <a:avLst/>
-          </a:prstGeom>
-          <a:solidFill>
-            <a:schemeClr val="lt1"/>
-          </a:solidFill>
-          <a:ln w="12700" cap="flat" cmpd="sng">
-            <a:solidFill>
-              <a:schemeClr val="accent6"/>
-            </a:solidFill>
-            <a:prstDash val="solid"/>
-            <a:miter lim="800000"/>
-            <a:headEnd type="none" w="sm" len="sm"/>
-            <a:tailEnd type="none" w="sm" len="sm"/>
-          </a:ln>
-        </p:spPr>
-        <p:txBody>
-          <a:bodyPr spcFirstLastPara="1" wrap="square" lIns="91425" tIns="45700" rIns="91425" bIns="45700" anchor="ctr" anchorCtr="0">
-            <a:noAutofit/>
-          </a:bodyPr>
-          <a:lstStyle/>
-          <a:p>
-            <a:pPr marL="0" marR="0" lvl="0" indent="0" algn="ctr" rtl="0">
-              <a:spcBef>
-                <a:spcPct val="0"/>
-              </a:spcBef>
-              <a:spcAft>
-                <a:spcPct val="0"/>
-              </a:spcAft>
-              <a:buNone/>
-            </a:pPr>
-            <a:endParaRPr sz="1800">
-              <a:solidFill>
-                <a:schemeClr val="dk1"/>
-              </a:solidFill>
-              <a:latin typeface="Calibri"/>
-              <a:ea typeface="Calibri"/>
-              <a:cs typeface="Calibri"/>
-              <a:sym typeface="Calibri"/>
-            </a:endParaRPr>
-          </a:p>
-        </p:txBody>
-      </p:sp>
-      <p:cxnSp>
-        <p:nvCxnSpPr>
-          <p:cNvPr id="469" name="Google Shape;469;p17"/>
-          <p:cNvCxnSpPr/>
-          <p:nvPr>
-            <p:custDataLst>
-              <p:tags r:id="rId6"/>
-            </p:custDataLst>
-          </p:nvPr>
-        </p:nvCxnSpPr>
-        <p:spPr>
-          <a:xfrm rot="10800000" flipH="1">
-            <a:off x="11150138" y="3123758"/>
-            <a:ext cx="201386" cy="249283"/>
-          </a:xfrm>
-          <a:prstGeom prst="straightConnector1">
-            <a:avLst/>
-          </a:prstGeom>
-          <a:noFill/>
-          <a:ln w="9525" cap="flat" cmpd="sng">
-            <a:solidFill>
-              <a:schemeClr val="accent1"/>
-            </a:solidFill>
-            <a:prstDash val="solid"/>
-            <a:miter lim="800000"/>
-            <a:headEnd type="none" w="sm" len="sm"/>
-            <a:tailEnd type="triangle" w="med" len="med"/>
-          </a:ln>
-        </p:spPr>
-      </p:cxnSp>
-      <p:cxnSp>
-        <p:nvCxnSpPr>
-          <p:cNvPr id="470" name="Google Shape;470;p17"/>
-          <p:cNvCxnSpPr/>
-          <p:nvPr>
-            <p:custDataLst>
-              <p:tags r:id="rId7"/>
-            </p:custDataLst>
-          </p:nvPr>
-        </p:nvCxnSpPr>
-        <p:spPr>
-          <a:xfrm rot="10800000" flipH="1">
-            <a:off x="11158846" y="3062798"/>
-            <a:ext cx="0" cy="310243"/>
-          </a:xfrm>
-          <a:prstGeom prst="straightConnector1">
-            <a:avLst/>
-          </a:prstGeom>
-          <a:noFill/>
-          <a:ln w="28575" cap="flat" cmpd="sng">
-            <a:solidFill>
-              <a:schemeClr val="accent1"/>
-            </a:solidFill>
-            <a:prstDash val="solid"/>
-            <a:miter lim="800000"/>
-            <a:headEnd type="none" w="sm" len="sm"/>
-            <a:tailEnd type="triangle" w="med" len="med"/>
-          </a:ln>
-        </p:spPr>
-      </p:cxnSp>
-      <p:sp>
-        <p:nvSpPr>
-          <p:cNvPr id="471" name="Google Shape;471;p17"/>
-          <p:cNvSpPr/>
-          <p:nvPr>
-            <p:custDataLst>
-              <p:tags r:id="rId8"/>
-            </p:custDataLst>
-          </p:nvPr>
-        </p:nvSpPr>
-        <p:spPr>
-          <a:xfrm>
-            <a:off x="10655852" y="4113832"/>
-            <a:ext cx="1051034" cy="1051034"/>
-          </a:xfrm>
-          <a:prstGeom prst="ellipse">
-            <a:avLst/>
-          </a:prstGeom>
-          <a:solidFill>
-            <a:schemeClr val="lt1"/>
-          </a:solidFill>
-          <a:ln w="12700" cap="flat" cmpd="sng">
-            <a:solidFill>
-              <a:schemeClr val="accent6"/>
-            </a:solidFill>
-            <a:prstDash val="solid"/>
-            <a:miter lim="800000"/>
-            <a:headEnd type="none" w="sm" len="sm"/>
-            <a:tailEnd type="none" w="sm" len="sm"/>
-          </a:ln>
-        </p:spPr>
-        <p:txBody>
-          <a:bodyPr spcFirstLastPara="1" wrap="square" lIns="91425" tIns="45700" rIns="91425" bIns="45700" anchor="ctr" anchorCtr="0">
-            <a:noAutofit/>
-          </a:bodyPr>
-          <a:lstStyle/>
-          <a:p>
-            <a:pPr marL="0" marR="0" lvl="0" indent="0" algn="ctr" rtl="0">
-              <a:spcBef>
-                <a:spcPct val="0"/>
-              </a:spcBef>
-              <a:spcAft>
-                <a:spcPct val="0"/>
-              </a:spcAft>
-              <a:buNone/>
-            </a:pPr>
-            <a:endParaRPr sz="1800">
-              <a:solidFill>
-                <a:schemeClr val="dk1"/>
-              </a:solidFill>
-              <a:latin typeface="Calibri"/>
-              <a:ea typeface="Calibri"/>
-              <a:cs typeface="Calibri"/>
-              <a:sym typeface="Calibri"/>
-            </a:endParaRPr>
-          </a:p>
-        </p:txBody>
-      </p:sp>
-      <p:cxnSp>
-        <p:nvCxnSpPr>
-          <p:cNvPr id="472" name="Google Shape;472;p17"/>
-          <p:cNvCxnSpPr/>
-          <p:nvPr>
-            <p:custDataLst>
-              <p:tags r:id="rId9"/>
-            </p:custDataLst>
-          </p:nvPr>
-        </p:nvCxnSpPr>
-        <p:spPr>
-          <a:xfrm rot="10800000" flipH="1">
-            <a:off x="11184672" y="4396823"/>
-            <a:ext cx="201386" cy="249283"/>
-          </a:xfrm>
-          <a:prstGeom prst="straightConnector1">
-            <a:avLst/>
-          </a:prstGeom>
-          <a:noFill/>
-          <a:ln w="9525" cap="flat" cmpd="sng">
-            <a:solidFill>
-              <a:schemeClr val="accent1"/>
-            </a:solidFill>
-            <a:prstDash val="solid"/>
-            <a:miter lim="800000"/>
-            <a:headEnd type="none" w="sm" len="sm"/>
-            <a:tailEnd type="triangle" w="med" len="med"/>
-          </a:ln>
-        </p:spPr>
-      </p:cxnSp>
-      <p:cxnSp>
-        <p:nvCxnSpPr>
-          <p:cNvPr id="473" name="Google Shape;473;p17"/>
-          <p:cNvCxnSpPr/>
-          <p:nvPr>
-            <p:custDataLst>
-              <p:tags r:id="rId10"/>
-            </p:custDataLst>
-          </p:nvPr>
-        </p:nvCxnSpPr>
-        <p:spPr>
-          <a:xfrm rot="10800000" flipH="1">
-            <a:off x="11193380" y="4335863"/>
-            <a:ext cx="0" cy="310243"/>
-          </a:xfrm>
-          <a:prstGeom prst="straightConnector1">
-            <a:avLst/>
-          </a:prstGeom>
-          <a:noFill/>
-          <a:ln w="28575" cap="flat" cmpd="sng">
-            <a:solidFill>
-              <a:schemeClr val="accent1"/>
-            </a:solidFill>
-            <a:prstDash val="solid"/>
-            <a:miter lim="800000"/>
-            <a:headEnd type="none" w="sm" len="sm"/>
-            <a:tailEnd type="triangle" w="med" len="med"/>
-          </a:ln>
-        </p:spPr>
-      </p:cxnSp>
-      <p:sp>
-        <p:nvSpPr>
-          <p:cNvPr id="474" name="Google Shape;474;p17"/>
-          <p:cNvSpPr/>
-          <p:nvPr>
-            <p:custDataLst>
-              <p:tags r:id="rId11"/>
-            </p:custDataLst>
-          </p:nvPr>
-        </p:nvSpPr>
-        <p:spPr>
-          <a:xfrm>
-            <a:off x="10655852" y="5386897"/>
-            <a:ext cx="1051034" cy="1051034"/>
-          </a:xfrm>
-          <a:prstGeom prst="ellipse">
-            <a:avLst/>
-          </a:prstGeom>
-          <a:solidFill>
-            <a:schemeClr val="lt1"/>
-          </a:solidFill>
-          <a:ln w="12700" cap="flat" cmpd="sng">
-            <a:solidFill>
-              <a:schemeClr val="accent6"/>
-            </a:solidFill>
-            <a:prstDash val="solid"/>
-            <a:miter lim="800000"/>
-            <a:headEnd type="none" w="sm" len="sm"/>
-            <a:tailEnd type="none" w="sm" len="sm"/>
-          </a:ln>
-        </p:spPr>
-        <p:txBody>
-          <a:bodyPr spcFirstLastPara="1" wrap="square" lIns="91425" tIns="45700" rIns="91425" bIns="45700" anchor="ctr" anchorCtr="0">
-            <a:noAutofit/>
-          </a:bodyPr>
-          <a:lstStyle/>
-          <a:p>
-            <a:pPr marL="0" marR="0" lvl="0" indent="0" algn="ctr" rtl="0">
-              <a:spcBef>
-                <a:spcPct val="0"/>
-              </a:spcBef>
-              <a:spcAft>
-                <a:spcPct val="0"/>
-              </a:spcAft>
-              <a:buNone/>
-            </a:pPr>
-            <a:endParaRPr sz="1800">
-              <a:solidFill>
-                <a:schemeClr val="dk1"/>
-              </a:solidFill>
-              <a:latin typeface="Calibri"/>
-              <a:ea typeface="Calibri"/>
-              <a:cs typeface="Calibri"/>
-              <a:sym typeface="Calibri"/>
-            </a:endParaRPr>
-          </a:p>
-        </p:txBody>
-      </p:sp>
-      <p:cxnSp>
-        <p:nvCxnSpPr>
-          <p:cNvPr id="475" name="Google Shape;475;p17"/>
-          <p:cNvCxnSpPr/>
-          <p:nvPr>
-            <p:custDataLst>
-              <p:tags r:id="rId12"/>
-            </p:custDataLst>
-          </p:nvPr>
-        </p:nvCxnSpPr>
-        <p:spPr>
-          <a:xfrm rot="10800000" flipH="1">
-            <a:off x="11184672" y="5669888"/>
-            <a:ext cx="201386" cy="249283"/>
-          </a:xfrm>
-          <a:prstGeom prst="straightConnector1">
-            <a:avLst/>
-          </a:prstGeom>
-          <a:noFill/>
-          <a:ln w="9525" cap="flat" cmpd="sng">
-            <a:solidFill>
-              <a:schemeClr val="accent1"/>
-            </a:solidFill>
-            <a:prstDash val="solid"/>
-            <a:miter lim="800000"/>
-            <a:headEnd type="none" w="sm" len="sm"/>
-            <a:tailEnd type="triangle" w="med" len="med"/>
-          </a:ln>
-        </p:spPr>
-      </p:cxnSp>
-      <p:cxnSp>
-        <p:nvCxnSpPr>
-          <p:cNvPr id="476" name="Google Shape;476;p17"/>
-          <p:cNvCxnSpPr/>
-          <p:nvPr>
-            <p:custDataLst>
-              <p:tags r:id="rId13"/>
-            </p:custDataLst>
-          </p:nvPr>
-        </p:nvCxnSpPr>
-        <p:spPr>
-          <a:xfrm rot="10800000" flipH="1">
-            <a:off x="11193380" y="5608928"/>
-            <a:ext cx="0" cy="310243"/>
-          </a:xfrm>
-          <a:prstGeom prst="straightConnector1">
-            <a:avLst/>
-          </a:prstGeom>
-          <a:noFill/>
-          <a:ln w="28575" cap="flat" cmpd="sng">
-            <a:solidFill>
-              <a:schemeClr val="accent1"/>
-            </a:solidFill>
-            <a:prstDash val="solid"/>
-            <a:miter lim="800000"/>
-            <a:headEnd type="none" w="sm" len="sm"/>
-            <a:tailEnd type="triangle" w="med" len="med"/>
-          </a:ln>
-        </p:spPr>
-      </p:cxnSp>
-      <p:sp>
-        <p:nvSpPr>
-          <p:cNvPr id="477" name="Google Shape;477;p17"/>
-          <p:cNvSpPr/>
-          <p:nvPr>
-            <p:custDataLst>
-              <p:tags r:id="rId14"/>
-            </p:custDataLst>
-          </p:nvPr>
-        </p:nvSpPr>
-        <p:spPr>
-          <a:xfrm>
-            <a:off x="8614688" y="1575185"/>
-            <a:ext cx="1051034" cy="1051034"/>
-          </a:xfrm>
-          <a:prstGeom prst="ellipse">
-            <a:avLst/>
-          </a:prstGeom>
-          <a:solidFill>
-            <a:schemeClr val="lt1"/>
-          </a:solidFill>
-          <a:ln w="12700" cap="flat" cmpd="sng">
-            <a:solidFill>
-              <a:schemeClr val="accent6"/>
-            </a:solidFill>
-            <a:prstDash val="solid"/>
-            <a:miter lim="800000"/>
-            <a:headEnd type="none" w="sm" len="sm"/>
-            <a:tailEnd type="none" w="sm" len="sm"/>
-          </a:ln>
-        </p:spPr>
-        <p:txBody>
-          <a:bodyPr spcFirstLastPara="1" wrap="square" lIns="91425" tIns="45700" rIns="91425" bIns="45700" anchor="ctr" anchorCtr="0">
-            <a:noAutofit/>
-          </a:bodyPr>
-          <a:lstStyle/>
-          <a:p>
-            <a:pPr marL="0" marR="0" lvl="0" indent="0" algn="ctr" rtl="0">
-              <a:spcBef>
-                <a:spcPct val="0"/>
-              </a:spcBef>
-              <a:spcAft>
-                <a:spcPct val="0"/>
-              </a:spcAft>
-              <a:buNone/>
-            </a:pPr>
-            <a:endParaRPr sz="1800">
-              <a:solidFill>
-                <a:schemeClr val="dk1"/>
-              </a:solidFill>
-              <a:latin typeface="Calibri"/>
-              <a:ea typeface="Calibri"/>
-              <a:cs typeface="Calibri"/>
-              <a:sym typeface="Calibri"/>
-            </a:endParaRPr>
-          </a:p>
-        </p:txBody>
-      </p:sp>
-      <p:cxnSp>
-        <p:nvCxnSpPr>
-          <p:cNvPr id="478" name="Google Shape;478;p17"/>
-          <p:cNvCxnSpPr/>
-          <p:nvPr>
-            <p:custDataLst>
-              <p:tags r:id="rId15"/>
-            </p:custDataLst>
-          </p:nvPr>
-        </p:nvCxnSpPr>
-        <p:spPr>
-          <a:xfrm flipH="1">
-            <a:off x="8922619" y="2107459"/>
-            <a:ext cx="220889" cy="147638"/>
-          </a:xfrm>
-          <a:prstGeom prst="straightConnector1">
-            <a:avLst/>
-          </a:prstGeom>
-          <a:noFill/>
-          <a:ln w="9525" cap="flat" cmpd="sng">
-            <a:solidFill>
-              <a:schemeClr val="accent1"/>
-            </a:solidFill>
-            <a:prstDash val="solid"/>
-            <a:miter lim="800000"/>
-            <a:headEnd type="none" w="sm" len="sm"/>
-            <a:tailEnd type="triangle" w="med" len="med"/>
-          </a:ln>
-        </p:spPr>
-      </p:cxnSp>
-      <p:cxnSp>
-        <p:nvCxnSpPr>
-          <p:cNvPr id="479" name="Google Shape;479;p17"/>
-          <p:cNvCxnSpPr/>
-          <p:nvPr>
-            <p:custDataLst>
-              <p:tags r:id="rId16"/>
-            </p:custDataLst>
-          </p:nvPr>
-        </p:nvCxnSpPr>
-        <p:spPr>
-          <a:xfrm rot="10800000" flipH="1">
-            <a:off x="9152216" y="1797216"/>
-            <a:ext cx="0" cy="310243"/>
-          </a:xfrm>
-          <a:prstGeom prst="straightConnector1">
-            <a:avLst/>
-          </a:prstGeom>
-          <a:noFill/>
-          <a:ln w="28575" cap="flat" cmpd="sng">
-            <a:solidFill>
-              <a:schemeClr val="accent1"/>
-            </a:solidFill>
-            <a:prstDash val="solid"/>
-            <a:miter lim="800000"/>
-            <a:headEnd type="none" w="sm" len="sm"/>
-            <a:tailEnd type="triangle" w="med" len="med"/>
-          </a:ln>
-        </p:spPr>
-      </p:cxnSp>
-      <p:sp>
-        <p:nvSpPr>
-          <p:cNvPr id="480" name="Google Shape;480;p17"/>
-          <p:cNvSpPr/>
-          <p:nvPr>
-            <p:custDataLst>
-              <p:tags r:id="rId17"/>
-            </p:custDataLst>
-          </p:nvPr>
-        </p:nvSpPr>
-        <p:spPr>
-          <a:xfrm>
-            <a:off x="8614688" y="2848250"/>
-            <a:ext cx="1051034" cy="1051034"/>
-          </a:xfrm>
-          <a:prstGeom prst="ellipse">
-            <a:avLst/>
-          </a:prstGeom>
-          <a:solidFill>
-            <a:schemeClr val="lt1"/>
-          </a:solidFill>
-          <a:ln w="12700" cap="flat" cmpd="sng">
-            <a:solidFill>
-              <a:schemeClr val="accent6"/>
-            </a:solidFill>
-            <a:prstDash val="solid"/>
-            <a:miter lim="800000"/>
-            <a:headEnd type="none" w="sm" len="sm"/>
-            <a:tailEnd type="none" w="sm" len="sm"/>
-          </a:ln>
-        </p:spPr>
-        <p:txBody>
-          <a:bodyPr spcFirstLastPara="1" wrap="square" lIns="91425" tIns="45700" rIns="91425" bIns="45700" anchor="ctr" anchorCtr="0">
-            <a:noAutofit/>
-          </a:bodyPr>
-          <a:lstStyle/>
-          <a:p>
-            <a:pPr marL="0" marR="0" lvl="0" indent="0" algn="ctr" rtl="0">
-              <a:spcBef>
-                <a:spcPct val="0"/>
-              </a:spcBef>
-              <a:spcAft>
-                <a:spcPct val="0"/>
-              </a:spcAft>
-              <a:buNone/>
-            </a:pPr>
-            <a:endParaRPr sz="1800">
-              <a:solidFill>
-                <a:schemeClr val="dk1"/>
-              </a:solidFill>
-              <a:latin typeface="Calibri"/>
-              <a:ea typeface="Calibri"/>
-              <a:cs typeface="Calibri"/>
-              <a:sym typeface="Calibri"/>
-            </a:endParaRPr>
-          </a:p>
-        </p:txBody>
-      </p:sp>
-      <p:cxnSp>
-        <p:nvCxnSpPr>
-          <p:cNvPr id="481" name="Google Shape;481;p17"/>
-          <p:cNvCxnSpPr/>
-          <p:nvPr>
-            <p:custDataLst>
-              <p:tags r:id="rId18"/>
-            </p:custDataLst>
-          </p:nvPr>
-        </p:nvCxnSpPr>
-        <p:spPr>
-          <a:xfrm rot="10800000" flipH="1">
-            <a:off x="9146185" y="3217919"/>
-            <a:ext cx="233243" cy="172852"/>
-          </a:xfrm>
-          <a:prstGeom prst="straightConnector1">
-            <a:avLst/>
-          </a:prstGeom>
-          <a:noFill/>
-          <a:ln w="9525" cap="flat" cmpd="sng">
-            <a:solidFill>
-              <a:schemeClr val="accent1"/>
-            </a:solidFill>
-            <a:prstDash val="solid"/>
-            <a:miter lim="800000"/>
-            <a:headEnd type="none" w="sm" len="sm"/>
-            <a:tailEnd type="triangle" w="med" len="med"/>
-          </a:ln>
-        </p:spPr>
-      </p:cxnSp>
-      <p:cxnSp>
-        <p:nvCxnSpPr>
-          <p:cNvPr id="482" name="Google Shape;482;p17"/>
-          <p:cNvCxnSpPr/>
-          <p:nvPr>
-            <p:custDataLst>
-              <p:tags r:id="rId19"/>
-            </p:custDataLst>
-          </p:nvPr>
-        </p:nvCxnSpPr>
-        <p:spPr>
-          <a:xfrm rot="10800000" flipH="1">
-            <a:off x="9152216" y="3070281"/>
-            <a:ext cx="0" cy="310243"/>
-          </a:xfrm>
-          <a:prstGeom prst="straightConnector1">
-            <a:avLst/>
-          </a:prstGeom>
-          <a:noFill/>
-          <a:ln w="28575" cap="flat" cmpd="sng">
-            <a:solidFill>
-              <a:schemeClr val="accent1"/>
-            </a:solidFill>
-            <a:prstDash val="solid"/>
-            <a:miter lim="800000"/>
-            <a:headEnd type="none" w="sm" len="sm"/>
-            <a:tailEnd type="triangle" w="med" len="med"/>
-          </a:ln>
-        </p:spPr>
-      </p:cxnSp>
-      <p:sp>
-        <p:nvSpPr>
-          <p:cNvPr id="483" name="Google Shape;483;p17"/>
-          <p:cNvSpPr/>
-          <p:nvPr>
-            <p:custDataLst>
-              <p:tags r:id="rId20"/>
-            </p:custDataLst>
-          </p:nvPr>
-        </p:nvSpPr>
-        <p:spPr>
-          <a:xfrm>
-            <a:off x="8649222" y="4121315"/>
-            <a:ext cx="1051034" cy="1051034"/>
-          </a:xfrm>
-          <a:prstGeom prst="ellipse">
-            <a:avLst/>
-          </a:prstGeom>
-          <a:solidFill>
-            <a:schemeClr val="lt1"/>
-          </a:solidFill>
-          <a:ln w="12700" cap="flat" cmpd="sng">
-            <a:solidFill>
-              <a:schemeClr val="accent6"/>
-            </a:solidFill>
-            <a:prstDash val="solid"/>
-            <a:miter lim="800000"/>
-            <a:headEnd type="none" w="sm" len="sm"/>
-            <a:tailEnd type="none" w="sm" len="sm"/>
-          </a:ln>
-        </p:spPr>
-        <p:txBody>
-          <a:bodyPr spcFirstLastPara="1" wrap="square" lIns="91425" tIns="45700" rIns="91425" bIns="45700" anchor="ctr" anchorCtr="0">
-            <a:noAutofit/>
-          </a:bodyPr>
-          <a:lstStyle/>
-          <a:p>
-            <a:pPr marL="0" marR="0" lvl="0" indent="0" algn="ctr" rtl="0">
-              <a:spcBef>
-                <a:spcPct val="0"/>
-              </a:spcBef>
-              <a:spcAft>
-                <a:spcPct val="0"/>
-              </a:spcAft>
-              <a:buNone/>
-            </a:pPr>
-            <a:endParaRPr sz="1800">
-              <a:solidFill>
-                <a:schemeClr val="dk1"/>
-              </a:solidFill>
-              <a:latin typeface="Calibri"/>
-              <a:ea typeface="Calibri"/>
-              <a:cs typeface="Calibri"/>
-              <a:sym typeface="Calibri"/>
-            </a:endParaRPr>
-          </a:p>
-        </p:txBody>
-      </p:sp>
-      <p:cxnSp>
-        <p:nvCxnSpPr>
-          <p:cNvPr id="484" name="Google Shape;484;p17"/>
-          <p:cNvCxnSpPr/>
-          <p:nvPr>
-            <p:custDataLst>
-              <p:tags r:id="rId21"/>
-            </p:custDataLst>
-          </p:nvPr>
-        </p:nvCxnSpPr>
-        <p:spPr>
-          <a:xfrm>
-            <a:off x="9178042" y="4653589"/>
-            <a:ext cx="322902" cy="214548"/>
-          </a:xfrm>
-          <a:prstGeom prst="straightConnector1">
-            <a:avLst/>
-          </a:prstGeom>
-          <a:noFill/>
-          <a:ln w="9525" cap="flat" cmpd="sng">
-            <a:solidFill>
-              <a:schemeClr val="accent1"/>
-            </a:solidFill>
-            <a:prstDash val="solid"/>
-            <a:miter lim="800000"/>
-            <a:headEnd type="none" w="sm" len="sm"/>
-            <a:tailEnd type="triangle" w="med" len="med"/>
-          </a:ln>
-        </p:spPr>
-      </p:cxnSp>
-      <p:cxnSp>
-        <p:nvCxnSpPr>
-          <p:cNvPr id="485" name="Google Shape;485;p17"/>
-          <p:cNvCxnSpPr/>
-          <p:nvPr>
-            <p:custDataLst>
-              <p:tags r:id="rId22"/>
-            </p:custDataLst>
-          </p:nvPr>
-        </p:nvCxnSpPr>
-        <p:spPr>
-          <a:xfrm rot="10800000" flipH="1">
-            <a:off x="9186750" y="4343346"/>
-            <a:ext cx="0" cy="310243"/>
-          </a:xfrm>
-          <a:prstGeom prst="straightConnector1">
-            <a:avLst/>
-          </a:prstGeom>
-          <a:noFill/>
-          <a:ln w="28575" cap="flat" cmpd="sng">
-            <a:solidFill>
-              <a:schemeClr val="accent1"/>
-            </a:solidFill>
-            <a:prstDash val="solid"/>
-            <a:miter lim="800000"/>
-            <a:headEnd type="none" w="sm" len="sm"/>
-            <a:tailEnd type="triangle" w="med" len="med"/>
-          </a:ln>
-        </p:spPr>
-      </p:cxnSp>
-      <p:sp>
-        <p:nvSpPr>
-          <p:cNvPr id="486" name="Google Shape;486;p17"/>
-          <p:cNvSpPr/>
-          <p:nvPr>
-            <p:custDataLst>
-              <p:tags r:id="rId23"/>
-            </p:custDataLst>
-          </p:nvPr>
-        </p:nvSpPr>
-        <p:spPr>
-          <a:xfrm>
-            <a:off x="8649222" y="5394380"/>
-            <a:ext cx="1051034" cy="1051034"/>
-          </a:xfrm>
-          <a:prstGeom prst="ellipse">
-            <a:avLst/>
-          </a:prstGeom>
-          <a:solidFill>
-            <a:schemeClr val="lt1"/>
-          </a:solidFill>
-          <a:ln w="12700" cap="flat" cmpd="sng">
-            <a:solidFill>
-              <a:schemeClr val="accent6"/>
-            </a:solidFill>
-            <a:prstDash val="solid"/>
-            <a:miter lim="800000"/>
-            <a:headEnd type="none" w="sm" len="sm"/>
-            <a:tailEnd type="none" w="sm" len="sm"/>
-          </a:ln>
-        </p:spPr>
-        <p:txBody>
-          <a:bodyPr spcFirstLastPara="1" wrap="square" lIns="91425" tIns="45700" rIns="91425" bIns="45700" anchor="ctr" anchorCtr="0">
-            <a:noAutofit/>
-          </a:bodyPr>
-          <a:lstStyle/>
-          <a:p>
-            <a:pPr marL="0" marR="0" lvl="0" indent="0" algn="ctr" rtl="0">
-              <a:spcBef>
-                <a:spcPct val="0"/>
-              </a:spcBef>
-              <a:spcAft>
-                <a:spcPct val="0"/>
-              </a:spcAft>
-              <a:buNone/>
-            </a:pPr>
-            <a:endParaRPr sz="1800">
-              <a:solidFill>
-                <a:schemeClr val="dk1"/>
-              </a:solidFill>
-              <a:latin typeface="Calibri"/>
-              <a:ea typeface="Calibri"/>
-              <a:cs typeface="Calibri"/>
-              <a:sym typeface="Calibri"/>
-            </a:endParaRPr>
-          </a:p>
-        </p:txBody>
-      </p:sp>
-      <p:cxnSp>
-        <p:nvCxnSpPr>
-          <p:cNvPr id="487" name="Google Shape;487;p17"/>
-          <p:cNvCxnSpPr/>
-          <p:nvPr>
-            <p:custDataLst>
-              <p:tags r:id="rId24"/>
-            </p:custDataLst>
-          </p:nvPr>
-        </p:nvCxnSpPr>
-        <p:spPr>
-          <a:xfrm rot="10800000" flipH="1">
-            <a:off x="9178042" y="5677371"/>
-            <a:ext cx="201386" cy="249283"/>
-          </a:xfrm>
-          <a:prstGeom prst="straightConnector1">
-            <a:avLst/>
-          </a:prstGeom>
-          <a:noFill/>
-          <a:ln w="9525" cap="flat" cmpd="sng">
-            <a:solidFill>
-              <a:schemeClr val="accent1"/>
-            </a:solidFill>
-            <a:prstDash val="solid"/>
-            <a:miter lim="800000"/>
-            <a:headEnd type="none" w="sm" len="sm"/>
-            <a:tailEnd type="triangle" w="med" len="med"/>
-          </a:ln>
-        </p:spPr>
-      </p:cxnSp>
-      <p:cxnSp>
-        <p:nvCxnSpPr>
-          <p:cNvPr id="488" name="Google Shape;488;p17"/>
-          <p:cNvCxnSpPr/>
-          <p:nvPr>
-            <p:custDataLst>
-              <p:tags r:id="rId25"/>
-            </p:custDataLst>
-          </p:nvPr>
-        </p:nvCxnSpPr>
-        <p:spPr>
-          <a:xfrm rot="10800000" flipH="1">
-            <a:off x="9186750" y="5616411"/>
-            <a:ext cx="0" cy="310243"/>
-          </a:xfrm>
-          <a:prstGeom prst="straightConnector1">
-            <a:avLst/>
-          </a:prstGeom>
-          <a:noFill/>
-          <a:ln w="28575" cap="flat" cmpd="sng">
-            <a:solidFill>
-              <a:schemeClr val="accent1"/>
-            </a:solidFill>
-            <a:prstDash val="solid"/>
-            <a:miter lim="800000"/>
-            <a:headEnd type="none" w="sm" len="sm"/>
-            <a:tailEnd type="triangle" w="med" len="med"/>
-          </a:ln>
-        </p:spPr>
-      </p:cxnSp>
-      <p:sp>
-        <p:nvSpPr>
-          <p:cNvPr id="489" name="Google Shape;489;p17"/>
-          <p:cNvSpPr/>
-          <p:nvPr>
-            <p:custDataLst>
-              <p:tags r:id="rId26"/>
-            </p:custDataLst>
-          </p:nvPr>
-        </p:nvSpPr>
-        <p:spPr>
-          <a:xfrm>
-            <a:off x="7244507" y="1567702"/>
-            <a:ext cx="1051034" cy="1051034"/>
-          </a:xfrm>
-          <a:prstGeom prst="ellipse">
-            <a:avLst/>
-          </a:prstGeom>
-          <a:solidFill>
-            <a:schemeClr val="lt1"/>
-          </a:solidFill>
-          <a:ln w="12700" cap="flat" cmpd="sng">
-            <a:solidFill>
-              <a:schemeClr val="accent6"/>
-            </a:solidFill>
-            <a:prstDash val="solid"/>
-            <a:miter lim="800000"/>
-            <a:headEnd type="none" w="sm" len="sm"/>
-            <a:tailEnd type="none" w="sm" len="sm"/>
-          </a:ln>
-        </p:spPr>
-        <p:txBody>
-          <a:bodyPr spcFirstLastPara="1" wrap="square" lIns="91425" tIns="45700" rIns="91425" bIns="45700" anchor="ctr" anchorCtr="0">
-            <a:noAutofit/>
-          </a:bodyPr>
-          <a:lstStyle/>
-          <a:p>
-            <a:pPr marL="0" marR="0" lvl="0" indent="0" algn="ctr" rtl="0">
-              <a:spcBef>
-                <a:spcPct val="0"/>
-              </a:spcBef>
-              <a:spcAft>
-                <a:spcPct val="0"/>
-              </a:spcAft>
-              <a:buNone/>
-            </a:pPr>
-            <a:endParaRPr sz="1800">
-              <a:solidFill>
-                <a:schemeClr val="dk1"/>
-              </a:solidFill>
-              <a:latin typeface="Calibri"/>
-              <a:ea typeface="Calibri"/>
-              <a:cs typeface="Calibri"/>
-              <a:sym typeface="Calibri"/>
-            </a:endParaRPr>
-          </a:p>
-        </p:txBody>
-      </p:sp>
-      <p:cxnSp>
-        <p:nvCxnSpPr>
-          <p:cNvPr id="490" name="Google Shape;490;p17"/>
-          <p:cNvCxnSpPr/>
-          <p:nvPr>
-            <p:custDataLst>
-              <p:tags r:id="rId27"/>
-            </p:custDataLst>
-          </p:nvPr>
-        </p:nvCxnSpPr>
-        <p:spPr>
-          <a:xfrm>
-            <a:off x="7773327" y="2099976"/>
-            <a:ext cx="8708" cy="289748"/>
-          </a:xfrm>
-          <a:prstGeom prst="straightConnector1">
-            <a:avLst/>
-          </a:prstGeom>
-          <a:noFill/>
-          <a:ln w="9525" cap="flat" cmpd="sng">
-            <a:solidFill>
-              <a:schemeClr val="accent1"/>
-            </a:solidFill>
-            <a:prstDash val="solid"/>
-            <a:miter lim="800000"/>
-            <a:headEnd type="none" w="sm" len="sm"/>
-            <a:tailEnd type="triangle" w="med" len="med"/>
-          </a:ln>
-        </p:spPr>
-      </p:cxnSp>
-      <p:cxnSp>
-        <p:nvCxnSpPr>
-          <p:cNvPr id="491" name="Google Shape;491;p17"/>
-          <p:cNvCxnSpPr/>
-          <p:nvPr>
-            <p:custDataLst>
-              <p:tags r:id="rId28"/>
-            </p:custDataLst>
-          </p:nvPr>
-        </p:nvCxnSpPr>
-        <p:spPr>
-          <a:xfrm rot="10800000" flipH="1">
-            <a:off x="7782035" y="1789733"/>
-            <a:ext cx="0" cy="310243"/>
-          </a:xfrm>
-          <a:prstGeom prst="straightConnector1">
-            <a:avLst/>
-          </a:prstGeom>
-          <a:noFill/>
-          <a:ln w="28575" cap="flat" cmpd="sng">
-            <a:solidFill>
-              <a:schemeClr val="accent1"/>
-            </a:solidFill>
-            <a:prstDash val="solid"/>
-            <a:miter lim="800000"/>
-            <a:headEnd type="none" w="sm" len="sm"/>
-            <a:tailEnd type="triangle" w="med" len="med"/>
-          </a:ln>
-        </p:spPr>
-      </p:cxnSp>
-      <p:sp>
-        <p:nvSpPr>
-          <p:cNvPr id="492" name="Google Shape;492;p17"/>
-          <p:cNvSpPr/>
-          <p:nvPr>
-            <p:custDataLst>
-              <p:tags r:id="rId29"/>
-            </p:custDataLst>
-          </p:nvPr>
-        </p:nvSpPr>
-        <p:spPr>
-          <a:xfrm>
-            <a:off x="7244507" y="2840767"/>
-            <a:ext cx="1051034" cy="1051034"/>
-          </a:xfrm>
-          <a:prstGeom prst="ellipse">
-            <a:avLst/>
-          </a:prstGeom>
-          <a:solidFill>
-            <a:schemeClr val="lt1"/>
-          </a:solidFill>
-          <a:ln w="12700" cap="flat" cmpd="sng">
-            <a:solidFill>
-              <a:schemeClr val="accent6"/>
-            </a:solidFill>
-            <a:prstDash val="solid"/>
-            <a:miter lim="800000"/>
-            <a:headEnd type="none" w="sm" len="sm"/>
-            <a:tailEnd type="none" w="sm" len="sm"/>
-          </a:ln>
-        </p:spPr>
-        <p:txBody>
-          <a:bodyPr spcFirstLastPara="1" wrap="square" lIns="91425" tIns="45700" rIns="91425" bIns="45700" anchor="ctr" anchorCtr="0">
-            <a:noAutofit/>
-          </a:bodyPr>
-          <a:lstStyle/>
-          <a:p>
-            <a:pPr marL="0" marR="0" lvl="0" indent="0" algn="ctr" rtl="0">
-              <a:spcBef>
-                <a:spcPct val="0"/>
-              </a:spcBef>
-              <a:spcAft>
-                <a:spcPct val="0"/>
-              </a:spcAft>
-              <a:buNone/>
-            </a:pPr>
-            <a:endParaRPr sz="1800">
-              <a:solidFill>
-                <a:schemeClr val="dk1"/>
-              </a:solidFill>
-              <a:latin typeface="Calibri"/>
-              <a:ea typeface="Calibri"/>
-              <a:cs typeface="Calibri"/>
-              <a:sym typeface="Calibri"/>
-            </a:endParaRPr>
-          </a:p>
-        </p:txBody>
-      </p:sp>
-      <p:cxnSp>
-        <p:nvCxnSpPr>
-          <p:cNvPr id="493" name="Google Shape;493;p17"/>
-          <p:cNvCxnSpPr/>
-          <p:nvPr>
-            <p:custDataLst>
-              <p:tags r:id="rId30"/>
-            </p:custDataLst>
-          </p:nvPr>
-        </p:nvCxnSpPr>
-        <p:spPr>
-          <a:xfrm rot="10800000" flipH="1">
-            <a:off x="7773327" y="3077038"/>
-            <a:ext cx="115308" cy="296003"/>
-          </a:xfrm>
-          <a:prstGeom prst="straightConnector1">
-            <a:avLst/>
-          </a:prstGeom>
-          <a:noFill/>
-          <a:ln w="9525" cap="flat" cmpd="sng">
-            <a:solidFill>
-              <a:schemeClr val="accent1"/>
-            </a:solidFill>
-            <a:prstDash val="solid"/>
-            <a:miter lim="800000"/>
-            <a:headEnd type="none" w="sm" len="sm"/>
-            <a:tailEnd type="triangle" w="med" len="med"/>
-          </a:ln>
-        </p:spPr>
-      </p:cxnSp>
-      <p:cxnSp>
-        <p:nvCxnSpPr>
-          <p:cNvPr id="494" name="Google Shape;494;p17"/>
-          <p:cNvCxnSpPr/>
-          <p:nvPr>
-            <p:custDataLst>
-              <p:tags r:id="rId31"/>
-            </p:custDataLst>
-          </p:nvPr>
-        </p:nvCxnSpPr>
-        <p:spPr>
-          <a:xfrm rot="10800000" flipH="1">
-            <a:off x="7782035" y="3062798"/>
-            <a:ext cx="0" cy="310243"/>
-          </a:xfrm>
-          <a:prstGeom prst="straightConnector1">
-            <a:avLst/>
-          </a:prstGeom>
-          <a:noFill/>
-          <a:ln w="28575" cap="flat" cmpd="sng">
-            <a:solidFill>
-              <a:schemeClr val="accent1"/>
-            </a:solidFill>
-            <a:prstDash val="solid"/>
-            <a:miter lim="800000"/>
-            <a:headEnd type="none" w="sm" len="sm"/>
-            <a:tailEnd type="triangle" w="med" len="med"/>
-          </a:ln>
-        </p:spPr>
-      </p:cxnSp>
-      <p:sp>
-        <p:nvSpPr>
-          <p:cNvPr id="495" name="Google Shape;495;p17"/>
-          <p:cNvSpPr/>
-          <p:nvPr>
-            <p:custDataLst>
-              <p:tags r:id="rId32"/>
-            </p:custDataLst>
-          </p:nvPr>
-        </p:nvSpPr>
-        <p:spPr>
-          <a:xfrm>
-            <a:off x="7279041" y="4113832"/>
-            <a:ext cx="1051034" cy="1051034"/>
-          </a:xfrm>
-          <a:prstGeom prst="ellipse">
-            <a:avLst/>
-          </a:prstGeom>
-          <a:solidFill>
-            <a:schemeClr val="lt1"/>
-          </a:solidFill>
-          <a:ln w="12700" cap="flat" cmpd="sng">
-            <a:solidFill>
-              <a:schemeClr val="accent6"/>
-            </a:solidFill>
-            <a:prstDash val="solid"/>
-            <a:miter lim="800000"/>
-            <a:headEnd type="none" w="sm" len="sm"/>
-            <a:tailEnd type="none" w="sm" len="sm"/>
-          </a:ln>
-        </p:spPr>
-        <p:txBody>
-          <a:bodyPr spcFirstLastPara="1" wrap="square" lIns="91425" tIns="45700" rIns="91425" bIns="45700" anchor="ctr" anchorCtr="0">
-            <a:noAutofit/>
-          </a:bodyPr>
-          <a:lstStyle/>
-          <a:p>
-            <a:pPr marL="0" marR="0" lvl="0" indent="0" algn="ctr" rtl="0">
-              <a:spcBef>
-                <a:spcPct val="0"/>
-              </a:spcBef>
-              <a:spcAft>
-                <a:spcPct val="0"/>
-              </a:spcAft>
-              <a:buNone/>
-            </a:pPr>
-            <a:endParaRPr sz="1800">
-              <a:solidFill>
-                <a:schemeClr val="dk1"/>
-              </a:solidFill>
-              <a:latin typeface="Calibri"/>
-              <a:ea typeface="Calibri"/>
-              <a:cs typeface="Calibri"/>
-              <a:sym typeface="Calibri"/>
-            </a:endParaRPr>
-          </a:p>
-        </p:txBody>
-      </p:sp>
-      <p:cxnSp>
-        <p:nvCxnSpPr>
-          <p:cNvPr id="496" name="Google Shape;496;p17"/>
-          <p:cNvCxnSpPr/>
-          <p:nvPr>
-            <p:custDataLst>
-              <p:tags r:id="rId33"/>
-            </p:custDataLst>
-          </p:nvPr>
-        </p:nvCxnSpPr>
-        <p:spPr>
-          <a:xfrm>
-            <a:off x="7807861" y="4646106"/>
-            <a:ext cx="209969" cy="222031"/>
-          </a:xfrm>
-          <a:prstGeom prst="straightConnector1">
-            <a:avLst/>
-          </a:prstGeom>
-          <a:noFill/>
-          <a:ln w="9525" cap="flat" cmpd="sng">
-            <a:solidFill>
-              <a:schemeClr val="accent1"/>
-            </a:solidFill>
-            <a:prstDash val="solid"/>
-            <a:miter lim="800000"/>
-            <a:headEnd type="none" w="sm" len="sm"/>
-            <a:tailEnd type="triangle" w="med" len="med"/>
-          </a:ln>
-        </p:spPr>
-      </p:cxnSp>
-      <p:cxnSp>
-        <p:nvCxnSpPr>
-          <p:cNvPr id="497" name="Google Shape;497;p17"/>
-          <p:cNvCxnSpPr/>
-          <p:nvPr>
-            <p:custDataLst>
-              <p:tags r:id="rId34"/>
-            </p:custDataLst>
-          </p:nvPr>
-        </p:nvCxnSpPr>
-        <p:spPr>
-          <a:xfrm rot="10800000" flipH="1">
-            <a:off x="7816569" y="4335863"/>
-            <a:ext cx="0" cy="310243"/>
-          </a:xfrm>
-          <a:prstGeom prst="straightConnector1">
-            <a:avLst/>
-          </a:prstGeom>
-          <a:noFill/>
-          <a:ln w="28575" cap="flat" cmpd="sng">
-            <a:solidFill>
-              <a:schemeClr val="accent1"/>
-            </a:solidFill>
-            <a:prstDash val="solid"/>
-            <a:miter lim="800000"/>
-            <a:headEnd type="none" w="sm" len="sm"/>
-            <a:tailEnd type="triangle" w="med" len="med"/>
-          </a:ln>
-        </p:spPr>
-      </p:cxnSp>
-      <p:sp>
-        <p:nvSpPr>
-          <p:cNvPr id="498" name="Google Shape;498;p17"/>
-          <p:cNvSpPr/>
-          <p:nvPr>
-            <p:custDataLst>
-              <p:tags r:id="rId35"/>
-            </p:custDataLst>
-          </p:nvPr>
-        </p:nvSpPr>
-        <p:spPr>
-          <a:xfrm>
-            <a:off x="7279041" y="5386897"/>
-            <a:ext cx="1051034" cy="1051034"/>
-          </a:xfrm>
-          <a:prstGeom prst="ellipse">
-            <a:avLst/>
-          </a:prstGeom>
-          <a:solidFill>
-            <a:schemeClr val="lt1"/>
-          </a:solidFill>
-          <a:ln w="12700" cap="flat" cmpd="sng">
-            <a:solidFill>
-              <a:schemeClr val="accent6"/>
-            </a:solidFill>
-            <a:prstDash val="solid"/>
-            <a:miter lim="800000"/>
-            <a:headEnd type="none" w="sm" len="sm"/>
-            <a:tailEnd type="none" w="sm" len="sm"/>
-          </a:ln>
-        </p:spPr>
-        <p:txBody>
-          <a:bodyPr spcFirstLastPara="1" wrap="square" lIns="91425" tIns="45700" rIns="91425" bIns="45700" anchor="ctr" anchorCtr="0">
-            <a:noAutofit/>
-          </a:bodyPr>
-          <a:lstStyle/>
-          <a:p>
-            <a:pPr marL="0" marR="0" lvl="0" indent="0" algn="ctr" rtl="0">
-              <a:spcBef>
-                <a:spcPct val="0"/>
-              </a:spcBef>
-              <a:spcAft>
-                <a:spcPct val="0"/>
-              </a:spcAft>
-              <a:buNone/>
-            </a:pPr>
-            <a:endParaRPr sz="1800">
-              <a:solidFill>
-                <a:schemeClr val="dk1"/>
-              </a:solidFill>
-              <a:latin typeface="Calibri"/>
-              <a:ea typeface="Calibri"/>
-              <a:cs typeface="Calibri"/>
-              <a:sym typeface="Calibri"/>
-            </a:endParaRPr>
-          </a:p>
-        </p:txBody>
-      </p:sp>
-      <p:cxnSp>
-        <p:nvCxnSpPr>
-          <p:cNvPr id="499" name="Google Shape;499;p17"/>
-          <p:cNvCxnSpPr/>
-          <p:nvPr>
-            <p:custDataLst>
-              <p:tags r:id="rId36"/>
-            </p:custDataLst>
-          </p:nvPr>
-        </p:nvCxnSpPr>
-        <p:spPr>
-          <a:xfrm rot="10800000" flipH="1">
-            <a:off x="7807861" y="5669888"/>
-            <a:ext cx="201386" cy="249283"/>
-          </a:xfrm>
-          <a:prstGeom prst="straightConnector1">
-            <a:avLst/>
-          </a:prstGeom>
-          <a:noFill/>
-          <a:ln w="9525" cap="flat" cmpd="sng">
-            <a:solidFill>
-              <a:schemeClr val="accent1"/>
-            </a:solidFill>
-            <a:prstDash val="solid"/>
-            <a:miter lim="800000"/>
-            <a:headEnd type="none" w="sm" len="sm"/>
-            <a:tailEnd type="triangle" w="med" len="med"/>
-          </a:ln>
-        </p:spPr>
-      </p:cxnSp>
-      <p:cxnSp>
-        <p:nvCxnSpPr>
-          <p:cNvPr id="500" name="Google Shape;500;p17"/>
-          <p:cNvCxnSpPr/>
-          <p:nvPr>
-            <p:custDataLst>
-              <p:tags r:id="rId37"/>
-            </p:custDataLst>
-          </p:nvPr>
-        </p:nvCxnSpPr>
-        <p:spPr>
-          <a:xfrm rot="10800000" flipH="1">
-            <a:off x="7816569" y="5608928"/>
-            <a:ext cx="0" cy="310243"/>
-          </a:xfrm>
-          <a:prstGeom prst="straightConnector1">
-            <a:avLst/>
-          </a:prstGeom>
-          <a:noFill/>
-          <a:ln w="28575" cap="flat" cmpd="sng">
-            <a:solidFill>
-              <a:schemeClr val="accent1"/>
-            </a:solidFill>
-            <a:prstDash val="solid"/>
-            <a:miter lim="800000"/>
-            <a:headEnd type="none" w="sm" len="sm"/>
-            <a:tailEnd type="triangle" w="med" len="med"/>
-          </a:ln>
-        </p:spPr>
-      </p:cxnSp>
-      <p:sp>
-        <p:nvSpPr>
-          <p:cNvPr id="501" name="Google Shape;501;p17"/>
-          <p:cNvSpPr/>
-          <p:nvPr>
-            <p:custDataLst>
-              <p:tags r:id="rId38"/>
-            </p:custDataLst>
-          </p:nvPr>
-        </p:nvSpPr>
-        <p:spPr>
-          <a:xfrm>
-            <a:off x="5870067" y="1567702"/>
-            <a:ext cx="1051034" cy="1051034"/>
-          </a:xfrm>
-          <a:prstGeom prst="ellipse">
-            <a:avLst/>
-          </a:prstGeom>
-          <a:solidFill>
-            <a:schemeClr val="lt1"/>
-          </a:solidFill>
-          <a:ln w="12700" cap="flat" cmpd="sng">
-            <a:solidFill>
-              <a:schemeClr val="accent6"/>
-            </a:solidFill>
-            <a:prstDash val="solid"/>
-            <a:miter lim="800000"/>
-            <a:headEnd type="none" w="sm" len="sm"/>
-            <a:tailEnd type="none" w="sm" len="sm"/>
-          </a:ln>
-        </p:spPr>
-        <p:txBody>
-          <a:bodyPr spcFirstLastPara="1" wrap="square" lIns="91425" tIns="45700" rIns="91425" bIns="45700" anchor="ctr" anchorCtr="0">
-            <a:noAutofit/>
-          </a:bodyPr>
-          <a:lstStyle/>
-          <a:p>
-            <a:pPr marL="0" marR="0" lvl="0" indent="0" algn="ctr" rtl="0">
-              <a:spcBef>
-                <a:spcPct val="0"/>
-              </a:spcBef>
-              <a:spcAft>
-                <a:spcPct val="0"/>
-              </a:spcAft>
-              <a:buNone/>
-            </a:pPr>
-            <a:endParaRPr sz="1800">
-              <a:solidFill>
-                <a:schemeClr val="dk1"/>
-              </a:solidFill>
-              <a:latin typeface="Calibri"/>
-              <a:ea typeface="Calibri"/>
-              <a:cs typeface="Calibri"/>
-              <a:sym typeface="Calibri"/>
-            </a:endParaRPr>
-          </a:p>
-        </p:txBody>
-      </p:sp>
-      <p:cxnSp>
-        <p:nvCxnSpPr>
-          <p:cNvPr id="502" name="Google Shape;502;p17"/>
-          <p:cNvCxnSpPr/>
-          <p:nvPr>
-            <p:custDataLst>
-              <p:tags r:id="rId39"/>
-            </p:custDataLst>
-          </p:nvPr>
-        </p:nvCxnSpPr>
-        <p:spPr>
-          <a:xfrm rot="10800000">
-            <a:off x="6081555" y="1975334"/>
-            <a:ext cx="317332" cy="124642"/>
-          </a:xfrm>
-          <a:prstGeom prst="straightConnector1">
-            <a:avLst/>
-          </a:prstGeom>
-          <a:noFill/>
-          <a:ln w="9525" cap="flat" cmpd="sng">
-            <a:solidFill>
-              <a:schemeClr val="accent1"/>
-            </a:solidFill>
-            <a:prstDash val="solid"/>
-            <a:miter lim="800000"/>
-            <a:headEnd type="none" w="sm" len="sm"/>
-            <a:tailEnd type="triangle" w="med" len="med"/>
-          </a:ln>
-        </p:spPr>
-      </p:cxnSp>
-      <p:cxnSp>
-        <p:nvCxnSpPr>
-          <p:cNvPr id="503" name="Google Shape;503;p17"/>
-          <p:cNvCxnSpPr/>
-          <p:nvPr>
-            <p:custDataLst>
-              <p:tags r:id="rId40"/>
-            </p:custDataLst>
-          </p:nvPr>
-        </p:nvCxnSpPr>
-        <p:spPr>
-          <a:xfrm rot="10800000" flipH="1">
-            <a:off x="6407595" y="1789733"/>
-            <a:ext cx="0" cy="310243"/>
-          </a:xfrm>
-          <a:prstGeom prst="straightConnector1">
-            <a:avLst/>
-          </a:prstGeom>
-          <a:noFill/>
-          <a:ln w="28575" cap="flat" cmpd="sng">
-            <a:solidFill>
-              <a:schemeClr val="accent1"/>
-            </a:solidFill>
-            <a:prstDash val="solid"/>
-            <a:miter lim="800000"/>
-            <a:headEnd type="none" w="sm" len="sm"/>
-            <a:tailEnd type="triangle" w="med" len="med"/>
-          </a:ln>
-        </p:spPr>
-      </p:cxnSp>
-      <p:sp>
-        <p:nvSpPr>
-          <p:cNvPr id="504" name="Google Shape;504;p17"/>
-          <p:cNvSpPr/>
-          <p:nvPr>
-            <p:custDataLst>
-              <p:tags r:id="rId41"/>
-            </p:custDataLst>
-          </p:nvPr>
-        </p:nvSpPr>
-        <p:spPr>
-          <a:xfrm>
-            <a:off x="5870067" y="2840767"/>
-            <a:ext cx="1051034" cy="1051034"/>
-          </a:xfrm>
-          <a:prstGeom prst="ellipse">
-            <a:avLst/>
-          </a:prstGeom>
-          <a:solidFill>
-            <a:schemeClr val="lt1"/>
-          </a:solidFill>
-          <a:ln w="12700" cap="flat" cmpd="sng">
-            <a:solidFill>
-              <a:schemeClr val="accent6"/>
-            </a:solidFill>
-            <a:prstDash val="solid"/>
-            <a:miter lim="800000"/>
-            <a:headEnd type="none" w="sm" len="sm"/>
-            <a:tailEnd type="none" w="sm" len="sm"/>
-          </a:ln>
-        </p:spPr>
-        <p:txBody>
-          <a:bodyPr spcFirstLastPara="1" wrap="square" lIns="91425" tIns="45700" rIns="91425" bIns="45700" anchor="ctr" anchorCtr="0">
-            <a:noAutofit/>
-          </a:bodyPr>
-          <a:lstStyle/>
-          <a:p>
-            <a:pPr marL="0" marR="0" lvl="0" indent="0" algn="ctr" rtl="0">
-              <a:spcBef>
-                <a:spcPct val="0"/>
-              </a:spcBef>
-              <a:spcAft>
-                <a:spcPct val="0"/>
-              </a:spcAft>
-              <a:buNone/>
-            </a:pPr>
-            <a:endParaRPr sz="1800">
-              <a:solidFill>
-                <a:schemeClr val="dk1"/>
-              </a:solidFill>
-              <a:latin typeface="Calibri"/>
-              <a:ea typeface="Calibri"/>
-              <a:cs typeface="Calibri"/>
-              <a:sym typeface="Calibri"/>
-            </a:endParaRPr>
-          </a:p>
-        </p:txBody>
-      </p:sp>
-      <p:cxnSp>
-        <p:nvCxnSpPr>
-          <p:cNvPr id="505" name="Google Shape;505;p17"/>
-          <p:cNvCxnSpPr/>
-          <p:nvPr>
-            <p:custDataLst>
-              <p:tags r:id="rId42"/>
-            </p:custDataLst>
-          </p:nvPr>
-        </p:nvCxnSpPr>
-        <p:spPr>
-          <a:xfrm rot="10800000" flipH="1">
-            <a:off x="6398887" y="3241642"/>
-            <a:ext cx="267129" cy="131399"/>
-          </a:xfrm>
-          <a:prstGeom prst="straightConnector1">
-            <a:avLst/>
-          </a:prstGeom>
-          <a:noFill/>
-          <a:ln w="9525" cap="flat" cmpd="sng">
-            <a:solidFill>
-              <a:schemeClr val="accent1"/>
-            </a:solidFill>
-            <a:prstDash val="solid"/>
-            <a:miter lim="800000"/>
-            <a:headEnd type="none" w="sm" len="sm"/>
-            <a:tailEnd type="triangle" w="med" len="med"/>
-          </a:ln>
-        </p:spPr>
-      </p:cxnSp>
-      <p:cxnSp>
-        <p:nvCxnSpPr>
-          <p:cNvPr id="506" name="Google Shape;506;p17"/>
-          <p:cNvCxnSpPr/>
-          <p:nvPr>
-            <p:custDataLst>
-              <p:tags r:id="rId43"/>
-            </p:custDataLst>
-          </p:nvPr>
-        </p:nvCxnSpPr>
-        <p:spPr>
-          <a:xfrm rot="10800000" flipH="1">
-            <a:off x="6407595" y="3062798"/>
-            <a:ext cx="0" cy="310243"/>
-          </a:xfrm>
-          <a:prstGeom prst="straightConnector1">
-            <a:avLst/>
-          </a:prstGeom>
-          <a:noFill/>
-          <a:ln w="28575" cap="flat" cmpd="sng">
-            <a:solidFill>
-              <a:schemeClr val="accent1"/>
-            </a:solidFill>
-            <a:prstDash val="solid"/>
-            <a:miter lim="800000"/>
-            <a:headEnd type="none" w="sm" len="sm"/>
-            <a:tailEnd type="triangle" w="med" len="med"/>
-          </a:ln>
-        </p:spPr>
-      </p:cxnSp>
-      <p:sp>
-        <p:nvSpPr>
-          <p:cNvPr id="507" name="Google Shape;507;p17"/>
-          <p:cNvSpPr/>
-          <p:nvPr>
-            <p:custDataLst>
-              <p:tags r:id="rId44"/>
-            </p:custDataLst>
-          </p:nvPr>
-        </p:nvSpPr>
-        <p:spPr>
-          <a:xfrm>
-            <a:off x="5904601" y="4113832"/>
-            <a:ext cx="1051034" cy="1051034"/>
-          </a:xfrm>
-          <a:prstGeom prst="ellipse">
-            <a:avLst/>
-          </a:prstGeom>
-          <a:solidFill>
-            <a:schemeClr val="lt1"/>
-          </a:solidFill>
-          <a:ln w="12700" cap="flat" cmpd="sng">
-            <a:solidFill>
-              <a:schemeClr val="accent6"/>
-            </a:solidFill>
-            <a:prstDash val="solid"/>
-            <a:miter lim="800000"/>
-            <a:headEnd type="none" w="sm" len="sm"/>
-            <a:tailEnd type="none" w="sm" len="sm"/>
-          </a:ln>
-        </p:spPr>
-        <p:txBody>
-          <a:bodyPr spcFirstLastPara="1" wrap="square" lIns="91425" tIns="45700" rIns="91425" bIns="45700" anchor="ctr" anchorCtr="0">
-            <a:noAutofit/>
-          </a:bodyPr>
-          <a:lstStyle/>
-          <a:p>
-            <a:pPr marL="0" marR="0" lvl="0" indent="0" algn="ctr" rtl="0">
-              <a:spcBef>
-                <a:spcPct val="0"/>
-              </a:spcBef>
-              <a:spcAft>
-                <a:spcPct val="0"/>
-              </a:spcAft>
-              <a:buNone/>
-            </a:pPr>
-            <a:endParaRPr sz="1800">
-              <a:solidFill>
-                <a:schemeClr val="dk1"/>
-              </a:solidFill>
-              <a:latin typeface="Calibri"/>
-              <a:ea typeface="Calibri"/>
-              <a:cs typeface="Calibri"/>
-              <a:sym typeface="Calibri"/>
-            </a:endParaRPr>
-          </a:p>
-        </p:txBody>
-      </p:sp>
-      <p:cxnSp>
-        <p:nvCxnSpPr>
-          <p:cNvPr id="508" name="Google Shape;508;p17"/>
-          <p:cNvCxnSpPr/>
-          <p:nvPr>
-            <p:custDataLst>
-              <p:tags r:id="rId45"/>
-            </p:custDataLst>
-          </p:nvPr>
-        </p:nvCxnSpPr>
-        <p:spPr>
-          <a:xfrm>
-            <a:off x="6433421" y="4646106"/>
-            <a:ext cx="267129" cy="134738"/>
-          </a:xfrm>
-          <a:prstGeom prst="straightConnector1">
-            <a:avLst/>
-          </a:prstGeom>
-          <a:noFill/>
-          <a:ln w="9525" cap="flat" cmpd="sng">
-            <a:solidFill>
-              <a:schemeClr val="accent1"/>
-            </a:solidFill>
-            <a:prstDash val="solid"/>
-            <a:miter lim="800000"/>
-            <a:headEnd type="none" w="sm" len="sm"/>
-            <a:tailEnd type="triangle" w="med" len="med"/>
-          </a:ln>
-        </p:spPr>
-      </p:cxnSp>
-      <p:cxnSp>
-        <p:nvCxnSpPr>
-          <p:cNvPr id="509" name="Google Shape;509;p17"/>
-          <p:cNvCxnSpPr/>
-          <p:nvPr>
-            <p:custDataLst>
-              <p:tags r:id="rId46"/>
-            </p:custDataLst>
-          </p:nvPr>
-        </p:nvCxnSpPr>
-        <p:spPr>
-          <a:xfrm rot="10800000" flipH="1">
-            <a:off x="6442129" y="4335863"/>
-            <a:ext cx="0" cy="310243"/>
-          </a:xfrm>
-          <a:prstGeom prst="straightConnector1">
-            <a:avLst/>
-          </a:prstGeom>
-          <a:noFill/>
-          <a:ln w="28575" cap="flat" cmpd="sng">
-            <a:solidFill>
-              <a:schemeClr val="accent1"/>
-            </a:solidFill>
-            <a:prstDash val="solid"/>
-            <a:miter lim="800000"/>
-            <a:headEnd type="none" w="sm" len="sm"/>
-            <a:tailEnd type="triangle" w="med" len="med"/>
-          </a:ln>
-        </p:spPr>
-      </p:cxnSp>
-      <p:sp>
-        <p:nvSpPr>
-          <p:cNvPr id="510" name="Google Shape;510;p17"/>
-          <p:cNvSpPr/>
-          <p:nvPr>
-            <p:custDataLst>
-              <p:tags r:id="rId47"/>
-            </p:custDataLst>
-          </p:nvPr>
-        </p:nvSpPr>
-        <p:spPr>
-          <a:xfrm>
-            <a:off x="5904601" y="5386897"/>
-            <a:ext cx="1051034" cy="1051034"/>
-          </a:xfrm>
-          <a:prstGeom prst="ellipse">
-            <a:avLst/>
-          </a:prstGeom>
-          <a:solidFill>
-            <a:schemeClr val="lt1"/>
-          </a:solidFill>
-          <a:ln w="12700" cap="flat" cmpd="sng">
-            <a:solidFill>
-              <a:schemeClr val="accent6"/>
-            </a:solidFill>
-            <a:prstDash val="solid"/>
-            <a:miter lim="800000"/>
-            <a:headEnd type="none" w="sm" len="sm"/>
-            <a:tailEnd type="none" w="sm" len="sm"/>
-          </a:ln>
-        </p:spPr>
-        <p:txBody>
-          <a:bodyPr spcFirstLastPara="1" wrap="square" lIns="91425" tIns="45700" rIns="91425" bIns="45700" anchor="ctr" anchorCtr="0">
-            <a:noAutofit/>
-          </a:bodyPr>
-          <a:lstStyle/>
-          <a:p>
-            <a:pPr marL="0" marR="0" lvl="0" indent="0" algn="ctr" rtl="0">
-              <a:spcBef>
-                <a:spcPct val="0"/>
-              </a:spcBef>
-              <a:spcAft>
-                <a:spcPct val="0"/>
-              </a:spcAft>
-              <a:buNone/>
-            </a:pPr>
-            <a:endParaRPr sz="1800">
-              <a:solidFill>
-                <a:schemeClr val="dk1"/>
-              </a:solidFill>
-              <a:latin typeface="Calibri"/>
-              <a:ea typeface="Calibri"/>
-              <a:cs typeface="Calibri"/>
-              <a:sym typeface="Calibri"/>
-            </a:endParaRPr>
-          </a:p>
-        </p:txBody>
-      </p:sp>
-      <p:cxnSp>
-        <p:nvCxnSpPr>
-          <p:cNvPr id="511" name="Google Shape;511;p17"/>
-          <p:cNvCxnSpPr/>
-          <p:nvPr>
-            <p:custDataLst>
-              <p:tags r:id="rId48"/>
-            </p:custDataLst>
-          </p:nvPr>
-        </p:nvCxnSpPr>
-        <p:spPr>
-          <a:xfrm rot="10800000" flipH="1">
-            <a:off x="6433421" y="5669888"/>
-            <a:ext cx="201386" cy="249283"/>
-          </a:xfrm>
-          <a:prstGeom prst="straightConnector1">
-            <a:avLst/>
-          </a:prstGeom>
-          <a:noFill/>
-          <a:ln w="9525" cap="flat" cmpd="sng">
-            <a:solidFill>
-              <a:schemeClr val="accent1"/>
-            </a:solidFill>
-            <a:prstDash val="solid"/>
-            <a:miter lim="800000"/>
-            <a:headEnd type="none" w="sm" len="sm"/>
-            <a:tailEnd type="triangle" w="med" len="med"/>
-          </a:ln>
-        </p:spPr>
-      </p:cxnSp>
-      <p:cxnSp>
-        <p:nvCxnSpPr>
-          <p:cNvPr id="512" name="Google Shape;512;p17"/>
-          <p:cNvCxnSpPr/>
-          <p:nvPr>
-            <p:custDataLst>
-              <p:tags r:id="rId49"/>
-            </p:custDataLst>
-          </p:nvPr>
-        </p:nvCxnSpPr>
-        <p:spPr>
-          <a:xfrm rot="10800000" flipH="1">
-            <a:off x="6442129" y="5608928"/>
-            <a:ext cx="0" cy="310243"/>
-          </a:xfrm>
-          <a:prstGeom prst="straightConnector1">
-            <a:avLst/>
-          </a:prstGeom>
-          <a:noFill/>
-          <a:ln w="28575" cap="flat" cmpd="sng">
-            <a:solidFill>
-              <a:schemeClr val="accent1"/>
-            </a:solidFill>
-            <a:prstDash val="solid"/>
-            <a:miter lim="800000"/>
-            <a:headEnd type="none" w="sm" len="sm"/>
-            <a:tailEnd type="triangle" w="med" len="med"/>
-          </a:ln>
-        </p:spPr>
-      </p:cxnSp>
-      <p:sp>
-        <p:nvSpPr>
-          <p:cNvPr id="513" name="Google Shape;513;p17"/>
-          <p:cNvSpPr/>
-          <p:nvPr>
-            <p:custDataLst>
-              <p:tags r:id="rId50"/>
-            </p:custDataLst>
-          </p:nvPr>
-        </p:nvSpPr>
-        <p:spPr>
-          <a:xfrm>
-            <a:off x="4504840" y="1581942"/>
-            <a:ext cx="1051034" cy="1051034"/>
-          </a:xfrm>
-          <a:prstGeom prst="ellipse">
-            <a:avLst/>
-          </a:prstGeom>
-          <a:solidFill>
-            <a:schemeClr val="lt1"/>
-          </a:solidFill>
-          <a:ln w="12700" cap="flat" cmpd="sng">
-            <a:solidFill>
-              <a:schemeClr val="accent6"/>
-            </a:solidFill>
-            <a:prstDash val="solid"/>
-            <a:miter lim="800000"/>
-            <a:headEnd type="none" w="sm" len="sm"/>
-            <a:tailEnd type="none" w="sm" len="sm"/>
-          </a:ln>
-        </p:spPr>
-        <p:txBody>
-          <a:bodyPr spcFirstLastPara="1" wrap="square" lIns="91425" tIns="45700" rIns="91425" bIns="45700" anchor="ctr" anchorCtr="0">
-            <a:noAutofit/>
-          </a:bodyPr>
-          <a:lstStyle/>
-          <a:p>
-            <a:pPr marL="0" marR="0" lvl="0" indent="0" algn="ctr" rtl="0">
-              <a:spcBef>
-                <a:spcPct val="0"/>
-              </a:spcBef>
-              <a:spcAft>
-                <a:spcPct val="0"/>
-              </a:spcAft>
-              <a:buNone/>
-            </a:pPr>
-            <a:endParaRPr sz="1800">
-              <a:solidFill>
-                <a:schemeClr val="dk1"/>
-              </a:solidFill>
-              <a:latin typeface="Calibri"/>
-              <a:ea typeface="Calibri"/>
-              <a:cs typeface="Calibri"/>
-              <a:sym typeface="Calibri"/>
-            </a:endParaRPr>
-          </a:p>
-        </p:txBody>
-      </p:sp>
-      <p:cxnSp>
-        <p:nvCxnSpPr>
-          <p:cNvPr id="514" name="Google Shape;514;p17"/>
-          <p:cNvCxnSpPr/>
-          <p:nvPr>
-            <p:custDataLst>
-              <p:tags r:id="rId51"/>
-            </p:custDataLst>
-          </p:nvPr>
-        </p:nvCxnSpPr>
-        <p:spPr>
-          <a:xfrm rot="10800000" flipH="1">
-            <a:off x="5033660" y="1944854"/>
-            <a:ext cx="314193" cy="169362"/>
-          </a:xfrm>
-          <a:prstGeom prst="straightConnector1">
-            <a:avLst/>
-          </a:prstGeom>
-          <a:noFill/>
-          <a:ln w="9525" cap="flat" cmpd="sng">
-            <a:solidFill>
-              <a:schemeClr val="accent1"/>
-            </a:solidFill>
-            <a:prstDash val="solid"/>
-            <a:miter lim="800000"/>
-            <a:headEnd type="none" w="sm" len="sm"/>
-            <a:tailEnd type="triangle" w="med" len="med"/>
-          </a:ln>
-        </p:spPr>
-      </p:cxnSp>
-      <p:cxnSp>
-        <p:nvCxnSpPr>
-          <p:cNvPr id="515" name="Google Shape;515;p17"/>
-          <p:cNvCxnSpPr/>
-          <p:nvPr>
-            <p:custDataLst>
-              <p:tags r:id="rId52"/>
-            </p:custDataLst>
-          </p:nvPr>
-        </p:nvCxnSpPr>
-        <p:spPr>
-          <a:xfrm rot="10800000" flipH="1">
-            <a:off x="5042368" y="1803973"/>
-            <a:ext cx="0" cy="310243"/>
-          </a:xfrm>
-          <a:prstGeom prst="straightConnector1">
-            <a:avLst/>
-          </a:prstGeom>
-          <a:noFill/>
-          <a:ln w="28575" cap="flat" cmpd="sng">
-            <a:solidFill>
-              <a:schemeClr val="accent1"/>
-            </a:solidFill>
-            <a:prstDash val="solid"/>
-            <a:miter lim="800000"/>
-            <a:headEnd type="none" w="sm" len="sm"/>
-            <a:tailEnd type="triangle" w="med" len="med"/>
-          </a:ln>
-        </p:spPr>
-      </p:cxnSp>
-      <p:sp>
-        <p:nvSpPr>
-          <p:cNvPr id="516" name="Google Shape;516;p17"/>
-          <p:cNvSpPr/>
-          <p:nvPr>
-            <p:custDataLst>
-              <p:tags r:id="rId53"/>
-            </p:custDataLst>
-          </p:nvPr>
-        </p:nvSpPr>
-        <p:spPr>
-          <a:xfrm>
-            <a:off x="4504840" y="2855007"/>
-            <a:ext cx="1051034" cy="1051034"/>
-          </a:xfrm>
-          <a:prstGeom prst="ellipse">
-            <a:avLst/>
-          </a:prstGeom>
-          <a:solidFill>
-            <a:schemeClr val="lt1"/>
-          </a:solidFill>
-          <a:ln w="12700" cap="flat" cmpd="sng">
-            <a:solidFill>
-              <a:schemeClr val="accent6"/>
-            </a:solidFill>
-            <a:prstDash val="solid"/>
-            <a:miter lim="800000"/>
-            <a:headEnd type="none" w="sm" len="sm"/>
-            <a:tailEnd type="none" w="sm" len="sm"/>
-          </a:ln>
-        </p:spPr>
-        <p:txBody>
-          <a:bodyPr spcFirstLastPara="1" wrap="square" lIns="91425" tIns="45700" rIns="91425" bIns="45700" anchor="ctr" anchorCtr="0">
-            <a:noAutofit/>
-          </a:bodyPr>
-          <a:lstStyle/>
-          <a:p>
-            <a:pPr marL="0" marR="0" lvl="0" indent="0" algn="ctr" rtl="0">
-              <a:spcBef>
-                <a:spcPct val="0"/>
-              </a:spcBef>
-              <a:spcAft>
-                <a:spcPct val="0"/>
-              </a:spcAft>
-              <a:buNone/>
-            </a:pPr>
-            <a:endParaRPr sz="1800">
-              <a:solidFill>
-                <a:schemeClr val="dk1"/>
-              </a:solidFill>
-              <a:latin typeface="Calibri"/>
-              <a:ea typeface="Calibri"/>
-              <a:cs typeface="Calibri"/>
-              <a:sym typeface="Calibri"/>
-            </a:endParaRPr>
-          </a:p>
-        </p:txBody>
-      </p:sp>
-      <p:cxnSp>
-        <p:nvCxnSpPr>
-          <p:cNvPr id="517" name="Google Shape;517;p17"/>
-          <p:cNvCxnSpPr/>
-          <p:nvPr>
-            <p:custDataLst>
-              <p:tags r:id="rId54"/>
-            </p:custDataLst>
-          </p:nvPr>
-        </p:nvCxnSpPr>
-        <p:spPr>
-          <a:xfrm rot="10800000" flipH="1">
-            <a:off x="5033660" y="3131241"/>
-            <a:ext cx="206843" cy="256040"/>
-          </a:xfrm>
-          <a:prstGeom prst="straightConnector1">
-            <a:avLst/>
-          </a:prstGeom>
-          <a:noFill/>
-          <a:ln w="9525" cap="flat" cmpd="sng">
-            <a:solidFill>
-              <a:schemeClr val="accent1"/>
-            </a:solidFill>
-            <a:prstDash val="solid"/>
-            <a:miter lim="800000"/>
-            <a:headEnd type="none" w="sm" len="sm"/>
-            <a:tailEnd type="triangle" w="med" len="med"/>
-          </a:ln>
-        </p:spPr>
-      </p:cxnSp>
-      <p:cxnSp>
-        <p:nvCxnSpPr>
-          <p:cNvPr id="518" name="Google Shape;518;p17"/>
-          <p:cNvCxnSpPr/>
-          <p:nvPr>
-            <p:custDataLst>
-              <p:tags r:id="rId55"/>
-            </p:custDataLst>
-          </p:nvPr>
-        </p:nvCxnSpPr>
-        <p:spPr>
-          <a:xfrm rot="10800000" flipH="1">
-            <a:off x="5042368" y="3077038"/>
-            <a:ext cx="0" cy="310243"/>
-          </a:xfrm>
-          <a:prstGeom prst="straightConnector1">
-            <a:avLst/>
-          </a:prstGeom>
-          <a:noFill/>
-          <a:ln w="28575" cap="flat" cmpd="sng">
-            <a:solidFill>
-              <a:schemeClr val="accent1"/>
-            </a:solidFill>
-            <a:prstDash val="solid"/>
-            <a:miter lim="800000"/>
-            <a:headEnd type="none" w="sm" len="sm"/>
-            <a:tailEnd type="triangle" w="med" len="med"/>
-          </a:ln>
-        </p:spPr>
-      </p:cxnSp>
-      <p:sp>
-        <p:nvSpPr>
-          <p:cNvPr id="519" name="Google Shape;519;p17"/>
-          <p:cNvSpPr/>
-          <p:nvPr>
-            <p:custDataLst>
-              <p:tags r:id="rId56"/>
-            </p:custDataLst>
-          </p:nvPr>
-        </p:nvSpPr>
-        <p:spPr>
-          <a:xfrm>
-            <a:off x="4539374" y="4128072"/>
-            <a:ext cx="1051034" cy="1051034"/>
-          </a:xfrm>
-          <a:prstGeom prst="ellipse">
-            <a:avLst/>
-          </a:prstGeom>
-          <a:solidFill>
-            <a:schemeClr val="lt1"/>
-          </a:solidFill>
-          <a:ln w="12700" cap="flat" cmpd="sng">
-            <a:solidFill>
-              <a:schemeClr val="accent6"/>
-            </a:solidFill>
-            <a:prstDash val="solid"/>
-            <a:miter lim="800000"/>
-            <a:headEnd type="none" w="sm" len="sm"/>
-            <a:tailEnd type="none" w="sm" len="sm"/>
-          </a:ln>
-        </p:spPr>
-        <p:txBody>
-          <a:bodyPr spcFirstLastPara="1" wrap="square" lIns="91425" tIns="45700" rIns="91425" bIns="45700" anchor="ctr" anchorCtr="0">
-            <a:noAutofit/>
-          </a:bodyPr>
-          <a:lstStyle/>
-          <a:p>
-            <a:pPr marL="0" marR="0" lvl="0" indent="0" algn="ctr" rtl="0">
-              <a:spcBef>
-                <a:spcPct val="0"/>
-              </a:spcBef>
-              <a:spcAft>
-                <a:spcPct val="0"/>
-              </a:spcAft>
-              <a:buNone/>
-            </a:pPr>
-            <a:endParaRPr sz="1800">
-              <a:solidFill>
-                <a:schemeClr val="dk1"/>
-              </a:solidFill>
-              <a:latin typeface="Calibri"/>
-              <a:ea typeface="Calibri"/>
-              <a:cs typeface="Calibri"/>
-              <a:sym typeface="Calibri"/>
-            </a:endParaRPr>
-          </a:p>
-        </p:txBody>
-      </p:sp>
-      <p:cxnSp>
-        <p:nvCxnSpPr>
-          <p:cNvPr id="520" name="Google Shape;520;p17"/>
-          <p:cNvCxnSpPr/>
-          <p:nvPr>
-            <p:custDataLst>
-              <p:tags r:id="rId57"/>
-            </p:custDataLst>
-          </p:nvPr>
-        </p:nvCxnSpPr>
-        <p:spPr>
-          <a:xfrm>
-            <a:off x="5068194" y="4660346"/>
-            <a:ext cx="201386" cy="222031"/>
-          </a:xfrm>
-          <a:prstGeom prst="straightConnector1">
-            <a:avLst/>
-          </a:prstGeom>
-          <a:noFill/>
-          <a:ln w="9525" cap="flat" cmpd="sng">
-            <a:solidFill>
-              <a:schemeClr val="accent1"/>
-            </a:solidFill>
-            <a:prstDash val="solid"/>
-            <a:miter lim="800000"/>
-            <a:headEnd type="none" w="sm" len="sm"/>
-            <a:tailEnd type="triangle" w="med" len="med"/>
-          </a:ln>
-        </p:spPr>
-      </p:cxnSp>
-      <p:cxnSp>
-        <p:nvCxnSpPr>
-          <p:cNvPr id="521" name="Google Shape;521;p17"/>
-          <p:cNvCxnSpPr/>
-          <p:nvPr>
-            <p:custDataLst>
-              <p:tags r:id="rId58"/>
-            </p:custDataLst>
-          </p:nvPr>
-        </p:nvCxnSpPr>
-        <p:spPr>
-          <a:xfrm rot="10800000" flipH="1">
-            <a:off x="5076902" y="4350103"/>
-            <a:ext cx="0" cy="310243"/>
-          </a:xfrm>
-          <a:prstGeom prst="straightConnector1">
-            <a:avLst/>
-          </a:prstGeom>
-          <a:noFill/>
-          <a:ln w="28575" cap="flat" cmpd="sng">
-            <a:solidFill>
-              <a:schemeClr val="accent1"/>
-            </a:solidFill>
-            <a:prstDash val="solid"/>
-            <a:miter lim="800000"/>
-            <a:headEnd type="none" w="sm" len="sm"/>
-            <a:tailEnd type="triangle" w="med" len="med"/>
-          </a:ln>
-        </p:spPr>
-      </p:cxnSp>
-      <p:sp>
-        <p:nvSpPr>
-          <p:cNvPr id="522" name="Google Shape;522;p17"/>
-          <p:cNvSpPr/>
-          <p:nvPr>
-            <p:custDataLst>
-              <p:tags r:id="rId59"/>
-            </p:custDataLst>
-          </p:nvPr>
-        </p:nvSpPr>
-        <p:spPr>
-          <a:xfrm>
-            <a:off x="4539374" y="5401137"/>
-            <a:ext cx="1051034" cy="1051034"/>
-          </a:xfrm>
-          <a:prstGeom prst="ellipse">
-            <a:avLst/>
-          </a:prstGeom>
-          <a:solidFill>
-            <a:schemeClr val="lt1"/>
-          </a:solidFill>
-          <a:ln w="12700" cap="flat" cmpd="sng">
-            <a:solidFill>
-              <a:schemeClr val="accent6"/>
-            </a:solidFill>
-            <a:prstDash val="solid"/>
-            <a:miter lim="800000"/>
-            <a:headEnd type="none" w="sm" len="sm"/>
-            <a:tailEnd type="none" w="sm" len="sm"/>
-          </a:ln>
-        </p:spPr>
-        <p:txBody>
-          <a:bodyPr spcFirstLastPara="1" wrap="square" lIns="91425" tIns="45700" rIns="91425" bIns="45700" anchor="ctr" anchorCtr="0">
-            <a:noAutofit/>
-          </a:bodyPr>
-          <a:lstStyle/>
-          <a:p>
-            <a:pPr marL="0" marR="0" lvl="0" indent="0" algn="ctr" rtl="0">
-              <a:spcBef>
-                <a:spcPct val="0"/>
-              </a:spcBef>
-              <a:spcAft>
-                <a:spcPct val="0"/>
-              </a:spcAft>
-              <a:buNone/>
-            </a:pPr>
-            <a:endParaRPr sz="1800">
-              <a:solidFill>
-                <a:schemeClr val="dk1"/>
-              </a:solidFill>
-              <a:latin typeface="Calibri"/>
-              <a:ea typeface="Calibri"/>
-              <a:cs typeface="Calibri"/>
-              <a:sym typeface="Calibri"/>
-            </a:endParaRPr>
-          </a:p>
-        </p:txBody>
-      </p:sp>
-      <p:cxnSp>
-        <p:nvCxnSpPr>
-          <p:cNvPr id="523" name="Google Shape;523;p17"/>
-          <p:cNvCxnSpPr/>
-          <p:nvPr>
-            <p:custDataLst>
-              <p:tags r:id="rId60"/>
-            </p:custDataLst>
-          </p:nvPr>
-        </p:nvCxnSpPr>
-        <p:spPr>
-          <a:xfrm rot="10800000" flipH="1">
-            <a:off x="5068194" y="5684128"/>
-            <a:ext cx="201386" cy="249283"/>
-          </a:xfrm>
-          <a:prstGeom prst="straightConnector1">
-            <a:avLst/>
-          </a:prstGeom>
-          <a:noFill/>
-          <a:ln w="9525" cap="flat" cmpd="sng">
-            <a:solidFill>
-              <a:schemeClr val="accent1"/>
-            </a:solidFill>
-            <a:prstDash val="solid"/>
-            <a:miter lim="800000"/>
-            <a:headEnd type="none" w="sm" len="sm"/>
-            <a:tailEnd type="triangle" w="med" len="med"/>
-          </a:ln>
-        </p:spPr>
-      </p:cxnSp>
-      <p:cxnSp>
-        <p:nvCxnSpPr>
-          <p:cNvPr id="524" name="Google Shape;524;p17"/>
-          <p:cNvCxnSpPr/>
-          <p:nvPr>
-            <p:custDataLst>
-              <p:tags r:id="rId61"/>
-            </p:custDataLst>
-          </p:nvPr>
-        </p:nvCxnSpPr>
-        <p:spPr>
-          <a:xfrm rot="10800000" flipH="1">
-            <a:off x="5076902" y="5623168"/>
-            <a:ext cx="0" cy="310243"/>
-          </a:xfrm>
-          <a:prstGeom prst="straightConnector1">
-            <a:avLst/>
-          </a:prstGeom>
-          <a:noFill/>
-          <a:ln w="28575" cap="flat" cmpd="sng">
-            <a:solidFill>
-              <a:schemeClr val="accent1"/>
-            </a:solidFill>
-            <a:prstDash val="solid"/>
-            <a:miter lim="800000"/>
-            <a:headEnd type="none" w="sm" len="sm"/>
-            <a:tailEnd type="triangle" w="med" len="med"/>
-          </a:ln>
-        </p:spPr>
-      </p:cxnSp>
-      <p:sp>
-        <p:nvSpPr>
-          <p:cNvPr id="525" name="Google Shape;525;p17"/>
-          <p:cNvSpPr/>
-          <p:nvPr>
-            <p:custDataLst>
-              <p:tags r:id="rId62"/>
-            </p:custDataLst>
-          </p:nvPr>
-        </p:nvSpPr>
-        <p:spPr>
-          <a:xfrm>
-            <a:off x="3127274" y="1567702"/>
-            <a:ext cx="1051034" cy="1051034"/>
-          </a:xfrm>
-          <a:prstGeom prst="ellipse">
-            <a:avLst/>
-          </a:prstGeom>
-          <a:solidFill>
-            <a:schemeClr val="lt1"/>
-          </a:solidFill>
-          <a:ln w="12700" cap="flat" cmpd="sng">
-            <a:solidFill>
-              <a:schemeClr val="accent6"/>
-            </a:solidFill>
-            <a:prstDash val="solid"/>
-            <a:miter lim="800000"/>
-            <a:headEnd type="none" w="sm" len="sm"/>
-            <a:tailEnd type="none" w="sm" len="sm"/>
-          </a:ln>
-        </p:spPr>
-        <p:txBody>
-          <a:bodyPr spcFirstLastPara="1" wrap="square" lIns="91425" tIns="45700" rIns="91425" bIns="45700" anchor="ctr" anchorCtr="0">
-            <a:noAutofit/>
-          </a:bodyPr>
-          <a:lstStyle/>
-          <a:p>
-            <a:pPr marL="0" marR="0" lvl="0" indent="0" algn="ctr" rtl="0">
-              <a:spcBef>
-                <a:spcPct val="0"/>
-              </a:spcBef>
-              <a:spcAft>
-                <a:spcPct val="0"/>
-              </a:spcAft>
-              <a:buNone/>
-            </a:pPr>
-            <a:endParaRPr sz="1800">
-              <a:solidFill>
-                <a:schemeClr val="dk1"/>
-              </a:solidFill>
-              <a:latin typeface="Calibri"/>
-              <a:ea typeface="Calibri"/>
-              <a:cs typeface="Calibri"/>
-              <a:sym typeface="Calibri"/>
-            </a:endParaRPr>
-          </a:p>
-        </p:txBody>
-      </p:sp>
-      <p:cxnSp>
-        <p:nvCxnSpPr>
-          <p:cNvPr id="526" name="Google Shape;526;p17"/>
-          <p:cNvCxnSpPr/>
-          <p:nvPr>
-            <p:custDataLst>
-              <p:tags r:id="rId63"/>
-            </p:custDataLst>
-          </p:nvPr>
-        </p:nvCxnSpPr>
-        <p:spPr>
-          <a:xfrm flipH="1">
-            <a:off x="3479598" y="2099976"/>
-            <a:ext cx="176496" cy="228900"/>
-          </a:xfrm>
-          <a:prstGeom prst="straightConnector1">
-            <a:avLst/>
-          </a:prstGeom>
-          <a:noFill/>
-          <a:ln w="9525" cap="flat" cmpd="sng">
-            <a:solidFill>
-              <a:schemeClr val="accent1"/>
-            </a:solidFill>
-            <a:prstDash val="solid"/>
-            <a:miter lim="800000"/>
-            <a:headEnd type="none" w="sm" len="sm"/>
-            <a:tailEnd type="triangle" w="med" len="med"/>
-          </a:ln>
-        </p:spPr>
-      </p:cxnSp>
-      <p:cxnSp>
-        <p:nvCxnSpPr>
-          <p:cNvPr id="527" name="Google Shape;527;p17"/>
-          <p:cNvCxnSpPr/>
-          <p:nvPr>
-            <p:custDataLst>
-              <p:tags r:id="rId64"/>
-            </p:custDataLst>
-          </p:nvPr>
-        </p:nvCxnSpPr>
-        <p:spPr>
-          <a:xfrm rot="10800000" flipH="1">
-            <a:off x="3664802" y="1789733"/>
-            <a:ext cx="0" cy="310243"/>
-          </a:xfrm>
-          <a:prstGeom prst="straightConnector1">
-            <a:avLst/>
-          </a:prstGeom>
-          <a:noFill/>
-          <a:ln w="28575" cap="flat" cmpd="sng">
-            <a:solidFill>
-              <a:schemeClr val="accent1"/>
-            </a:solidFill>
-            <a:prstDash val="solid"/>
-            <a:miter lim="800000"/>
-            <a:headEnd type="none" w="sm" len="sm"/>
-            <a:tailEnd type="triangle" w="med" len="med"/>
-          </a:ln>
-        </p:spPr>
-      </p:cxnSp>
-      <p:sp>
-        <p:nvSpPr>
-          <p:cNvPr id="528" name="Google Shape;528;p17"/>
-          <p:cNvSpPr/>
-          <p:nvPr>
-            <p:custDataLst>
-              <p:tags r:id="rId65"/>
-            </p:custDataLst>
-          </p:nvPr>
-        </p:nvSpPr>
-        <p:spPr>
-          <a:xfrm>
-            <a:off x="3127274" y="2840767"/>
-            <a:ext cx="1051034" cy="1051034"/>
-          </a:xfrm>
-          <a:prstGeom prst="ellipse">
-            <a:avLst/>
-          </a:prstGeom>
-          <a:solidFill>
-            <a:schemeClr val="lt1"/>
-          </a:solidFill>
-          <a:ln w="12700" cap="flat" cmpd="sng">
-            <a:solidFill>
-              <a:schemeClr val="accent6"/>
-            </a:solidFill>
-            <a:prstDash val="solid"/>
-            <a:miter lim="800000"/>
-            <a:headEnd type="none" w="sm" len="sm"/>
-            <a:tailEnd type="none" w="sm" len="sm"/>
-          </a:ln>
-        </p:spPr>
-        <p:txBody>
-          <a:bodyPr spcFirstLastPara="1" wrap="square" lIns="91425" tIns="45700" rIns="91425" bIns="45700" anchor="ctr" anchorCtr="0">
-            <a:noAutofit/>
-          </a:bodyPr>
-          <a:lstStyle/>
-          <a:p>
-            <a:pPr marL="0" marR="0" lvl="0" indent="0" algn="ctr" rtl="0">
-              <a:spcBef>
-                <a:spcPct val="0"/>
-              </a:spcBef>
-              <a:spcAft>
-                <a:spcPct val="0"/>
-              </a:spcAft>
-              <a:buNone/>
-            </a:pPr>
-            <a:endParaRPr sz="1800">
-              <a:solidFill>
-                <a:schemeClr val="dk1"/>
-              </a:solidFill>
-              <a:latin typeface="Calibri"/>
-              <a:ea typeface="Calibri"/>
-              <a:cs typeface="Calibri"/>
-              <a:sym typeface="Calibri"/>
-            </a:endParaRPr>
-          </a:p>
-        </p:txBody>
-      </p:sp>
-      <p:cxnSp>
-        <p:nvCxnSpPr>
-          <p:cNvPr id="529" name="Google Shape;529;p17"/>
-          <p:cNvCxnSpPr/>
-          <p:nvPr>
-            <p:custDataLst>
-              <p:tags r:id="rId66"/>
-            </p:custDataLst>
-          </p:nvPr>
-        </p:nvCxnSpPr>
-        <p:spPr>
-          <a:xfrm rot="10800000" flipH="1">
-            <a:off x="3656094" y="3313497"/>
-            <a:ext cx="332456" cy="59544"/>
-          </a:xfrm>
-          <a:prstGeom prst="straightConnector1">
-            <a:avLst/>
-          </a:prstGeom>
-          <a:noFill/>
-          <a:ln w="9525" cap="flat" cmpd="sng">
-            <a:solidFill>
-              <a:schemeClr val="accent1"/>
-            </a:solidFill>
-            <a:prstDash val="solid"/>
-            <a:miter lim="800000"/>
-            <a:headEnd type="none" w="sm" len="sm"/>
-            <a:tailEnd type="triangle" w="med" len="med"/>
-          </a:ln>
-        </p:spPr>
-      </p:cxnSp>
-      <p:cxnSp>
-        <p:nvCxnSpPr>
-          <p:cNvPr id="530" name="Google Shape;530;p17"/>
-          <p:cNvCxnSpPr/>
-          <p:nvPr>
-            <p:custDataLst>
-              <p:tags r:id="rId67"/>
-            </p:custDataLst>
-          </p:nvPr>
-        </p:nvCxnSpPr>
-        <p:spPr>
-          <a:xfrm rot="10800000" flipH="1">
-            <a:off x="3664802" y="3062798"/>
-            <a:ext cx="0" cy="310243"/>
-          </a:xfrm>
-          <a:prstGeom prst="straightConnector1">
-            <a:avLst/>
-          </a:prstGeom>
-          <a:noFill/>
-          <a:ln w="28575" cap="flat" cmpd="sng">
-            <a:solidFill>
-              <a:schemeClr val="accent1"/>
-            </a:solidFill>
-            <a:prstDash val="solid"/>
-            <a:miter lim="800000"/>
-            <a:headEnd type="none" w="sm" len="sm"/>
-            <a:tailEnd type="triangle" w="med" len="med"/>
-          </a:ln>
-        </p:spPr>
-      </p:cxnSp>
-      <p:sp>
-        <p:nvSpPr>
-          <p:cNvPr id="531" name="Google Shape;531;p17"/>
-          <p:cNvSpPr/>
-          <p:nvPr>
-            <p:custDataLst>
-              <p:tags r:id="rId68"/>
-            </p:custDataLst>
-          </p:nvPr>
-        </p:nvSpPr>
-        <p:spPr>
-          <a:xfrm>
-            <a:off x="3161808" y="4113832"/>
-            <a:ext cx="1051034" cy="1051034"/>
-          </a:xfrm>
-          <a:prstGeom prst="ellipse">
-            <a:avLst/>
-          </a:prstGeom>
-          <a:solidFill>
-            <a:schemeClr val="lt1"/>
-          </a:solidFill>
-          <a:ln w="12700" cap="flat" cmpd="sng">
-            <a:solidFill>
-              <a:schemeClr val="accent6"/>
-            </a:solidFill>
-            <a:prstDash val="solid"/>
-            <a:miter lim="800000"/>
-            <a:headEnd type="none" w="sm" len="sm"/>
-            <a:tailEnd type="none" w="sm" len="sm"/>
-          </a:ln>
-        </p:spPr>
-        <p:txBody>
-          <a:bodyPr spcFirstLastPara="1" wrap="square" lIns="91425" tIns="45700" rIns="91425" bIns="45700" anchor="ctr" anchorCtr="0">
-            <a:noAutofit/>
-          </a:bodyPr>
-          <a:lstStyle/>
-          <a:p>
-            <a:pPr marL="0" marR="0" lvl="0" indent="0" algn="ctr" rtl="0">
-              <a:spcBef>
-                <a:spcPct val="0"/>
-              </a:spcBef>
-              <a:spcAft>
-                <a:spcPct val="0"/>
-              </a:spcAft>
-              <a:buNone/>
-            </a:pPr>
-            <a:endParaRPr sz="1800">
-              <a:solidFill>
-                <a:schemeClr val="dk1"/>
-              </a:solidFill>
-              <a:latin typeface="Calibri"/>
-              <a:ea typeface="Calibri"/>
-              <a:cs typeface="Calibri"/>
-              <a:sym typeface="Calibri"/>
-            </a:endParaRPr>
-          </a:p>
-        </p:txBody>
-      </p:sp>
-      <p:cxnSp>
-        <p:nvCxnSpPr>
-          <p:cNvPr id="532" name="Google Shape;532;p17"/>
-          <p:cNvCxnSpPr/>
-          <p:nvPr>
-            <p:custDataLst>
-              <p:tags r:id="rId69"/>
-            </p:custDataLst>
-          </p:nvPr>
-        </p:nvCxnSpPr>
-        <p:spPr>
-          <a:xfrm>
-            <a:off x="3690628" y="4646106"/>
-            <a:ext cx="270255" cy="134738"/>
-          </a:xfrm>
-          <a:prstGeom prst="straightConnector1">
-            <a:avLst/>
-          </a:prstGeom>
-          <a:noFill/>
-          <a:ln w="9525" cap="flat" cmpd="sng">
-            <a:solidFill>
-              <a:schemeClr val="accent1"/>
-            </a:solidFill>
-            <a:prstDash val="solid"/>
-            <a:miter lim="800000"/>
-            <a:headEnd type="none" w="sm" len="sm"/>
-            <a:tailEnd type="triangle" w="med" len="med"/>
-          </a:ln>
-        </p:spPr>
-      </p:cxnSp>
-      <p:cxnSp>
-        <p:nvCxnSpPr>
-          <p:cNvPr id="533" name="Google Shape;533;p17"/>
-          <p:cNvCxnSpPr/>
-          <p:nvPr>
-            <p:custDataLst>
-              <p:tags r:id="rId70"/>
-            </p:custDataLst>
-          </p:nvPr>
-        </p:nvCxnSpPr>
-        <p:spPr>
-          <a:xfrm rot="10800000" flipH="1">
-            <a:off x="3699336" y="4335863"/>
-            <a:ext cx="0" cy="310243"/>
-          </a:xfrm>
-          <a:prstGeom prst="straightConnector1">
-            <a:avLst/>
-          </a:prstGeom>
-          <a:noFill/>
-          <a:ln w="28575" cap="flat" cmpd="sng">
-            <a:solidFill>
-              <a:schemeClr val="accent1"/>
-            </a:solidFill>
-            <a:prstDash val="solid"/>
-            <a:miter lim="800000"/>
-            <a:headEnd type="none" w="sm" len="sm"/>
-            <a:tailEnd type="triangle" w="med" len="med"/>
-          </a:ln>
-        </p:spPr>
-      </p:cxnSp>
-      <p:sp>
-        <p:nvSpPr>
-          <p:cNvPr id="534" name="Google Shape;534;p17"/>
-          <p:cNvSpPr/>
-          <p:nvPr>
-            <p:custDataLst>
-              <p:tags r:id="rId71"/>
-            </p:custDataLst>
-          </p:nvPr>
-        </p:nvSpPr>
-        <p:spPr>
-          <a:xfrm>
-            <a:off x="3161808" y="5386897"/>
-            <a:ext cx="1051034" cy="1051034"/>
-          </a:xfrm>
-          <a:prstGeom prst="ellipse">
-            <a:avLst/>
-          </a:prstGeom>
-          <a:solidFill>
-            <a:schemeClr val="lt1"/>
-          </a:solidFill>
-          <a:ln w="12700" cap="flat" cmpd="sng">
-            <a:solidFill>
-              <a:schemeClr val="accent6"/>
-            </a:solidFill>
-            <a:prstDash val="solid"/>
-            <a:miter lim="800000"/>
-            <a:headEnd type="none" w="sm" len="sm"/>
-            <a:tailEnd type="none" w="sm" len="sm"/>
-          </a:ln>
-        </p:spPr>
-        <p:txBody>
-          <a:bodyPr spcFirstLastPara="1" wrap="square" lIns="91425" tIns="45700" rIns="91425" bIns="45700" anchor="ctr" anchorCtr="0">
-            <a:noAutofit/>
-          </a:bodyPr>
-          <a:lstStyle/>
-          <a:p>
-            <a:pPr marL="0" marR="0" lvl="0" indent="0" algn="ctr" rtl="0">
-              <a:spcBef>
-                <a:spcPct val="0"/>
-              </a:spcBef>
-              <a:spcAft>
-                <a:spcPct val="0"/>
-              </a:spcAft>
-              <a:buNone/>
-            </a:pPr>
-            <a:endParaRPr sz="1800">
-              <a:solidFill>
-                <a:schemeClr val="dk1"/>
-              </a:solidFill>
-              <a:latin typeface="Calibri"/>
-              <a:ea typeface="Calibri"/>
-              <a:cs typeface="Calibri"/>
-              <a:sym typeface="Calibri"/>
-            </a:endParaRPr>
-          </a:p>
-        </p:txBody>
-      </p:sp>
-      <p:cxnSp>
-        <p:nvCxnSpPr>
-          <p:cNvPr id="535" name="Google Shape;535;p17"/>
-          <p:cNvCxnSpPr/>
-          <p:nvPr>
-            <p:custDataLst>
-              <p:tags r:id="rId72"/>
-            </p:custDataLst>
-          </p:nvPr>
-        </p:nvCxnSpPr>
-        <p:spPr>
-          <a:xfrm rot="10800000" flipH="1">
-            <a:off x="3690628" y="5669888"/>
-            <a:ext cx="201386" cy="249283"/>
-          </a:xfrm>
-          <a:prstGeom prst="straightConnector1">
-            <a:avLst/>
-          </a:prstGeom>
-          <a:noFill/>
-          <a:ln w="9525" cap="flat" cmpd="sng">
-            <a:solidFill>
-              <a:schemeClr val="accent1"/>
-            </a:solidFill>
-            <a:prstDash val="solid"/>
-            <a:miter lim="800000"/>
-            <a:headEnd type="none" w="sm" len="sm"/>
-            <a:tailEnd type="triangle" w="med" len="med"/>
-          </a:ln>
-        </p:spPr>
-      </p:cxnSp>
-      <p:cxnSp>
-        <p:nvCxnSpPr>
-          <p:cNvPr id="536" name="Google Shape;536;p17"/>
-          <p:cNvCxnSpPr/>
-          <p:nvPr>
-            <p:custDataLst>
-              <p:tags r:id="rId73"/>
-            </p:custDataLst>
-          </p:nvPr>
-        </p:nvCxnSpPr>
-        <p:spPr>
-          <a:xfrm rot="10800000" flipH="1">
-            <a:off x="3699336" y="5608928"/>
-            <a:ext cx="0" cy="310243"/>
-          </a:xfrm>
-          <a:prstGeom prst="straightConnector1">
-            <a:avLst/>
-          </a:prstGeom>
-          <a:noFill/>
-          <a:ln w="28575" cap="flat" cmpd="sng">
-            <a:solidFill>
-              <a:schemeClr val="accent1"/>
-            </a:solidFill>
-            <a:prstDash val="solid"/>
-            <a:miter lim="800000"/>
-            <a:headEnd type="none" w="sm" len="sm"/>
-            <a:tailEnd type="triangle" w="med" len="med"/>
-          </a:ln>
-        </p:spPr>
-      </p:cxnSp>
-      <p:sp>
-        <p:nvSpPr>
-          <p:cNvPr id="537" name="Google Shape;537;p17"/>
-          <p:cNvSpPr/>
-          <p:nvPr>
-            <p:custDataLst>
-              <p:tags r:id="rId74"/>
-            </p:custDataLst>
-          </p:nvPr>
-        </p:nvSpPr>
-        <p:spPr>
-          <a:xfrm>
-            <a:off x="1759262" y="1574459"/>
-            <a:ext cx="1051034" cy="1051034"/>
-          </a:xfrm>
-          <a:prstGeom prst="ellipse">
-            <a:avLst/>
-          </a:prstGeom>
-          <a:solidFill>
-            <a:schemeClr val="lt1"/>
-          </a:solidFill>
-          <a:ln w="12700" cap="flat" cmpd="sng">
-            <a:solidFill>
-              <a:schemeClr val="accent6"/>
-            </a:solidFill>
-            <a:prstDash val="solid"/>
-            <a:miter lim="800000"/>
-            <a:headEnd type="none" w="sm" len="sm"/>
-            <a:tailEnd type="none" w="sm" len="sm"/>
-          </a:ln>
-        </p:spPr>
-        <p:txBody>
-          <a:bodyPr spcFirstLastPara="1" wrap="square" lIns="91425" tIns="45700" rIns="91425" bIns="45700" anchor="ctr" anchorCtr="0">
-            <a:noAutofit/>
-          </a:bodyPr>
-          <a:lstStyle/>
-          <a:p>
-            <a:pPr marL="0" marR="0" lvl="0" indent="0" algn="ctr" rtl="0">
-              <a:spcBef>
-                <a:spcPct val="0"/>
-              </a:spcBef>
-              <a:spcAft>
-                <a:spcPct val="0"/>
-              </a:spcAft>
-              <a:buNone/>
-            </a:pPr>
-            <a:endParaRPr sz="1800">
-              <a:solidFill>
-                <a:schemeClr val="dk1"/>
-              </a:solidFill>
-              <a:latin typeface="Calibri"/>
-              <a:ea typeface="Calibri"/>
-              <a:cs typeface="Calibri"/>
-              <a:sym typeface="Calibri"/>
-            </a:endParaRPr>
-          </a:p>
-        </p:txBody>
-      </p:sp>
-      <p:cxnSp>
-        <p:nvCxnSpPr>
-          <p:cNvPr id="538" name="Google Shape;538;p17"/>
-          <p:cNvCxnSpPr/>
-          <p:nvPr>
-            <p:custDataLst>
-              <p:tags r:id="rId75"/>
-            </p:custDataLst>
-          </p:nvPr>
-        </p:nvCxnSpPr>
-        <p:spPr>
-          <a:xfrm>
-            <a:off x="2288082" y="2106733"/>
-            <a:ext cx="235920" cy="282991"/>
-          </a:xfrm>
-          <a:prstGeom prst="straightConnector1">
-            <a:avLst/>
-          </a:prstGeom>
-          <a:noFill/>
-          <a:ln w="9525" cap="flat" cmpd="sng">
-            <a:solidFill>
-              <a:schemeClr val="accent1"/>
-            </a:solidFill>
-            <a:prstDash val="solid"/>
-            <a:miter lim="800000"/>
-            <a:headEnd type="none" w="sm" len="sm"/>
-            <a:tailEnd type="triangle" w="med" len="med"/>
-          </a:ln>
-        </p:spPr>
-      </p:cxnSp>
-      <p:cxnSp>
-        <p:nvCxnSpPr>
-          <p:cNvPr id="539" name="Google Shape;539;p17"/>
-          <p:cNvCxnSpPr/>
-          <p:nvPr>
-            <p:custDataLst>
-              <p:tags r:id="rId76"/>
-            </p:custDataLst>
-          </p:nvPr>
-        </p:nvCxnSpPr>
-        <p:spPr>
-          <a:xfrm rot="10800000" flipH="1">
-            <a:off x="2296790" y="1796490"/>
-            <a:ext cx="0" cy="310243"/>
-          </a:xfrm>
-          <a:prstGeom prst="straightConnector1">
-            <a:avLst/>
-          </a:prstGeom>
-          <a:noFill/>
-          <a:ln w="28575" cap="flat" cmpd="sng">
-            <a:solidFill>
-              <a:schemeClr val="accent1"/>
-            </a:solidFill>
-            <a:prstDash val="solid"/>
-            <a:miter lim="800000"/>
-            <a:headEnd type="none" w="sm" len="sm"/>
-            <a:tailEnd type="triangle" w="med" len="med"/>
-          </a:ln>
-        </p:spPr>
-      </p:cxnSp>
-      <p:sp>
-        <p:nvSpPr>
-          <p:cNvPr id="540" name="Google Shape;540;p17"/>
-          <p:cNvSpPr/>
-          <p:nvPr>
-            <p:custDataLst>
-              <p:tags r:id="rId77"/>
-            </p:custDataLst>
-          </p:nvPr>
-        </p:nvSpPr>
-        <p:spPr>
-          <a:xfrm>
-            <a:off x="1759262" y="2847524"/>
-            <a:ext cx="1051034" cy="1051034"/>
-          </a:xfrm>
-          <a:prstGeom prst="ellipse">
-            <a:avLst/>
-          </a:prstGeom>
-          <a:solidFill>
-            <a:schemeClr val="lt1"/>
-          </a:solidFill>
-          <a:ln w="12700" cap="flat" cmpd="sng">
-            <a:solidFill>
-              <a:schemeClr val="accent6"/>
-            </a:solidFill>
-            <a:prstDash val="solid"/>
-            <a:miter lim="800000"/>
-            <a:headEnd type="none" w="sm" len="sm"/>
-            <a:tailEnd type="none" w="sm" len="sm"/>
-          </a:ln>
-        </p:spPr>
-        <p:txBody>
-          <a:bodyPr spcFirstLastPara="1" wrap="square" lIns="91425" tIns="45700" rIns="91425" bIns="45700" anchor="ctr" anchorCtr="0">
-            <a:noAutofit/>
-          </a:bodyPr>
-          <a:lstStyle/>
-          <a:p>
-            <a:pPr marL="0" marR="0" lvl="0" indent="0" algn="ctr" rtl="0">
-              <a:spcBef>
-                <a:spcPct val="0"/>
-              </a:spcBef>
-              <a:spcAft>
-                <a:spcPct val="0"/>
-              </a:spcAft>
-              <a:buNone/>
-            </a:pPr>
-            <a:endParaRPr sz="1800">
-              <a:solidFill>
-                <a:schemeClr val="dk1"/>
-              </a:solidFill>
-              <a:latin typeface="Calibri"/>
-              <a:ea typeface="Calibri"/>
-              <a:cs typeface="Calibri"/>
-              <a:sym typeface="Calibri"/>
-            </a:endParaRPr>
-          </a:p>
-        </p:txBody>
-      </p:sp>
-      <p:cxnSp>
-        <p:nvCxnSpPr>
-          <p:cNvPr id="541" name="Google Shape;541;p17"/>
-          <p:cNvCxnSpPr/>
-          <p:nvPr>
-            <p:custDataLst>
-              <p:tags r:id="rId78"/>
-            </p:custDataLst>
-          </p:nvPr>
-        </p:nvCxnSpPr>
-        <p:spPr>
-          <a:xfrm rot="10800000" flipH="1">
-            <a:off x="2288082" y="3077038"/>
-            <a:ext cx="113139" cy="302760"/>
-          </a:xfrm>
-          <a:prstGeom prst="straightConnector1">
-            <a:avLst/>
-          </a:prstGeom>
-          <a:noFill/>
-          <a:ln w="9525" cap="flat" cmpd="sng">
-            <a:solidFill>
-              <a:schemeClr val="accent1"/>
-            </a:solidFill>
-            <a:prstDash val="solid"/>
-            <a:miter lim="800000"/>
-            <a:headEnd type="none" w="sm" len="sm"/>
-            <a:tailEnd type="triangle" w="med" len="med"/>
-          </a:ln>
-        </p:spPr>
-      </p:cxnSp>
-      <p:cxnSp>
-        <p:nvCxnSpPr>
-          <p:cNvPr id="542" name="Google Shape;542;p17"/>
-          <p:cNvCxnSpPr/>
-          <p:nvPr>
-            <p:custDataLst>
-              <p:tags r:id="rId79"/>
-            </p:custDataLst>
-          </p:nvPr>
-        </p:nvCxnSpPr>
-        <p:spPr>
-          <a:xfrm rot="10800000" flipH="1">
-            <a:off x="2296790" y="3069555"/>
-            <a:ext cx="0" cy="310243"/>
-          </a:xfrm>
-          <a:prstGeom prst="straightConnector1">
-            <a:avLst/>
-          </a:prstGeom>
-          <a:noFill/>
-          <a:ln w="28575" cap="flat" cmpd="sng">
-            <a:solidFill>
-              <a:schemeClr val="accent1"/>
-            </a:solidFill>
-            <a:prstDash val="solid"/>
-            <a:miter lim="800000"/>
-            <a:headEnd type="none" w="sm" len="sm"/>
-            <a:tailEnd type="triangle" w="med" len="med"/>
-          </a:ln>
-        </p:spPr>
-      </p:cxnSp>
-      <p:sp>
-        <p:nvSpPr>
-          <p:cNvPr id="543" name="Google Shape;543;p17"/>
-          <p:cNvSpPr/>
-          <p:nvPr>
-            <p:custDataLst>
-              <p:tags r:id="rId80"/>
-            </p:custDataLst>
-          </p:nvPr>
-        </p:nvSpPr>
-        <p:spPr>
-          <a:xfrm>
-            <a:off x="1793796" y="4120589"/>
-            <a:ext cx="1051034" cy="1051034"/>
-          </a:xfrm>
-          <a:prstGeom prst="ellipse">
-            <a:avLst/>
-          </a:prstGeom>
-          <a:solidFill>
-            <a:schemeClr val="lt1"/>
-          </a:solidFill>
-          <a:ln w="12700" cap="flat" cmpd="sng">
-            <a:solidFill>
-              <a:schemeClr val="accent6"/>
-            </a:solidFill>
-            <a:prstDash val="solid"/>
-            <a:miter lim="800000"/>
-            <a:headEnd type="none" w="sm" len="sm"/>
-            <a:tailEnd type="none" w="sm" len="sm"/>
-          </a:ln>
-        </p:spPr>
-        <p:txBody>
-          <a:bodyPr spcFirstLastPara="1" wrap="square" lIns="91425" tIns="45700" rIns="91425" bIns="45700" anchor="ctr" anchorCtr="0">
-            <a:noAutofit/>
-          </a:bodyPr>
-          <a:lstStyle/>
-          <a:p>
-            <a:pPr marL="0" marR="0" lvl="0" indent="0" algn="ctr" rtl="0">
-              <a:spcBef>
-                <a:spcPct val="0"/>
-              </a:spcBef>
-              <a:spcAft>
-                <a:spcPct val="0"/>
-              </a:spcAft>
-              <a:buNone/>
-            </a:pPr>
-            <a:endParaRPr sz="1800">
-              <a:solidFill>
-                <a:schemeClr val="dk1"/>
-              </a:solidFill>
-              <a:latin typeface="Calibri"/>
-              <a:ea typeface="Calibri"/>
-              <a:cs typeface="Calibri"/>
-              <a:sym typeface="Calibri"/>
-            </a:endParaRPr>
-          </a:p>
-        </p:txBody>
-      </p:sp>
-      <p:cxnSp>
-        <p:nvCxnSpPr>
-          <p:cNvPr id="544" name="Google Shape;544;p17"/>
-          <p:cNvCxnSpPr/>
-          <p:nvPr>
-            <p:custDataLst>
-              <p:tags r:id="rId81"/>
-            </p:custDataLst>
-          </p:nvPr>
-        </p:nvCxnSpPr>
-        <p:spPr>
-          <a:xfrm>
-            <a:off x="2322616" y="4652863"/>
-            <a:ext cx="260701" cy="222031"/>
-          </a:xfrm>
-          <a:prstGeom prst="straightConnector1">
-            <a:avLst/>
-          </a:prstGeom>
-          <a:noFill/>
-          <a:ln w="9525" cap="flat" cmpd="sng">
-            <a:solidFill>
-              <a:schemeClr val="accent1"/>
-            </a:solidFill>
-            <a:prstDash val="solid"/>
-            <a:miter lim="800000"/>
-            <a:headEnd type="none" w="sm" len="sm"/>
-            <a:tailEnd type="triangle" w="med" len="med"/>
-          </a:ln>
-        </p:spPr>
-      </p:cxnSp>
-      <p:cxnSp>
-        <p:nvCxnSpPr>
-          <p:cNvPr id="545" name="Google Shape;545;p17"/>
-          <p:cNvCxnSpPr/>
-          <p:nvPr>
-            <p:custDataLst>
-              <p:tags r:id="rId82"/>
-            </p:custDataLst>
-          </p:nvPr>
-        </p:nvCxnSpPr>
-        <p:spPr>
-          <a:xfrm rot="10800000" flipH="1">
-            <a:off x="2331324" y="4342620"/>
-            <a:ext cx="0" cy="310243"/>
-          </a:xfrm>
-          <a:prstGeom prst="straightConnector1">
-            <a:avLst/>
-          </a:prstGeom>
-          <a:noFill/>
-          <a:ln w="28575" cap="flat" cmpd="sng">
-            <a:solidFill>
-              <a:schemeClr val="accent1"/>
-            </a:solidFill>
-            <a:prstDash val="solid"/>
-            <a:miter lim="800000"/>
-            <a:headEnd type="none" w="sm" len="sm"/>
-            <a:tailEnd type="triangle" w="med" len="med"/>
-          </a:ln>
-        </p:spPr>
-      </p:cxnSp>
-      <p:sp>
-        <p:nvSpPr>
-          <p:cNvPr id="546" name="Google Shape;546;p17"/>
-          <p:cNvSpPr/>
-          <p:nvPr>
-            <p:custDataLst>
-              <p:tags r:id="rId83"/>
-            </p:custDataLst>
-          </p:nvPr>
-        </p:nvSpPr>
-        <p:spPr>
-          <a:xfrm>
-            <a:off x="1793796" y="5393654"/>
-            <a:ext cx="1051034" cy="1051034"/>
-          </a:xfrm>
-          <a:prstGeom prst="ellipse">
-            <a:avLst/>
-          </a:prstGeom>
-          <a:solidFill>
-            <a:schemeClr val="lt1"/>
-          </a:solidFill>
-          <a:ln w="12700" cap="flat" cmpd="sng">
-            <a:solidFill>
-              <a:schemeClr val="accent6"/>
-            </a:solidFill>
-            <a:prstDash val="solid"/>
-            <a:miter lim="800000"/>
-            <a:headEnd type="none" w="sm" len="sm"/>
-            <a:tailEnd type="none" w="sm" len="sm"/>
-          </a:ln>
-        </p:spPr>
-        <p:txBody>
-          <a:bodyPr spcFirstLastPara="1" wrap="square" lIns="91425" tIns="45700" rIns="91425" bIns="45700" anchor="ctr" anchorCtr="0">
-            <a:noAutofit/>
-          </a:bodyPr>
-          <a:lstStyle/>
-          <a:p>
-            <a:pPr marL="0" marR="0" lvl="0" indent="0" algn="ctr" rtl="0">
-              <a:spcBef>
-                <a:spcPct val="0"/>
-              </a:spcBef>
-              <a:spcAft>
-                <a:spcPct val="0"/>
-              </a:spcAft>
-              <a:buNone/>
-            </a:pPr>
-            <a:endParaRPr sz="1800">
-              <a:solidFill>
-                <a:schemeClr val="dk1"/>
-              </a:solidFill>
-              <a:latin typeface="Calibri"/>
-              <a:ea typeface="Calibri"/>
-              <a:cs typeface="Calibri"/>
-              <a:sym typeface="Calibri"/>
-            </a:endParaRPr>
-          </a:p>
-        </p:txBody>
-      </p:sp>
-      <p:cxnSp>
-        <p:nvCxnSpPr>
-          <p:cNvPr id="547" name="Google Shape;547;p17"/>
-          <p:cNvCxnSpPr/>
-          <p:nvPr>
-            <p:custDataLst>
-              <p:tags r:id="rId84"/>
-            </p:custDataLst>
-          </p:nvPr>
-        </p:nvCxnSpPr>
-        <p:spPr>
-          <a:xfrm rot="10800000" flipH="1">
-            <a:off x="2322616" y="5676645"/>
-            <a:ext cx="201386" cy="249283"/>
-          </a:xfrm>
-          <a:prstGeom prst="straightConnector1">
-            <a:avLst/>
-          </a:prstGeom>
-          <a:noFill/>
-          <a:ln w="9525" cap="flat" cmpd="sng">
-            <a:solidFill>
-              <a:schemeClr val="accent1"/>
-            </a:solidFill>
-            <a:prstDash val="solid"/>
-            <a:miter lim="800000"/>
-            <a:headEnd type="none" w="sm" len="sm"/>
-            <a:tailEnd type="triangle" w="med" len="med"/>
-          </a:ln>
-        </p:spPr>
-      </p:cxnSp>
-      <p:cxnSp>
-        <p:nvCxnSpPr>
-          <p:cNvPr id="548" name="Google Shape;548;p17"/>
-          <p:cNvCxnSpPr/>
-          <p:nvPr>
-            <p:custDataLst>
-              <p:tags r:id="rId85"/>
-            </p:custDataLst>
-          </p:nvPr>
-        </p:nvCxnSpPr>
-        <p:spPr>
-          <a:xfrm rot="10800000" flipH="1">
-            <a:off x="2331324" y="5615685"/>
-            <a:ext cx="0" cy="310243"/>
-          </a:xfrm>
-          <a:prstGeom prst="straightConnector1">
-            <a:avLst/>
-          </a:prstGeom>
-          <a:noFill/>
-          <a:ln w="28575" cap="flat" cmpd="sng">
-            <a:solidFill>
-              <a:schemeClr val="accent1"/>
-            </a:solidFill>
-            <a:prstDash val="solid"/>
-            <a:miter lim="800000"/>
-            <a:headEnd type="none" w="sm" len="sm"/>
-            <a:tailEnd type="triangle" w="med" len="med"/>
-          </a:ln>
-        </p:spPr>
-      </p:cxnSp>
-      <p:sp>
-        <p:nvSpPr>
-          <p:cNvPr id="549" name="Google Shape;549;p17"/>
-          <p:cNvSpPr txBox="1"/>
-          <p:nvPr>
-            <p:custDataLst>
-              <p:tags r:id="rId86"/>
-            </p:custDataLst>
-          </p:nvPr>
-        </p:nvSpPr>
-        <p:spPr>
-          <a:xfrm>
-            <a:off x="162928" y="1770053"/>
-            <a:ext cx="1491916" cy="640040"/>
-          </a:xfrm>
-          <a:prstGeom prst="rect">
-            <a:avLst/>
-          </a:prstGeom>
-          <a:noFill/>
-          <a:ln>
-            <a:noFill/>
-          </a:ln>
-        </p:spPr>
-        <p:txBody>
-          <a:bodyPr spcFirstLastPara="1" wrap="square" lIns="91425" tIns="45700" rIns="91425" bIns="45700" anchor="t" anchorCtr="0">
-            <a:spAutoFit/>
-          </a:bodyPr>
-          <a:lstStyle/>
-          <a:p>
-            <a:pPr marL="0" marR="0" lvl="0" indent="0" algn="l" rtl="0">
-              <a:spcBef>
-                <a:spcPct val="0"/>
-              </a:spcBef>
-              <a:spcAft>
-                <a:spcPct val="0"/>
-              </a:spcAft>
-              <a:buNone/>
-            </a:pPr>
-            <a:r>
-              <a:rPr sz="1800">
-                <a:latin typeface="Calibri"/>
-                <a:ea typeface="Calibri"/>
-                <a:cs typeface="Calibri"/>
-                <a:sym typeface="Calibri"/>
-              </a:rPr>
-              <a:t>Неточная</a:t>
-            </a:r>
-            <a:endParaRPr/>
-          </a:p>
-          <a:p>
-            <a:pPr marL="0" marR="0" lvl="0" indent="0" algn="l" rtl="0">
-              <a:spcBef>
-                <a:spcPct val="0"/>
-              </a:spcBef>
-              <a:spcAft>
-                <a:spcPct val="0"/>
-              </a:spcAft>
-              <a:buNone/>
-            </a:pPr>
-            <a:r>
-              <a:rPr sz="1800">
-                <a:latin typeface="Calibri"/>
-                <a:ea typeface="Calibri"/>
-                <a:cs typeface="Calibri"/>
-                <a:sym typeface="Calibri"/>
-              </a:rPr>
-              <a:t>Не точный</a:t>
-            </a:r>
-            <a:endParaRPr/>
-          </a:p>
-        </p:txBody>
-      </p:sp>
-      <p:sp>
-        <p:nvSpPr>
-          <p:cNvPr id="550" name="Google Shape;550;p17"/>
-          <p:cNvSpPr txBox="1"/>
-          <p:nvPr>
-            <p:custDataLst>
-              <p:tags r:id="rId87"/>
-            </p:custDataLst>
-          </p:nvPr>
-        </p:nvSpPr>
-        <p:spPr>
-          <a:xfrm>
-            <a:off x="160747" y="3020103"/>
-            <a:ext cx="1491916" cy="640040"/>
-          </a:xfrm>
-          <a:prstGeom prst="rect">
-            <a:avLst/>
-          </a:prstGeom>
-          <a:noFill/>
-          <a:ln>
-            <a:noFill/>
-          </a:ln>
-        </p:spPr>
-        <p:txBody>
-          <a:bodyPr spcFirstLastPara="1" wrap="square" lIns="91425" tIns="45700" rIns="91425" bIns="45700" anchor="t" anchorCtr="0">
-            <a:spAutoFit/>
-          </a:bodyPr>
-          <a:lstStyle/>
-          <a:p>
-            <a:pPr marL="0" marR="0" lvl="0" indent="0" algn="l" rtl="0">
-              <a:spcBef>
-                <a:spcPct val="0"/>
-              </a:spcBef>
-              <a:spcAft>
-                <a:spcPct val="0"/>
-              </a:spcAft>
-              <a:buNone/>
-            </a:pPr>
-            <a:r>
-              <a:rPr sz="1800">
-                <a:latin typeface="Calibri"/>
-                <a:ea typeface="Calibri"/>
-                <a:cs typeface="Calibri"/>
-                <a:sym typeface="Calibri"/>
-              </a:rPr>
-              <a:t>Точно</a:t>
-            </a:r>
-            <a:endParaRPr/>
-          </a:p>
-          <a:p>
-            <a:pPr marL="0" marR="0" lvl="0" indent="0" algn="l" rtl="0">
-              <a:spcBef>
-                <a:spcPct val="0"/>
-              </a:spcBef>
-              <a:spcAft>
-                <a:spcPct val="0"/>
-              </a:spcAft>
-              <a:buNone/>
-            </a:pPr>
-            <a:r>
-              <a:rPr sz="1800">
-                <a:latin typeface="Calibri"/>
-                <a:ea typeface="Calibri"/>
-                <a:cs typeface="Calibri"/>
-                <a:sym typeface="Calibri"/>
-              </a:rPr>
-              <a:t>Не точный</a:t>
-            </a:r>
-            <a:endParaRPr/>
-          </a:p>
-        </p:txBody>
-      </p:sp>
-      <p:sp>
-        <p:nvSpPr>
-          <p:cNvPr id="551" name="Google Shape;551;p17"/>
-          <p:cNvSpPr txBox="1"/>
-          <p:nvPr>
-            <p:custDataLst>
-              <p:tags r:id="rId88"/>
-            </p:custDataLst>
-          </p:nvPr>
-        </p:nvSpPr>
-        <p:spPr>
-          <a:xfrm>
-            <a:off x="160747" y="4390309"/>
-            <a:ext cx="1491916" cy="640040"/>
-          </a:xfrm>
-          <a:prstGeom prst="rect">
-            <a:avLst/>
-          </a:prstGeom>
-          <a:noFill/>
-          <a:ln>
-            <a:noFill/>
-          </a:ln>
-        </p:spPr>
-        <p:txBody>
-          <a:bodyPr spcFirstLastPara="1" wrap="square" lIns="91425" tIns="45700" rIns="91425" bIns="45700" anchor="t" anchorCtr="0">
-            <a:spAutoFit/>
-          </a:bodyPr>
-          <a:lstStyle/>
-          <a:p>
-            <a:pPr marL="0" marR="0" lvl="0" indent="0" algn="l" rtl="0">
-              <a:spcBef>
-                <a:spcPct val="0"/>
-              </a:spcBef>
-              <a:spcAft>
-                <a:spcPct val="0"/>
-              </a:spcAft>
-              <a:buNone/>
-            </a:pPr>
-            <a:r>
-              <a:rPr sz="1800">
-                <a:latin typeface="Calibri"/>
-                <a:ea typeface="Calibri"/>
-                <a:cs typeface="Calibri"/>
-                <a:sym typeface="Calibri"/>
-              </a:rPr>
-              <a:t>Неточная</a:t>
-            </a:r>
-            <a:endParaRPr/>
-          </a:p>
-          <a:p>
-            <a:pPr marL="0" marR="0" lvl="0" indent="0" algn="l" rtl="0">
-              <a:spcBef>
-                <a:spcPct val="0"/>
-              </a:spcBef>
-              <a:spcAft>
-                <a:spcPct val="0"/>
-              </a:spcAft>
-              <a:buNone/>
-            </a:pPr>
-            <a:r>
-              <a:rPr sz="1800">
-                <a:latin typeface="Calibri"/>
-                <a:ea typeface="Calibri"/>
-                <a:cs typeface="Calibri"/>
-                <a:sym typeface="Calibri"/>
-              </a:rPr>
-              <a:t>Точно</a:t>
-            </a:r>
-            <a:endParaRPr/>
-          </a:p>
-        </p:txBody>
-      </p:sp>
-      <p:sp>
-        <p:nvSpPr>
-          <p:cNvPr id="552" name="Google Shape;552;p17"/>
-          <p:cNvSpPr txBox="1"/>
-          <p:nvPr>
-            <p:custDataLst>
-              <p:tags r:id="rId89"/>
-            </p:custDataLst>
-          </p:nvPr>
-        </p:nvSpPr>
-        <p:spPr>
-          <a:xfrm>
-            <a:off x="163838" y="5589248"/>
-            <a:ext cx="1491916" cy="640040"/>
-          </a:xfrm>
-          <a:prstGeom prst="rect">
-            <a:avLst/>
-          </a:prstGeom>
-          <a:noFill/>
-          <a:ln>
-            <a:noFill/>
-          </a:ln>
-        </p:spPr>
-        <p:txBody>
-          <a:bodyPr spcFirstLastPara="1" wrap="square" lIns="91425" tIns="45700" rIns="91425" bIns="45700" anchor="t" anchorCtr="0">
-            <a:spAutoFit/>
-          </a:bodyPr>
-          <a:lstStyle/>
-          <a:p>
-            <a:pPr marL="0" marR="0" lvl="0" indent="0" algn="l" rtl="0">
-              <a:spcBef>
-                <a:spcPct val="0"/>
-              </a:spcBef>
-              <a:spcAft>
-                <a:spcPct val="0"/>
-              </a:spcAft>
-              <a:buNone/>
-            </a:pPr>
-            <a:r>
-              <a:rPr sz="1800">
-                <a:latin typeface="Calibri"/>
-                <a:ea typeface="Calibri"/>
-                <a:cs typeface="Calibri"/>
-                <a:sym typeface="Calibri"/>
-              </a:rPr>
-              <a:t>Точно</a:t>
-            </a:r>
-            <a:endParaRPr/>
-          </a:p>
-          <a:p>
-            <a:pPr marL="0" marR="0" lvl="0" indent="0" algn="l" rtl="0">
-              <a:spcBef>
-                <a:spcPct val="0"/>
-              </a:spcBef>
-              <a:spcAft>
-                <a:spcPct val="0"/>
-              </a:spcAft>
-              <a:buNone/>
-            </a:pPr>
-            <a:r>
-              <a:rPr sz="1800">
-                <a:latin typeface="Calibri"/>
-                <a:ea typeface="Calibri"/>
-                <a:cs typeface="Calibri"/>
-                <a:sym typeface="Calibri"/>
-              </a:rPr>
-              <a:t>Точно</a:t>
-            </a:r>
-            <a:endParaRPr/>
-          </a:p>
-        </p:txBody>
-      </p:sp>
-      <p:sp>
-        <p:nvSpPr>
-          <p:cNvPr id="553" name="Google Shape;553;p17"/>
-          <p:cNvSpPr txBox="1"/>
-          <p:nvPr>
-            <p:custDataLst>
-              <p:tags r:id="rId90"/>
-            </p:custDataLst>
-          </p:nvPr>
-        </p:nvSpPr>
-        <p:spPr>
-          <a:xfrm>
-            <a:off x="10557642" y="983224"/>
-            <a:ext cx="1271475" cy="365720"/>
-          </a:xfrm>
-          <a:prstGeom prst="rect">
-            <a:avLst/>
-          </a:prstGeom>
-          <a:noFill/>
-          <a:ln>
-            <a:noFill/>
-          </a:ln>
-        </p:spPr>
-        <p:txBody>
-          <a:bodyPr spcFirstLastPara="1" wrap="square" lIns="91425" tIns="45700" rIns="91425" bIns="45700" anchor="t" anchorCtr="0">
-            <a:spAutoFit/>
-          </a:bodyPr>
-          <a:lstStyle/>
-          <a:p>
-            <a:pPr marL="0" marR="0" lvl="0" indent="0" algn="l" rtl="0">
-              <a:spcBef>
-                <a:spcPct val="0"/>
-              </a:spcBef>
-              <a:spcAft>
-                <a:spcPct val="0"/>
-              </a:spcAft>
-              <a:buNone/>
-            </a:pPr>
-            <a:r>
-              <a:rPr sz="1800">
-                <a:latin typeface="Calibri"/>
-                <a:ea typeface="Calibri"/>
-                <a:cs typeface="Calibri"/>
-                <a:sym typeface="Calibri"/>
-              </a:rPr>
-              <a:t>Ссылка</a:t>
-            </a:r>
-            <a:endParaRPr/>
-          </a:p>
-        </p:txBody>
-      </p:sp>
-      <p:sp>
-        <p:nvSpPr>
-          <p:cNvPr id="554" name="Google Shape;554;p17"/>
-          <p:cNvSpPr/>
-          <p:nvPr>
-            <p:custDataLst>
-              <p:tags r:id="rId91"/>
-            </p:custDataLst>
-          </p:nvPr>
-        </p:nvSpPr>
-        <p:spPr>
-          <a:xfrm>
-            <a:off x="160747" y="2813315"/>
-            <a:ext cx="11745704" cy="1180063"/>
-          </a:xfrm>
-          <a:prstGeom prst="rect">
-            <a:avLst/>
-          </a:prstGeom>
-          <a:noFill/>
-          <a:ln w="28575" cap="flat" cmpd="sng">
-            <a:solidFill>
-              <a:srgbClr val="FF0000"/>
-            </a:solidFill>
-            <a:prstDash val="solid"/>
-            <a:round/>
-            <a:headEnd type="none" w="sm" len="sm"/>
-            <a:tailEnd type="none" w="sm" len="sm"/>
-          </a:ln>
-        </p:spPr>
-        <p:txBody>
-          <a:bodyPr spcFirstLastPara="1" wrap="square" lIns="91425" tIns="45700" rIns="91425" bIns="45700" anchor="ctr" anchorCtr="0">
-            <a:noAutofit/>
-          </a:bodyPr>
-          <a:lstStyle/>
-          <a:p>
-            <a:pPr marL="0" marR="0" lvl="0" indent="0" algn="ctr" rtl="0">
-              <a:spcBef>
-                <a:spcPct val="0"/>
-              </a:spcBef>
-              <a:spcAft>
-                <a:spcPct val="0"/>
-              </a:spcAft>
-              <a:buNone/>
-            </a:pPr>
-            <a:endParaRPr sz="1800">
-              <a:solidFill>
-                <a:schemeClr val="accent2"/>
-              </a:solidFill>
-              <a:latin typeface="Calibri"/>
-              <a:ea typeface="Calibri"/>
-              <a:cs typeface="Calibri"/>
-              <a:sym typeface="Calibri"/>
-            </a:endParaRPr>
-          </a:p>
-        </p:txBody>
-      </p:sp>
-    </p:spTree>
-  </p:cSld>
-  <p:clrMapOvr>
-    <a:masterClrMapping/>
-  </p:clrMapOvr>
-  <p:transition/>
-</p:sld>
-</file>
-
-<file path=ppt/slides/slide16.xml><?xml version="1.0" encoding="utf-8"?>
-<p:sld xmlns:a="http://schemas.openxmlformats.org/drawingml/2006/main" xmlns:r="http://schemas.openxmlformats.org/officeDocument/2006/relationships" xmlns:p="http://schemas.openxmlformats.org/presentationml/2006/main">
-  <p:cSld>
-    <p:spTree>
-      <p:nvGrpSpPr>
         <p:cNvPr id="1" name="Shape 558"/>
         <p:cNvGrpSpPr/>
         <p:nvPr/>
@@ -20700,7 +16694,7 @@
 </p:sld>
 </file>
 
-<file path=ppt/slides/slide17.xml><?xml version="1.0" encoding="utf-8"?>
+<file path=ppt/slides/slide16.xml><?xml version="1.0" encoding="utf-8"?>
 <p:sld xmlns:a="http://schemas.openxmlformats.org/drawingml/2006/main" xmlns:r="http://schemas.openxmlformats.org/officeDocument/2006/relationships" xmlns:p="http://schemas.openxmlformats.org/presentationml/2006/main">
   <p:cSld>
     <p:spTree>
@@ -22764,7 +18758,7 @@
 </p:sld>
 </file>
 
-<file path=ppt/slides/slide18.xml><?xml version="1.0" encoding="utf-8"?>
+<file path=ppt/slides/slide17.xml><?xml version="1.0" encoding="utf-8"?>
 <p:sld xmlns:a="http://schemas.openxmlformats.org/drawingml/2006/main" xmlns:r="http://schemas.openxmlformats.org/officeDocument/2006/relationships" xmlns:p="http://schemas.openxmlformats.org/presentationml/2006/main">
   <p:cSld>
     <p:spTree>
@@ -22881,15 +18875,33 @@
               <a:buNone/>
             </a:pPr>
             <a:r>
-              <a:rPr sz="1800">
+              <a:rPr sz="1800" dirty="0" err="1">
                 <a:latin typeface="Calibri"/>
                 <a:ea typeface="Calibri"/>
                 <a:cs typeface="Calibri"/>
                 <a:sym typeface="Calibri"/>
               </a:rPr>
-              <a:t>Сервер времени</a:t>
-            </a:r>
-            <a:endParaRPr/>
+              <a:t>Сервер</a:t>
+            </a:r>
+            <a:r>
+              <a:rPr sz="1800" dirty="0">
+                <a:latin typeface="Calibri"/>
+                <a:ea typeface="Calibri"/>
+                <a:cs typeface="Calibri"/>
+                <a:sym typeface="Calibri"/>
+              </a:rPr>
+              <a:t> </a:t>
+            </a:r>
+            <a:r>
+              <a:rPr sz="1800" dirty="0" err="1">
+                <a:latin typeface="Calibri"/>
+                <a:ea typeface="Calibri"/>
+                <a:cs typeface="Calibri"/>
+                <a:sym typeface="Calibri"/>
+              </a:rPr>
+              <a:t>времени</a:t>
+            </a:r>
+            <a:endParaRPr dirty="0"/>
           </a:p>
         </p:txBody>
       </p:sp>
@@ -25202,7 +21214,7 @@
 </p:sld>
 </file>
 
-<file path=ppt/slides/slide19.xml><?xml version="1.0" encoding="utf-8"?>
+<file path=ppt/slides/slide18.xml><?xml version="1.0" encoding="utf-8"?>
 <p:sld xmlns:a="http://schemas.openxmlformats.org/drawingml/2006/main" xmlns:r="http://schemas.openxmlformats.org/officeDocument/2006/relationships" xmlns:p="http://schemas.openxmlformats.org/presentationml/2006/main">
   <p:cSld>
     <p:spTree>
@@ -25306,6 +21318,119 @@
           </a:ln>
         </p:spPr>
       </p:pic>
+    </p:spTree>
+  </p:cSld>
+  <p:clrMapOvr>
+    <a:masterClrMapping/>
+  </p:clrMapOvr>
+  <p:transition/>
+</p:sld>
+</file>
+
+<file path=ppt/slides/slide19.xml><?xml version="1.0" encoding="utf-8"?>
+<p:sld xmlns:a="http://schemas.openxmlformats.org/drawingml/2006/main" xmlns:r="http://schemas.openxmlformats.org/officeDocument/2006/relationships" xmlns:p="http://schemas.openxmlformats.org/presentationml/2006/main">
+  <p:cSld>
+    <p:spTree>
+      <p:nvGrpSpPr>
+        <p:cNvPr id="1" name="Shape 678"/>
+        <p:cNvGrpSpPr/>
+        <p:nvPr/>
+      </p:nvGrpSpPr>
+      <p:grpSpPr>
+        <a:xfrm>
+          <a:off x="0" y="0"/>
+          <a:ext cx="0" cy="0"/>
+          <a:chOff x="0" y="0"/>
+          <a:chExt cx="0" cy="0"/>
+        </a:xfrm>
+      </p:grpSpPr>
+      <p:pic>
+        <p:nvPicPr>
+          <p:cNvPr id="679" name="Google Shape;679;p22"/>
+          <p:cNvPicPr preferRelativeResize="0"/>
+          <p:nvPr>
+            <p:custDataLst>
+              <p:tags r:id="rId1"/>
+            </p:custDataLst>
+          </p:nvPr>
+        </p:nvPicPr>
+        <p:blipFill>
+          <a:blip r:embed="rId5">
+            <a:alphaModFix/>
+          </a:blip>
+          <a:stretch>
+            <a:fillRect/>
+          </a:stretch>
+        </p:blipFill>
+        <p:spPr>
+          <a:xfrm>
+            <a:off x="4626276" y="1031189"/>
+            <a:ext cx="4513477" cy="5461686"/>
+          </a:xfrm>
+          <a:prstGeom prst="rect">
+            <a:avLst/>
+          </a:prstGeom>
+          <a:noFill/>
+          <a:ln>
+            <a:noFill/>
+          </a:ln>
+        </p:spPr>
+      </p:pic>
+      <p:sp>
+        <p:nvSpPr>
+          <p:cNvPr id="680" name="Google Shape;680;p22"/>
+          <p:cNvSpPr txBox="1">
+            <a:spLocks noGrp="1"/>
+          </p:cNvSpPr>
+          <p:nvPr>
+            <p:ph type="title"/>
+            <p:custDataLst>
+              <p:tags r:id="rId2"/>
+            </p:custDataLst>
+          </p:nvPr>
+        </p:nvSpPr>
+        <p:spPr>
+          <a:xfrm>
+            <a:off x="838200" y="365125"/>
+            <a:ext cx="10515600" cy="1325563"/>
+          </a:xfrm>
+          <a:prstGeom prst="rect">
+            <a:avLst/>
+          </a:prstGeom>
+          <a:noFill/>
+          <a:ln>
+            <a:noFill/>
+          </a:ln>
+        </p:spPr>
+        <p:txBody>
+          <a:bodyPr spcFirstLastPara="1" wrap="square" lIns="91425" tIns="45700" rIns="91425" bIns="45700" anchor="ctr" anchorCtr="0">
+            <a:normAutofit/>
+          </a:bodyPr>
+          <a:lstStyle/>
+          <a:p>
+            <a:pPr marL="0" lvl="0" indent="0" algn="l" rtl="0">
+              <a:lnSpc>
+                <a:spcPct val="90000"/>
+              </a:lnSpc>
+              <a:spcBef>
+                <a:spcPct val="0"/>
+              </a:spcBef>
+              <a:spcAft>
+                <a:spcPct val="0"/>
+              </a:spcAft>
+              <a:buClr>
+                <a:schemeClr val="dk1"/>
+              </a:buClr>
+              <a:buSzPts val="4400"/>
+              <a:buFont typeface="Calibri"/>
+              <a:buNone/>
+            </a:pPr>
+            <a:r>
+              <a:t>Сценарии точности</a:t>
+            </a:r>
+          </a:p>
+        </p:txBody>
+      </p:sp>
     </p:spTree>
   </p:cSld>
   <p:clrMapOvr>
@@ -25799,119 +21924,6 @@
   <p:cSld>
     <p:spTree>
       <p:nvGrpSpPr>
-        <p:cNvPr id="1" name="Shape 678"/>
-        <p:cNvGrpSpPr/>
-        <p:nvPr/>
-      </p:nvGrpSpPr>
-      <p:grpSpPr>
-        <a:xfrm>
-          <a:off x="0" y="0"/>
-          <a:ext cx="0" cy="0"/>
-          <a:chOff x="0" y="0"/>
-          <a:chExt cx="0" cy="0"/>
-        </a:xfrm>
-      </p:grpSpPr>
-      <p:pic>
-        <p:nvPicPr>
-          <p:cNvPr id="679" name="Google Shape;679;p22"/>
-          <p:cNvPicPr preferRelativeResize="0"/>
-          <p:nvPr>
-            <p:custDataLst>
-              <p:tags r:id="rId1"/>
-            </p:custDataLst>
-          </p:nvPr>
-        </p:nvPicPr>
-        <p:blipFill>
-          <a:blip r:embed="rId5">
-            <a:alphaModFix/>
-          </a:blip>
-          <a:stretch>
-            <a:fillRect/>
-          </a:stretch>
-        </p:blipFill>
-        <p:spPr>
-          <a:xfrm>
-            <a:off x="4626276" y="1031189"/>
-            <a:ext cx="4513477" cy="5461686"/>
-          </a:xfrm>
-          <a:prstGeom prst="rect">
-            <a:avLst/>
-          </a:prstGeom>
-          <a:noFill/>
-          <a:ln>
-            <a:noFill/>
-          </a:ln>
-        </p:spPr>
-      </p:pic>
-      <p:sp>
-        <p:nvSpPr>
-          <p:cNvPr id="680" name="Google Shape;680;p22"/>
-          <p:cNvSpPr txBox="1">
-            <a:spLocks noGrp="1"/>
-          </p:cNvSpPr>
-          <p:nvPr>
-            <p:ph type="title"/>
-            <p:custDataLst>
-              <p:tags r:id="rId2"/>
-            </p:custDataLst>
-          </p:nvPr>
-        </p:nvSpPr>
-        <p:spPr>
-          <a:xfrm>
-            <a:off x="838200" y="365125"/>
-            <a:ext cx="10515600" cy="1325563"/>
-          </a:xfrm>
-          <a:prstGeom prst="rect">
-            <a:avLst/>
-          </a:prstGeom>
-          <a:noFill/>
-          <a:ln>
-            <a:noFill/>
-          </a:ln>
-        </p:spPr>
-        <p:txBody>
-          <a:bodyPr spcFirstLastPara="1" wrap="square" lIns="91425" tIns="45700" rIns="91425" bIns="45700" anchor="ctr" anchorCtr="0">
-            <a:normAutofit/>
-          </a:bodyPr>
-          <a:lstStyle/>
-          <a:p>
-            <a:pPr marL="0" lvl="0" indent="0" algn="l" rtl="0">
-              <a:lnSpc>
-                <a:spcPct val="90000"/>
-              </a:lnSpc>
-              <a:spcBef>
-                <a:spcPct val="0"/>
-              </a:spcBef>
-              <a:spcAft>
-                <a:spcPct val="0"/>
-              </a:spcAft>
-              <a:buClr>
-                <a:schemeClr val="dk1"/>
-              </a:buClr>
-              <a:buSzPts val="4400"/>
-              <a:buFont typeface="Calibri"/>
-              <a:buNone/>
-            </a:pPr>
-            <a:r>
-              <a:t>Сценарии точности</a:t>
-            </a:r>
-          </a:p>
-        </p:txBody>
-      </p:sp>
-    </p:spTree>
-  </p:cSld>
-  <p:clrMapOvr>
-    <a:masterClrMapping/>
-  </p:clrMapOvr>
-  <p:transition/>
-</p:sld>
-</file>
-
-<file path=ppt/slides/slide21.xml><?xml version="1.0" encoding="utf-8"?>
-<p:sld xmlns:a="http://schemas.openxmlformats.org/drawingml/2006/main" xmlns:r="http://schemas.openxmlformats.org/officeDocument/2006/relationships" xmlns:p="http://schemas.openxmlformats.org/presentationml/2006/main">
-  <p:cSld>
-    <p:spTree>
-      <p:nvGrpSpPr>
         <p:cNvPr id="1" name="Shape 684"/>
         <p:cNvGrpSpPr/>
         <p:nvPr/>
@@ -26020,7 +22032,7 @@
 </p:sld>
 </file>
 
-<file path=ppt/slides/slide22.xml><?xml version="1.0" encoding="utf-8"?>
+<file path=ppt/slides/slide21.xml><?xml version="1.0" encoding="utf-8"?>
 <p:sld xmlns:a="http://schemas.openxmlformats.org/drawingml/2006/main" xmlns:r="http://schemas.openxmlformats.org/officeDocument/2006/relationships" xmlns:p="http://schemas.openxmlformats.org/presentationml/2006/main">
   <p:cSld>
     <p:spTree>
@@ -32668,574 +28680,574 @@
 
 <file path=ppt/tags/tag100.xml><?xml version="1.0" encoding="utf-8"?>
 <p:tagLst xmlns:a="http://schemas.openxmlformats.org/drawingml/2006/main" xmlns:r="http://schemas.openxmlformats.org/officeDocument/2006/relationships" xmlns:p="http://schemas.openxmlformats.org/presentationml/2006/main">
+  <p:tag name="AS_UNIQUEID" val="197"/>
+</p:tagLst>
+</file>
+
+<file path=ppt/tags/tag101.xml><?xml version="1.0" encoding="utf-8"?>
+<p:tagLst xmlns:a="http://schemas.openxmlformats.org/drawingml/2006/main" xmlns:r="http://schemas.openxmlformats.org/officeDocument/2006/relationships" xmlns:p="http://schemas.openxmlformats.org/presentationml/2006/main">
+  <p:tag name="AS_UNIQUEID" val="198"/>
+</p:tagLst>
+</file>
+
+<file path=ppt/tags/tag102.xml><?xml version="1.0" encoding="utf-8"?>
+<p:tagLst xmlns:a="http://schemas.openxmlformats.org/drawingml/2006/main" xmlns:r="http://schemas.openxmlformats.org/officeDocument/2006/relationships" xmlns:p="http://schemas.openxmlformats.org/presentationml/2006/main">
+  <p:tag name="AS_UNIQUEID" val="199"/>
+</p:tagLst>
+</file>
+
+<file path=ppt/tags/tag103.xml><?xml version="1.0" encoding="utf-8"?>
+<p:tagLst xmlns:a="http://schemas.openxmlformats.org/drawingml/2006/main" xmlns:r="http://schemas.openxmlformats.org/officeDocument/2006/relationships" xmlns:p="http://schemas.openxmlformats.org/presentationml/2006/main">
+  <p:tag name="AS_UNIQUEID" val="200"/>
+</p:tagLst>
+</file>
+
+<file path=ppt/tags/tag104.xml><?xml version="1.0" encoding="utf-8"?>
+<p:tagLst xmlns:a="http://schemas.openxmlformats.org/drawingml/2006/main" xmlns:r="http://schemas.openxmlformats.org/officeDocument/2006/relationships" xmlns:p="http://schemas.openxmlformats.org/presentationml/2006/main">
+  <p:tag name="AS_UNIQUEID" val="201"/>
+</p:tagLst>
+</file>
+
+<file path=ppt/tags/tag105.xml><?xml version="1.0" encoding="utf-8"?>
+<p:tagLst xmlns:a="http://schemas.openxmlformats.org/drawingml/2006/main" xmlns:r="http://schemas.openxmlformats.org/officeDocument/2006/relationships" xmlns:p="http://schemas.openxmlformats.org/presentationml/2006/main">
+  <p:tag name="AS_UNIQUEID" val="202"/>
+</p:tagLst>
+</file>
+
+<file path=ppt/tags/tag106.xml><?xml version="1.0" encoding="utf-8"?>
+<p:tagLst xmlns:a="http://schemas.openxmlformats.org/drawingml/2006/main" xmlns:r="http://schemas.openxmlformats.org/officeDocument/2006/relationships" xmlns:p="http://schemas.openxmlformats.org/presentationml/2006/main">
+  <p:tag name="AS_UNIQUEID" val="203"/>
+</p:tagLst>
+</file>
+
+<file path=ppt/tags/tag107.xml><?xml version="1.0" encoding="utf-8"?>
+<p:tagLst xmlns:a="http://schemas.openxmlformats.org/drawingml/2006/main" xmlns:r="http://schemas.openxmlformats.org/officeDocument/2006/relationships" xmlns:p="http://schemas.openxmlformats.org/presentationml/2006/main">
+  <p:tag name="AS_UNIQUEID" val="204"/>
+</p:tagLst>
+</file>
+
+<file path=ppt/tags/tag108.xml><?xml version="1.0" encoding="utf-8"?>
+<p:tagLst xmlns:a="http://schemas.openxmlformats.org/drawingml/2006/main" xmlns:r="http://schemas.openxmlformats.org/officeDocument/2006/relationships" xmlns:p="http://schemas.openxmlformats.org/presentationml/2006/main">
+  <p:tag name="AS_UNIQUEID" val="205"/>
+</p:tagLst>
+</file>
+
+<file path=ppt/tags/tag109.xml><?xml version="1.0" encoding="utf-8"?>
+<p:tagLst xmlns:a="http://schemas.openxmlformats.org/drawingml/2006/main" xmlns:r="http://schemas.openxmlformats.org/officeDocument/2006/relationships" xmlns:p="http://schemas.openxmlformats.org/presentationml/2006/main">
+  <p:tag name="AS_UNIQUEID" val="206"/>
+</p:tagLst>
+</file>
+
+<file path=ppt/tags/tag11.xml><?xml version="1.0" encoding="utf-8"?>
+<p:tagLst xmlns:a="http://schemas.openxmlformats.org/drawingml/2006/main" xmlns:r="http://schemas.openxmlformats.org/officeDocument/2006/relationships" xmlns:p="http://schemas.openxmlformats.org/presentationml/2006/main">
+  <p:tag name="AS_UNIQUEID" val="494"/>
+</p:tagLst>
+</file>
+
+<file path=ppt/tags/tag110.xml><?xml version="1.0" encoding="utf-8"?>
+<p:tagLst xmlns:a="http://schemas.openxmlformats.org/drawingml/2006/main" xmlns:r="http://schemas.openxmlformats.org/officeDocument/2006/relationships" xmlns:p="http://schemas.openxmlformats.org/presentationml/2006/main">
+  <p:tag name="AS_UNIQUEID" val="207"/>
+</p:tagLst>
+</file>
+
+<file path=ppt/tags/tag111.xml><?xml version="1.0" encoding="utf-8"?>
+<p:tagLst xmlns:a="http://schemas.openxmlformats.org/drawingml/2006/main" xmlns:r="http://schemas.openxmlformats.org/officeDocument/2006/relationships" xmlns:p="http://schemas.openxmlformats.org/presentationml/2006/main">
+  <p:tag name="AS_UNIQUEID" val="208"/>
+</p:tagLst>
+</file>
+
+<file path=ppt/tags/tag112.xml><?xml version="1.0" encoding="utf-8"?>
+<p:tagLst xmlns:a="http://schemas.openxmlformats.org/drawingml/2006/main" xmlns:r="http://schemas.openxmlformats.org/officeDocument/2006/relationships" xmlns:p="http://schemas.openxmlformats.org/presentationml/2006/main">
+  <p:tag name="AS_UNIQUEID" val="209"/>
+</p:tagLst>
+</file>
+
+<file path=ppt/tags/tag113.xml><?xml version="1.0" encoding="utf-8"?>
+<p:tagLst xmlns:a="http://schemas.openxmlformats.org/drawingml/2006/main" xmlns:r="http://schemas.openxmlformats.org/officeDocument/2006/relationships" xmlns:p="http://schemas.openxmlformats.org/presentationml/2006/main">
+  <p:tag name="AS_UNIQUEID" val="210"/>
+</p:tagLst>
+</file>
+
+<file path=ppt/tags/tag114.xml><?xml version="1.0" encoding="utf-8"?>
+<p:tagLst xmlns:a="http://schemas.openxmlformats.org/drawingml/2006/main" xmlns:r="http://schemas.openxmlformats.org/officeDocument/2006/relationships" xmlns:p="http://schemas.openxmlformats.org/presentationml/2006/main">
+  <p:tag name="AS_UNIQUEID" val="211"/>
+</p:tagLst>
+</file>
+
+<file path=ppt/tags/tag115.xml><?xml version="1.0" encoding="utf-8"?>
+<p:tagLst xmlns:a="http://schemas.openxmlformats.org/drawingml/2006/main" xmlns:r="http://schemas.openxmlformats.org/officeDocument/2006/relationships" xmlns:p="http://schemas.openxmlformats.org/presentationml/2006/main">
+  <p:tag name="AS_UNIQUEID" val="212"/>
+</p:tagLst>
+</file>
+
+<file path=ppt/tags/tag116.xml><?xml version="1.0" encoding="utf-8"?>
+<p:tagLst xmlns:a="http://schemas.openxmlformats.org/drawingml/2006/main" xmlns:r="http://schemas.openxmlformats.org/officeDocument/2006/relationships" xmlns:p="http://schemas.openxmlformats.org/presentationml/2006/main">
+  <p:tag name="AS_UNIQUEID" val="213"/>
+</p:tagLst>
+</file>
+
+<file path=ppt/tags/tag117.xml><?xml version="1.0" encoding="utf-8"?>
+<p:tagLst xmlns:a="http://schemas.openxmlformats.org/drawingml/2006/main" xmlns:r="http://schemas.openxmlformats.org/officeDocument/2006/relationships" xmlns:p="http://schemas.openxmlformats.org/presentationml/2006/main">
+  <p:tag name="AS_UNIQUEID" val="214"/>
+</p:tagLst>
+</file>
+
+<file path=ppt/tags/tag118.xml><?xml version="1.0" encoding="utf-8"?>
+<p:tagLst xmlns:a="http://schemas.openxmlformats.org/drawingml/2006/main" xmlns:r="http://schemas.openxmlformats.org/officeDocument/2006/relationships" xmlns:p="http://schemas.openxmlformats.org/presentationml/2006/main">
+  <p:tag name="AS_UNIQUEID" val="215"/>
+</p:tagLst>
+</file>
+
+<file path=ppt/tags/tag119.xml><?xml version="1.0" encoding="utf-8"?>
+<p:tagLst xmlns:a="http://schemas.openxmlformats.org/drawingml/2006/main" xmlns:r="http://schemas.openxmlformats.org/officeDocument/2006/relationships" xmlns:p="http://schemas.openxmlformats.org/presentationml/2006/main">
+  <p:tag name="AS_UNIQUEID" val="216"/>
+</p:tagLst>
+</file>
+
+<file path=ppt/tags/tag12.xml><?xml version="1.0" encoding="utf-8"?>
+<p:tagLst xmlns:a="http://schemas.openxmlformats.org/drawingml/2006/main" xmlns:r="http://schemas.openxmlformats.org/officeDocument/2006/relationships" xmlns:p="http://schemas.openxmlformats.org/presentationml/2006/main">
+  <p:tag name="AS_UNIQUEID" val="496"/>
+</p:tagLst>
+</file>
+
+<file path=ppt/tags/tag120.xml><?xml version="1.0" encoding="utf-8"?>
+<p:tagLst xmlns:a="http://schemas.openxmlformats.org/drawingml/2006/main" xmlns:r="http://schemas.openxmlformats.org/officeDocument/2006/relationships" xmlns:p="http://schemas.openxmlformats.org/presentationml/2006/main">
+  <p:tag name="AS_UNIQUEID" val="217"/>
+</p:tagLst>
+</file>
+
+<file path=ppt/tags/tag121.xml><?xml version="1.0" encoding="utf-8"?>
+<p:tagLst xmlns:a="http://schemas.openxmlformats.org/drawingml/2006/main" xmlns:r="http://schemas.openxmlformats.org/officeDocument/2006/relationships" xmlns:p="http://schemas.openxmlformats.org/presentationml/2006/main">
+  <p:tag name="AS_UNIQUEID" val="218"/>
+</p:tagLst>
+</file>
+
+<file path=ppt/tags/tag122.xml><?xml version="1.0" encoding="utf-8"?>
+<p:tagLst xmlns:a="http://schemas.openxmlformats.org/drawingml/2006/main" xmlns:r="http://schemas.openxmlformats.org/officeDocument/2006/relationships" xmlns:p="http://schemas.openxmlformats.org/presentationml/2006/main">
+  <p:tag name="AS_UNIQUEID" val="219"/>
+</p:tagLst>
+</file>
+
+<file path=ppt/tags/tag123.xml><?xml version="1.0" encoding="utf-8"?>
+<p:tagLst xmlns:a="http://schemas.openxmlformats.org/drawingml/2006/main" xmlns:r="http://schemas.openxmlformats.org/officeDocument/2006/relationships" xmlns:p="http://schemas.openxmlformats.org/presentationml/2006/main">
+  <p:tag name="AS_UNIQUEID" val="220"/>
+</p:tagLst>
+</file>
+
+<file path=ppt/tags/tag124.xml><?xml version="1.0" encoding="utf-8"?>
+<p:tagLst xmlns:a="http://schemas.openxmlformats.org/drawingml/2006/main" xmlns:r="http://schemas.openxmlformats.org/officeDocument/2006/relationships" xmlns:p="http://schemas.openxmlformats.org/presentationml/2006/main">
+  <p:tag name="AS_UNIQUEID" val="221"/>
+</p:tagLst>
+</file>
+
+<file path=ppt/tags/tag125.xml><?xml version="1.0" encoding="utf-8"?>
+<p:tagLst xmlns:a="http://schemas.openxmlformats.org/drawingml/2006/main" xmlns:r="http://schemas.openxmlformats.org/officeDocument/2006/relationships" xmlns:p="http://schemas.openxmlformats.org/presentationml/2006/main">
+  <p:tag name="AS_UNIQUEID" val="222"/>
+</p:tagLst>
+</file>
+
+<file path=ppt/tags/tag126.xml><?xml version="1.0" encoding="utf-8"?>
+<p:tagLst xmlns:a="http://schemas.openxmlformats.org/drawingml/2006/main" xmlns:r="http://schemas.openxmlformats.org/officeDocument/2006/relationships" xmlns:p="http://schemas.openxmlformats.org/presentationml/2006/main">
+  <p:tag name="AS_UNIQUEID" val="223"/>
+</p:tagLst>
+</file>
+
+<file path=ppt/tags/tag127.xml><?xml version="1.0" encoding="utf-8"?>
+<p:tagLst xmlns:a="http://schemas.openxmlformats.org/drawingml/2006/main" xmlns:r="http://schemas.openxmlformats.org/officeDocument/2006/relationships" xmlns:p="http://schemas.openxmlformats.org/presentationml/2006/main">
+  <p:tag name="AS_UNIQUEID" val="224"/>
+</p:tagLst>
+</file>
+
+<file path=ppt/tags/tag128.xml><?xml version="1.0" encoding="utf-8"?>
+<p:tagLst xmlns:a="http://schemas.openxmlformats.org/drawingml/2006/main" xmlns:r="http://schemas.openxmlformats.org/officeDocument/2006/relationships" xmlns:p="http://schemas.openxmlformats.org/presentationml/2006/main">
+  <p:tag name="AS_UNIQUEID" val="225"/>
+</p:tagLst>
+</file>
+
+<file path=ppt/tags/tag129.xml><?xml version="1.0" encoding="utf-8"?>
+<p:tagLst xmlns:a="http://schemas.openxmlformats.org/drawingml/2006/main" xmlns:r="http://schemas.openxmlformats.org/officeDocument/2006/relationships" xmlns:p="http://schemas.openxmlformats.org/presentationml/2006/main">
+  <p:tag name="AS_UNIQUEID" val="226"/>
+</p:tagLst>
+</file>
+
+<file path=ppt/tags/tag13.xml><?xml version="1.0" encoding="utf-8"?>
+<p:tagLst xmlns:a="http://schemas.openxmlformats.org/drawingml/2006/main" xmlns:r="http://schemas.openxmlformats.org/officeDocument/2006/relationships" xmlns:p="http://schemas.openxmlformats.org/presentationml/2006/main">
+  <p:tag name="AS_UNIQUEID" val="497"/>
+</p:tagLst>
+</file>
+
+<file path=ppt/tags/tag130.xml><?xml version="1.0" encoding="utf-8"?>
+<p:tagLst xmlns:a="http://schemas.openxmlformats.org/drawingml/2006/main" xmlns:r="http://schemas.openxmlformats.org/officeDocument/2006/relationships" xmlns:p="http://schemas.openxmlformats.org/presentationml/2006/main">
+  <p:tag name="AS_UNIQUEID" val="227"/>
+</p:tagLst>
+</file>
+
+<file path=ppt/tags/tag131.xml><?xml version="1.0" encoding="utf-8"?>
+<p:tagLst xmlns:a="http://schemas.openxmlformats.org/drawingml/2006/main" xmlns:r="http://schemas.openxmlformats.org/officeDocument/2006/relationships" xmlns:p="http://schemas.openxmlformats.org/presentationml/2006/main">
+  <p:tag name="AS_UNIQUEID" val="228"/>
+</p:tagLst>
+</file>
+
+<file path=ppt/tags/tag132.xml><?xml version="1.0" encoding="utf-8"?>
+<p:tagLst xmlns:a="http://schemas.openxmlformats.org/drawingml/2006/main" xmlns:r="http://schemas.openxmlformats.org/officeDocument/2006/relationships" xmlns:p="http://schemas.openxmlformats.org/presentationml/2006/main">
+  <p:tag name="AS_UNIQUEID" val="608"/>
+</p:tagLst>
+</file>
+
+<file path=ppt/tags/tag133.xml><?xml version="1.0" encoding="utf-8"?>
+<p:tagLst xmlns:a="http://schemas.openxmlformats.org/drawingml/2006/main" xmlns:r="http://schemas.openxmlformats.org/officeDocument/2006/relationships" xmlns:p="http://schemas.openxmlformats.org/presentationml/2006/main">
+  <p:tag name="AS_UNIQUEID" val="609"/>
+</p:tagLst>
+</file>
+
+<file path=ppt/tags/tag134.xml><?xml version="1.0" encoding="utf-8"?>
+<p:tagLst xmlns:a="http://schemas.openxmlformats.org/drawingml/2006/main" xmlns:r="http://schemas.openxmlformats.org/officeDocument/2006/relationships" xmlns:p="http://schemas.openxmlformats.org/presentationml/2006/main">
+  <p:tag name="AS_UNIQUEID" val="229"/>
+</p:tagLst>
+</file>
+
+<file path=ppt/tags/tag135.xml><?xml version="1.0" encoding="utf-8"?>
+<p:tagLst xmlns:a="http://schemas.openxmlformats.org/drawingml/2006/main" xmlns:r="http://schemas.openxmlformats.org/officeDocument/2006/relationships" xmlns:p="http://schemas.openxmlformats.org/presentationml/2006/main">
+  <p:tag name="AS_UNIQUEID" val="230"/>
+</p:tagLst>
+</file>
+
+<file path=ppt/tags/tag136.xml><?xml version="1.0" encoding="utf-8"?>
+<p:tagLst xmlns:a="http://schemas.openxmlformats.org/drawingml/2006/main" xmlns:r="http://schemas.openxmlformats.org/officeDocument/2006/relationships" xmlns:p="http://schemas.openxmlformats.org/presentationml/2006/main">
+  <p:tag name="AS_UNIQUEID" val="232"/>
+</p:tagLst>
+</file>
+
+<file path=ppt/tags/tag137.xml><?xml version="1.0" encoding="utf-8"?>
+<p:tagLst xmlns:a="http://schemas.openxmlformats.org/drawingml/2006/main" xmlns:r="http://schemas.openxmlformats.org/officeDocument/2006/relationships" xmlns:p="http://schemas.openxmlformats.org/presentationml/2006/main">
+  <p:tag name="AS_UNIQUEID" val="233"/>
+</p:tagLst>
+</file>
+
+<file path=ppt/tags/tag138.xml><?xml version="1.0" encoding="utf-8"?>
+<p:tagLst xmlns:a="http://schemas.openxmlformats.org/drawingml/2006/main" xmlns:r="http://schemas.openxmlformats.org/officeDocument/2006/relationships" xmlns:p="http://schemas.openxmlformats.org/presentationml/2006/main">
+  <p:tag name="AS_UNIQUEID" val="234"/>
+</p:tagLst>
+</file>
+
+<file path=ppt/tags/tag139.xml><?xml version="1.0" encoding="utf-8"?>
+<p:tagLst xmlns:a="http://schemas.openxmlformats.org/drawingml/2006/main" xmlns:r="http://schemas.openxmlformats.org/officeDocument/2006/relationships" xmlns:p="http://schemas.openxmlformats.org/presentationml/2006/main">
+  <p:tag name="AS_UNIQUEID" val="235"/>
+</p:tagLst>
+</file>
+
+<file path=ppt/tags/tag14.xml><?xml version="1.0" encoding="utf-8"?>
+<p:tagLst xmlns:a="http://schemas.openxmlformats.org/drawingml/2006/main" xmlns:r="http://schemas.openxmlformats.org/officeDocument/2006/relationships" xmlns:p="http://schemas.openxmlformats.org/presentationml/2006/main">
+  <p:tag name="AS_UNIQUEID" val="498"/>
+</p:tagLst>
+</file>
+
+<file path=ppt/tags/tag140.xml><?xml version="1.0" encoding="utf-8"?>
+<p:tagLst xmlns:a="http://schemas.openxmlformats.org/drawingml/2006/main" xmlns:r="http://schemas.openxmlformats.org/officeDocument/2006/relationships" xmlns:p="http://schemas.openxmlformats.org/presentationml/2006/main">
+  <p:tag name="AS_UNIQUEID" val="236"/>
+</p:tagLst>
+</file>
+
+<file path=ppt/tags/tag141.xml><?xml version="1.0" encoding="utf-8"?>
+<p:tagLst xmlns:a="http://schemas.openxmlformats.org/drawingml/2006/main" xmlns:r="http://schemas.openxmlformats.org/officeDocument/2006/relationships" xmlns:p="http://schemas.openxmlformats.org/presentationml/2006/main">
+  <p:tag name="AS_UNIQUEID" val="237"/>
+</p:tagLst>
+</file>
+
+<file path=ppt/tags/tag142.xml><?xml version="1.0" encoding="utf-8"?>
+<p:tagLst xmlns:a="http://schemas.openxmlformats.org/drawingml/2006/main" xmlns:r="http://schemas.openxmlformats.org/officeDocument/2006/relationships" xmlns:p="http://schemas.openxmlformats.org/presentationml/2006/main">
+  <p:tag name="AS_UNIQUEID" val="238"/>
+</p:tagLst>
+</file>
+
+<file path=ppt/tags/tag143.xml><?xml version="1.0" encoding="utf-8"?>
+<p:tagLst xmlns:a="http://schemas.openxmlformats.org/drawingml/2006/main" xmlns:r="http://schemas.openxmlformats.org/officeDocument/2006/relationships" xmlns:p="http://schemas.openxmlformats.org/presentationml/2006/main">
+  <p:tag name="AS_UNIQUEID" val="239"/>
+</p:tagLst>
+</file>
+
+<file path=ppt/tags/tag144.xml><?xml version="1.0" encoding="utf-8"?>
+<p:tagLst xmlns:a="http://schemas.openxmlformats.org/drawingml/2006/main" xmlns:r="http://schemas.openxmlformats.org/officeDocument/2006/relationships" xmlns:p="http://schemas.openxmlformats.org/presentationml/2006/main">
+  <p:tag name="AS_UNIQUEID" val="240"/>
+</p:tagLst>
+</file>
+
+<file path=ppt/tags/tag145.xml><?xml version="1.0" encoding="utf-8"?>
+<p:tagLst xmlns:a="http://schemas.openxmlformats.org/drawingml/2006/main" xmlns:r="http://schemas.openxmlformats.org/officeDocument/2006/relationships" xmlns:p="http://schemas.openxmlformats.org/presentationml/2006/main">
+  <p:tag name="AS_UNIQUEID" val="241"/>
+</p:tagLst>
+</file>
+
+<file path=ppt/tags/tag146.xml><?xml version="1.0" encoding="utf-8"?>
+<p:tagLst xmlns:a="http://schemas.openxmlformats.org/drawingml/2006/main" xmlns:r="http://schemas.openxmlformats.org/officeDocument/2006/relationships" xmlns:p="http://schemas.openxmlformats.org/presentationml/2006/main">
+  <p:tag name="AS_UNIQUEID" val="242"/>
+</p:tagLst>
+</file>
+
+<file path=ppt/tags/tag147.xml><?xml version="1.0" encoding="utf-8"?>
+<p:tagLst xmlns:a="http://schemas.openxmlformats.org/drawingml/2006/main" xmlns:r="http://schemas.openxmlformats.org/officeDocument/2006/relationships" xmlns:p="http://schemas.openxmlformats.org/presentationml/2006/main">
+  <p:tag name="AS_UNIQUEID" val="243"/>
+</p:tagLst>
+</file>
+
+<file path=ppt/tags/tag148.xml><?xml version="1.0" encoding="utf-8"?>
+<p:tagLst xmlns:a="http://schemas.openxmlformats.org/drawingml/2006/main" xmlns:r="http://schemas.openxmlformats.org/officeDocument/2006/relationships" xmlns:p="http://schemas.openxmlformats.org/presentationml/2006/main">
+  <p:tag name="AS_UNIQUEID" val="244"/>
+</p:tagLst>
+</file>
+
+<file path=ppt/tags/tag149.xml><?xml version="1.0" encoding="utf-8"?>
+<p:tagLst xmlns:a="http://schemas.openxmlformats.org/drawingml/2006/main" xmlns:r="http://schemas.openxmlformats.org/officeDocument/2006/relationships" xmlns:p="http://schemas.openxmlformats.org/presentationml/2006/main">
+  <p:tag name="AS_UNIQUEID" val="245"/>
+</p:tagLst>
+</file>
+
+<file path=ppt/tags/tag15.xml><?xml version="1.0" encoding="utf-8"?>
+<p:tagLst xmlns:a="http://schemas.openxmlformats.org/drawingml/2006/main" xmlns:r="http://schemas.openxmlformats.org/officeDocument/2006/relationships" xmlns:p="http://schemas.openxmlformats.org/presentationml/2006/main">
+  <p:tag name="AS_UNIQUEID" val="499"/>
+</p:tagLst>
+</file>
+
+<file path=ppt/tags/tag150.xml><?xml version="1.0" encoding="utf-8"?>
+<p:tagLst xmlns:a="http://schemas.openxmlformats.org/drawingml/2006/main" xmlns:r="http://schemas.openxmlformats.org/officeDocument/2006/relationships" xmlns:p="http://schemas.openxmlformats.org/presentationml/2006/main">
+  <p:tag name="AS_UNIQUEID" val="246"/>
+</p:tagLst>
+</file>
+
+<file path=ppt/tags/tag151.xml><?xml version="1.0" encoding="utf-8"?>
+<p:tagLst xmlns:a="http://schemas.openxmlformats.org/drawingml/2006/main" xmlns:r="http://schemas.openxmlformats.org/officeDocument/2006/relationships" xmlns:p="http://schemas.openxmlformats.org/presentationml/2006/main">
+  <p:tag name="AS_UNIQUEID" val="247"/>
+</p:tagLst>
+</file>
+
+<file path=ppt/tags/tag152.xml><?xml version="1.0" encoding="utf-8"?>
+<p:tagLst xmlns:a="http://schemas.openxmlformats.org/drawingml/2006/main" xmlns:r="http://schemas.openxmlformats.org/officeDocument/2006/relationships" xmlns:p="http://schemas.openxmlformats.org/presentationml/2006/main">
+  <p:tag name="AS_UNIQUEID" val="248"/>
+</p:tagLst>
+</file>
+
+<file path=ppt/tags/tag153.xml><?xml version="1.0" encoding="utf-8"?>
+<p:tagLst xmlns:a="http://schemas.openxmlformats.org/drawingml/2006/main" xmlns:r="http://schemas.openxmlformats.org/officeDocument/2006/relationships" xmlns:p="http://schemas.openxmlformats.org/presentationml/2006/main">
+  <p:tag name="AS_UNIQUEID" val="249"/>
+</p:tagLst>
+</file>
+
+<file path=ppt/tags/tag154.xml><?xml version="1.0" encoding="utf-8"?>
+<p:tagLst xmlns:a="http://schemas.openxmlformats.org/drawingml/2006/main" xmlns:r="http://schemas.openxmlformats.org/officeDocument/2006/relationships" xmlns:p="http://schemas.openxmlformats.org/presentationml/2006/main">
+  <p:tag name="AS_UNIQUEID" val="250"/>
+</p:tagLst>
+</file>
+
+<file path=ppt/tags/tag155.xml><?xml version="1.0" encoding="utf-8"?>
+<p:tagLst xmlns:a="http://schemas.openxmlformats.org/drawingml/2006/main" xmlns:r="http://schemas.openxmlformats.org/officeDocument/2006/relationships" xmlns:p="http://schemas.openxmlformats.org/presentationml/2006/main">
+  <p:tag name="AS_UNIQUEID" val="251"/>
+</p:tagLst>
+</file>
+
+<file path=ppt/tags/tag156.xml><?xml version="1.0" encoding="utf-8"?>
+<p:tagLst xmlns:a="http://schemas.openxmlformats.org/drawingml/2006/main" xmlns:r="http://schemas.openxmlformats.org/officeDocument/2006/relationships" xmlns:p="http://schemas.openxmlformats.org/presentationml/2006/main">
+  <p:tag name="AS_UNIQUEID" val="252"/>
+</p:tagLst>
+</file>
+
+<file path=ppt/tags/tag157.xml><?xml version="1.0" encoding="utf-8"?>
+<p:tagLst xmlns:a="http://schemas.openxmlformats.org/drawingml/2006/main" xmlns:r="http://schemas.openxmlformats.org/officeDocument/2006/relationships" xmlns:p="http://schemas.openxmlformats.org/presentationml/2006/main">
+  <p:tag name="AS_UNIQUEID" val="253"/>
+</p:tagLst>
+</file>
+
+<file path=ppt/tags/tag158.xml><?xml version="1.0" encoding="utf-8"?>
+<p:tagLst xmlns:a="http://schemas.openxmlformats.org/drawingml/2006/main" xmlns:r="http://schemas.openxmlformats.org/officeDocument/2006/relationships" xmlns:p="http://schemas.openxmlformats.org/presentationml/2006/main">
+  <p:tag name="AS_UNIQUEID" val="254"/>
+</p:tagLst>
+</file>
+
+<file path=ppt/tags/tag159.xml><?xml version="1.0" encoding="utf-8"?>
+<p:tagLst xmlns:a="http://schemas.openxmlformats.org/drawingml/2006/main" xmlns:r="http://schemas.openxmlformats.org/officeDocument/2006/relationships" xmlns:p="http://schemas.openxmlformats.org/presentationml/2006/main">
+  <p:tag name="AS_UNIQUEID" val="255"/>
+</p:tagLst>
+</file>
+
+<file path=ppt/tags/tag16.xml><?xml version="1.0" encoding="utf-8"?>
+<p:tagLst xmlns:a="http://schemas.openxmlformats.org/drawingml/2006/main" xmlns:r="http://schemas.openxmlformats.org/officeDocument/2006/relationships" xmlns:p="http://schemas.openxmlformats.org/presentationml/2006/main">
+  <p:tag name="AS_UNIQUEID" val="500"/>
+</p:tagLst>
+</file>
+
+<file path=ppt/tags/tag160.xml><?xml version="1.0" encoding="utf-8"?>
+<p:tagLst xmlns:a="http://schemas.openxmlformats.org/drawingml/2006/main" xmlns:r="http://schemas.openxmlformats.org/officeDocument/2006/relationships" xmlns:p="http://schemas.openxmlformats.org/presentationml/2006/main">
+  <p:tag name="AS_UNIQUEID" val="256"/>
+</p:tagLst>
+</file>
+
+<file path=ppt/tags/tag161.xml><?xml version="1.0" encoding="utf-8"?>
+<p:tagLst xmlns:a="http://schemas.openxmlformats.org/drawingml/2006/main" xmlns:r="http://schemas.openxmlformats.org/officeDocument/2006/relationships" xmlns:p="http://schemas.openxmlformats.org/presentationml/2006/main">
+  <p:tag name="AS_UNIQUEID" val="257"/>
+</p:tagLst>
+</file>
+
+<file path=ppt/tags/tag162.xml><?xml version="1.0" encoding="utf-8"?>
+<p:tagLst xmlns:a="http://schemas.openxmlformats.org/drawingml/2006/main" xmlns:r="http://schemas.openxmlformats.org/officeDocument/2006/relationships" xmlns:p="http://schemas.openxmlformats.org/presentationml/2006/main">
+  <p:tag name="AS_UNIQUEID" val="258"/>
+</p:tagLst>
+</file>
+
+<file path=ppt/tags/tag163.xml><?xml version="1.0" encoding="utf-8"?>
+<p:tagLst xmlns:a="http://schemas.openxmlformats.org/drawingml/2006/main" xmlns:r="http://schemas.openxmlformats.org/officeDocument/2006/relationships" xmlns:p="http://schemas.openxmlformats.org/presentationml/2006/main">
+  <p:tag name="AS_UNIQUEID" val="259"/>
+</p:tagLst>
+</file>
+
+<file path=ppt/tags/tag164.xml><?xml version="1.0" encoding="utf-8"?>
+<p:tagLst xmlns:a="http://schemas.openxmlformats.org/drawingml/2006/main" xmlns:r="http://schemas.openxmlformats.org/officeDocument/2006/relationships" xmlns:p="http://schemas.openxmlformats.org/presentationml/2006/main">
+  <p:tag name="AS_UNIQUEID" val="260"/>
+</p:tagLst>
+</file>
+
+<file path=ppt/tags/tag165.xml><?xml version="1.0" encoding="utf-8"?>
+<p:tagLst xmlns:a="http://schemas.openxmlformats.org/drawingml/2006/main" xmlns:r="http://schemas.openxmlformats.org/officeDocument/2006/relationships" xmlns:p="http://schemas.openxmlformats.org/presentationml/2006/main">
+  <p:tag name="AS_UNIQUEID" val="261"/>
+</p:tagLst>
+</file>
+
+<file path=ppt/tags/tag166.xml><?xml version="1.0" encoding="utf-8"?>
+<p:tagLst xmlns:a="http://schemas.openxmlformats.org/drawingml/2006/main" xmlns:r="http://schemas.openxmlformats.org/officeDocument/2006/relationships" xmlns:p="http://schemas.openxmlformats.org/presentationml/2006/main">
+  <p:tag name="AS_UNIQUEID" val="262"/>
+</p:tagLst>
+</file>
+
+<file path=ppt/tags/tag167.xml><?xml version="1.0" encoding="utf-8"?>
+<p:tagLst xmlns:a="http://schemas.openxmlformats.org/drawingml/2006/main" xmlns:r="http://schemas.openxmlformats.org/officeDocument/2006/relationships" xmlns:p="http://schemas.openxmlformats.org/presentationml/2006/main">
+  <p:tag name="AS_UNIQUEID" val="263"/>
+</p:tagLst>
+</file>
+
+<file path=ppt/tags/tag168.xml><?xml version="1.0" encoding="utf-8"?>
+<p:tagLst xmlns:a="http://schemas.openxmlformats.org/drawingml/2006/main" xmlns:r="http://schemas.openxmlformats.org/officeDocument/2006/relationships" xmlns:p="http://schemas.openxmlformats.org/presentationml/2006/main">
   <p:tag name="AS_UNIQUEID" val="196"/>
 </p:tagLst>
 </file>
 
-<file path=ppt/tags/tag101.xml><?xml version="1.0" encoding="utf-8"?>
-<p:tagLst xmlns:a="http://schemas.openxmlformats.org/drawingml/2006/main" xmlns:r="http://schemas.openxmlformats.org/officeDocument/2006/relationships" xmlns:p="http://schemas.openxmlformats.org/presentationml/2006/main">
-  <p:tag name="AS_UNIQUEID" val="197"/>
-</p:tagLst>
-</file>
-
-<file path=ppt/tags/tag102.xml><?xml version="1.0" encoding="utf-8"?>
-<p:tagLst xmlns:a="http://schemas.openxmlformats.org/drawingml/2006/main" xmlns:r="http://schemas.openxmlformats.org/officeDocument/2006/relationships" xmlns:p="http://schemas.openxmlformats.org/presentationml/2006/main">
-  <p:tag name="AS_UNIQUEID" val="198"/>
-</p:tagLst>
-</file>
-
-<file path=ppt/tags/tag103.xml><?xml version="1.0" encoding="utf-8"?>
-<p:tagLst xmlns:a="http://schemas.openxmlformats.org/drawingml/2006/main" xmlns:r="http://schemas.openxmlformats.org/officeDocument/2006/relationships" xmlns:p="http://schemas.openxmlformats.org/presentationml/2006/main">
-  <p:tag name="AS_UNIQUEID" val="199"/>
-</p:tagLst>
-</file>
-
-<file path=ppt/tags/tag104.xml><?xml version="1.0" encoding="utf-8"?>
-<p:tagLst xmlns:a="http://schemas.openxmlformats.org/drawingml/2006/main" xmlns:r="http://schemas.openxmlformats.org/officeDocument/2006/relationships" xmlns:p="http://schemas.openxmlformats.org/presentationml/2006/main">
-  <p:tag name="AS_UNIQUEID" val="200"/>
-</p:tagLst>
-</file>
-
-<file path=ppt/tags/tag105.xml><?xml version="1.0" encoding="utf-8"?>
-<p:tagLst xmlns:a="http://schemas.openxmlformats.org/drawingml/2006/main" xmlns:r="http://schemas.openxmlformats.org/officeDocument/2006/relationships" xmlns:p="http://schemas.openxmlformats.org/presentationml/2006/main">
-  <p:tag name="AS_UNIQUEID" val="201"/>
-</p:tagLst>
-</file>
-
-<file path=ppt/tags/tag106.xml><?xml version="1.0" encoding="utf-8"?>
-<p:tagLst xmlns:a="http://schemas.openxmlformats.org/drawingml/2006/main" xmlns:r="http://schemas.openxmlformats.org/officeDocument/2006/relationships" xmlns:p="http://schemas.openxmlformats.org/presentationml/2006/main">
-  <p:tag name="AS_UNIQUEID" val="202"/>
-</p:tagLst>
-</file>
-
-<file path=ppt/tags/tag107.xml><?xml version="1.0" encoding="utf-8"?>
-<p:tagLst xmlns:a="http://schemas.openxmlformats.org/drawingml/2006/main" xmlns:r="http://schemas.openxmlformats.org/officeDocument/2006/relationships" xmlns:p="http://schemas.openxmlformats.org/presentationml/2006/main">
-  <p:tag name="AS_UNIQUEID" val="203"/>
-</p:tagLst>
-</file>
-
-<file path=ppt/tags/tag108.xml><?xml version="1.0" encoding="utf-8"?>
-<p:tagLst xmlns:a="http://schemas.openxmlformats.org/drawingml/2006/main" xmlns:r="http://schemas.openxmlformats.org/officeDocument/2006/relationships" xmlns:p="http://schemas.openxmlformats.org/presentationml/2006/main">
-  <p:tag name="AS_UNIQUEID" val="204"/>
-</p:tagLst>
-</file>
-
-<file path=ppt/tags/tag109.xml><?xml version="1.0" encoding="utf-8"?>
-<p:tagLst xmlns:a="http://schemas.openxmlformats.org/drawingml/2006/main" xmlns:r="http://schemas.openxmlformats.org/officeDocument/2006/relationships" xmlns:p="http://schemas.openxmlformats.org/presentationml/2006/main">
-  <p:tag name="AS_UNIQUEID" val="205"/>
-</p:tagLst>
-</file>
-
-<file path=ppt/tags/tag11.xml><?xml version="1.0" encoding="utf-8"?>
-<p:tagLst xmlns:a="http://schemas.openxmlformats.org/drawingml/2006/main" xmlns:r="http://schemas.openxmlformats.org/officeDocument/2006/relationships" xmlns:p="http://schemas.openxmlformats.org/presentationml/2006/main">
-  <p:tag name="AS_UNIQUEID" val="494"/>
-</p:tagLst>
-</file>
-
-<file path=ppt/tags/tag110.xml><?xml version="1.0" encoding="utf-8"?>
-<p:tagLst xmlns:a="http://schemas.openxmlformats.org/drawingml/2006/main" xmlns:r="http://schemas.openxmlformats.org/officeDocument/2006/relationships" xmlns:p="http://schemas.openxmlformats.org/presentationml/2006/main">
-  <p:tag name="AS_UNIQUEID" val="206"/>
-</p:tagLst>
-</file>
-
-<file path=ppt/tags/tag111.xml><?xml version="1.0" encoding="utf-8"?>
-<p:tagLst xmlns:a="http://schemas.openxmlformats.org/drawingml/2006/main" xmlns:r="http://schemas.openxmlformats.org/officeDocument/2006/relationships" xmlns:p="http://schemas.openxmlformats.org/presentationml/2006/main">
-  <p:tag name="AS_UNIQUEID" val="207"/>
-</p:tagLst>
-</file>
-
-<file path=ppt/tags/tag112.xml><?xml version="1.0" encoding="utf-8"?>
-<p:tagLst xmlns:a="http://schemas.openxmlformats.org/drawingml/2006/main" xmlns:r="http://schemas.openxmlformats.org/officeDocument/2006/relationships" xmlns:p="http://schemas.openxmlformats.org/presentationml/2006/main">
-  <p:tag name="AS_UNIQUEID" val="208"/>
-</p:tagLst>
-</file>
-
-<file path=ppt/tags/tag113.xml><?xml version="1.0" encoding="utf-8"?>
-<p:tagLst xmlns:a="http://schemas.openxmlformats.org/drawingml/2006/main" xmlns:r="http://schemas.openxmlformats.org/officeDocument/2006/relationships" xmlns:p="http://schemas.openxmlformats.org/presentationml/2006/main">
-  <p:tag name="AS_UNIQUEID" val="209"/>
-</p:tagLst>
-</file>
-
-<file path=ppt/tags/tag114.xml><?xml version="1.0" encoding="utf-8"?>
-<p:tagLst xmlns:a="http://schemas.openxmlformats.org/drawingml/2006/main" xmlns:r="http://schemas.openxmlformats.org/officeDocument/2006/relationships" xmlns:p="http://schemas.openxmlformats.org/presentationml/2006/main">
-  <p:tag name="AS_UNIQUEID" val="210"/>
-</p:tagLst>
-</file>
-
-<file path=ppt/tags/tag115.xml><?xml version="1.0" encoding="utf-8"?>
-<p:tagLst xmlns:a="http://schemas.openxmlformats.org/drawingml/2006/main" xmlns:r="http://schemas.openxmlformats.org/officeDocument/2006/relationships" xmlns:p="http://schemas.openxmlformats.org/presentationml/2006/main">
-  <p:tag name="AS_UNIQUEID" val="211"/>
-</p:tagLst>
-</file>
-
-<file path=ppt/tags/tag116.xml><?xml version="1.0" encoding="utf-8"?>
-<p:tagLst xmlns:a="http://schemas.openxmlformats.org/drawingml/2006/main" xmlns:r="http://schemas.openxmlformats.org/officeDocument/2006/relationships" xmlns:p="http://schemas.openxmlformats.org/presentationml/2006/main">
-  <p:tag name="AS_UNIQUEID" val="212"/>
-</p:tagLst>
-</file>
-
-<file path=ppt/tags/tag117.xml><?xml version="1.0" encoding="utf-8"?>
-<p:tagLst xmlns:a="http://schemas.openxmlformats.org/drawingml/2006/main" xmlns:r="http://schemas.openxmlformats.org/officeDocument/2006/relationships" xmlns:p="http://schemas.openxmlformats.org/presentationml/2006/main">
-  <p:tag name="AS_UNIQUEID" val="213"/>
-</p:tagLst>
-</file>
-
-<file path=ppt/tags/tag118.xml><?xml version="1.0" encoding="utf-8"?>
-<p:tagLst xmlns:a="http://schemas.openxmlformats.org/drawingml/2006/main" xmlns:r="http://schemas.openxmlformats.org/officeDocument/2006/relationships" xmlns:p="http://schemas.openxmlformats.org/presentationml/2006/main">
-  <p:tag name="AS_UNIQUEID" val="214"/>
-</p:tagLst>
-</file>
-
-<file path=ppt/tags/tag119.xml><?xml version="1.0" encoding="utf-8"?>
-<p:tagLst xmlns:a="http://schemas.openxmlformats.org/drawingml/2006/main" xmlns:r="http://schemas.openxmlformats.org/officeDocument/2006/relationships" xmlns:p="http://schemas.openxmlformats.org/presentationml/2006/main">
-  <p:tag name="AS_UNIQUEID" val="215"/>
-</p:tagLst>
-</file>
-
-<file path=ppt/tags/tag12.xml><?xml version="1.0" encoding="utf-8"?>
-<p:tagLst xmlns:a="http://schemas.openxmlformats.org/drawingml/2006/main" xmlns:r="http://schemas.openxmlformats.org/officeDocument/2006/relationships" xmlns:p="http://schemas.openxmlformats.org/presentationml/2006/main">
-  <p:tag name="AS_UNIQUEID" val="496"/>
-</p:tagLst>
-</file>
-
-<file path=ppt/tags/tag120.xml><?xml version="1.0" encoding="utf-8"?>
-<p:tagLst xmlns:a="http://schemas.openxmlformats.org/drawingml/2006/main" xmlns:r="http://schemas.openxmlformats.org/officeDocument/2006/relationships" xmlns:p="http://schemas.openxmlformats.org/presentationml/2006/main">
-  <p:tag name="AS_UNIQUEID" val="216"/>
-</p:tagLst>
-</file>
-
-<file path=ppt/tags/tag121.xml><?xml version="1.0" encoding="utf-8"?>
-<p:tagLst xmlns:a="http://schemas.openxmlformats.org/drawingml/2006/main" xmlns:r="http://schemas.openxmlformats.org/officeDocument/2006/relationships" xmlns:p="http://schemas.openxmlformats.org/presentationml/2006/main">
-  <p:tag name="AS_UNIQUEID" val="217"/>
-</p:tagLst>
-</file>
-
-<file path=ppt/tags/tag122.xml><?xml version="1.0" encoding="utf-8"?>
-<p:tagLst xmlns:a="http://schemas.openxmlformats.org/drawingml/2006/main" xmlns:r="http://schemas.openxmlformats.org/officeDocument/2006/relationships" xmlns:p="http://schemas.openxmlformats.org/presentationml/2006/main">
-  <p:tag name="AS_UNIQUEID" val="218"/>
-</p:tagLst>
-</file>
-
-<file path=ppt/tags/tag123.xml><?xml version="1.0" encoding="utf-8"?>
-<p:tagLst xmlns:a="http://schemas.openxmlformats.org/drawingml/2006/main" xmlns:r="http://schemas.openxmlformats.org/officeDocument/2006/relationships" xmlns:p="http://schemas.openxmlformats.org/presentationml/2006/main">
-  <p:tag name="AS_UNIQUEID" val="219"/>
-</p:tagLst>
-</file>
-
-<file path=ppt/tags/tag124.xml><?xml version="1.0" encoding="utf-8"?>
-<p:tagLst xmlns:a="http://schemas.openxmlformats.org/drawingml/2006/main" xmlns:r="http://schemas.openxmlformats.org/officeDocument/2006/relationships" xmlns:p="http://schemas.openxmlformats.org/presentationml/2006/main">
-  <p:tag name="AS_UNIQUEID" val="220"/>
-</p:tagLst>
-</file>
-
-<file path=ppt/tags/tag125.xml><?xml version="1.0" encoding="utf-8"?>
-<p:tagLst xmlns:a="http://schemas.openxmlformats.org/drawingml/2006/main" xmlns:r="http://schemas.openxmlformats.org/officeDocument/2006/relationships" xmlns:p="http://schemas.openxmlformats.org/presentationml/2006/main">
-  <p:tag name="AS_UNIQUEID" val="221"/>
-</p:tagLst>
-</file>
-
-<file path=ppt/tags/tag126.xml><?xml version="1.0" encoding="utf-8"?>
-<p:tagLst xmlns:a="http://schemas.openxmlformats.org/drawingml/2006/main" xmlns:r="http://schemas.openxmlformats.org/officeDocument/2006/relationships" xmlns:p="http://schemas.openxmlformats.org/presentationml/2006/main">
-  <p:tag name="AS_UNIQUEID" val="222"/>
-</p:tagLst>
-</file>
-
-<file path=ppt/tags/tag127.xml><?xml version="1.0" encoding="utf-8"?>
-<p:tagLst xmlns:a="http://schemas.openxmlformats.org/drawingml/2006/main" xmlns:r="http://schemas.openxmlformats.org/officeDocument/2006/relationships" xmlns:p="http://schemas.openxmlformats.org/presentationml/2006/main">
-  <p:tag name="AS_UNIQUEID" val="223"/>
-</p:tagLst>
-</file>
-
-<file path=ppt/tags/tag128.xml><?xml version="1.0" encoding="utf-8"?>
-<p:tagLst xmlns:a="http://schemas.openxmlformats.org/drawingml/2006/main" xmlns:r="http://schemas.openxmlformats.org/officeDocument/2006/relationships" xmlns:p="http://schemas.openxmlformats.org/presentationml/2006/main">
-  <p:tag name="AS_UNIQUEID" val="224"/>
-</p:tagLst>
-</file>
-
-<file path=ppt/tags/tag129.xml><?xml version="1.0" encoding="utf-8"?>
-<p:tagLst xmlns:a="http://schemas.openxmlformats.org/drawingml/2006/main" xmlns:r="http://schemas.openxmlformats.org/officeDocument/2006/relationships" xmlns:p="http://schemas.openxmlformats.org/presentationml/2006/main">
-  <p:tag name="AS_UNIQUEID" val="225"/>
-</p:tagLst>
-</file>
-
-<file path=ppt/tags/tag13.xml><?xml version="1.0" encoding="utf-8"?>
-<p:tagLst xmlns:a="http://schemas.openxmlformats.org/drawingml/2006/main" xmlns:r="http://schemas.openxmlformats.org/officeDocument/2006/relationships" xmlns:p="http://schemas.openxmlformats.org/presentationml/2006/main">
-  <p:tag name="AS_UNIQUEID" val="497"/>
-</p:tagLst>
-</file>
-
-<file path=ppt/tags/tag130.xml><?xml version="1.0" encoding="utf-8"?>
-<p:tagLst xmlns:a="http://schemas.openxmlformats.org/drawingml/2006/main" xmlns:r="http://schemas.openxmlformats.org/officeDocument/2006/relationships" xmlns:p="http://schemas.openxmlformats.org/presentationml/2006/main">
-  <p:tag name="AS_UNIQUEID" val="226"/>
-</p:tagLst>
-</file>
-
-<file path=ppt/tags/tag131.xml><?xml version="1.0" encoding="utf-8"?>
-<p:tagLst xmlns:a="http://schemas.openxmlformats.org/drawingml/2006/main" xmlns:r="http://schemas.openxmlformats.org/officeDocument/2006/relationships" xmlns:p="http://schemas.openxmlformats.org/presentationml/2006/main">
-  <p:tag name="AS_UNIQUEID" val="227"/>
-</p:tagLst>
-</file>
-
-<file path=ppt/tags/tag132.xml><?xml version="1.0" encoding="utf-8"?>
-<p:tagLst xmlns:a="http://schemas.openxmlformats.org/drawingml/2006/main" xmlns:r="http://schemas.openxmlformats.org/officeDocument/2006/relationships" xmlns:p="http://schemas.openxmlformats.org/presentationml/2006/main">
-  <p:tag name="AS_UNIQUEID" val="228"/>
-</p:tagLst>
-</file>
-
-<file path=ppt/tags/tag133.xml><?xml version="1.0" encoding="utf-8"?>
-<p:tagLst xmlns:a="http://schemas.openxmlformats.org/drawingml/2006/main" xmlns:r="http://schemas.openxmlformats.org/officeDocument/2006/relationships" xmlns:p="http://schemas.openxmlformats.org/presentationml/2006/main">
-  <p:tag name="AS_UNIQUEID" val="608"/>
-</p:tagLst>
-</file>
-
-<file path=ppt/tags/tag134.xml><?xml version="1.0" encoding="utf-8"?>
-<p:tagLst xmlns:a="http://schemas.openxmlformats.org/drawingml/2006/main" xmlns:r="http://schemas.openxmlformats.org/officeDocument/2006/relationships" xmlns:p="http://schemas.openxmlformats.org/presentationml/2006/main">
-  <p:tag name="AS_UNIQUEID" val="609"/>
-</p:tagLst>
-</file>
-
-<file path=ppt/tags/tag135.xml><?xml version="1.0" encoding="utf-8"?>
-<p:tagLst xmlns:a="http://schemas.openxmlformats.org/drawingml/2006/main" xmlns:r="http://schemas.openxmlformats.org/officeDocument/2006/relationships" xmlns:p="http://schemas.openxmlformats.org/presentationml/2006/main">
-  <p:tag name="AS_UNIQUEID" val="229"/>
-</p:tagLst>
-</file>
-
-<file path=ppt/tags/tag136.xml><?xml version="1.0" encoding="utf-8"?>
-<p:tagLst xmlns:a="http://schemas.openxmlformats.org/drawingml/2006/main" xmlns:r="http://schemas.openxmlformats.org/officeDocument/2006/relationships" xmlns:p="http://schemas.openxmlformats.org/presentationml/2006/main">
-  <p:tag name="AS_UNIQUEID" val="230"/>
-</p:tagLst>
-</file>
-
-<file path=ppt/tags/tag137.xml><?xml version="1.0" encoding="utf-8"?>
-<p:tagLst xmlns:a="http://schemas.openxmlformats.org/drawingml/2006/main" xmlns:r="http://schemas.openxmlformats.org/officeDocument/2006/relationships" xmlns:p="http://schemas.openxmlformats.org/presentationml/2006/main">
-  <p:tag name="AS_UNIQUEID" val="232"/>
-</p:tagLst>
-</file>
-
-<file path=ppt/tags/tag138.xml><?xml version="1.0" encoding="utf-8"?>
-<p:tagLst xmlns:a="http://schemas.openxmlformats.org/drawingml/2006/main" xmlns:r="http://schemas.openxmlformats.org/officeDocument/2006/relationships" xmlns:p="http://schemas.openxmlformats.org/presentationml/2006/main">
-  <p:tag name="AS_UNIQUEID" val="233"/>
-</p:tagLst>
-</file>
-
-<file path=ppt/tags/tag139.xml><?xml version="1.0" encoding="utf-8"?>
-<p:tagLst xmlns:a="http://schemas.openxmlformats.org/drawingml/2006/main" xmlns:r="http://schemas.openxmlformats.org/officeDocument/2006/relationships" xmlns:p="http://schemas.openxmlformats.org/presentationml/2006/main">
-  <p:tag name="AS_UNIQUEID" val="234"/>
-</p:tagLst>
-</file>
-
-<file path=ppt/tags/tag14.xml><?xml version="1.0" encoding="utf-8"?>
-<p:tagLst xmlns:a="http://schemas.openxmlformats.org/drawingml/2006/main" xmlns:r="http://schemas.openxmlformats.org/officeDocument/2006/relationships" xmlns:p="http://schemas.openxmlformats.org/presentationml/2006/main">
-  <p:tag name="AS_UNIQUEID" val="498"/>
-</p:tagLst>
-</file>
-
-<file path=ppt/tags/tag140.xml><?xml version="1.0" encoding="utf-8"?>
-<p:tagLst xmlns:a="http://schemas.openxmlformats.org/drawingml/2006/main" xmlns:r="http://schemas.openxmlformats.org/officeDocument/2006/relationships" xmlns:p="http://schemas.openxmlformats.org/presentationml/2006/main">
-  <p:tag name="AS_UNIQUEID" val="235"/>
-</p:tagLst>
-</file>
-
-<file path=ppt/tags/tag141.xml><?xml version="1.0" encoding="utf-8"?>
-<p:tagLst xmlns:a="http://schemas.openxmlformats.org/drawingml/2006/main" xmlns:r="http://schemas.openxmlformats.org/officeDocument/2006/relationships" xmlns:p="http://schemas.openxmlformats.org/presentationml/2006/main">
-  <p:tag name="AS_UNIQUEID" val="236"/>
-</p:tagLst>
-</file>
-
-<file path=ppt/tags/tag142.xml><?xml version="1.0" encoding="utf-8"?>
-<p:tagLst xmlns:a="http://schemas.openxmlformats.org/drawingml/2006/main" xmlns:r="http://schemas.openxmlformats.org/officeDocument/2006/relationships" xmlns:p="http://schemas.openxmlformats.org/presentationml/2006/main">
-  <p:tag name="AS_UNIQUEID" val="237"/>
-</p:tagLst>
-</file>
-
-<file path=ppt/tags/tag143.xml><?xml version="1.0" encoding="utf-8"?>
-<p:tagLst xmlns:a="http://schemas.openxmlformats.org/drawingml/2006/main" xmlns:r="http://schemas.openxmlformats.org/officeDocument/2006/relationships" xmlns:p="http://schemas.openxmlformats.org/presentationml/2006/main">
-  <p:tag name="AS_UNIQUEID" val="238"/>
-</p:tagLst>
-</file>
-
-<file path=ppt/tags/tag144.xml><?xml version="1.0" encoding="utf-8"?>
-<p:tagLst xmlns:a="http://schemas.openxmlformats.org/drawingml/2006/main" xmlns:r="http://schemas.openxmlformats.org/officeDocument/2006/relationships" xmlns:p="http://schemas.openxmlformats.org/presentationml/2006/main">
-  <p:tag name="AS_UNIQUEID" val="239"/>
-</p:tagLst>
-</file>
-
-<file path=ppt/tags/tag145.xml><?xml version="1.0" encoding="utf-8"?>
-<p:tagLst xmlns:a="http://schemas.openxmlformats.org/drawingml/2006/main" xmlns:r="http://schemas.openxmlformats.org/officeDocument/2006/relationships" xmlns:p="http://schemas.openxmlformats.org/presentationml/2006/main">
-  <p:tag name="AS_UNIQUEID" val="240"/>
-</p:tagLst>
-</file>
-
-<file path=ppt/tags/tag146.xml><?xml version="1.0" encoding="utf-8"?>
-<p:tagLst xmlns:a="http://schemas.openxmlformats.org/drawingml/2006/main" xmlns:r="http://schemas.openxmlformats.org/officeDocument/2006/relationships" xmlns:p="http://schemas.openxmlformats.org/presentationml/2006/main">
-  <p:tag name="AS_UNIQUEID" val="241"/>
-</p:tagLst>
-</file>
-
-<file path=ppt/tags/tag147.xml><?xml version="1.0" encoding="utf-8"?>
-<p:tagLst xmlns:a="http://schemas.openxmlformats.org/drawingml/2006/main" xmlns:r="http://schemas.openxmlformats.org/officeDocument/2006/relationships" xmlns:p="http://schemas.openxmlformats.org/presentationml/2006/main">
-  <p:tag name="AS_UNIQUEID" val="242"/>
-</p:tagLst>
-</file>
-
-<file path=ppt/tags/tag148.xml><?xml version="1.0" encoding="utf-8"?>
-<p:tagLst xmlns:a="http://schemas.openxmlformats.org/drawingml/2006/main" xmlns:r="http://schemas.openxmlformats.org/officeDocument/2006/relationships" xmlns:p="http://schemas.openxmlformats.org/presentationml/2006/main">
-  <p:tag name="AS_UNIQUEID" val="243"/>
-</p:tagLst>
-</file>
-
-<file path=ppt/tags/tag149.xml><?xml version="1.0" encoding="utf-8"?>
-<p:tagLst xmlns:a="http://schemas.openxmlformats.org/drawingml/2006/main" xmlns:r="http://schemas.openxmlformats.org/officeDocument/2006/relationships" xmlns:p="http://schemas.openxmlformats.org/presentationml/2006/main">
-  <p:tag name="AS_UNIQUEID" val="244"/>
-</p:tagLst>
-</file>
-
-<file path=ppt/tags/tag15.xml><?xml version="1.0" encoding="utf-8"?>
-<p:tagLst xmlns:a="http://schemas.openxmlformats.org/drawingml/2006/main" xmlns:r="http://schemas.openxmlformats.org/officeDocument/2006/relationships" xmlns:p="http://schemas.openxmlformats.org/presentationml/2006/main">
-  <p:tag name="AS_UNIQUEID" val="499"/>
-</p:tagLst>
-</file>
-
-<file path=ppt/tags/tag150.xml><?xml version="1.0" encoding="utf-8"?>
-<p:tagLst xmlns:a="http://schemas.openxmlformats.org/drawingml/2006/main" xmlns:r="http://schemas.openxmlformats.org/officeDocument/2006/relationships" xmlns:p="http://schemas.openxmlformats.org/presentationml/2006/main">
-  <p:tag name="AS_UNIQUEID" val="245"/>
-</p:tagLst>
-</file>
-
-<file path=ppt/tags/tag151.xml><?xml version="1.0" encoding="utf-8"?>
-<p:tagLst xmlns:a="http://schemas.openxmlformats.org/drawingml/2006/main" xmlns:r="http://schemas.openxmlformats.org/officeDocument/2006/relationships" xmlns:p="http://schemas.openxmlformats.org/presentationml/2006/main">
-  <p:tag name="AS_UNIQUEID" val="246"/>
-</p:tagLst>
-</file>
-
-<file path=ppt/tags/tag152.xml><?xml version="1.0" encoding="utf-8"?>
-<p:tagLst xmlns:a="http://schemas.openxmlformats.org/drawingml/2006/main" xmlns:r="http://schemas.openxmlformats.org/officeDocument/2006/relationships" xmlns:p="http://schemas.openxmlformats.org/presentationml/2006/main">
-  <p:tag name="AS_UNIQUEID" val="247"/>
-</p:tagLst>
-</file>
-
-<file path=ppt/tags/tag153.xml><?xml version="1.0" encoding="utf-8"?>
-<p:tagLst xmlns:a="http://schemas.openxmlformats.org/drawingml/2006/main" xmlns:r="http://schemas.openxmlformats.org/officeDocument/2006/relationships" xmlns:p="http://schemas.openxmlformats.org/presentationml/2006/main">
-  <p:tag name="AS_UNIQUEID" val="248"/>
-</p:tagLst>
-</file>
-
-<file path=ppt/tags/tag154.xml><?xml version="1.0" encoding="utf-8"?>
-<p:tagLst xmlns:a="http://schemas.openxmlformats.org/drawingml/2006/main" xmlns:r="http://schemas.openxmlformats.org/officeDocument/2006/relationships" xmlns:p="http://schemas.openxmlformats.org/presentationml/2006/main">
-  <p:tag name="AS_UNIQUEID" val="249"/>
-</p:tagLst>
-</file>
-
-<file path=ppt/tags/tag155.xml><?xml version="1.0" encoding="utf-8"?>
-<p:tagLst xmlns:a="http://schemas.openxmlformats.org/drawingml/2006/main" xmlns:r="http://schemas.openxmlformats.org/officeDocument/2006/relationships" xmlns:p="http://schemas.openxmlformats.org/presentationml/2006/main">
-  <p:tag name="AS_UNIQUEID" val="250"/>
-</p:tagLst>
-</file>
-
-<file path=ppt/tags/tag156.xml><?xml version="1.0" encoding="utf-8"?>
-<p:tagLst xmlns:a="http://schemas.openxmlformats.org/drawingml/2006/main" xmlns:r="http://schemas.openxmlformats.org/officeDocument/2006/relationships" xmlns:p="http://schemas.openxmlformats.org/presentationml/2006/main">
-  <p:tag name="AS_UNIQUEID" val="251"/>
-</p:tagLst>
-</file>
-
-<file path=ppt/tags/tag157.xml><?xml version="1.0" encoding="utf-8"?>
-<p:tagLst xmlns:a="http://schemas.openxmlformats.org/drawingml/2006/main" xmlns:r="http://schemas.openxmlformats.org/officeDocument/2006/relationships" xmlns:p="http://schemas.openxmlformats.org/presentationml/2006/main">
-  <p:tag name="AS_UNIQUEID" val="252"/>
-</p:tagLst>
-</file>
-
-<file path=ppt/tags/tag158.xml><?xml version="1.0" encoding="utf-8"?>
-<p:tagLst xmlns:a="http://schemas.openxmlformats.org/drawingml/2006/main" xmlns:r="http://schemas.openxmlformats.org/officeDocument/2006/relationships" xmlns:p="http://schemas.openxmlformats.org/presentationml/2006/main">
-  <p:tag name="AS_UNIQUEID" val="253"/>
-</p:tagLst>
-</file>
-
-<file path=ppt/tags/tag159.xml><?xml version="1.0" encoding="utf-8"?>
-<p:tagLst xmlns:a="http://schemas.openxmlformats.org/drawingml/2006/main" xmlns:r="http://schemas.openxmlformats.org/officeDocument/2006/relationships" xmlns:p="http://schemas.openxmlformats.org/presentationml/2006/main">
-  <p:tag name="AS_UNIQUEID" val="254"/>
-</p:tagLst>
-</file>
-
-<file path=ppt/tags/tag16.xml><?xml version="1.0" encoding="utf-8"?>
-<p:tagLst xmlns:a="http://schemas.openxmlformats.org/drawingml/2006/main" xmlns:r="http://schemas.openxmlformats.org/officeDocument/2006/relationships" xmlns:p="http://schemas.openxmlformats.org/presentationml/2006/main">
-  <p:tag name="AS_UNIQUEID" val="500"/>
-</p:tagLst>
-</file>
-
-<file path=ppt/tags/tag160.xml><?xml version="1.0" encoding="utf-8"?>
-<p:tagLst xmlns:a="http://schemas.openxmlformats.org/drawingml/2006/main" xmlns:r="http://schemas.openxmlformats.org/officeDocument/2006/relationships" xmlns:p="http://schemas.openxmlformats.org/presentationml/2006/main">
-  <p:tag name="AS_UNIQUEID" val="255"/>
-</p:tagLst>
-</file>
-
-<file path=ppt/tags/tag161.xml><?xml version="1.0" encoding="utf-8"?>
-<p:tagLst xmlns:a="http://schemas.openxmlformats.org/drawingml/2006/main" xmlns:r="http://schemas.openxmlformats.org/officeDocument/2006/relationships" xmlns:p="http://schemas.openxmlformats.org/presentationml/2006/main">
-  <p:tag name="AS_UNIQUEID" val="256"/>
-</p:tagLst>
-</file>
-
-<file path=ppt/tags/tag162.xml><?xml version="1.0" encoding="utf-8"?>
-<p:tagLst xmlns:a="http://schemas.openxmlformats.org/drawingml/2006/main" xmlns:r="http://schemas.openxmlformats.org/officeDocument/2006/relationships" xmlns:p="http://schemas.openxmlformats.org/presentationml/2006/main">
-  <p:tag name="AS_UNIQUEID" val="257"/>
-</p:tagLst>
-</file>
-
-<file path=ppt/tags/tag163.xml><?xml version="1.0" encoding="utf-8"?>
-<p:tagLst xmlns:a="http://schemas.openxmlformats.org/drawingml/2006/main" xmlns:r="http://schemas.openxmlformats.org/officeDocument/2006/relationships" xmlns:p="http://schemas.openxmlformats.org/presentationml/2006/main">
-  <p:tag name="AS_UNIQUEID" val="258"/>
-</p:tagLst>
-</file>
-
-<file path=ppt/tags/tag164.xml><?xml version="1.0" encoding="utf-8"?>
-<p:tagLst xmlns:a="http://schemas.openxmlformats.org/drawingml/2006/main" xmlns:r="http://schemas.openxmlformats.org/officeDocument/2006/relationships" xmlns:p="http://schemas.openxmlformats.org/presentationml/2006/main">
-  <p:tag name="AS_UNIQUEID" val="259"/>
-</p:tagLst>
-</file>
-
-<file path=ppt/tags/tag165.xml><?xml version="1.0" encoding="utf-8"?>
-<p:tagLst xmlns:a="http://schemas.openxmlformats.org/drawingml/2006/main" xmlns:r="http://schemas.openxmlformats.org/officeDocument/2006/relationships" xmlns:p="http://schemas.openxmlformats.org/presentationml/2006/main">
-  <p:tag name="AS_UNIQUEID" val="260"/>
-</p:tagLst>
-</file>
-
-<file path=ppt/tags/tag166.xml><?xml version="1.0" encoding="utf-8"?>
-<p:tagLst xmlns:a="http://schemas.openxmlformats.org/drawingml/2006/main" xmlns:r="http://schemas.openxmlformats.org/officeDocument/2006/relationships" xmlns:p="http://schemas.openxmlformats.org/presentationml/2006/main">
-  <p:tag name="AS_UNIQUEID" val="261"/>
-</p:tagLst>
-</file>
-
-<file path=ppt/tags/tag167.xml><?xml version="1.0" encoding="utf-8"?>
-<p:tagLst xmlns:a="http://schemas.openxmlformats.org/drawingml/2006/main" xmlns:r="http://schemas.openxmlformats.org/officeDocument/2006/relationships" xmlns:p="http://schemas.openxmlformats.org/presentationml/2006/main">
-  <p:tag name="AS_UNIQUEID" val="262"/>
-</p:tagLst>
-</file>
-
-<file path=ppt/tags/tag168.xml><?xml version="1.0" encoding="utf-8"?>
-<p:tagLst xmlns:a="http://schemas.openxmlformats.org/drawingml/2006/main" xmlns:r="http://schemas.openxmlformats.org/officeDocument/2006/relationships" xmlns:p="http://schemas.openxmlformats.org/presentationml/2006/main">
-  <p:tag name="AS_UNIQUEID" val="263"/>
-</p:tagLst>
-</file>
-
 <file path=ppt/tags/tag169.xml><?xml version="1.0" encoding="utf-8"?>
 <p:tagLst xmlns:a="http://schemas.openxmlformats.org/drawingml/2006/main" xmlns:r="http://schemas.openxmlformats.org/officeDocument/2006/relationships" xmlns:p="http://schemas.openxmlformats.org/presentationml/2006/main">
+  <p:tag name="AS_UNIQUEID" val="612"/>
+</p:tagLst>
+</file>
+
+<file path=ppt/tags/tag17.xml><?xml version="1.0" encoding="utf-8"?>
+<p:tagLst xmlns:a="http://schemas.openxmlformats.org/drawingml/2006/main" xmlns:r="http://schemas.openxmlformats.org/officeDocument/2006/relationships" xmlns:p="http://schemas.openxmlformats.org/presentationml/2006/main">
+  <p:tag name="AS_UNIQUEID" val="502"/>
+</p:tagLst>
+</file>
+
+<file path=ppt/tags/tag170.xml><?xml version="1.0" encoding="utf-8"?>
+<p:tagLst xmlns:a="http://schemas.openxmlformats.org/drawingml/2006/main" xmlns:r="http://schemas.openxmlformats.org/officeDocument/2006/relationships" xmlns:p="http://schemas.openxmlformats.org/presentationml/2006/main">
+  <p:tag name="AS_UNIQUEID" val="613"/>
+</p:tagLst>
+</file>
+
+<file path=ppt/tags/tag171.xml><?xml version="1.0" encoding="utf-8"?>
+<p:tagLst xmlns:a="http://schemas.openxmlformats.org/drawingml/2006/main" xmlns:r="http://schemas.openxmlformats.org/officeDocument/2006/relationships" xmlns:p="http://schemas.openxmlformats.org/presentationml/2006/main">
   <p:tag name="AS_UNIQUEID" val="196"/>
 </p:tagLst>
 </file>
 
-<file path=ppt/tags/tag17.xml><?xml version="1.0" encoding="utf-8"?>
-<p:tagLst xmlns:a="http://schemas.openxmlformats.org/drawingml/2006/main" xmlns:r="http://schemas.openxmlformats.org/officeDocument/2006/relationships" xmlns:p="http://schemas.openxmlformats.org/presentationml/2006/main">
-  <p:tag name="AS_UNIQUEID" val="502"/>
-</p:tagLst>
-</file>
-
-<file path=ppt/tags/tag170.xml><?xml version="1.0" encoding="utf-8"?>
-<p:tagLst xmlns:a="http://schemas.openxmlformats.org/drawingml/2006/main" xmlns:r="http://schemas.openxmlformats.org/officeDocument/2006/relationships" xmlns:p="http://schemas.openxmlformats.org/presentationml/2006/main">
-  <p:tag name="AS_UNIQUEID" val="612"/>
-</p:tagLst>
-</file>
-
-<file path=ppt/tags/tag171.xml><?xml version="1.0" encoding="utf-8"?>
-<p:tagLst xmlns:a="http://schemas.openxmlformats.org/drawingml/2006/main" xmlns:r="http://schemas.openxmlformats.org/officeDocument/2006/relationships" xmlns:p="http://schemas.openxmlformats.org/presentationml/2006/main">
-  <p:tag name="AS_UNIQUEID" val="613"/>
-</p:tagLst>
-</file>
-
 <file path=ppt/tags/tag172.xml><?xml version="1.0" encoding="utf-8"?>
 <p:tagLst xmlns:a="http://schemas.openxmlformats.org/drawingml/2006/main" xmlns:r="http://schemas.openxmlformats.org/officeDocument/2006/relationships" xmlns:p="http://schemas.openxmlformats.org/presentationml/2006/main">
+  <p:tag name="AS_UNIQUEID" val="264"/>
+</p:tagLst>
+</file>
+
+<file path=ppt/tags/tag173.xml><?xml version="1.0" encoding="utf-8"?>
+<p:tagLst xmlns:a="http://schemas.openxmlformats.org/drawingml/2006/main" xmlns:r="http://schemas.openxmlformats.org/officeDocument/2006/relationships" xmlns:p="http://schemas.openxmlformats.org/presentationml/2006/main">
+  <p:tag name="AS_UNIQUEID" val="266"/>
+</p:tagLst>
+</file>
+
+<file path=ppt/tags/tag174.xml><?xml version="1.0" encoding="utf-8"?>
+<p:tagLst xmlns:a="http://schemas.openxmlformats.org/drawingml/2006/main" xmlns:r="http://schemas.openxmlformats.org/officeDocument/2006/relationships" xmlns:p="http://schemas.openxmlformats.org/presentationml/2006/main">
+  <p:tag name="AS_UNIQUEID" val="267"/>
+</p:tagLst>
+</file>
+
+<file path=ppt/tags/tag175.xml><?xml version="1.0" encoding="utf-8"?>
+<p:tagLst xmlns:a="http://schemas.openxmlformats.org/drawingml/2006/main" xmlns:r="http://schemas.openxmlformats.org/officeDocument/2006/relationships" xmlns:p="http://schemas.openxmlformats.org/presentationml/2006/main">
+  <p:tag name="AS_UNIQUEID" val="268"/>
+</p:tagLst>
+</file>
+
+<file path=ppt/tags/tag176.xml><?xml version="1.0" encoding="utf-8"?>
+<p:tagLst xmlns:a="http://schemas.openxmlformats.org/drawingml/2006/main" xmlns:r="http://schemas.openxmlformats.org/officeDocument/2006/relationships" xmlns:p="http://schemas.openxmlformats.org/presentationml/2006/main">
+  <p:tag name="AS_UNIQUEID" val="269"/>
+</p:tagLst>
+</file>
+
+<file path=ppt/tags/tag177.xml><?xml version="1.0" encoding="utf-8"?>
+<p:tagLst xmlns:a="http://schemas.openxmlformats.org/drawingml/2006/main" xmlns:r="http://schemas.openxmlformats.org/officeDocument/2006/relationships" xmlns:p="http://schemas.openxmlformats.org/presentationml/2006/main">
+  <p:tag name="AS_UNIQUEID" val="270"/>
+</p:tagLst>
+</file>
+
+<file path=ppt/tags/tag178.xml><?xml version="1.0" encoding="utf-8"?>
+<p:tagLst xmlns:a="http://schemas.openxmlformats.org/drawingml/2006/main" xmlns:r="http://schemas.openxmlformats.org/officeDocument/2006/relationships" xmlns:p="http://schemas.openxmlformats.org/presentationml/2006/main">
+  <p:tag name="AS_UNIQUEID" val="271"/>
+</p:tagLst>
+</file>
+
+<file path=ppt/tags/tag179.xml><?xml version="1.0" encoding="utf-8"?>
+<p:tagLst xmlns:a="http://schemas.openxmlformats.org/drawingml/2006/main" xmlns:r="http://schemas.openxmlformats.org/officeDocument/2006/relationships" xmlns:p="http://schemas.openxmlformats.org/presentationml/2006/main">
+  <p:tag name="AS_UNIQUEID" val="272"/>
+</p:tagLst>
+</file>
+
+<file path=ppt/tags/tag18.xml><?xml version="1.0" encoding="utf-8"?>
+<p:tagLst xmlns:a="http://schemas.openxmlformats.org/drawingml/2006/main" xmlns:r="http://schemas.openxmlformats.org/officeDocument/2006/relationships" xmlns:p="http://schemas.openxmlformats.org/presentationml/2006/main">
+  <p:tag name="AS_UNIQUEID" val="503"/>
+</p:tagLst>
+</file>
+
+<file path=ppt/tags/tag180.xml><?xml version="1.0" encoding="utf-8"?>
+<p:tagLst xmlns:a="http://schemas.openxmlformats.org/drawingml/2006/main" xmlns:r="http://schemas.openxmlformats.org/officeDocument/2006/relationships" xmlns:p="http://schemas.openxmlformats.org/presentationml/2006/main">
+  <p:tag name="AS_UNIQUEID" val="616"/>
+</p:tagLst>
+</file>
+
+<file path=ppt/tags/tag181.xml><?xml version="1.0" encoding="utf-8"?>
+<p:tagLst xmlns:a="http://schemas.openxmlformats.org/drawingml/2006/main" xmlns:r="http://schemas.openxmlformats.org/officeDocument/2006/relationships" xmlns:p="http://schemas.openxmlformats.org/presentationml/2006/main">
+  <p:tag name="AS_UNIQUEID" val="617"/>
+</p:tagLst>
+</file>
+
+<file path=ppt/tags/tag182.xml><?xml version="1.0" encoding="utf-8"?>
+<p:tagLst xmlns:a="http://schemas.openxmlformats.org/drawingml/2006/main" xmlns:r="http://schemas.openxmlformats.org/officeDocument/2006/relationships" xmlns:p="http://schemas.openxmlformats.org/presentationml/2006/main">
+  <p:tag name="AS_UNIQUEID" val="273"/>
+</p:tagLst>
+</file>
+
+<file path=ppt/tags/tag183.xml><?xml version="1.0" encoding="utf-8"?>
+<p:tagLst xmlns:a="http://schemas.openxmlformats.org/drawingml/2006/main" xmlns:r="http://schemas.openxmlformats.org/officeDocument/2006/relationships" xmlns:p="http://schemas.openxmlformats.org/presentationml/2006/main">
+  <p:tag name="AS_UNIQUEID" val="274"/>
+</p:tagLst>
+</file>
+
+<file path=ppt/tags/tag184.xml><?xml version="1.0" encoding="utf-8"?>
+<p:tagLst xmlns:a="http://schemas.openxmlformats.org/drawingml/2006/main" xmlns:r="http://schemas.openxmlformats.org/officeDocument/2006/relationships" xmlns:p="http://schemas.openxmlformats.org/presentationml/2006/main">
+  <p:tag name="AS_UNIQUEID" val="275"/>
+</p:tagLst>
+</file>
+
+<file path=ppt/tags/tag185.xml><?xml version="1.0" encoding="utf-8"?>
+<p:tagLst xmlns:a="http://schemas.openxmlformats.org/drawingml/2006/main" xmlns:r="http://schemas.openxmlformats.org/officeDocument/2006/relationships" xmlns:p="http://schemas.openxmlformats.org/presentationml/2006/main">
+  <p:tag name="AS_UNIQUEID" val="276"/>
+</p:tagLst>
+</file>
+
+<file path=ppt/tags/tag186.xml><?xml version="1.0" encoding="utf-8"?>
+<p:tagLst xmlns:a="http://schemas.openxmlformats.org/drawingml/2006/main" xmlns:r="http://schemas.openxmlformats.org/officeDocument/2006/relationships" xmlns:p="http://schemas.openxmlformats.org/presentationml/2006/main">
   <p:tag name="AS_UNIQUEID" val="196"/>
 </p:tagLst>
 </file>
 
-<file path=ppt/tags/tag173.xml><?xml version="1.0" encoding="utf-8"?>
-<p:tagLst xmlns:a="http://schemas.openxmlformats.org/drawingml/2006/main" xmlns:r="http://schemas.openxmlformats.org/officeDocument/2006/relationships" xmlns:p="http://schemas.openxmlformats.org/presentationml/2006/main">
-  <p:tag name="AS_UNIQUEID" val="264"/>
-</p:tagLst>
-</file>
-
-<file path=ppt/tags/tag174.xml><?xml version="1.0" encoding="utf-8"?>
-<p:tagLst xmlns:a="http://schemas.openxmlformats.org/drawingml/2006/main" xmlns:r="http://schemas.openxmlformats.org/officeDocument/2006/relationships" xmlns:p="http://schemas.openxmlformats.org/presentationml/2006/main">
-  <p:tag name="AS_UNIQUEID" val="266"/>
-</p:tagLst>
-</file>
-
-<file path=ppt/tags/tag175.xml><?xml version="1.0" encoding="utf-8"?>
-<p:tagLst xmlns:a="http://schemas.openxmlformats.org/drawingml/2006/main" xmlns:r="http://schemas.openxmlformats.org/officeDocument/2006/relationships" xmlns:p="http://schemas.openxmlformats.org/presentationml/2006/main">
-  <p:tag name="AS_UNIQUEID" val="267"/>
-</p:tagLst>
-</file>
-
-<file path=ppt/tags/tag176.xml><?xml version="1.0" encoding="utf-8"?>
-<p:tagLst xmlns:a="http://schemas.openxmlformats.org/drawingml/2006/main" xmlns:r="http://schemas.openxmlformats.org/officeDocument/2006/relationships" xmlns:p="http://schemas.openxmlformats.org/presentationml/2006/main">
-  <p:tag name="AS_UNIQUEID" val="268"/>
-</p:tagLst>
-</file>
-
-<file path=ppt/tags/tag177.xml><?xml version="1.0" encoding="utf-8"?>
-<p:tagLst xmlns:a="http://schemas.openxmlformats.org/drawingml/2006/main" xmlns:r="http://schemas.openxmlformats.org/officeDocument/2006/relationships" xmlns:p="http://schemas.openxmlformats.org/presentationml/2006/main">
-  <p:tag name="AS_UNIQUEID" val="269"/>
-</p:tagLst>
-</file>
-
-<file path=ppt/tags/tag178.xml><?xml version="1.0" encoding="utf-8"?>
-<p:tagLst xmlns:a="http://schemas.openxmlformats.org/drawingml/2006/main" xmlns:r="http://schemas.openxmlformats.org/officeDocument/2006/relationships" xmlns:p="http://schemas.openxmlformats.org/presentationml/2006/main">
-  <p:tag name="AS_UNIQUEID" val="270"/>
-</p:tagLst>
-</file>
-
-<file path=ppt/tags/tag179.xml><?xml version="1.0" encoding="utf-8"?>
-<p:tagLst xmlns:a="http://schemas.openxmlformats.org/drawingml/2006/main" xmlns:r="http://schemas.openxmlformats.org/officeDocument/2006/relationships" xmlns:p="http://schemas.openxmlformats.org/presentationml/2006/main">
-  <p:tag name="AS_UNIQUEID" val="271"/>
-</p:tagLst>
-</file>
-
-<file path=ppt/tags/tag18.xml><?xml version="1.0" encoding="utf-8"?>
-<p:tagLst xmlns:a="http://schemas.openxmlformats.org/drawingml/2006/main" xmlns:r="http://schemas.openxmlformats.org/officeDocument/2006/relationships" xmlns:p="http://schemas.openxmlformats.org/presentationml/2006/main">
-  <p:tag name="AS_UNIQUEID" val="503"/>
-</p:tagLst>
-</file>
-
-<file path=ppt/tags/tag180.xml><?xml version="1.0" encoding="utf-8"?>
-<p:tagLst xmlns:a="http://schemas.openxmlformats.org/drawingml/2006/main" xmlns:r="http://schemas.openxmlformats.org/officeDocument/2006/relationships" xmlns:p="http://schemas.openxmlformats.org/presentationml/2006/main">
-  <p:tag name="AS_UNIQUEID" val="272"/>
-</p:tagLst>
-</file>
-
-<file path=ppt/tags/tag181.xml><?xml version="1.0" encoding="utf-8"?>
-<p:tagLst xmlns:a="http://schemas.openxmlformats.org/drawingml/2006/main" xmlns:r="http://schemas.openxmlformats.org/officeDocument/2006/relationships" xmlns:p="http://schemas.openxmlformats.org/presentationml/2006/main">
-  <p:tag name="AS_UNIQUEID" val="616"/>
-</p:tagLst>
-</file>
-
-<file path=ppt/tags/tag182.xml><?xml version="1.0" encoding="utf-8"?>
-<p:tagLst xmlns:a="http://schemas.openxmlformats.org/drawingml/2006/main" xmlns:r="http://schemas.openxmlformats.org/officeDocument/2006/relationships" xmlns:p="http://schemas.openxmlformats.org/presentationml/2006/main">
-  <p:tag name="AS_UNIQUEID" val="617"/>
-</p:tagLst>
-</file>
-
-<file path=ppt/tags/tag183.xml><?xml version="1.0" encoding="utf-8"?>
-<p:tagLst xmlns:a="http://schemas.openxmlformats.org/drawingml/2006/main" xmlns:r="http://schemas.openxmlformats.org/officeDocument/2006/relationships" xmlns:p="http://schemas.openxmlformats.org/presentationml/2006/main">
-  <p:tag name="AS_UNIQUEID" val="273"/>
-</p:tagLst>
-</file>
-
-<file path=ppt/tags/tag184.xml><?xml version="1.0" encoding="utf-8"?>
-<p:tagLst xmlns:a="http://schemas.openxmlformats.org/drawingml/2006/main" xmlns:r="http://schemas.openxmlformats.org/officeDocument/2006/relationships" xmlns:p="http://schemas.openxmlformats.org/presentationml/2006/main">
-  <p:tag name="AS_UNIQUEID" val="274"/>
-</p:tagLst>
-</file>
-
-<file path=ppt/tags/tag185.xml><?xml version="1.0" encoding="utf-8"?>
-<p:tagLst xmlns:a="http://schemas.openxmlformats.org/drawingml/2006/main" xmlns:r="http://schemas.openxmlformats.org/officeDocument/2006/relationships" xmlns:p="http://schemas.openxmlformats.org/presentationml/2006/main">
-  <p:tag name="AS_UNIQUEID" val="275"/>
-</p:tagLst>
-</file>
-
-<file path=ppt/tags/tag186.xml><?xml version="1.0" encoding="utf-8"?>
-<p:tagLst xmlns:a="http://schemas.openxmlformats.org/drawingml/2006/main" xmlns:r="http://schemas.openxmlformats.org/officeDocument/2006/relationships" xmlns:p="http://schemas.openxmlformats.org/presentationml/2006/main">
-  <p:tag name="AS_UNIQUEID" val="276"/>
-</p:tagLst>
-</file>
-
 <file path=ppt/tags/tag187.xml><?xml version="1.0" encoding="utf-8"?>
 <p:tagLst xmlns:a="http://schemas.openxmlformats.org/drawingml/2006/main" xmlns:r="http://schemas.openxmlformats.org/officeDocument/2006/relationships" xmlns:p="http://schemas.openxmlformats.org/presentationml/2006/main">
   <p:tag name="AS_UNIQUEID" val="196"/>
@@ -33244,613 +29256,613 @@
 
 <file path=ppt/tags/tag188.xml><?xml version="1.0" encoding="utf-8"?>
 <p:tagLst xmlns:a="http://schemas.openxmlformats.org/drawingml/2006/main" xmlns:r="http://schemas.openxmlformats.org/officeDocument/2006/relationships" xmlns:p="http://schemas.openxmlformats.org/presentationml/2006/main">
+  <p:tag name="AS_UNIQUEID" val="623"/>
+</p:tagLst>
+</file>
+
+<file path=ppt/tags/tag189.xml><?xml version="1.0" encoding="utf-8"?>
+<p:tagLst xmlns:a="http://schemas.openxmlformats.org/drawingml/2006/main" xmlns:r="http://schemas.openxmlformats.org/officeDocument/2006/relationships" xmlns:p="http://schemas.openxmlformats.org/presentationml/2006/main">
+  <p:tag name="AS_UNIQUEID" val="624"/>
+</p:tagLst>
+</file>
+
+<file path=ppt/tags/tag19.xml><?xml version="1.0" encoding="utf-8"?>
+<p:tagLst xmlns:a="http://schemas.openxmlformats.org/drawingml/2006/main" xmlns:r="http://schemas.openxmlformats.org/officeDocument/2006/relationships" xmlns:p="http://schemas.openxmlformats.org/presentationml/2006/main">
+  <p:tag name="AS_UNIQUEID" val="504"/>
+</p:tagLst>
+</file>
+
+<file path=ppt/tags/tag190.xml><?xml version="1.0" encoding="utf-8"?>
+<p:tagLst xmlns:a="http://schemas.openxmlformats.org/drawingml/2006/main" xmlns:r="http://schemas.openxmlformats.org/officeDocument/2006/relationships" xmlns:p="http://schemas.openxmlformats.org/presentationml/2006/main">
+  <p:tag name="AS_UNIQUEID" val="626"/>
+</p:tagLst>
+</file>
+
+<file path=ppt/tags/tag191.xml><?xml version="1.0" encoding="utf-8"?>
+<p:tagLst xmlns:a="http://schemas.openxmlformats.org/drawingml/2006/main" xmlns:r="http://schemas.openxmlformats.org/officeDocument/2006/relationships" xmlns:p="http://schemas.openxmlformats.org/presentationml/2006/main">
+  <p:tag name="AS_UNIQUEID" val="627"/>
+</p:tagLst>
+</file>
+
+<file path=ppt/tags/tag192.xml><?xml version="1.0" encoding="utf-8"?>
+<p:tagLst xmlns:a="http://schemas.openxmlformats.org/drawingml/2006/main" xmlns:r="http://schemas.openxmlformats.org/officeDocument/2006/relationships" xmlns:p="http://schemas.openxmlformats.org/presentationml/2006/main">
+  <p:tag name="AS_UNIQUEID" val="628"/>
+</p:tagLst>
+</file>
+
+<file path=ppt/tags/tag193.xml><?xml version="1.0" encoding="utf-8"?>
+<p:tagLst xmlns:a="http://schemas.openxmlformats.org/drawingml/2006/main" xmlns:r="http://schemas.openxmlformats.org/officeDocument/2006/relationships" xmlns:p="http://schemas.openxmlformats.org/presentationml/2006/main">
+  <p:tag name="AS_UNIQUEID" val="629"/>
+</p:tagLst>
+</file>
+
+<file path=ppt/tags/tag194.xml><?xml version="1.0" encoding="utf-8"?>
+<p:tagLst xmlns:a="http://schemas.openxmlformats.org/drawingml/2006/main" xmlns:r="http://schemas.openxmlformats.org/officeDocument/2006/relationships" xmlns:p="http://schemas.openxmlformats.org/presentationml/2006/main">
+  <p:tag name="AS_UNIQUEID" val="630"/>
+</p:tagLst>
+</file>
+
+<file path=ppt/tags/tag195.xml><?xml version="1.0" encoding="utf-8"?>
+<p:tagLst xmlns:a="http://schemas.openxmlformats.org/drawingml/2006/main" xmlns:r="http://schemas.openxmlformats.org/officeDocument/2006/relationships" xmlns:p="http://schemas.openxmlformats.org/presentationml/2006/main">
+  <p:tag name="AS_UNIQUEID" val="631"/>
+</p:tagLst>
+</file>
+
+<file path=ppt/tags/tag196.xml><?xml version="1.0" encoding="utf-8"?>
+<p:tagLst xmlns:a="http://schemas.openxmlformats.org/drawingml/2006/main" xmlns:r="http://schemas.openxmlformats.org/officeDocument/2006/relationships" xmlns:p="http://schemas.openxmlformats.org/presentationml/2006/main">
+  <p:tag name="AS_UNIQUEID" val="632"/>
+</p:tagLst>
+</file>
+
+<file path=ppt/tags/tag197.xml><?xml version="1.0" encoding="utf-8"?>
+<p:tagLst xmlns:a="http://schemas.openxmlformats.org/drawingml/2006/main" xmlns:r="http://schemas.openxmlformats.org/officeDocument/2006/relationships" xmlns:p="http://schemas.openxmlformats.org/presentationml/2006/main">
+  <p:tag name="AS_UNIQUEID" val="633"/>
+</p:tagLst>
+</file>
+
+<file path=ppt/tags/tag198.xml><?xml version="1.0" encoding="utf-8"?>
+<p:tagLst xmlns:a="http://schemas.openxmlformats.org/drawingml/2006/main" xmlns:r="http://schemas.openxmlformats.org/officeDocument/2006/relationships" xmlns:p="http://schemas.openxmlformats.org/presentationml/2006/main">
+  <p:tag name="AS_UNIQUEID" val="634"/>
+</p:tagLst>
+</file>
+
+<file path=ppt/tags/tag199.xml><?xml version="1.0" encoding="utf-8"?>
+<p:tagLst xmlns:a="http://schemas.openxmlformats.org/drawingml/2006/main" xmlns:r="http://schemas.openxmlformats.org/officeDocument/2006/relationships" xmlns:p="http://schemas.openxmlformats.org/presentationml/2006/main">
+  <p:tag name="AS_UNIQUEID" val="635"/>
+</p:tagLst>
+</file>
+
+<file path=ppt/tags/tag2.xml><?xml version="1.0" encoding="utf-8"?>
+<p:tagLst xmlns:a="http://schemas.openxmlformats.org/drawingml/2006/main" xmlns:r="http://schemas.openxmlformats.org/officeDocument/2006/relationships" xmlns:p="http://schemas.openxmlformats.org/presentationml/2006/main">
+  <p:tag name="AS_UNIQUEID" val="559"/>
+</p:tagLst>
+</file>
+
+<file path=ppt/tags/tag20.xml><?xml version="1.0" encoding="utf-8"?>
+<p:tagLst xmlns:a="http://schemas.openxmlformats.org/drawingml/2006/main" xmlns:r="http://schemas.openxmlformats.org/officeDocument/2006/relationships" xmlns:p="http://schemas.openxmlformats.org/presentationml/2006/main">
+  <p:tag name="AS_UNIQUEID" val="505"/>
+</p:tagLst>
+</file>
+
+<file path=ppt/tags/tag200.xml><?xml version="1.0" encoding="utf-8"?>
+<p:tagLst xmlns:a="http://schemas.openxmlformats.org/drawingml/2006/main" xmlns:r="http://schemas.openxmlformats.org/officeDocument/2006/relationships" xmlns:p="http://schemas.openxmlformats.org/presentationml/2006/main">
+  <p:tag name="AS_UNIQUEID" val="636"/>
+</p:tagLst>
+</file>
+
+<file path=ppt/tags/tag201.xml><?xml version="1.0" encoding="utf-8"?>
+<p:tagLst xmlns:a="http://schemas.openxmlformats.org/drawingml/2006/main" xmlns:r="http://schemas.openxmlformats.org/officeDocument/2006/relationships" xmlns:p="http://schemas.openxmlformats.org/presentationml/2006/main">
+  <p:tag name="AS_UNIQUEID" val="637"/>
+</p:tagLst>
+</file>
+
+<file path=ppt/tags/tag202.xml><?xml version="1.0" encoding="utf-8"?>
+<p:tagLst xmlns:a="http://schemas.openxmlformats.org/drawingml/2006/main" xmlns:r="http://schemas.openxmlformats.org/officeDocument/2006/relationships" xmlns:p="http://schemas.openxmlformats.org/presentationml/2006/main">
+  <p:tag name="AS_UNIQUEID" val="638"/>
+</p:tagLst>
+</file>
+
+<file path=ppt/tags/tag203.xml><?xml version="1.0" encoding="utf-8"?>
+<p:tagLst xmlns:a="http://schemas.openxmlformats.org/drawingml/2006/main" xmlns:r="http://schemas.openxmlformats.org/officeDocument/2006/relationships" xmlns:p="http://schemas.openxmlformats.org/presentationml/2006/main">
+  <p:tag name="AS_UNIQUEID" val="639"/>
+</p:tagLst>
+</file>
+
+<file path=ppt/tags/tag204.xml><?xml version="1.0" encoding="utf-8"?>
+<p:tagLst xmlns:a="http://schemas.openxmlformats.org/drawingml/2006/main" xmlns:r="http://schemas.openxmlformats.org/officeDocument/2006/relationships" xmlns:p="http://schemas.openxmlformats.org/presentationml/2006/main">
+  <p:tag name="AS_UNIQUEID" val="620"/>
+</p:tagLst>
+</file>
+
+<file path=ppt/tags/tag205.xml><?xml version="1.0" encoding="utf-8"?>
+<p:tagLst xmlns:a="http://schemas.openxmlformats.org/drawingml/2006/main" xmlns:r="http://schemas.openxmlformats.org/officeDocument/2006/relationships" xmlns:p="http://schemas.openxmlformats.org/presentationml/2006/main">
+  <p:tag name="AS_UNIQUEID" val="621"/>
+</p:tagLst>
+</file>
+
+<file path=ppt/tags/tag206.xml><?xml version="1.0" encoding="utf-8"?>
+<p:tagLst xmlns:a="http://schemas.openxmlformats.org/drawingml/2006/main" xmlns:r="http://schemas.openxmlformats.org/officeDocument/2006/relationships" xmlns:p="http://schemas.openxmlformats.org/presentationml/2006/main">
+  <p:tag name="AS_UNIQUEID" val="277"/>
+</p:tagLst>
+</file>
+
+<file path=ppt/tags/tag207.xml><?xml version="1.0" encoding="utf-8"?>
+<p:tagLst xmlns:a="http://schemas.openxmlformats.org/drawingml/2006/main" xmlns:r="http://schemas.openxmlformats.org/officeDocument/2006/relationships" xmlns:p="http://schemas.openxmlformats.org/presentationml/2006/main">
+  <p:tag name="AS_UNIQUEID" val="278"/>
+</p:tagLst>
+</file>
+
+<file path=ppt/tags/tag208.xml><?xml version="1.0" encoding="utf-8"?>
+<p:tagLst xmlns:a="http://schemas.openxmlformats.org/drawingml/2006/main" xmlns:r="http://schemas.openxmlformats.org/officeDocument/2006/relationships" xmlns:p="http://schemas.openxmlformats.org/presentationml/2006/main">
+  <p:tag name="AS_UNIQUEID" val="279"/>
+</p:tagLst>
+</file>
+
+<file path=ppt/tags/tag209.xml><?xml version="1.0" encoding="utf-8"?>
+<p:tagLst xmlns:a="http://schemas.openxmlformats.org/drawingml/2006/main" xmlns:r="http://schemas.openxmlformats.org/officeDocument/2006/relationships" xmlns:p="http://schemas.openxmlformats.org/presentationml/2006/main">
+  <p:tag name="AS_UNIQUEID" val="641"/>
+</p:tagLst>
+</file>
+
+<file path=ppt/tags/tag21.xml><?xml version="1.0" encoding="utf-8"?>
+<p:tagLst xmlns:a="http://schemas.openxmlformats.org/drawingml/2006/main" xmlns:r="http://schemas.openxmlformats.org/officeDocument/2006/relationships" xmlns:p="http://schemas.openxmlformats.org/presentationml/2006/main">
+  <p:tag name="AS_UNIQUEID" val="506"/>
+</p:tagLst>
+</file>
+
+<file path=ppt/tags/tag210.xml><?xml version="1.0" encoding="utf-8"?>
+<p:tagLst xmlns:a="http://schemas.openxmlformats.org/drawingml/2006/main" xmlns:r="http://schemas.openxmlformats.org/officeDocument/2006/relationships" xmlns:p="http://schemas.openxmlformats.org/presentationml/2006/main">
+  <p:tag name="AS_UNIQUEID" val="642"/>
+</p:tagLst>
+</file>
+
+<file path=ppt/tags/tag211.xml><?xml version="1.0" encoding="utf-8"?>
+<p:tagLst xmlns:a="http://schemas.openxmlformats.org/drawingml/2006/main" xmlns:r="http://schemas.openxmlformats.org/officeDocument/2006/relationships" xmlns:p="http://schemas.openxmlformats.org/presentationml/2006/main">
+  <p:tag name="AS_UNIQUEID" val="280"/>
+</p:tagLst>
+</file>
+
+<file path=ppt/tags/tag212.xml><?xml version="1.0" encoding="utf-8"?>
+<p:tagLst xmlns:a="http://schemas.openxmlformats.org/drawingml/2006/main" xmlns:r="http://schemas.openxmlformats.org/officeDocument/2006/relationships" xmlns:p="http://schemas.openxmlformats.org/presentationml/2006/main">
+  <p:tag name="AS_UNIQUEID" val="281"/>
+</p:tagLst>
+</file>
+
+<file path=ppt/tags/tag213.xml><?xml version="1.0" encoding="utf-8"?>
+<p:tagLst xmlns:a="http://schemas.openxmlformats.org/drawingml/2006/main" xmlns:r="http://schemas.openxmlformats.org/officeDocument/2006/relationships" xmlns:p="http://schemas.openxmlformats.org/presentationml/2006/main">
+  <p:tag name="AS_UNIQUEID" val="645"/>
+</p:tagLst>
+</file>
+
+<file path=ppt/tags/tag214.xml><?xml version="1.0" encoding="utf-8"?>
+<p:tagLst xmlns:a="http://schemas.openxmlformats.org/drawingml/2006/main" xmlns:r="http://schemas.openxmlformats.org/officeDocument/2006/relationships" xmlns:p="http://schemas.openxmlformats.org/presentationml/2006/main">
+  <p:tag name="AS_UNIQUEID" val="646"/>
+</p:tagLst>
+</file>
+
+<file path=ppt/tags/tag215.xml><?xml version="1.0" encoding="utf-8"?>
+<p:tagLst xmlns:a="http://schemas.openxmlformats.org/drawingml/2006/main" xmlns:r="http://schemas.openxmlformats.org/officeDocument/2006/relationships" xmlns:p="http://schemas.openxmlformats.org/presentationml/2006/main">
+  <p:tag name="AS_UNIQUEID" val="647"/>
+</p:tagLst>
+</file>
+
+<file path=ppt/tags/tag216.xml><?xml version="1.0" encoding="utf-8"?>
+<p:tagLst xmlns:a="http://schemas.openxmlformats.org/drawingml/2006/main" xmlns:r="http://schemas.openxmlformats.org/officeDocument/2006/relationships" xmlns:p="http://schemas.openxmlformats.org/presentationml/2006/main">
+  <p:tag name="AS_UNIQUEID" val="282"/>
+</p:tagLst>
+</file>
+
+<file path=ppt/tags/tag217.xml><?xml version="1.0" encoding="utf-8"?>
+<p:tagLst xmlns:a="http://schemas.openxmlformats.org/drawingml/2006/main" xmlns:r="http://schemas.openxmlformats.org/officeDocument/2006/relationships" xmlns:p="http://schemas.openxmlformats.org/presentationml/2006/main">
+  <p:tag name="AS_UNIQUEID" val="283"/>
+</p:tagLst>
+</file>
+
+<file path=ppt/tags/tag218.xml><?xml version="1.0" encoding="utf-8"?>
+<p:tagLst xmlns:a="http://schemas.openxmlformats.org/drawingml/2006/main" xmlns:r="http://schemas.openxmlformats.org/officeDocument/2006/relationships" xmlns:p="http://schemas.openxmlformats.org/presentationml/2006/main">
+  <p:tag name="AS_UNIQUEID" val="284"/>
+</p:tagLst>
+</file>
+
+<file path=ppt/tags/tag219.xml><?xml version="1.0" encoding="utf-8"?>
+<p:tagLst xmlns:a="http://schemas.openxmlformats.org/drawingml/2006/main" xmlns:r="http://schemas.openxmlformats.org/officeDocument/2006/relationships" xmlns:p="http://schemas.openxmlformats.org/presentationml/2006/main">
+  <p:tag name="AS_UNIQUEID" val="285"/>
+</p:tagLst>
+</file>
+
+<file path=ppt/tags/tag22.xml><?xml version="1.0" encoding="utf-8"?>
+<p:tagLst xmlns:a="http://schemas.openxmlformats.org/drawingml/2006/main" xmlns:r="http://schemas.openxmlformats.org/officeDocument/2006/relationships" xmlns:p="http://schemas.openxmlformats.org/presentationml/2006/main">
+  <p:tag name="AS_UNIQUEID" val="508"/>
+</p:tagLst>
+</file>
+
+<file path=ppt/tags/tag220.xml><?xml version="1.0" encoding="utf-8"?>
+<p:tagLst xmlns:a="http://schemas.openxmlformats.org/drawingml/2006/main" xmlns:r="http://schemas.openxmlformats.org/officeDocument/2006/relationships" xmlns:p="http://schemas.openxmlformats.org/presentationml/2006/main">
+  <p:tag name="AS_UNIQUEID" val="650"/>
+</p:tagLst>
+</file>
+
+<file path=ppt/tags/tag221.xml><?xml version="1.0" encoding="utf-8"?>
+<p:tagLst xmlns:a="http://schemas.openxmlformats.org/drawingml/2006/main" xmlns:r="http://schemas.openxmlformats.org/officeDocument/2006/relationships" xmlns:p="http://schemas.openxmlformats.org/presentationml/2006/main">
+  <p:tag name="AS_UNIQUEID" val="651"/>
+</p:tagLst>
+</file>
+
+<file path=ppt/tags/tag222.xml><?xml version="1.0" encoding="utf-8"?>
+<p:tagLst xmlns:a="http://schemas.openxmlformats.org/drawingml/2006/main" xmlns:r="http://schemas.openxmlformats.org/officeDocument/2006/relationships" xmlns:p="http://schemas.openxmlformats.org/presentationml/2006/main">
+  <p:tag name="AS_UNIQUEID" val="652"/>
+</p:tagLst>
+</file>
+
+<file path=ppt/tags/tag223.xml><?xml version="1.0" encoding="utf-8"?>
+<p:tagLst xmlns:a="http://schemas.openxmlformats.org/drawingml/2006/main" xmlns:r="http://schemas.openxmlformats.org/officeDocument/2006/relationships" xmlns:p="http://schemas.openxmlformats.org/presentationml/2006/main">
+  <p:tag name="AS_UNIQUEID" val="286"/>
+</p:tagLst>
+</file>
+
+<file path=ppt/tags/tag224.xml><?xml version="1.0" encoding="utf-8"?>
+<p:tagLst xmlns:a="http://schemas.openxmlformats.org/drawingml/2006/main" xmlns:r="http://schemas.openxmlformats.org/officeDocument/2006/relationships" xmlns:p="http://schemas.openxmlformats.org/presentationml/2006/main">
+  <p:tag name="AS_UNIQUEID" val="287"/>
+</p:tagLst>
+</file>
+
+<file path=ppt/tags/tag225.xml><?xml version="1.0" encoding="utf-8"?>
+<p:tagLst xmlns:a="http://schemas.openxmlformats.org/drawingml/2006/main" xmlns:r="http://schemas.openxmlformats.org/officeDocument/2006/relationships" xmlns:p="http://schemas.openxmlformats.org/presentationml/2006/main">
+  <p:tag name="AS_UNIQUEID" val="655"/>
+</p:tagLst>
+</file>
+
+<file path=ppt/tags/tag226.xml><?xml version="1.0" encoding="utf-8"?>
+<p:tagLst xmlns:a="http://schemas.openxmlformats.org/drawingml/2006/main" xmlns:r="http://schemas.openxmlformats.org/officeDocument/2006/relationships" xmlns:p="http://schemas.openxmlformats.org/presentationml/2006/main">
+  <p:tag name="AS_UNIQUEID" val="656"/>
+</p:tagLst>
+</file>
+
+<file path=ppt/tags/tag227.xml><?xml version="1.0" encoding="utf-8"?>
+<p:tagLst xmlns:a="http://schemas.openxmlformats.org/drawingml/2006/main" xmlns:r="http://schemas.openxmlformats.org/officeDocument/2006/relationships" xmlns:p="http://schemas.openxmlformats.org/presentationml/2006/main">
+  <p:tag name="AS_UNIQUEID" val="379"/>
+</p:tagLst>
+</file>
+
+<file path=ppt/tags/tag228.xml><?xml version="1.0" encoding="utf-8"?>
+<p:tagLst xmlns:a="http://schemas.openxmlformats.org/drawingml/2006/main" xmlns:r="http://schemas.openxmlformats.org/officeDocument/2006/relationships" xmlns:p="http://schemas.openxmlformats.org/presentationml/2006/main">
+  <p:tag name="AS_UNIQUEID" val="380"/>
+</p:tagLst>
+</file>
+
+<file path=ppt/tags/tag229.xml><?xml version="1.0" encoding="utf-8"?>
+<p:tagLst xmlns:a="http://schemas.openxmlformats.org/drawingml/2006/main" xmlns:r="http://schemas.openxmlformats.org/officeDocument/2006/relationships" xmlns:p="http://schemas.openxmlformats.org/presentationml/2006/main">
+  <p:tag name="AS_UNIQUEID" val="664"/>
+</p:tagLst>
+</file>
+
+<file path=ppt/tags/tag23.xml><?xml version="1.0" encoding="utf-8"?>
+<p:tagLst xmlns:a="http://schemas.openxmlformats.org/drawingml/2006/main" xmlns:r="http://schemas.openxmlformats.org/officeDocument/2006/relationships" xmlns:p="http://schemas.openxmlformats.org/presentationml/2006/main">
+  <p:tag name="AS_UNIQUEID" val="509"/>
+</p:tagLst>
+</file>
+
+<file path=ppt/tags/tag230.xml><?xml version="1.0" encoding="utf-8"?>
+<p:tagLst xmlns:a="http://schemas.openxmlformats.org/drawingml/2006/main" xmlns:r="http://schemas.openxmlformats.org/officeDocument/2006/relationships" xmlns:p="http://schemas.openxmlformats.org/presentationml/2006/main">
+  <p:tag name="AS_UNIQUEID" val="665"/>
+</p:tagLst>
+</file>
+
+<file path=ppt/tags/tag231.xml><?xml version="1.0" encoding="utf-8"?>
+<p:tagLst xmlns:a="http://schemas.openxmlformats.org/drawingml/2006/main" xmlns:r="http://schemas.openxmlformats.org/officeDocument/2006/relationships" xmlns:p="http://schemas.openxmlformats.org/presentationml/2006/main">
+  <p:tag name="AS_UNIQUEID" val="381"/>
+</p:tagLst>
+</file>
+
+<file path=ppt/tags/tag232.xml><?xml version="1.0" encoding="utf-8"?>
+<p:tagLst xmlns:a="http://schemas.openxmlformats.org/drawingml/2006/main" xmlns:r="http://schemas.openxmlformats.org/officeDocument/2006/relationships" xmlns:p="http://schemas.openxmlformats.org/presentationml/2006/main">
+  <p:tag name="AS_UNIQUEID" val="382"/>
+</p:tagLst>
+</file>
+
+<file path=ppt/tags/tag233.xml><?xml version="1.0" encoding="utf-8"?>
+<p:tagLst xmlns:a="http://schemas.openxmlformats.org/drawingml/2006/main" xmlns:r="http://schemas.openxmlformats.org/officeDocument/2006/relationships" xmlns:p="http://schemas.openxmlformats.org/presentationml/2006/main">
+  <p:tag name="AS_UNIQUEID" val="383"/>
+</p:tagLst>
+</file>
+
+<file path=ppt/tags/tag234.xml><?xml version="1.0" encoding="utf-8"?>
+<p:tagLst xmlns:a="http://schemas.openxmlformats.org/drawingml/2006/main" xmlns:r="http://schemas.openxmlformats.org/officeDocument/2006/relationships" xmlns:p="http://schemas.openxmlformats.org/presentationml/2006/main">
+  <p:tag name="AS_UNIQUEID" val="385"/>
+</p:tagLst>
+</file>
+
+<file path=ppt/tags/tag235.xml><?xml version="1.0" encoding="utf-8"?>
+<p:tagLst xmlns:a="http://schemas.openxmlformats.org/drawingml/2006/main" xmlns:r="http://schemas.openxmlformats.org/officeDocument/2006/relationships" xmlns:p="http://schemas.openxmlformats.org/presentationml/2006/main">
+  <p:tag name="AS_UNIQUEID" val="386"/>
+</p:tagLst>
+</file>
+
+<file path=ppt/tags/tag236.xml><?xml version="1.0" encoding="utf-8"?>
+<p:tagLst xmlns:a="http://schemas.openxmlformats.org/drawingml/2006/main" xmlns:r="http://schemas.openxmlformats.org/officeDocument/2006/relationships" xmlns:p="http://schemas.openxmlformats.org/presentationml/2006/main">
+  <p:tag name="AS_UNIQUEID" val="387"/>
+</p:tagLst>
+</file>
+
+<file path=ppt/tags/tag237.xml><?xml version="1.0" encoding="utf-8"?>
+<p:tagLst xmlns:a="http://schemas.openxmlformats.org/drawingml/2006/main" xmlns:r="http://schemas.openxmlformats.org/officeDocument/2006/relationships" xmlns:p="http://schemas.openxmlformats.org/presentationml/2006/main">
+  <p:tag name="AS_UNIQUEID" val="388"/>
+</p:tagLst>
+</file>
+
+<file path=ppt/tags/tag238.xml><?xml version="1.0" encoding="utf-8"?>
+<p:tagLst xmlns:a="http://schemas.openxmlformats.org/drawingml/2006/main" xmlns:r="http://schemas.openxmlformats.org/officeDocument/2006/relationships" xmlns:p="http://schemas.openxmlformats.org/presentationml/2006/main">
+  <p:tag name="AS_UNIQUEID" val="389"/>
+</p:tagLst>
+</file>
+
+<file path=ppt/tags/tag239.xml><?xml version="1.0" encoding="utf-8"?>
+<p:tagLst xmlns:a="http://schemas.openxmlformats.org/drawingml/2006/main" xmlns:r="http://schemas.openxmlformats.org/officeDocument/2006/relationships" xmlns:p="http://schemas.openxmlformats.org/presentationml/2006/main">
+  <p:tag name="AS_UNIQUEID" val="390"/>
+</p:tagLst>
+</file>
+
+<file path=ppt/tags/tag24.xml><?xml version="1.0" encoding="utf-8"?>
+<p:tagLst xmlns:a="http://schemas.openxmlformats.org/drawingml/2006/main" xmlns:r="http://schemas.openxmlformats.org/officeDocument/2006/relationships" xmlns:p="http://schemas.openxmlformats.org/presentationml/2006/main">
+  <p:tag name="AS_UNIQUEID" val="510"/>
+</p:tagLst>
+</file>
+
+<file path=ppt/tags/tag240.xml><?xml version="1.0" encoding="utf-8"?>
+<p:tagLst xmlns:a="http://schemas.openxmlformats.org/drawingml/2006/main" xmlns:r="http://schemas.openxmlformats.org/officeDocument/2006/relationships" xmlns:p="http://schemas.openxmlformats.org/presentationml/2006/main">
+  <p:tag name="AS_UNIQUEID" val="391"/>
+</p:tagLst>
+</file>
+
+<file path=ppt/tags/tag241.xml><?xml version="1.0" encoding="utf-8"?>
+<p:tagLst xmlns:a="http://schemas.openxmlformats.org/drawingml/2006/main" xmlns:r="http://schemas.openxmlformats.org/officeDocument/2006/relationships" xmlns:p="http://schemas.openxmlformats.org/presentationml/2006/main">
+  <p:tag name="AS_UNIQUEID" val="392"/>
+</p:tagLst>
+</file>
+
+<file path=ppt/tags/tag242.xml><?xml version="1.0" encoding="utf-8"?>
+<p:tagLst xmlns:a="http://schemas.openxmlformats.org/drawingml/2006/main" xmlns:r="http://schemas.openxmlformats.org/officeDocument/2006/relationships" xmlns:p="http://schemas.openxmlformats.org/presentationml/2006/main">
+  <p:tag name="AS_UNIQUEID" val="393"/>
+</p:tagLst>
+</file>
+
+<file path=ppt/tags/tag243.xml><?xml version="1.0" encoding="utf-8"?>
+<p:tagLst xmlns:a="http://schemas.openxmlformats.org/drawingml/2006/main" xmlns:r="http://schemas.openxmlformats.org/officeDocument/2006/relationships" xmlns:p="http://schemas.openxmlformats.org/presentationml/2006/main">
+  <p:tag name="AS_UNIQUEID" val="394"/>
+</p:tagLst>
+</file>
+
+<file path=ppt/tags/tag244.xml><?xml version="1.0" encoding="utf-8"?>
+<p:tagLst xmlns:a="http://schemas.openxmlformats.org/drawingml/2006/main" xmlns:r="http://schemas.openxmlformats.org/officeDocument/2006/relationships" xmlns:p="http://schemas.openxmlformats.org/presentationml/2006/main">
+  <p:tag name="AS_UNIQUEID" val="395"/>
+</p:tagLst>
+</file>
+
+<file path=ppt/tags/tag245.xml><?xml version="1.0" encoding="utf-8"?>
+<p:tagLst xmlns:a="http://schemas.openxmlformats.org/drawingml/2006/main" xmlns:r="http://schemas.openxmlformats.org/officeDocument/2006/relationships" xmlns:p="http://schemas.openxmlformats.org/presentationml/2006/main">
+  <p:tag name="AS_UNIQUEID" val="396"/>
+</p:tagLst>
+</file>
+
+<file path=ppt/tags/tag246.xml><?xml version="1.0" encoding="utf-8"?>
+<p:tagLst xmlns:a="http://schemas.openxmlformats.org/drawingml/2006/main" xmlns:r="http://schemas.openxmlformats.org/officeDocument/2006/relationships" xmlns:p="http://schemas.openxmlformats.org/presentationml/2006/main">
+  <p:tag name="AS_UNIQUEID" val="397"/>
+</p:tagLst>
+</file>
+
+<file path=ppt/tags/tag247.xml><?xml version="1.0" encoding="utf-8"?>
+<p:tagLst xmlns:a="http://schemas.openxmlformats.org/drawingml/2006/main" xmlns:r="http://schemas.openxmlformats.org/officeDocument/2006/relationships" xmlns:p="http://schemas.openxmlformats.org/presentationml/2006/main">
+  <p:tag name="AS_UNIQUEID" val="398"/>
+</p:tagLst>
+</file>
+
+<file path=ppt/tags/tag248.xml><?xml version="1.0" encoding="utf-8"?>
+<p:tagLst xmlns:a="http://schemas.openxmlformats.org/drawingml/2006/main" xmlns:r="http://schemas.openxmlformats.org/officeDocument/2006/relationships" xmlns:p="http://schemas.openxmlformats.org/presentationml/2006/main">
+  <p:tag name="AS_UNIQUEID" val="399"/>
+</p:tagLst>
+</file>
+
+<file path=ppt/tags/tag249.xml><?xml version="1.0" encoding="utf-8"?>
+<p:tagLst xmlns:a="http://schemas.openxmlformats.org/drawingml/2006/main" xmlns:r="http://schemas.openxmlformats.org/officeDocument/2006/relationships" xmlns:p="http://schemas.openxmlformats.org/presentationml/2006/main">
+  <p:tag name="AS_UNIQUEID" val="400"/>
+</p:tagLst>
+</file>
+
+<file path=ppt/tags/tag25.xml><?xml version="1.0" encoding="utf-8"?>
+<p:tagLst xmlns:a="http://schemas.openxmlformats.org/drawingml/2006/main" xmlns:r="http://schemas.openxmlformats.org/officeDocument/2006/relationships" xmlns:p="http://schemas.openxmlformats.org/presentationml/2006/main">
+  <p:tag name="AS_UNIQUEID" val="511"/>
+</p:tagLst>
+</file>
+
+<file path=ppt/tags/tag250.xml><?xml version="1.0" encoding="utf-8"?>
+<p:tagLst xmlns:a="http://schemas.openxmlformats.org/drawingml/2006/main" xmlns:r="http://schemas.openxmlformats.org/officeDocument/2006/relationships" xmlns:p="http://schemas.openxmlformats.org/presentationml/2006/main">
+  <p:tag name="AS_UNIQUEID" val="401"/>
+</p:tagLst>
+</file>
+
+<file path=ppt/tags/tag251.xml><?xml version="1.0" encoding="utf-8"?>
+<p:tagLst xmlns:a="http://schemas.openxmlformats.org/drawingml/2006/main" xmlns:r="http://schemas.openxmlformats.org/officeDocument/2006/relationships" xmlns:p="http://schemas.openxmlformats.org/presentationml/2006/main">
+  <p:tag name="AS_UNIQUEID" val="402"/>
+</p:tagLst>
+</file>
+
+<file path=ppt/tags/tag252.xml><?xml version="1.0" encoding="utf-8"?>
+<p:tagLst xmlns:a="http://schemas.openxmlformats.org/drawingml/2006/main" xmlns:r="http://schemas.openxmlformats.org/officeDocument/2006/relationships" xmlns:p="http://schemas.openxmlformats.org/presentationml/2006/main">
+  <p:tag name="AS_UNIQUEID" val="403"/>
+</p:tagLst>
+</file>
+
+<file path=ppt/tags/tag253.xml><?xml version="1.0" encoding="utf-8"?>
+<p:tagLst xmlns:a="http://schemas.openxmlformats.org/drawingml/2006/main" xmlns:r="http://schemas.openxmlformats.org/officeDocument/2006/relationships" xmlns:p="http://schemas.openxmlformats.org/presentationml/2006/main">
+  <p:tag name="AS_UNIQUEID" val="404"/>
+</p:tagLst>
+</file>
+
+<file path=ppt/tags/tag254.xml><?xml version="1.0" encoding="utf-8"?>
+<p:tagLst xmlns:a="http://schemas.openxmlformats.org/drawingml/2006/main" xmlns:r="http://schemas.openxmlformats.org/officeDocument/2006/relationships" xmlns:p="http://schemas.openxmlformats.org/presentationml/2006/main">
+  <p:tag name="AS_UNIQUEID" val="405"/>
+</p:tagLst>
+</file>
+
+<file path=ppt/tags/tag255.xml><?xml version="1.0" encoding="utf-8"?>
+<p:tagLst xmlns:a="http://schemas.openxmlformats.org/drawingml/2006/main" xmlns:r="http://schemas.openxmlformats.org/officeDocument/2006/relationships" xmlns:p="http://schemas.openxmlformats.org/presentationml/2006/main">
+  <p:tag name="AS_UNIQUEID" val="406"/>
+</p:tagLst>
+</file>
+
+<file path=ppt/tags/tag256.xml><?xml version="1.0" encoding="utf-8"?>
+<p:tagLst xmlns:a="http://schemas.openxmlformats.org/drawingml/2006/main" xmlns:r="http://schemas.openxmlformats.org/officeDocument/2006/relationships" xmlns:p="http://schemas.openxmlformats.org/presentationml/2006/main">
+  <p:tag name="AS_UNIQUEID" val="407"/>
+</p:tagLst>
+</file>
+
+<file path=ppt/tags/tag257.xml><?xml version="1.0" encoding="utf-8"?>
+<p:tagLst xmlns:a="http://schemas.openxmlformats.org/drawingml/2006/main" xmlns:r="http://schemas.openxmlformats.org/officeDocument/2006/relationships" xmlns:p="http://schemas.openxmlformats.org/presentationml/2006/main">
+  <p:tag name="AS_UNIQUEID" val="408"/>
+</p:tagLst>
+</file>
+
+<file path=ppt/tags/tag258.xml><?xml version="1.0" encoding="utf-8"?>
+<p:tagLst xmlns:a="http://schemas.openxmlformats.org/drawingml/2006/main" xmlns:r="http://schemas.openxmlformats.org/officeDocument/2006/relationships" xmlns:p="http://schemas.openxmlformats.org/presentationml/2006/main">
+  <p:tag name="AS_UNIQUEID" val="409"/>
+</p:tagLst>
+</file>
+
+<file path=ppt/tags/tag259.xml><?xml version="1.0" encoding="utf-8"?>
+<p:tagLst xmlns:a="http://schemas.openxmlformats.org/drawingml/2006/main" xmlns:r="http://schemas.openxmlformats.org/officeDocument/2006/relationships" xmlns:p="http://schemas.openxmlformats.org/presentationml/2006/main">
+  <p:tag name="AS_UNIQUEID" val="410"/>
+</p:tagLst>
+</file>
+
+<file path=ppt/tags/tag26.xml><?xml version="1.0" encoding="utf-8"?>
+<p:tagLst xmlns:a="http://schemas.openxmlformats.org/drawingml/2006/main" xmlns:r="http://schemas.openxmlformats.org/officeDocument/2006/relationships" xmlns:p="http://schemas.openxmlformats.org/presentationml/2006/main">
+  <p:tag name="AS_UNIQUEID" val="512"/>
+</p:tagLst>
+</file>
+
+<file path=ppt/tags/tag260.xml><?xml version="1.0" encoding="utf-8"?>
+<p:tagLst xmlns:a="http://schemas.openxmlformats.org/drawingml/2006/main" xmlns:r="http://schemas.openxmlformats.org/officeDocument/2006/relationships" xmlns:p="http://schemas.openxmlformats.org/presentationml/2006/main">
+  <p:tag name="AS_UNIQUEID" val="411"/>
+</p:tagLst>
+</file>
+
+<file path=ppt/tags/tag261.xml><?xml version="1.0" encoding="utf-8"?>
+<p:tagLst xmlns:a="http://schemas.openxmlformats.org/drawingml/2006/main" xmlns:r="http://schemas.openxmlformats.org/officeDocument/2006/relationships" xmlns:p="http://schemas.openxmlformats.org/presentationml/2006/main">
+  <p:tag name="AS_UNIQUEID" val="412"/>
+</p:tagLst>
+</file>
+
+<file path=ppt/tags/tag262.xml><?xml version="1.0" encoding="utf-8"?>
+<p:tagLst xmlns:a="http://schemas.openxmlformats.org/drawingml/2006/main" xmlns:r="http://schemas.openxmlformats.org/officeDocument/2006/relationships" xmlns:p="http://schemas.openxmlformats.org/presentationml/2006/main">
+  <p:tag name="AS_UNIQUEID" val="413"/>
+</p:tagLst>
+</file>
+
+<file path=ppt/tags/tag263.xml><?xml version="1.0" encoding="utf-8"?>
+<p:tagLst xmlns:a="http://schemas.openxmlformats.org/drawingml/2006/main" xmlns:r="http://schemas.openxmlformats.org/officeDocument/2006/relationships" xmlns:p="http://schemas.openxmlformats.org/presentationml/2006/main">
+  <p:tag name="AS_UNIQUEID" val="414"/>
+</p:tagLst>
+</file>
+
+<file path=ppt/tags/tag264.xml><?xml version="1.0" encoding="utf-8"?>
+<p:tagLst xmlns:a="http://schemas.openxmlformats.org/drawingml/2006/main" xmlns:r="http://schemas.openxmlformats.org/officeDocument/2006/relationships" xmlns:p="http://schemas.openxmlformats.org/presentationml/2006/main">
+  <p:tag name="AS_UNIQUEID" val="415"/>
+</p:tagLst>
+</file>
+
+<file path=ppt/tags/tag265.xml><?xml version="1.0" encoding="utf-8"?>
+<p:tagLst xmlns:a="http://schemas.openxmlformats.org/drawingml/2006/main" xmlns:r="http://schemas.openxmlformats.org/officeDocument/2006/relationships" xmlns:p="http://schemas.openxmlformats.org/presentationml/2006/main">
+  <p:tag name="AS_UNIQUEID" val="416"/>
+</p:tagLst>
+</file>
+
+<file path=ppt/tags/tag266.xml><?xml version="1.0" encoding="utf-8"?>
+<p:tagLst xmlns:a="http://schemas.openxmlformats.org/drawingml/2006/main" xmlns:r="http://schemas.openxmlformats.org/officeDocument/2006/relationships" xmlns:p="http://schemas.openxmlformats.org/presentationml/2006/main">
+  <p:tag name="AS_UNIQUEID" val="417"/>
+</p:tagLst>
+</file>
+
+<file path=ppt/tags/tag267.xml><?xml version="1.0" encoding="utf-8"?>
+<p:tagLst xmlns:a="http://schemas.openxmlformats.org/drawingml/2006/main" xmlns:r="http://schemas.openxmlformats.org/officeDocument/2006/relationships" xmlns:p="http://schemas.openxmlformats.org/presentationml/2006/main">
+  <p:tag name="AS_UNIQUEID" val="418"/>
+</p:tagLst>
+</file>
+
+<file path=ppt/tags/tag268.xml><?xml version="1.0" encoding="utf-8"?>
+<p:tagLst xmlns:a="http://schemas.openxmlformats.org/drawingml/2006/main" xmlns:r="http://schemas.openxmlformats.org/officeDocument/2006/relationships" xmlns:p="http://schemas.openxmlformats.org/presentationml/2006/main">
+  <p:tag name="AS_UNIQUEID" val="419"/>
+</p:tagLst>
+</file>
+
+<file path=ppt/tags/tag269.xml><?xml version="1.0" encoding="utf-8"?>
+<p:tagLst xmlns:a="http://schemas.openxmlformats.org/drawingml/2006/main" xmlns:r="http://schemas.openxmlformats.org/officeDocument/2006/relationships" xmlns:p="http://schemas.openxmlformats.org/presentationml/2006/main">
+  <p:tag name="AS_UNIQUEID" val="420"/>
+</p:tagLst>
+</file>
+
+<file path=ppt/tags/tag27.xml><?xml version="1.0" encoding="utf-8"?>
+<p:tagLst xmlns:a="http://schemas.openxmlformats.org/drawingml/2006/main" xmlns:r="http://schemas.openxmlformats.org/officeDocument/2006/relationships" xmlns:p="http://schemas.openxmlformats.org/presentationml/2006/main">
+  <p:tag name="AS_UNIQUEID" val="513"/>
+</p:tagLst>
+</file>
+
+<file path=ppt/tags/tag270.xml><?xml version="1.0" encoding="utf-8"?>
+<p:tagLst xmlns:a="http://schemas.openxmlformats.org/drawingml/2006/main" xmlns:r="http://schemas.openxmlformats.org/officeDocument/2006/relationships" xmlns:p="http://schemas.openxmlformats.org/presentationml/2006/main">
+  <p:tag name="AS_UNIQUEID" val="421"/>
+</p:tagLst>
+</file>
+
+<file path=ppt/tags/tag271.xml><?xml version="1.0" encoding="utf-8"?>
+<p:tagLst xmlns:a="http://schemas.openxmlformats.org/drawingml/2006/main" xmlns:r="http://schemas.openxmlformats.org/officeDocument/2006/relationships" xmlns:p="http://schemas.openxmlformats.org/presentationml/2006/main">
+  <p:tag name="AS_UNIQUEID" val="422"/>
+</p:tagLst>
+</file>
+
+<file path=ppt/tags/tag272.xml><?xml version="1.0" encoding="utf-8"?>
+<p:tagLst xmlns:a="http://schemas.openxmlformats.org/drawingml/2006/main" xmlns:r="http://schemas.openxmlformats.org/officeDocument/2006/relationships" xmlns:p="http://schemas.openxmlformats.org/presentationml/2006/main">
+  <p:tag name="AS_UNIQUEID" val="423"/>
+</p:tagLst>
+</file>
+
+<file path=ppt/tags/tag273.xml><?xml version="1.0" encoding="utf-8"?>
+<p:tagLst xmlns:a="http://schemas.openxmlformats.org/drawingml/2006/main" xmlns:r="http://schemas.openxmlformats.org/officeDocument/2006/relationships" xmlns:p="http://schemas.openxmlformats.org/presentationml/2006/main">
+  <p:tag name="AS_UNIQUEID" val="424"/>
+</p:tagLst>
+</file>
+
+<file path=ppt/tags/tag274.xml><?xml version="1.0" encoding="utf-8"?>
+<p:tagLst xmlns:a="http://schemas.openxmlformats.org/drawingml/2006/main" xmlns:r="http://schemas.openxmlformats.org/officeDocument/2006/relationships" xmlns:p="http://schemas.openxmlformats.org/presentationml/2006/main">
+  <p:tag name="AS_UNIQUEID" val="425"/>
+</p:tagLst>
+</file>
+
+<file path=ppt/tags/tag275.xml><?xml version="1.0" encoding="utf-8"?>
+<p:tagLst xmlns:a="http://schemas.openxmlformats.org/drawingml/2006/main" xmlns:r="http://schemas.openxmlformats.org/officeDocument/2006/relationships" xmlns:p="http://schemas.openxmlformats.org/presentationml/2006/main">
   <p:tag name="AS_UNIQUEID" val="196"/>
 </p:tagLst>
 </file>
 
-<file path=ppt/tags/tag189.xml><?xml version="1.0" encoding="utf-8"?>
-<p:tagLst xmlns:a="http://schemas.openxmlformats.org/drawingml/2006/main" xmlns:r="http://schemas.openxmlformats.org/officeDocument/2006/relationships" xmlns:p="http://schemas.openxmlformats.org/presentationml/2006/main">
-  <p:tag name="AS_UNIQUEID" val="623"/>
-</p:tagLst>
-</file>
-
-<file path=ppt/tags/tag19.xml><?xml version="1.0" encoding="utf-8"?>
-<p:tagLst xmlns:a="http://schemas.openxmlformats.org/drawingml/2006/main" xmlns:r="http://schemas.openxmlformats.org/officeDocument/2006/relationships" xmlns:p="http://schemas.openxmlformats.org/presentationml/2006/main">
-  <p:tag name="AS_UNIQUEID" val="504"/>
-</p:tagLst>
-</file>
-
-<file path=ppt/tags/tag190.xml><?xml version="1.0" encoding="utf-8"?>
-<p:tagLst xmlns:a="http://schemas.openxmlformats.org/drawingml/2006/main" xmlns:r="http://schemas.openxmlformats.org/officeDocument/2006/relationships" xmlns:p="http://schemas.openxmlformats.org/presentationml/2006/main">
-  <p:tag name="AS_UNIQUEID" val="624"/>
-</p:tagLst>
-</file>
-
-<file path=ppt/tags/tag191.xml><?xml version="1.0" encoding="utf-8"?>
-<p:tagLst xmlns:a="http://schemas.openxmlformats.org/drawingml/2006/main" xmlns:r="http://schemas.openxmlformats.org/officeDocument/2006/relationships" xmlns:p="http://schemas.openxmlformats.org/presentationml/2006/main">
-  <p:tag name="AS_UNIQUEID" val="626"/>
-</p:tagLst>
-</file>
-
-<file path=ppt/tags/tag192.xml><?xml version="1.0" encoding="utf-8"?>
-<p:tagLst xmlns:a="http://schemas.openxmlformats.org/drawingml/2006/main" xmlns:r="http://schemas.openxmlformats.org/officeDocument/2006/relationships" xmlns:p="http://schemas.openxmlformats.org/presentationml/2006/main">
-  <p:tag name="AS_UNIQUEID" val="627"/>
-</p:tagLst>
-</file>
-
-<file path=ppt/tags/tag193.xml><?xml version="1.0" encoding="utf-8"?>
-<p:tagLst xmlns:a="http://schemas.openxmlformats.org/drawingml/2006/main" xmlns:r="http://schemas.openxmlformats.org/officeDocument/2006/relationships" xmlns:p="http://schemas.openxmlformats.org/presentationml/2006/main">
-  <p:tag name="AS_UNIQUEID" val="628"/>
-</p:tagLst>
-</file>
-
-<file path=ppt/tags/tag194.xml><?xml version="1.0" encoding="utf-8"?>
-<p:tagLst xmlns:a="http://schemas.openxmlformats.org/drawingml/2006/main" xmlns:r="http://schemas.openxmlformats.org/officeDocument/2006/relationships" xmlns:p="http://schemas.openxmlformats.org/presentationml/2006/main">
-  <p:tag name="AS_UNIQUEID" val="629"/>
-</p:tagLst>
-</file>
-
-<file path=ppt/tags/tag195.xml><?xml version="1.0" encoding="utf-8"?>
-<p:tagLst xmlns:a="http://schemas.openxmlformats.org/drawingml/2006/main" xmlns:r="http://schemas.openxmlformats.org/officeDocument/2006/relationships" xmlns:p="http://schemas.openxmlformats.org/presentationml/2006/main">
-  <p:tag name="AS_UNIQUEID" val="630"/>
-</p:tagLst>
-</file>
-
-<file path=ppt/tags/tag196.xml><?xml version="1.0" encoding="utf-8"?>
-<p:tagLst xmlns:a="http://schemas.openxmlformats.org/drawingml/2006/main" xmlns:r="http://schemas.openxmlformats.org/officeDocument/2006/relationships" xmlns:p="http://schemas.openxmlformats.org/presentationml/2006/main">
-  <p:tag name="AS_UNIQUEID" val="631"/>
-</p:tagLst>
-</file>
-
-<file path=ppt/tags/tag197.xml><?xml version="1.0" encoding="utf-8"?>
-<p:tagLst xmlns:a="http://schemas.openxmlformats.org/drawingml/2006/main" xmlns:r="http://schemas.openxmlformats.org/officeDocument/2006/relationships" xmlns:p="http://schemas.openxmlformats.org/presentationml/2006/main">
-  <p:tag name="AS_UNIQUEID" val="632"/>
-</p:tagLst>
-</file>
-
-<file path=ppt/tags/tag198.xml><?xml version="1.0" encoding="utf-8"?>
-<p:tagLst xmlns:a="http://schemas.openxmlformats.org/drawingml/2006/main" xmlns:r="http://schemas.openxmlformats.org/officeDocument/2006/relationships" xmlns:p="http://schemas.openxmlformats.org/presentationml/2006/main">
-  <p:tag name="AS_UNIQUEID" val="633"/>
-</p:tagLst>
-</file>
-
-<file path=ppt/tags/tag199.xml><?xml version="1.0" encoding="utf-8"?>
-<p:tagLst xmlns:a="http://schemas.openxmlformats.org/drawingml/2006/main" xmlns:r="http://schemas.openxmlformats.org/officeDocument/2006/relationships" xmlns:p="http://schemas.openxmlformats.org/presentationml/2006/main">
-  <p:tag name="AS_UNIQUEID" val="634"/>
-</p:tagLst>
-</file>
-
-<file path=ppt/tags/tag2.xml><?xml version="1.0" encoding="utf-8"?>
-<p:tagLst xmlns:a="http://schemas.openxmlformats.org/drawingml/2006/main" xmlns:r="http://schemas.openxmlformats.org/officeDocument/2006/relationships" xmlns:p="http://schemas.openxmlformats.org/presentationml/2006/main">
-  <p:tag name="AS_UNIQUEID" val="559"/>
-</p:tagLst>
-</file>
-
-<file path=ppt/tags/tag20.xml><?xml version="1.0" encoding="utf-8"?>
-<p:tagLst xmlns:a="http://schemas.openxmlformats.org/drawingml/2006/main" xmlns:r="http://schemas.openxmlformats.org/officeDocument/2006/relationships" xmlns:p="http://schemas.openxmlformats.org/presentationml/2006/main">
-  <p:tag name="AS_UNIQUEID" val="505"/>
-</p:tagLst>
-</file>
-
-<file path=ppt/tags/tag200.xml><?xml version="1.0" encoding="utf-8"?>
-<p:tagLst xmlns:a="http://schemas.openxmlformats.org/drawingml/2006/main" xmlns:r="http://schemas.openxmlformats.org/officeDocument/2006/relationships" xmlns:p="http://schemas.openxmlformats.org/presentationml/2006/main">
-  <p:tag name="AS_UNIQUEID" val="635"/>
-</p:tagLst>
-</file>
-
-<file path=ppt/tags/tag201.xml><?xml version="1.0" encoding="utf-8"?>
-<p:tagLst xmlns:a="http://schemas.openxmlformats.org/drawingml/2006/main" xmlns:r="http://schemas.openxmlformats.org/officeDocument/2006/relationships" xmlns:p="http://schemas.openxmlformats.org/presentationml/2006/main">
-  <p:tag name="AS_UNIQUEID" val="636"/>
-</p:tagLst>
-</file>
-
-<file path=ppt/tags/tag202.xml><?xml version="1.0" encoding="utf-8"?>
-<p:tagLst xmlns:a="http://schemas.openxmlformats.org/drawingml/2006/main" xmlns:r="http://schemas.openxmlformats.org/officeDocument/2006/relationships" xmlns:p="http://schemas.openxmlformats.org/presentationml/2006/main">
-  <p:tag name="AS_UNIQUEID" val="637"/>
-</p:tagLst>
-</file>
-
-<file path=ppt/tags/tag203.xml><?xml version="1.0" encoding="utf-8"?>
-<p:tagLst xmlns:a="http://schemas.openxmlformats.org/drawingml/2006/main" xmlns:r="http://schemas.openxmlformats.org/officeDocument/2006/relationships" xmlns:p="http://schemas.openxmlformats.org/presentationml/2006/main">
-  <p:tag name="AS_UNIQUEID" val="638"/>
-</p:tagLst>
-</file>
-
-<file path=ppt/tags/tag204.xml><?xml version="1.0" encoding="utf-8"?>
-<p:tagLst xmlns:a="http://schemas.openxmlformats.org/drawingml/2006/main" xmlns:r="http://schemas.openxmlformats.org/officeDocument/2006/relationships" xmlns:p="http://schemas.openxmlformats.org/presentationml/2006/main">
-  <p:tag name="AS_UNIQUEID" val="639"/>
-</p:tagLst>
-</file>
-
-<file path=ppt/tags/tag205.xml><?xml version="1.0" encoding="utf-8"?>
-<p:tagLst xmlns:a="http://schemas.openxmlformats.org/drawingml/2006/main" xmlns:r="http://schemas.openxmlformats.org/officeDocument/2006/relationships" xmlns:p="http://schemas.openxmlformats.org/presentationml/2006/main">
-  <p:tag name="AS_UNIQUEID" val="620"/>
-</p:tagLst>
-</file>
-
-<file path=ppt/tags/tag206.xml><?xml version="1.0" encoding="utf-8"?>
-<p:tagLst xmlns:a="http://schemas.openxmlformats.org/drawingml/2006/main" xmlns:r="http://schemas.openxmlformats.org/officeDocument/2006/relationships" xmlns:p="http://schemas.openxmlformats.org/presentationml/2006/main">
-  <p:tag name="AS_UNIQUEID" val="621"/>
-</p:tagLst>
-</file>
-
-<file path=ppt/tags/tag207.xml><?xml version="1.0" encoding="utf-8"?>
-<p:tagLst xmlns:a="http://schemas.openxmlformats.org/drawingml/2006/main" xmlns:r="http://schemas.openxmlformats.org/officeDocument/2006/relationships" xmlns:p="http://schemas.openxmlformats.org/presentationml/2006/main">
-  <p:tag name="AS_UNIQUEID" val="277"/>
-</p:tagLst>
-</file>
-
-<file path=ppt/tags/tag208.xml><?xml version="1.0" encoding="utf-8"?>
-<p:tagLst xmlns:a="http://schemas.openxmlformats.org/drawingml/2006/main" xmlns:r="http://schemas.openxmlformats.org/officeDocument/2006/relationships" xmlns:p="http://schemas.openxmlformats.org/presentationml/2006/main">
-  <p:tag name="AS_UNIQUEID" val="278"/>
-</p:tagLst>
-</file>
-
-<file path=ppt/tags/tag209.xml><?xml version="1.0" encoding="utf-8"?>
-<p:tagLst xmlns:a="http://schemas.openxmlformats.org/drawingml/2006/main" xmlns:r="http://schemas.openxmlformats.org/officeDocument/2006/relationships" xmlns:p="http://schemas.openxmlformats.org/presentationml/2006/main">
-  <p:tag name="AS_UNIQUEID" val="279"/>
-</p:tagLst>
-</file>
-
-<file path=ppt/tags/tag21.xml><?xml version="1.0" encoding="utf-8"?>
-<p:tagLst xmlns:a="http://schemas.openxmlformats.org/drawingml/2006/main" xmlns:r="http://schemas.openxmlformats.org/officeDocument/2006/relationships" xmlns:p="http://schemas.openxmlformats.org/presentationml/2006/main">
-  <p:tag name="AS_UNIQUEID" val="506"/>
-</p:tagLst>
-</file>
-
-<file path=ppt/tags/tag210.xml><?xml version="1.0" encoding="utf-8"?>
-<p:tagLst xmlns:a="http://schemas.openxmlformats.org/drawingml/2006/main" xmlns:r="http://schemas.openxmlformats.org/officeDocument/2006/relationships" xmlns:p="http://schemas.openxmlformats.org/presentationml/2006/main">
-  <p:tag name="AS_UNIQUEID" val="641"/>
-</p:tagLst>
-</file>
-
-<file path=ppt/tags/tag211.xml><?xml version="1.0" encoding="utf-8"?>
-<p:tagLst xmlns:a="http://schemas.openxmlformats.org/drawingml/2006/main" xmlns:r="http://schemas.openxmlformats.org/officeDocument/2006/relationships" xmlns:p="http://schemas.openxmlformats.org/presentationml/2006/main">
-  <p:tag name="AS_UNIQUEID" val="642"/>
-</p:tagLst>
-</file>
-
-<file path=ppt/tags/tag212.xml><?xml version="1.0" encoding="utf-8"?>
-<p:tagLst xmlns:a="http://schemas.openxmlformats.org/drawingml/2006/main" xmlns:r="http://schemas.openxmlformats.org/officeDocument/2006/relationships" xmlns:p="http://schemas.openxmlformats.org/presentationml/2006/main">
-  <p:tag name="AS_UNIQUEID" val="280"/>
-</p:tagLst>
-</file>
-
-<file path=ppt/tags/tag213.xml><?xml version="1.0" encoding="utf-8"?>
-<p:tagLst xmlns:a="http://schemas.openxmlformats.org/drawingml/2006/main" xmlns:r="http://schemas.openxmlformats.org/officeDocument/2006/relationships" xmlns:p="http://schemas.openxmlformats.org/presentationml/2006/main">
-  <p:tag name="AS_UNIQUEID" val="281"/>
-</p:tagLst>
-</file>
-
-<file path=ppt/tags/tag214.xml><?xml version="1.0" encoding="utf-8"?>
-<p:tagLst xmlns:a="http://schemas.openxmlformats.org/drawingml/2006/main" xmlns:r="http://schemas.openxmlformats.org/officeDocument/2006/relationships" xmlns:p="http://schemas.openxmlformats.org/presentationml/2006/main">
-  <p:tag name="AS_UNIQUEID" val="645"/>
-</p:tagLst>
-</file>
-
-<file path=ppt/tags/tag215.xml><?xml version="1.0" encoding="utf-8"?>
-<p:tagLst xmlns:a="http://schemas.openxmlformats.org/drawingml/2006/main" xmlns:r="http://schemas.openxmlformats.org/officeDocument/2006/relationships" xmlns:p="http://schemas.openxmlformats.org/presentationml/2006/main">
-  <p:tag name="AS_UNIQUEID" val="646"/>
-</p:tagLst>
-</file>
-
-<file path=ppt/tags/tag216.xml><?xml version="1.0" encoding="utf-8"?>
-<p:tagLst xmlns:a="http://schemas.openxmlformats.org/drawingml/2006/main" xmlns:r="http://schemas.openxmlformats.org/officeDocument/2006/relationships" xmlns:p="http://schemas.openxmlformats.org/presentationml/2006/main">
-  <p:tag name="AS_UNIQUEID" val="647"/>
-</p:tagLst>
-</file>
-
-<file path=ppt/tags/tag217.xml><?xml version="1.0" encoding="utf-8"?>
-<p:tagLst xmlns:a="http://schemas.openxmlformats.org/drawingml/2006/main" xmlns:r="http://schemas.openxmlformats.org/officeDocument/2006/relationships" xmlns:p="http://schemas.openxmlformats.org/presentationml/2006/main">
-  <p:tag name="AS_UNIQUEID" val="282"/>
-</p:tagLst>
-</file>
-
-<file path=ppt/tags/tag218.xml><?xml version="1.0" encoding="utf-8"?>
-<p:tagLst xmlns:a="http://schemas.openxmlformats.org/drawingml/2006/main" xmlns:r="http://schemas.openxmlformats.org/officeDocument/2006/relationships" xmlns:p="http://schemas.openxmlformats.org/presentationml/2006/main">
-  <p:tag name="AS_UNIQUEID" val="283"/>
-</p:tagLst>
-</file>
-
-<file path=ppt/tags/tag219.xml><?xml version="1.0" encoding="utf-8"?>
-<p:tagLst xmlns:a="http://schemas.openxmlformats.org/drawingml/2006/main" xmlns:r="http://schemas.openxmlformats.org/officeDocument/2006/relationships" xmlns:p="http://schemas.openxmlformats.org/presentationml/2006/main">
-  <p:tag name="AS_UNIQUEID" val="284"/>
-</p:tagLst>
-</file>
-
-<file path=ppt/tags/tag22.xml><?xml version="1.0" encoding="utf-8"?>
-<p:tagLst xmlns:a="http://schemas.openxmlformats.org/drawingml/2006/main" xmlns:r="http://schemas.openxmlformats.org/officeDocument/2006/relationships" xmlns:p="http://schemas.openxmlformats.org/presentationml/2006/main">
-  <p:tag name="AS_UNIQUEID" val="508"/>
-</p:tagLst>
-</file>
-
-<file path=ppt/tags/tag220.xml><?xml version="1.0" encoding="utf-8"?>
-<p:tagLst xmlns:a="http://schemas.openxmlformats.org/drawingml/2006/main" xmlns:r="http://schemas.openxmlformats.org/officeDocument/2006/relationships" xmlns:p="http://schemas.openxmlformats.org/presentationml/2006/main">
-  <p:tag name="AS_UNIQUEID" val="285"/>
-</p:tagLst>
-</file>
-
-<file path=ppt/tags/tag221.xml><?xml version="1.0" encoding="utf-8"?>
-<p:tagLst xmlns:a="http://schemas.openxmlformats.org/drawingml/2006/main" xmlns:r="http://schemas.openxmlformats.org/officeDocument/2006/relationships" xmlns:p="http://schemas.openxmlformats.org/presentationml/2006/main">
-  <p:tag name="AS_UNIQUEID" val="650"/>
-</p:tagLst>
-</file>
-
-<file path=ppt/tags/tag222.xml><?xml version="1.0" encoding="utf-8"?>
-<p:tagLst xmlns:a="http://schemas.openxmlformats.org/drawingml/2006/main" xmlns:r="http://schemas.openxmlformats.org/officeDocument/2006/relationships" xmlns:p="http://schemas.openxmlformats.org/presentationml/2006/main">
-  <p:tag name="AS_UNIQUEID" val="651"/>
-</p:tagLst>
-</file>
-
-<file path=ppt/tags/tag223.xml><?xml version="1.0" encoding="utf-8"?>
-<p:tagLst xmlns:a="http://schemas.openxmlformats.org/drawingml/2006/main" xmlns:r="http://schemas.openxmlformats.org/officeDocument/2006/relationships" xmlns:p="http://schemas.openxmlformats.org/presentationml/2006/main">
-  <p:tag name="AS_UNIQUEID" val="652"/>
-</p:tagLst>
-</file>
-
-<file path=ppt/tags/tag224.xml><?xml version="1.0" encoding="utf-8"?>
-<p:tagLst xmlns:a="http://schemas.openxmlformats.org/drawingml/2006/main" xmlns:r="http://schemas.openxmlformats.org/officeDocument/2006/relationships" xmlns:p="http://schemas.openxmlformats.org/presentationml/2006/main">
-  <p:tag name="AS_UNIQUEID" val="286"/>
-</p:tagLst>
-</file>
-
-<file path=ppt/tags/tag225.xml><?xml version="1.0" encoding="utf-8"?>
-<p:tagLst xmlns:a="http://schemas.openxmlformats.org/drawingml/2006/main" xmlns:r="http://schemas.openxmlformats.org/officeDocument/2006/relationships" xmlns:p="http://schemas.openxmlformats.org/presentationml/2006/main">
-  <p:tag name="AS_UNIQUEID" val="287"/>
-</p:tagLst>
-</file>
-
-<file path=ppt/tags/tag226.xml><?xml version="1.0" encoding="utf-8"?>
-<p:tagLst xmlns:a="http://schemas.openxmlformats.org/drawingml/2006/main" xmlns:r="http://schemas.openxmlformats.org/officeDocument/2006/relationships" xmlns:p="http://schemas.openxmlformats.org/presentationml/2006/main">
-  <p:tag name="AS_UNIQUEID" val="655"/>
-</p:tagLst>
-</file>
-
-<file path=ppt/tags/tag227.xml><?xml version="1.0" encoding="utf-8"?>
-<p:tagLst xmlns:a="http://schemas.openxmlformats.org/drawingml/2006/main" xmlns:r="http://schemas.openxmlformats.org/officeDocument/2006/relationships" xmlns:p="http://schemas.openxmlformats.org/presentationml/2006/main">
-  <p:tag name="AS_UNIQUEID" val="656"/>
-</p:tagLst>
-</file>
-
-<file path=ppt/tags/tag228.xml><?xml version="1.0" encoding="utf-8"?>
-<p:tagLst xmlns:a="http://schemas.openxmlformats.org/drawingml/2006/main" xmlns:r="http://schemas.openxmlformats.org/officeDocument/2006/relationships" xmlns:p="http://schemas.openxmlformats.org/presentationml/2006/main">
-  <p:tag name="AS_UNIQUEID" val="288"/>
-</p:tagLst>
-</file>
-
-<file path=ppt/tags/tag229.xml><?xml version="1.0" encoding="utf-8"?>
-<p:tagLst xmlns:a="http://schemas.openxmlformats.org/drawingml/2006/main" xmlns:r="http://schemas.openxmlformats.org/officeDocument/2006/relationships" xmlns:p="http://schemas.openxmlformats.org/presentationml/2006/main">
-  <p:tag name="AS_UNIQUEID" val="289"/>
-</p:tagLst>
-</file>
-
-<file path=ppt/tags/tag23.xml><?xml version="1.0" encoding="utf-8"?>
-<p:tagLst xmlns:a="http://schemas.openxmlformats.org/drawingml/2006/main" xmlns:r="http://schemas.openxmlformats.org/officeDocument/2006/relationships" xmlns:p="http://schemas.openxmlformats.org/presentationml/2006/main">
-  <p:tag name="AS_UNIQUEID" val="509"/>
-</p:tagLst>
-</file>
-
-<file path=ppt/tags/tag230.xml><?xml version="1.0" encoding="utf-8"?>
-<p:tagLst xmlns:a="http://schemas.openxmlformats.org/drawingml/2006/main" xmlns:r="http://schemas.openxmlformats.org/officeDocument/2006/relationships" xmlns:p="http://schemas.openxmlformats.org/presentationml/2006/main">
-  <p:tag name="AS_UNIQUEID" val="290"/>
-</p:tagLst>
-</file>
-
-<file path=ppt/tags/tag231.xml><?xml version="1.0" encoding="utf-8"?>
-<p:tagLst xmlns:a="http://schemas.openxmlformats.org/drawingml/2006/main" xmlns:r="http://schemas.openxmlformats.org/officeDocument/2006/relationships" xmlns:p="http://schemas.openxmlformats.org/presentationml/2006/main">
-  <p:tag name="AS_UNIQUEID" val="291"/>
-</p:tagLst>
-</file>
-
-<file path=ppt/tags/tag232.xml><?xml version="1.0" encoding="utf-8"?>
-<p:tagLst xmlns:a="http://schemas.openxmlformats.org/drawingml/2006/main" xmlns:r="http://schemas.openxmlformats.org/officeDocument/2006/relationships" xmlns:p="http://schemas.openxmlformats.org/presentationml/2006/main">
-  <p:tag name="AS_UNIQUEID" val="292"/>
-</p:tagLst>
-</file>
-
-<file path=ppt/tags/tag233.xml><?xml version="1.0" encoding="utf-8"?>
-<p:tagLst xmlns:a="http://schemas.openxmlformats.org/drawingml/2006/main" xmlns:r="http://schemas.openxmlformats.org/officeDocument/2006/relationships" xmlns:p="http://schemas.openxmlformats.org/presentationml/2006/main">
-  <p:tag name="AS_UNIQUEID" val="293"/>
-</p:tagLst>
-</file>
-
-<file path=ppt/tags/tag234.xml><?xml version="1.0" encoding="utf-8"?>
-<p:tagLst xmlns:a="http://schemas.openxmlformats.org/drawingml/2006/main" xmlns:r="http://schemas.openxmlformats.org/officeDocument/2006/relationships" xmlns:p="http://schemas.openxmlformats.org/presentationml/2006/main">
-  <p:tag name="AS_UNIQUEID" val="294"/>
-</p:tagLst>
-</file>
-
-<file path=ppt/tags/tag235.xml><?xml version="1.0" encoding="utf-8"?>
-<p:tagLst xmlns:a="http://schemas.openxmlformats.org/drawingml/2006/main" xmlns:r="http://schemas.openxmlformats.org/officeDocument/2006/relationships" xmlns:p="http://schemas.openxmlformats.org/presentationml/2006/main">
-  <p:tag name="AS_UNIQUEID" val="295"/>
-</p:tagLst>
-</file>
-
-<file path=ppt/tags/tag236.xml><?xml version="1.0" encoding="utf-8"?>
-<p:tagLst xmlns:a="http://schemas.openxmlformats.org/drawingml/2006/main" xmlns:r="http://schemas.openxmlformats.org/officeDocument/2006/relationships" xmlns:p="http://schemas.openxmlformats.org/presentationml/2006/main">
-  <p:tag name="AS_UNIQUEID" val="296"/>
-</p:tagLst>
-</file>
-
-<file path=ppt/tags/tag237.xml><?xml version="1.0" encoding="utf-8"?>
-<p:tagLst xmlns:a="http://schemas.openxmlformats.org/drawingml/2006/main" xmlns:r="http://schemas.openxmlformats.org/officeDocument/2006/relationships" xmlns:p="http://schemas.openxmlformats.org/presentationml/2006/main">
-  <p:tag name="AS_UNIQUEID" val="297"/>
-</p:tagLst>
-</file>
-
-<file path=ppt/tags/tag238.xml><?xml version="1.0" encoding="utf-8"?>
-<p:tagLst xmlns:a="http://schemas.openxmlformats.org/drawingml/2006/main" xmlns:r="http://schemas.openxmlformats.org/officeDocument/2006/relationships" xmlns:p="http://schemas.openxmlformats.org/presentationml/2006/main">
-  <p:tag name="AS_UNIQUEID" val="298"/>
-</p:tagLst>
-</file>
-
-<file path=ppt/tags/tag239.xml><?xml version="1.0" encoding="utf-8"?>
-<p:tagLst xmlns:a="http://schemas.openxmlformats.org/drawingml/2006/main" xmlns:r="http://schemas.openxmlformats.org/officeDocument/2006/relationships" xmlns:p="http://schemas.openxmlformats.org/presentationml/2006/main">
-  <p:tag name="AS_UNIQUEID" val="299"/>
-</p:tagLst>
-</file>
-
-<file path=ppt/tags/tag24.xml><?xml version="1.0" encoding="utf-8"?>
-<p:tagLst xmlns:a="http://schemas.openxmlformats.org/drawingml/2006/main" xmlns:r="http://schemas.openxmlformats.org/officeDocument/2006/relationships" xmlns:p="http://schemas.openxmlformats.org/presentationml/2006/main">
-  <p:tag name="AS_UNIQUEID" val="510"/>
-</p:tagLst>
-</file>
-
-<file path=ppt/tags/tag240.xml><?xml version="1.0" encoding="utf-8"?>
-<p:tagLst xmlns:a="http://schemas.openxmlformats.org/drawingml/2006/main" xmlns:r="http://schemas.openxmlformats.org/officeDocument/2006/relationships" xmlns:p="http://schemas.openxmlformats.org/presentationml/2006/main">
-  <p:tag name="AS_UNIQUEID" val="300"/>
-</p:tagLst>
-</file>
-
-<file path=ppt/tags/tag241.xml><?xml version="1.0" encoding="utf-8"?>
-<p:tagLst xmlns:a="http://schemas.openxmlformats.org/drawingml/2006/main" xmlns:r="http://schemas.openxmlformats.org/officeDocument/2006/relationships" xmlns:p="http://schemas.openxmlformats.org/presentationml/2006/main">
-  <p:tag name="AS_UNIQUEID" val="301"/>
-</p:tagLst>
-</file>
-
-<file path=ppt/tags/tag242.xml><?xml version="1.0" encoding="utf-8"?>
-<p:tagLst xmlns:a="http://schemas.openxmlformats.org/drawingml/2006/main" xmlns:r="http://schemas.openxmlformats.org/officeDocument/2006/relationships" xmlns:p="http://schemas.openxmlformats.org/presentationml/2006/main">
-  <p:tag name="AS_UNIQUEID" val="302"/>
-</p:tagLst>
-</file>
-
-<file path=ppt/tags/tag243.xml><?xml version="1.0" encoding="utf-8"?>
-<p:tagLst xmlns:a="http://schemas.openxmlformats.org/drawingml/2006/main" xmlns:r="http://schemas.openxmlformats.org/officeDocument/2006/relationships" xmlns:p="http://schemas.openxmlformats.org/presentationml/2006/main">
-  <p:tag name="AS_UNIQUEID" val="303"/>
-</p:tagLst>
-</file>
-
-<file path=ppt/tags/tag244.xml><?xml version="1.0" encoding="utf-8"?>
-<p:tagLst xmlns:a="http://schemas.openxmlformats.org/drawingml/2006/main" xmlns:r="http://schemas.openxmlformats.org/officeDocument/2006/relationships" xmlns:p="http://schemas.openxmlformats.org/presentationml/2006/main">
-  <p:tag name="AS_UNIQUEID" val="304"/>
-</p:tagLst>
-</file>
-
-<file path=ppt/tags/tag245.xml><?xml version="1.0" encoding="utf-8"?>
-<p:tagLst xmlns:a="http://schemas.openxmlformats.org/drawingml/2006/main" xmlns:r="http://schemas.openxmlformats.org/officeDocument/2006/relationships" xmlns:p="http://schemas.openxmlformats.org/presentationml/2006/main">
-  <p:tag name="AS_UNIQUEID" val="305"/>
-</p:tagLst>
-</file>
-
-<file path=ppt/tags/tag246.xml><?xml version="1.0" encoding="utf-8"?>
-<p:tagLst xmlns:a="http://schemas.openxmlformats.org/drawingml/2006/main" xmlns:r="http://schemas.openxmlformats.org/officeDocument/2006/relationships" xmlns:p="http://schemas.openxmlformats.org/presentationml/2006/main">
-  <p:tag name="AS_UNIQUEID" val="306"/>
-</p:tagLst>
-</file>
-
-<file path=ppt/tags/tag247.xml><?xml version="1.0" encoding="utf-8"?>
-<p:tagLst xmlns:a="http://schemas.openxmlformats.org/drawingml/2006/main" xmlns:r="http://schemas.openxmlformats.org/officeDocument/2006/relationships" xmlns:p="http://schemas.openxmlformats.org/presentationml/2006/main">
-  <p:tag name="AS_UNIQUEID" val="307"/>
-</p:tagLst>
-</file>
-
-<file path=ppt/tags/tag248.xml><?xml version="1.0" encoding="utf-8"?>
-<p:tagLst xmlns:a="http://schemas.openxmlformats.org/drawingml/2006/main" xmlns:r="http://schemas.openxmlformats.org/officeDocument/2006/relationships" xmlns:p="http://schemas.openxmlformats.org/presentationml/2006/main">
-  <p:tag name="AS_UNIQUEID" val="308"/>
-</p:tagLst>
-</file>
-
-<file path=ppt/tags/tag249.xml><?xml version="1.0" encoding="utf-8"?>
-<p:tagLst xmlns:a="http://schemas.openxmlformats.org/drawingml/2006/main" xmlns:r="http://schemas.openxmlformats.org/officeDocument/2006/relationships" xmlns:p="http://schemas.openxmlformats.org/presentationml/2006/main">
-  <p:tag name="AS_UNIQUEID" val="309"/>
-</p:tagLst>
-</file>
-
-<file path=ppt/tags/tag25.xml><?xml version="1.0" encoding="utf-8"?>
-<p:tagLst xmlns:a="http://schemas.openxmlformats.org/drawingml/2006/main" xmlns:r="http://schemas.openxmlformats.org/officeDocument/2006/relationships" xmlns:p="http://schemas.openxmlformats.org/presentationml/2006/main">
-  <p:tag name="AS_UNIQUEID" val="511"/>
-</p:tagLst>
-</file>
-
-<file path=ppt/tags/tag250.xml><?xml version="1.0" encoding="utf-8"?>
-<p:tagLst xmlns:a="http://schemas.openxmlformats.org/drawingml/2006/main" xmlns:r="http://schemas.openxmlformats.org/officeDocument/2006/relationships" xmlns:p="http://schemas.openxmlformats.org/presentationml/2006/main">
-  <p:tag name="AS_UNIQUEID" val="310"/>
-</p:tagLst>
-</file>
-
-<file path=ppt/tags/tag251.xml><?xml version="1.0" encoding="utf-8"?>
-<p:tagLst xmlns:a="http://schemas.openxmlformats.org/drawingml/2006/main" xmlns:r="http://schemas.openxmlformats.org/officeDocument/2006/relationships" xmlns:p="http://schemas.openxmlformats.org/presentationml/2006/main">
-  <p:tag name="AS_UNIQUEID" val="311"/>
-</p:tagLst>
-</file>
-
-<file path=ppt/tags/tag252.xml><?xml version="1.0" encoding="utf-8"?>
-<p:tagLst xmlns:a="http://schemas.openxmlformats.org/drawingml/2006/main" xmlns:r="http://schemas.openxmlformats.org/officeDocument/2006/relationships" xmlns:p="http://schemas.openxmlformats.org/presentationml/2006/main">
-  <p:tag name="AS_UNIQUEID" val="312"/>
-</p:tagLst>
-</file>
-
-<file path=ppt/tags/tag253.xml><?xml version="1.0" encoding="utf-8"?>
-<p:tagLst xmlns:a="http://schemas.openxmlformats.org/drawingml/2006/main" xmlns:r="http://schemas.openxmlformats.org/officeDocument/2006/relationships" xmlns:p="http://schemas.openxmlformats.org/presentationml/2006/main">
-  <p:tag name="AS_UNIQUEID" val="313"/>
-</p:tagLst>
-</file>
-
-<file path=ppt/tags/tag254.xml><?xml version="1.0" encoding="utf-8"?>
-<p:tagLst xmlns:a="http://schemas.openxmlformats.org/drawingml/2006/main" xmlns:r="http://schemas.openxmlformats.org/officeDocument/2006/relationships" xmlns:p="http://schemas.openxmlformats.org/presentationml/2006/main">
-  <p:tag name="AS_UNIQUEID" val="314"/>
-</p:tagLst>
-</file>
-
-<file path=ppt/tags/tag255.xml><?xml version="1.0" encoding="utf-8"?>
-<p:tagLst xmlns:a="http://schemas.openxmlformats.org/drawingml/2006/main" xmlns:r="http://schemas.openxmlformats.org/officeDocument/2006/relationships" xmlns:p="http://schemas.openxmlformats.org/presentationml/2006/main">
-  <p:tag name="AS_UNIQUEID" val="315"/>
-</p:tagLst>
-</file>
-
-<file path=ppt/tags/tag256.xml><?xml version="1.0" encoding="utf-8"?>
-<p:tagLst xmlns:a="http://schemas.openxmlformats.org/drawingml/2006/main" xmlns:r="http://schemas.openxmlformats.org/officeDocument/2006/relationships" xmlns:p="http://schemas.openxmlformats.org/presentationml/2006/main">
-  <p:tag name="AS_UNIQUEID" val="316"/>
-</p:tagLst>
-</file>
-
-<file path=ppt/tags/tag257.xml><?xml version="1.0" encoding="utf-8"?>
-<p:tagLst xmlns:a="http://schemas.openxmlformats.org/drawingml/2006/main" xmlns:r="http://schemas.openxmlformats.org/officeDocument/2006/relationships" xmlns:p="http://schemas.openxmlformats.org/presentationml/2006/main">
-  <p:tag name="AS_UNIQUEID" val="317"/>
-</p:tagLst>
-</file>
-
-<file path=ppt/tags/tag258.xml><?xml version="1.0" encoding="utf-8"?>
-<p:tagLst xmlns:a="http://schemas.openxmlformats.org/drawingml/2006/main" xmlns:r="http://schemas.openxmlformats.org/officeDocument/2006/relationships" xmlns:p="http://schemas.openxmlformats.org/presentationml/2006/main">
-  <p:tag name="AS_UNIQUEID" val="318"/>
-</p:tagLst>
-</file>
-
-<file path=ppt/tags/tag259.xml><?xml version="1.0" encoding="utf-8"?>
-<p:tagLst xmlns:a="http://schemas.openxmlformats.org/drawingml/2006/main" xmlns:r="http://schemas.openxmlformats.org/officeDocument/2006/relationships" xmlns:p="http://schemas.openxmlformats.org/presentationml/2006/main">
-  <p:tag name="AS_UNIQUEID" val="319"/>
-</p:tagLst>
-</file>
-
-<file path=ppt/tags/tag26.xml><?xml version="1.0" encoding="utf-8"?>
-<p:tagLst xmlns:a="http://schemas.openxmlformats.org/drawingml/2006/main" xmlns:r="http://schemas.openxmlformats.org/officeDocument/2006/relationships" xmlns:p="http://schemas.openxmlformats.org/presentationml/2006/main">
-  <p:tag name="AS_UNIQUEID" val="512"/>
-</p:tagLst>
-</file>
-
-<file path=ppt/tags/tag260.xml><?xml version="1.0" encoding="utf-8"?>
-<p:tagLst xmlns:a="http://schemas.openxmlformats.org/drawingml/2006/main" xmlns:r="http://schemas.openxmlformats.org/officeDocument/2006/relationships" xmlns:p="http://schemas.openxmlformats.org/presentationml/2006/main">
-  <p:tag name="AS_UNIQUEID" val="320"/>
-</p:tagLst>
-</file>
-
-<file path=ppt/tags/tag261.xml><?xml version="1.0" encoding="utf-8"?>
-<p:tagLst xmlns:a="http://schemas.openxmlformats.org/drawingml/2006/main" xmlns:r="http://schemas.openxmlformats.org/officeDocument/2006/relationships" xmlns:p="http://schemas.openxmlformats.org/presentationml/2006/main">
-  <p:tag name="AS_UNIQUEID" val="321"/>
-</p:tagLst>
-</file>
-
-<file path=ppt/tags/tag262.xml><?xml version="1.0" encoding="utf-8"?>
-<p:tagLst xmlns:a="http://schemas.openxmlformats.org/drawingml/2006/main" xmlns:r="http://schemas.openxmlformats.org/officeDocument/2006/relationships" xmlns:p="http://schemas.openxmlformats.org/presentationml/2006/main">
-  <p:tag name="AS_UNIQUEID" val="322"/>
-</p:tagLst>
-</file>
-
-<file path=ppt/tags/tag263.xml><?xml version="1.0" encoding="utf-8"?>
-<p:tagLst xmlns:a="http://schemas.openxmlformats.org/drawingml/2006/main" xmlns:r="http://schemas.openxmlformats.org/officeDocument/2006/relationships" xmlns:p="http://schemas.openxmlformats.org/presentationml/2006/main">
-  <p:tag name="AS_UNIQUEID" val="323"/>
-</p:tagLst>
-</file>
-
-<file path=ppt/tags/tag264.xml><?xml version="1.0" encoding="utf-8"?>
-<p:tagLst xmlns:a="http://schemas.openxmlformats.org/drawingml/2006/main" xmlns:r="http://schemas.openxmlformats.org/officeDocument/2006/relationships" xmlns:p="http://schemas.openxmlformats.org/presentationml/2006/main">
-  <p:tag name="AS_UNIQUEID" val="324"/>
-</p:tagLst>
-</file>
-
-<file path=ppt/tags/tag265.xml><?xml version="1.0" encoding="utf-8"?>
-<p:tagLst xmlns:a="http://schemas.openxmlformats.org/drawingml/2006/main" xmlns:r="http://schemas.openxmlformats.org/officeDocument/2006/relationships" xmlns:p="http://schemas.openxmlformats.org/presentationml/2006/main">
-  <p:tag name="AS_UNIQUEID" val="325"/>
-</p:tagLst>
-</file>
-
-<file path=ppt/tags/tag266.xml><?xml version="1.0" encoding="utf-8"?>
-<p:tagLst xmlns:a="http://schemas.openxmlformats.org/drawingml/2006/main" xmlns:r="http://schemas.openxmlformats.org/officeDocument/2006/relationships" xmlns:p="http://schemas.openxmlformats.org/presentationml/2006/main">
-  <p:tag name="AS_UNIQUEID" val="326"/>
-</p:tagLst>
-</file>
-
-<file path=ppt/tags/tag267.xml><?xml version="1.0" encoding="utf-8"?>
-<p:tagLst xmlns:a="http://schemas.openxmlformats.org/drawingml/2006/main" xmlns:r="http://schemas.openxmlformats.org/officeDocument/2006/relationships" xmlns:p="http://schemas.openxmlformats.org/presentationml/2006/main">
-  <p:tag name="AS_UNIQUEID" val="327"/>
-</p:tagLst>
-</file>
-
-<file path=ppt/tags/tag268.xml><?xml version="1.0" encoding="utf-8"?>
-<p:tagLst xmlns:a="http://schemas.openxmlformats.org/drawingml/2006/main" xmlns:r="http://schemas.openxmlformats.org/officeDocument/2006/relationships" xmlns:p="http://schemas.openxmlformats.org/presentationml/2006/main">
-  <p:tag name="AS_UNIQUEID" val="328"/>
-</p:tagLst>
-</file>
-
-<file path=ppt/tags/tag269.xml><?xml version="1.0" encoding="utf-8"?>
-<p:tagLst xmlns:a="http://schemas.openxmlformats.org/drawingml/2006/main" xmlns:r="http://schemas.openxmlformats.org/officeDocument/2006/relationships" xmlns:p="http://schemas.openxmlformats.org/presentationml/2006/main">
-  <p:tag name="AS_UNIQUEID" val="329"/>
-</p:tagLst>
-</file>
-
-<file path=ppt/tags/tag27.xml><?xml version="1.0" encoding="utf-8"?>
-<p:tagLst xmlns:a="http://schemas.openxmlformats.org/drawingml/2006/main" xmlns:r="http://schemas.openxmlformats.org/officeDocument/2006/relationships" xmlns:p="http://schemas.openxmlformats.org/presentationml/2006/main">
-  <p:tag name="AS_UNIQUEID" val="513"/>
-</p:tagLst>
-</file>
-
-<file path=ppt/tags/tag270.xml><?xml version="1.0" encoding="utf-8"?>
-<p:tagLst xmlns:a="http://schemas.openxmlformats.org/drawingml/2006/main" xmlns:r="http://schemas.openxmlformats.org/officeDocument/2006/relationships" xmlns:p="http://schemas.openxmlformats.org/presentationml/2006/main">
-  <p:tag name="AS_UNIQUEID" val="330"/>
-</p:tagLst>
-</file>
-
-<file path=ppt/tags/tag271.xml><?xml version="1.0" encoding="utf-8"?>
-<p:tagLst xmlns:a="http://schemas.openxmlformats.org/drawingml/2006/main" xmlns:r="http://schemas.openxmlformats.org/officeDocument/2006/relationships" xmlns:p="http://schemas.openxmlformats.org/presentationml/2006/main">
-  <p:tag name="AS_UNIQUEID" val="331"/>
-</p:tagLst>
-</file>
-
-<file path=ppt/tags/tag272.xml><?xml version="1.0" encoding="utf-8"?>
-<p:tagLst xmlns:a="http://schemas.openxmlformats.org/drawingml/2006/main" xmlns:r="http://schemas.openxmlformats.org/officeDocument/2006/relationships" xmlns:p="http://schemas.openxmlformats.org/presentationml/2006/main">
-  <p:tag name="AS_UNIQUEID" val="332"/>
-</p:tagLst>
-</file>
-
-<file path=ppt/tags/tag273.xml><?xml version="1.0" encoding="utf-8"?>
-<p:tagLst xmlns:a="http://schemas.openxmlformats.org/drawingml/2006/main" xmlns:r="http://schemas.openxmlformats.org/officeDocument/2006/relationships" xmlns:p="http://schemas.openxmlformats.org/presentationml/2006/main">
-  <p:tag name="AS_UNIQUEID" val="333"/>
-</p:tagLst>
-</file>
-
-<file path=ppt/tags/tag274.xml><?xml version="1.0" encoding="utf-8"?>
-<p:tagLst xmlns:a="http://schemas.openxmlformats.org/drawingml/2006/main" xmlns:r="http://schemas.openxmlformats.org/officeDocument/2006/relationships" xmlns:p="http://schemas.openxmlformats.org/presentationml/2006/main">
-  <p:tag name="AS_UNIQUEID" val="334"/>
-</p:tagLst>
-</file>
-
-<file path=ppt/tags/tag275.xml><?xml version="1.0" encoding="utf-8"?>
-<p:tagLst xmlns:a="http://schemas.openxmlformats.org/drawingml/2006/main" xmlns:r="http://schemas.openxmlformats.org/officeDocument/2006/relationships" xmlns:p="http://schemas.openxmlformats.org/presentationml/2006/main">
-  <p:tag name="AS_UNIQUEID" val="335"/>
-</p:tagLst>
-</file>
-
 <file path=ppt/tags/tag276.xml><?xml version="1.0" encoding="utf-8"?>
 <p:tagLst xmlns:a="http://schemas.openxmlformats.org/drawingml/2006/main" xmlns:r="http://schemas.openxmlformats.org/officeDocument/2006/relationships" xmlns:p="http://schemas.openxmlformats.org/presentationml/2006/main">
-  <p:tag name="AS_UNIQUEID" val="336"/>
+  <p:tag name="AS_UNIQUEID" val="668"/>
 </p:tagLst>
 </file>
 
 <file path=ppt/tags/tag277.xml><?xml version="1.0" encoding="utf-8"?>
 <p:tagLst xmlns:a="http://schemas.openxmlformats.org/drawingml/2006/main" xmlns:r="http://schemas.openxmlformats.org/officeDocument/2006/relationships" xmlns:p="http://schemas.openxmlformats.org/presentationml/2006/main">
-  <p:tag name="AS_UNIQUEID" val="337"/>
+  <p:tag name="AS_UNIQUEID" val="669"/>
 </p:tagLst>
 </file>
 
 <file path=ppt/tags/tag278.xml><?xml version="1.0" encoding="utf-8"?>
 <p:tagLst xmlns:a="http://schemas.openxmlformats.org/drawingml/2006/main" xmlns:r="http://schemas.openxmlformats.org/officeDocument/2006/relationships" xmlns:p="http://schemas.openxmlformats.org/presentationml/2006/main">
-  <p:tag name="AS_UNIQUEID" val="338"/>
+  <p:tag name="AS_UNIQUEID" val="426"/>
 </p:tagLst>
 </file>
 
 <file path=ppt/tags/tag279.xml><?xml version="1.0" encoding="utf-8"?>
 <p:tagLst xmlns:a="http://schemas.openxmlformats.org/drawingml/2006/main" xmlns:r="http://schemas.openxmlformats.org/officeDocument/2006/relationships" xmlns:p="http://schemas.openxmlformats.org/presentationml/2006/main">
-  <p:tag name="AS_UNIQUEID" val="339"/>
+  <p:tag name="AS_UNIQUEID" val="427"/>
 </p:tagLst>
 </file>
 
@@ -33862,61 +29874,61 @@
 
 <file path=ppt/tags/tag280.xml><?xml version="1.0" encoding="utf-8"?>
 <p:tagLst xmlns:a="http://schemas.openxmlformats.org/drawingml/2006/main" xmlns:r="http://schemas.openxmlformats.org/officeDocument/2006/relationships" xmlns:p="http://schemas.openxmlformats.org/presentationml/2006/main">
-  <p:tag name="AS_UNIQUEID" val="340"/>
+  <p:tag name="AS_UNIQUEID" val="428"/>
 </p:tagLst>
 </file>
 
 <file path=ppt/tags/tag281.xml><?xml version="1.0" encoding="utf-8"?>
 <p:tagLst xmlns:a="http://schemas.openxmlformats.org/drawingml/2006/main" xmlns:r="http://schemas.openxmlformats.org/officeDocument/2006/relationships" xmlns:p="http://schemas.openxmlformats.org/presentationml/2006/main">
-  <p:tag name="AS_UNIQUEID" val="341"/>
+  <p:tag name="AS_UNIQUEID" val="430"/>
 </p:tagLst>
 </file>
 
 <file path=ppt/tags/tag282.xml><?xml version="1.0" encoding="utf-8"?>
 <p:tagLst xmlns:a="http://schemas.openxmlformats.org/drawingml/2006/main" xmlns:r="http://schemas.openxmlformats.org/officeDocument/2006/relationships" xmlns:p="http://schemas.openxmlformats.org/presentationml/2006/main">
-  <p:tag name="AS_UNIQUEID" val="342"/>
+  <p:tag name="AS_UNIQUEID" val="431"/>
 </p:tagLst>
 </file>
 
 <file path=ppt/tags/tag283.xml><?xml version="1.0" encoding="utf-8"?>
 <p:tagLst xmlns:a="http://schemas.openxmlformats.org/drawingml/2006/main" xmlns:r="http://schemas.openxmlformats.org/officeDocument/2006/relationships" xmlns:p="http://schemas.openxmlformats.org/presentationml/2006/main">
-  <p:tag name="AS_UNIQUEID" val="343"/>
+  <p:tag name="AS_UNIQUEID" val="432"/>
 </p:tagLst>
 </file>
 
 <file path=ppt/tags/tag284.xml><?xml version="1.0" encoding="utf-8"?>
 <p:tagLst xmlns:a="http://schemas.openxmlformats.org/drawingml/2006/main" xmlns:r="http://schemas.openxmlformats.org/officeDocument/2006/relationships" xmlns:p="http://schemas.openxmlformats.org/presentationml/2006/main">
-  <p:tag name="AS_UNIQUEID" val="344"/>
+  <p:tag name="AS_UNIQUEID" val="433"/>
 </p:tagLst>
 </file>
 
 <file path=ppt/tags/tag285.xml><?xml version="1.0" encoding="utf-8"?>
 <p:tagLst xmlns:a="http://schemas.openxmlformats.org/drawingml/2006/main" xmlns:r="http://schemas.openxmlformats.org/officeDocument/2006/relationships" xmlns:p="http://schemas.openxmlformats.org/presentationml/2006/main">
-  <p:tag name="AS_UNIQUEID" val="345"/>
+  <p:tag name="AS_UNIQUEID" val="434"/>
 </p:tagLst>
 </file>
 
 <file path=ppt/tags/tag286.xml><?xml version="1.0" encoding="utf-8"?>
 <p:tagLst xmlns:a="http://schemas.openxmlformats.org/drawingml/2006/main" xmlns:r="http://schemas.openxmlformats.org/officeDocument/2006/relationships" xmlns:p="http://schemas.openxmlformats.org/presentationml/2006/main">
-  <p:tag name="AS_UNIQUEID" val="346"/>
+  <p:tag name="AS_UNIQUEID" val="435"/>
 </p:tagLst>
 </file>
 
 <file path=ppt/tags/tag287.xml><?xml version="1.0" encoding="utf-8"?>
 <p:tagLst xmlns:a="http://schemas.openxmlformats.org/drawingml/2006/main" xmlns:r="http://schemas.openxmlformats.org/officeDocument/2006/relationships" xmlns:p="http://schemas.openxmlformats.org/presentationml/2006/main">
-  <p:tag name="AS_UNIQUEID" val="347"/>
+  <p:tag name="AS_UNIQUEID" val="436"/>
 </p:tagLst>
 </file>
 
 <file path=ppt/tags/tag288.xml><?xml version="1.0" encoding="utf-8"?>
 <p:tagLst xmlns:a="http://schemas.openxmlformats.org/drawingml/2006/main" xmlns:r="http://schemas.openxmlformats.org/officeDocument/2006/relationships" xmlns:p="http://schemas.openxmlformats.org/presentationml/2006/main">
-  <p:tag name="AS_UNIQUEID" val="348"/>
+  <p:tag name="AS_UNIQUEID" val="437"/>
 </p:tagLst>
 </file>
 
 <file path=ppt/tags/tag289.xml><?xml version="1.0" encoding="utf-8"?>
 <p:tagLst xmlns:a="http://schemas.openxmlformats.org/drawingml/2006/main" xmlns:r="http://schemas.openxmlformats.org/officeDocument/2006/relationships" xmlns:p="http://schemas.openxmlformats.org/presentationml/2006/main">
-  <p:tag name="AS_UNIQUEID" val="349"/>
+  <p:tag name="AS_UNIQUEID" val="438"/>
 </p:tagLst>
 </file>
 
@@ -33928,61 +29940,61 @@
 
 <file path=ppt/tags/tag290.xml><?xml version="1.0" encoding="utf-8"?>
 <p:tagLst xmlns:a="http://schemas.openxmlformats.org/drawingml/2006/main" xmlns:r="http://schemas.openxmlformats.org/officeDocument/2006/relationships" xmlns:p="http://schemas.openxmlformats.org/presentationml/2006/main">
-  <p:tag name="AS_UNIQUEID" val="350"/>
+  <p:tag name="AS_UNIQUEID" val="439"/>
 </p:tagLst>
 </file>
 
 <file path=ppt/tags/tag291.xml><?xml version="1.0" encoding="utf-8"?>
 <p:tagLst xmlns:a="http://schemas.openxmlformats.org/drawingml/2006/main" xmlns:r="http://schemas.openxmlformats.org/officeDocument/2006/relationships" xmlns:p="http://schemas.openxmlformats.org/presentationml/2006/main">
-  <p:tag name="AS_UNIQUEID" val="351"/>
+  <p:tag name="AS_UNIQUEID" val="440"/>
 </p:tagLst>
 </file>
 
 <file path=ppt/tags/tag292.xml><?xml version="1.0" encoding="utf-8"?>
 <p:tagLst xmlns:a="http://schemas.openxmlformats.org/drawingml/2006/main" xmlns:r="http://schemas.openxmlformats.org/officeDocument/2006/relationships" xmlns:p="http://schemas.openxmlformats.org/presentationml/2006/main">
-  <p:tag name="AS_UNIQUEID" val="352"/>
+  <p:tag name="AS_UNIQUEID" val="441"/>
 </p:tagLst>
 </file>
 
 <file path=ppt/tags/tag293.xml><?xml version="1.0" encoding="utf-8"?>
 <p:tagLst xmlns:a="http://schemas.openxmlformats.org/drawingml/2006/main" xmlns:r="http://schemas.openxmlformats.org/officeDocument/2006/relationships" xmlns:p="http://schemas.openxmlformats.org/presentationml/2006/main">
-  <p:tag name="AS_UNIQUEID" val="353"/>
+  <p:tag name="AS_UNIQUEID" val="442"/>
 </p:tagLst>
 </file>
 
 <file path=ppt/tags/tag294.xml><?xml version="1.0" encoding="utf-8"?>
 <p:tagLst xmlns:a="http://schemas.openxmlformats.org/drawingml/2006/main" xmlns:r="http://schemas.openxmlformats.org/officeDocument/2006/relationships" xmlns:p="http://schemas.openxmlformats.org/presentationml/2006/main">
-  <p:tag name="AS_UNIQUEID" val="354"/>
+  <p:tag name="AS_UNIQUEID" val="443"/>
 </p:tagLst>
 </file>
 
 <file path=ppt/tags/tag295.xml><?xml version="1.0" encoding="utf-8"?>
 <p:tagLst xmlns:a="http://schemas.openxmlformats.org/drawingml/2006/main" xmlns:r="http://schemas.openxmlformats.org/officeDocument/2006/relationships" xmlns:p="http://schemas.openxmlformats.org/presentationml/2006/main">
-  <p:tag name="AS_UNIQUEID" val="355"/>
+  <p:tag name="AS_UNIQUEID" val="444"/>
 </p:tagLst>
 </file>
 
 <file path=ppt/tags/tag296.xml><?xml version="1.0" encoding="utf-8"?>
 <p:tagLst xmlns:a="http://schemas.openxmlformats.org/drawingml/2006/main" xmlns:r="http://schemas.openxmlformats.org/officeDocument/2006/relationships" xmlns:p="http://schemas.openxmlformats.org/presentationml/2006/main">
-  <p:tag name="AS_UNIQUEID" val="356"/>
+  <p:tag name="AS_UNIQUEID" val="445"/>
 </p:tagLst>
 </file>
 
 <file path=ppt/tags/tag297.xml><?xml version="1.0" encoding="utf-8"?>
 <p:tagLst xmlns:a="http://schemas.openxmlformats.org/drawingml/2006/main" xmlns:r="http://schemas.openxmlformats.org/officeDocument/2006/relationships" xmlns:p="http://schemas.openxmlformats.org/presentationml/2006/main">
-  <p:tag name="AS_UNIQUEID" val="357"/>
+  <p:tag name="AS_UNIQUEID" val="446"/>
 </p:tagLst>
 </file>
 
 <file path=ppt/tags/tag298.xml><?xml version="1.0" encoding="utf-8"?>
 <p:tagLst xmlns:a="http://schemas.openxmlformats.org/drawingml/2006/main" xmlns:r="http://schemas.openxmlformats.org/officeDocument/2006/relationships" xmlns:p="http://schemas.openxmlformats.org/presentationml/2006/main">
-  <p:tag name="AS_UNIQUEID" val="358"/>
+  <p:tag name="AS_UNIQUEID" val="447"/>
 </p:tagLst>
 </file>
 
 <file path=ppt/tags/tag299.xml><?xml version="1.0" encoding="utf-8"?>
 <p:tagLst xmlns:a="http://schemas.openxmlformats.org/drawingml/2006/main" xmlns:r="http://schemas.openxmlformats.org/officeDocument/2006/relationships" xmlns:p="http://schemas.openxmlformats.org/presentationml/2006/main">
-  <p:tag name="AS_UNIQUEID" val="359"/>
+  <p:tag name="AS_UNIQUEID" val="448"/>
 </p:tagLst>
 </file>
 
@@ -34000,61 +30012,61 @@
 
 <file path=ppt/tags/tag300.xml><?xml version="1.0" encoding="utf-8"?>
 <p:tagLst xmlns:a="http://schemas.openxmlformats.org/drawingml/2006/main" xmlns:r="http://schemas.openxmlformats.org/officeDocument/2006/relationships" xmlns:p="http://schemas.openxmlformats.org/presentationml/2006/main">
-  <p:tag name="AS_UNIQUEID" val="360"/>
+  <p:tag name="AS_UNIQUEID" val="449"/>
 </p:tagLst>
 </file>
 
 <file path=ppt/tags/tag301.xml><?xml version="1.0" encoding="utf-8"?>
 <p:tagLst xmlns:a="http://schemas.openxmlformats.org/drawingml/2006/main" xmlns:r="http://schemas.openxmlformats.org/officeDocument/2006/relationships" xmlns:p="http://schemas.openxmlformats.org/presentationml/2006/main">
-  <p:tag name="AS_UNIQUEID" val="361"/>
+  <p:tag name="AS_UNIQUEID" val="450"/>
 </p:tagLst>
 </file>
 
 <file path=ppt/tags/tag302.xml><?xml version="1.0" encoding="utf-8"?>
 <p:tagLst xmlns:a="http://schemas.openxmlformats.org/drawingml/2006/main" xmlns:r="http://schemas.openxmlformats.org/officeDocument/2006/relationships" xmlns:p="http://schemas.openxmlformats.org/presentationml/2006/main">
-  <p:tag name="AS_UNIQUEID" val="362"/>
+  <p:tag name="AS_UNIQUEID" val="451"/>
 </p:tagLst>
 </file>
 
 <file path=ppt/tags/tag303.xml><?xml version="1.0" encoding="utf-8"?>
 <p:tagLst xmlns:a="http://schemas.openxmlformats.org/drawingml/2006/main" xmlns:r="http://schemas.openxmlformats.org/officeDocument/2006/relationships" xmlns:p="http://schemas.openxmlformats.org/presentationml/2006/main">
-  <p:tag name="AS_UNIQUEID" val="363"/>
+  <p:tag name="AS_UNIQUEID" val="452"/>
 </p:tagLst>
 </file>
 
 <file path=ppt/tags/tag304.xml><?xml version="1.0" encoding="utf-8"?>
 <p:tagLst xmlns:a="http://schemas.openxmlformats.org/drawingml/2006/main" xmlns:r="http://schemas.openxmlformats.org/officeDocument/2006/relationships" xmlns:p="http://schemas.openxmlformats.org/presentationml/2006/main">
-  <p:tag name="AS_UNIQUEID" val="364"/>
+  <p:tag name="AS_UNIQUEID" val="453"/>
 </p:tagLst>
 </file>
 
 <file path=ppt/tags/tag305.xml><?xml version="1.0" encoding="utf-8"?>
 <p:tagLst xmlns:a="http://schemas.openxmlformats.org/drawingml/2006/main" xmlns:r="http://schemas.openxmlformats.org/officeDocument/2006/relationships" xmlns:p="http://schemas.openxmlformats.org/presentationml/2006/main">
-  <p:tag name="AS_UNIQUEID" val="365"/>
+  <p:tag name="AS_UNIQUEID" val="454"/>
 </p:tagLst>
 </file>
 
 <file path=ppt/tags/tag306.xml><?xml version="1.0" encoding="utf-8"?>
 <p:tagLst xmlns:a="http://schemas.openxmlformats.org/drawingml/2006/main" xmlns:r="http://schemas.openxmlformats.org/officeDocument/2006/relationships" xmlns:p="http://schemas.openxmlformats.org/presentationml/2006/main">
-  <p:tag name="AS_UNIQUEID" val="366"/>
+  <p:tag name="AS_UNIQUEID" val="455"/>
 </p:tagLst>
 </file>
 
 <file path=ppt/tags/tag307.xml><?xml version="1.0" encoding="utf-8"?>
 <p:tagLst xmlns:a="http://schemas.openxmlformats.org/drawingml/2006/main" xmlns:r="http://schemas.openxmlformats.org/officeDocument/2006/relationships" xmlns:p="http://schemas.openxmlformats.org/presentationml/2006/main">
-  <p:tag name="AS_UNIQUEID" val="367"/>
+  <p:tag name="AS_UNIQUEID" val="456"/>
 </p:tagLst>
 </file>
 
 <file path=ppt/tags/tag308.xml><?xml version="1.0" encoding="utf-8"?>
 <p:tagLst xmlns:a="http://schemas.openxmlformats.org/drawingml/2006/main" xmlns:r="http://schemas.openxmlformats.org/officeDocument/2006/relationships" xmlns:p="http://schemas.openxmlformats.org/presentationml/2006/main">
-  <p:tag name="AS_UNIQUEID" val="368"/>
+  <p:tag name="AS_UNIQUEID" val="457"/>
 </p:tagLst>
 </file>
 
 <file path=ppt/tags/tag309.xml><?xml version="1.0" encoding="utf-8"?>
 <p:tagLst xmlns:a="http://schemas.openxmlformats.org/drawingml/2006/main" xmlns:r="http://schemas.openxmlformats.org/officeDocument/2006/relationships" xmlns:p="http://schemas.openxmlformats.org/presentationml/2006/main">
-  <p:tag name="AS_UNIQUEID" val="369"/>
+  <p:tag name="AS_UNIQUEID" val="458"/>
 </p:tagLst>
 </file>
 
@@ -34066,61 +30078,61 @@
 
 <file path=ppt/tags/tag310.xml><?xml version="1.0" encoding="utf-8"?>
 <p:tagLst xmlns:a="http://schemas.openxmlformats.org/drawingml/2006/main" xmlns:r="http://schemas.openxmlformats.org/officeDocument/2006/relationships" xmlns:p="http://schemas.openxmlformats.org/presentationml/2006/main">
-  <p:tag name="AS_UNIQUEID" val="370"/>
+  <p:tag name="AS_UNIQUEID" val="459"/>
 </p:tagLst>
 </file>
 
 <file path=ppt/tags/tag311.xml><?xml version="1.0" encoding="utf-8"?>
 <p:tagLst xmlns:a="http://schemas.openxmlformats.org/drawingml/2006/main" xmlns:r="http://schemas.openxmlformats.org/officeDocument/2006/relationships" xmlns:p="http://schemas.openxmlformats.org/presentationml/2006/main">
-  <p:tag name="AS_UNIQUEID" val="371"/>
+  <p:tag name="AS_UNIQUEID" val="460"/>
 </p:tagLst>
 </file>
 
 <file path=ppt/tags/tag312.xml><?xml version="1.0" encoding="utf-8"?>
 <p:tagLst xmlns:a="http://schemas.openxmlformats.org/drawingml/2006/main" xmlns:r="http://schemas.openxmlformats.org/officeDocument/2006/relationships" xmlns:p="http://schemas.openxmlformats.org/presentationml/2006/main">
-  <p:tag name="AS_UNIQUEID" val="372"/>
+  <p:tag name="AS_UNIQUEID" val="461"/>
 </p:tagLst>
 </file>
 
 <file path=ppt/tags/tag313.xml><?xml version="1.0" encoding="utf-8"?>
 <p:tagLst xmlns:a="http://schemas.openxmlformats.org/drawingml/2006/main" xmlns:r="http://schemas.openxmlformats.org/officeDocument/2006/relationships" xmlns:p="http://schemas.openxmlformats.org/presentationml/2006/main">
-  <p:tag name="AS_UNIQUEID" val="373"/>
+  <p:tag name="AS_UNIQUEID" val="462"/>
 </p:tagLst>
 </file>
 
 <file path=ppt/tags/tag314.xml><?xml version="1.0" encoding="utf-8"?>
 <p:tagLst xmlns:a="http://schemas.openxmlformats.org/drawingml/2006/main" xmlns:r="http://schemas.openxmlformats.org/officeDocument/2006/relationships" xmlns:p="http://schemas.openxmlformats.org/presentationml/2006/main">
-  <p:tag name="AS_UNIQUEID" val="374"/>
+  <p:tag name="AS_UNIQUEID" val="463"/>
 </p:tagLst>
 </file>
 
 <file path=ppt/tags/tag315.xml><?xml version="1.0" encoding="utf-8"?>
 <p:tagLst xmlns:a="http://schemas.openxmlformats.org/drawingml/2006/main" xmlns:r="http://schemas.openxmlformats.org/officeDocument/2006/relationships" xmlns:p="http://schemas.openxmlformats.org/presentationml/2006/main">
-  <p:tag name="AS_UNIQUEID" val="375"/>
+  <p:tag name="AS_UNIQUEID" val="464"/>
 </p:tagLst>
 </file>
 
 <file path=ppt/tags/tag316.xml><?xml version="1.0" encoding="utf-8"?>
 <p:tagLst xmlns:a="http://schemas.openxmlformats.org/drawingml/2006/main" xmlns:r="http://schemas.openxmlformats.org/officeDocument/2006/relationships" xmlns:p="http://schemas.openxmlformats.org/presentationml/2006/main">
-  <p:tag name="AS_UNIQUEID" val="376"/>
+  <p:tag name="AS_UNIQUEID" val="465"/>
 </p:tagLst>
 </file>
 
 <file path=ppt/tags/tag317.xml><?xml version="1.0" encoding="utf-8"?>
 <p:tagLst xmlns:a="http://schemas.openxmlformats.org/drawingml/2006/main" xmlns:r="http://schemas.openxmlformats.org/officeDocument/2006/relationships" xmlns:p="http://schemas.openxmlformats.org/presentationml/2006/main">
-  <p:tag name="AS_UNIQUEID" val="377"/>
+  <p:tag name="AS_UNIQUEID" val="466"/>
 </p:tagLst>
 </file>
 
 <file path=ppt/tags/tag318.xml><?xml version="1.0" encoding="utf-8"?>
 <p:tagLst xmlns:a="http://schemas.openxmlformats.org/drawingml/2006/main" xmlns:r="http://schemas.openxmlformats.org/officeDocument/2006/relationships" xmlns:p="http://schemas.openxmlformats.org/presentationml/2006/main">
-  <p:tag name="AS_UNIQUEID" val="378"/>
+  <p:tag name="AS_UNIQUEID" val="467"/>
 </p:tagLst>
 </file>
 
 <file path=ppt/tags/tag319.xml><?xml version="1.0" encoding="utf-8"?>
 <p:tagLst xmlns:a="http://schemas.openxmlformats.org/drawingml/2006/main" xmlns:r="http://schemas.openxmlformats.org/officeDocument/2006/relationships" xmlns:p="http://schemas.openxmlformats.org/presentationml/2006/main">
-  <p:tag name="AS_UNIQUEID" val="659"/>
+  <p:tag name="AS_UNIQUEID" val="468"/>
 </p:tagLst>
 </file>
 
@@ -34132,61 +30144,61 @@
 
 <file path=ppt/tags/tag320.xml><?xml version="1.0" encoding="utf-8"?>
 <p:tagLst xmlns:a="http://schemas.openxmlformats.org/drawingml/2006/main" xmlns:r="http://schemas.openxmlformats.org/officeDocument/2006/relationships" xmlns:p="http://schemas.openxmlformats.org/presentationml/2006/main">
-  <p:tag name="AS_UNIQUEID" val="660"/>
+  <p:tag name="AS_UNIQUEID" val="469"/>
 </p:tagLst>
 </file>
 
 <file path=ppt/tags/tag321.xml><?xml version="1.0" encoding="utf-8"?>
 <p:tagLst xmlns:a="http://schemas.openxmlformats.org/drawingml/2006/main" xmlns:r="http://schemas.openxmlformats.org/officeDocument/2006/relationships" xmlns:p="http://schemas.openxmlformats.org/presentationml/2006/main">
-  <p:tag name="AS_UNIQUEID" val="661"/>
+  <p:tag name="AS_UNIQUEID" val="470"/>
 </p:tagLst>
 </file>
 
 <file path=ppt/tags/tag322.xml><?xml version="1.0" encoding="utf-8"?>
 <p:tagLst xmlns:a="http://schemas.openxmlformats.org/drawingml/2006/main" xmlns:r="http://schemas.openxmlformats.org/officeDocument/2006/relationships" xmlns:p="http://schemas.openxmlformats.org/presentationml/2006/main">
-  <p:tag name="AS_UNIQUEID" val="379"/>
+  <p:tag name="AS_UNIQUEID" val="471"/>
 </p:tagLst>
 </file>
 
 <file path=ppt/tags/tag323.xml><?xml version="1.0" encoding="utf-8"?>
 <p:tagLst xmlns:a="http://schemas.openxmlformats.org/drawingml/2006/main" xmlns:r="http://schemas.openxmlformats.org/officeDocument/2006/relationships" xmlns:p="http://schemas.openxmlformats.org/presentationml/2006/main">
-  <p:tag name="AS_UNIQUEID" val="380"/>
+  <p:tag name="AS_UNIQUEID" val="472"/>
 </p:tagLst>
 </file>
 
 <file path=ppt/tags/tag324.xml><?xml version="1.0" encoding="utf-8"?>
 <p:tagLst xmlns:a="http://schemas.openxmlformats.org/drawingml/2006/main" xmlns:r="http://schemas.openxmlformats.org/officeDocument/2006/relationships" xmlns:p="http://schemas.openxmlformats.org/presentationml/2006/main">
-  <p:tag name="AS_UNIQUEID" val="664"/>
+  <p:tag name="AS_UNIQUEID" val="473"/>
 </p:tagLst>
 </file>
 
 <file path=ppt/tags/tag325.xml><?xml version="1.0" encoding="utf-8"?>
 <p:tagLst xmlns:a="http://schemas.openxmlformats.org/drawingml/2006/main" xmlns:r="http://schemas.openxmlformats.org/officeDocument/2006/relationships" xmlns:p="http://schemas.openxmlformats.org/presentationml/2006/main">
-  <p:tag name="AS_UNIQUEID" val="665"/>
+  <p:tag name="AS_UNIQUEID" val="474"/>
 </p:tagLst>
 </file>
 
 <file path=ppt/tags/tag326.xml><?xml version="1.0" encoding="utf-8"?>
 <p:tagLst xmlns:a="http://schemas.openxmlformats.org/drawingml/2006/main" xmlns:r="http://schemas.openxmlformats.org/officeDocument/2006/relationships" xmlns:p="http://schemas.openxmlformats.org/presentationml/2006/main">
-  <p:tag name="AS_UNIQUEID" val="381"/>
+  <p:tag name="AS_UNIQUEID" val="475"/>
 </p:tagLst>
 </file>
 
 <file path=ppt/tags/tag327.xml><?xml version="1.0" encoding="utf-8"?>
 <p:tagLst xmlns:a="http://schemas.openxmlformats.org/drawingml/2006/main" xmlns:r="http://schemas.openxmlformats.org/officeDocument/2006/relationships" xmlns:p="http://schemas.openxmlformats.org/presentationml/2006/main">
-  <p:tag name="AS_UNIQUEID" val="382"/>
+  <p:tag name="AS_UNIQUEID" val="476"/>
 </p:tagLst>
 </file>
 
 <file path=ppt/tags/tag328.xml><?xml version="1.0" encoding="utf-8"?>
 <p:tagLst xmlns:a="http://schemas.openxmlformats.org/drawingml/2006/main" xmlns:r="http://schemas.openxmlformats.org/officeDocument/2006/relationships" xmlns:p="http://schemas.openxmlformats.org/presentationml/2006/main">
-  <p:tag name="AS_UNIQUEID" val="383"/>
+  <p:tag name="AS_UNIQUEID" val="477"/>
 </p:tagLst>
 </file>
 
 <file path=ppt/tags/tag329.xml><?xml version="1.0" encoding="utf-8"?>
 <p:tagLst xmlns:a="http://schemas.openxmlformats.org/drawingml/2006/main" xmlns:r="http://schemas.openxmlformats.org/officeDocument/2006/relationships" xmlns:p="http://schemas.openxmlformats.org/presentationml/2006/main">
-  <p:tag name="AS_UNIQUEID" val="385"/>
+  <p:tag name="AS_UNIQUEID" val="478"/>
 </p:tagLst>
 </file>
 
@@ -34198,61 +30210,61 @@
 
 <file path=ppt/tags/tag330.xml><?xml version="1.0" encoding="utf-8"?>
 <p:tagLst xmlns:a="http://schemas.openxmlformats.org/drawingml/2006/main" xmlns:r="http://schemas.openxmlformats.org/officeDocument/2006/relationships" xmlns:p="http://schemas.openxmlformats.org/presentationml/2006/main">
-  <p:tag name="AS_UNIQUEID" val="386"/>
+  <p:tag name="AS_UNIQUEID" val="479"/>
 </p:tagLst>
 </file>
 
 <file path=ppt/tags/tag331.xml><?xml version="1.0" encoding="utf-8"?>
 <p:tagLst xmlns:a="http://schemas.openxmlformats.org/drawingml/2006/main" xmlns:r="http://schemas.openxmlformats.org/officeDocument/2006/relationships" xmlns:p="http://schemas.openxmlformats.org/presentationml/2006/main">
-  <p:tag name="AS_UNIQUEID" val="387"/>
+  <p:tag name="AS_UNIQUEID" val="196"/>
 </p:tagLst>
 </file>
 
 <file path=ppt/tags/tag332.xml><?xml version="1.0" encoding="utf-8"?>
 <p:tagLst xmlns:a="http://schemas.openxmlformats.org/drawingml/2006/main" xmlns:r="http://schemas.openxmlformats.org/officeDocument/2006/relationships" xmlns:p="http://schemas.openxmlformats.org/presentationml/2006/main">
-  <p:tag name="AS_UNIQUEID" val="388"/>
+  <p:tag name="AS_UNIQUEID" val="672"/>
 </p:tagLst>
 </file>
 
 <file path=ppt/tags/tag333.xml><?xml version="1.0" encoding="utf-8"?>
 <p:tagLst xmlns:a="http://schemas.openxmlformats.org/drawingml/2006/main" xmlns:r="http://schemas.openxmlformats.org/officeDocument/2006/relationships" xmlns:p="http://schemas.openxmlformats.org/presentationml/2006/main">
-  <p:tag name="AS_UNIQUEID" val="389"/>
+  <p:tag name="AS_UNIQUEID" val="673"/>
 </p:tagLst>
 </file>
 
 <file path=ppt/tags/tag334.xml><?xml version="1.0" encoding="utf-8"?>
 <p:tagLst xmlns:a="http://schemas.openxmlformats.org/drawingml/2006/main" xmlns:r="http://schemas.openxmlformats.org/officeDocument/2006/relationships" xmlns:p="http://schemas.openxmlformats.org/presentationml/2006/main">
-  <p:tag name="AS_UNIQUEID" val="390"/>
+  <p:tag name="AS_UNIQUEID" val="674"/>
 </p:tagLst>
 </file>
 
 <file path=ppt/tags/tag335.xml><?xml version="1.0" encoding="utf-8"?>
 <p:tagLst xmlns:a="http://schemas.openxmlformats.org/drawingml/2006/main" xmlns:r="http://schemas.openxmlformats.org/officeDocument/2006/relationships" xmlns:p="http://schemas.openxmlformats.org/presentationml/2006/main">
-  <p:tag name="AS_UNIQUEID" val="391"/>
+  <p:tag name="AS_UNIQUEID" val="480"/>
 </p:tagLst>
 </file>
 
 <file path=ppt/tags/tag336.xml><?xml version="1.0" encoding="utf-8"?>
 <p:tagLst xmlns:a="http://schemas.openxmlformats.org/drawingml/2006/main" xmlns:r="http://schemas.openxmlformats.org/officeDocument/2006/relationships" xmlns:p="http://schemas.openxmlformats.org/presentationml/2006/main">
-  <p:tag name="AS_UNIQUEID" val="392"/>
+  <p:tag name="AS_UNIQUEID" val="481"/>
 </p:tagLst>
 </file>
 
 <file path=ppt/tags/tag337.xml><?xml version="1.0" encoding="utf-8"?>
 <p:tagLst xmlns:a="http://schemas.openxmlformats.org/drawingml/2006/main" xmlns:r="http://schemas.openxmlformats.org/officeDocument/2006/relationships" xmlns:p="http://schemas.openxmlformats.org/presentationml/2006/main">
-  <p:tag name="AS_UNIQUEID" val="393"/>
+  <p:tag name="AS_UNIQUEID" val="677"/>
 </p:tagLst>
 </file>
 
 <file path=ppt/tags/tag338.xml><?xml version="1.0" encoding="utf-8"?>
 <p:tagLst xmlns:a="http://schemas.openxmlformats.org/drawingml/2006/main" xmlns:r="http://schemas.openxmlformats.org/officeDocument/2006/relationships" xmlns:p="http://schemas.openxmlformats.org/presentationml/2006/main">
-  <p:tag name="AS_UNIQUEID" val="394"/>
+  <p:tag name="AS_UNIQUEID" val="678"/>
 </p:tagLst>
 </file>
 
 <file path=ppt/tags/tag339.xml><?xml version="1.0" encoding="utf-8"?>
 <p:tagLst xmlns:a="http://schemas.openxmlformats.org/drawingml/2006/main" xmlns:r="http://schemas.openxmlformats.org/officeDocument/2006/relationships" xmlns:p="http://schemas.openxmlformats.org/presentationml/2006/main">
-  <p:tag name="AS_UNIQUEID" val="395"/>
+  <p:tag name="AS_UNIQUEID" val="482"/>
 </p:tagLst>
 </file>
 
@@ -34264,61 +30276,61 @@
 
 <file path=ppt/tags/tag340.xml><?xml version="1.0" encoding="utf-8"?>
 <p:tagLst xmlns:a="http://schemas.openxmlformats.org/drawingml/2006/main" xmlns:r="http://schemas.openxmlformats.org/officeDocument/2006/relationships" xmlns:p="http://schemas.openxmlformats.org/presentationml/2006/main">
-  <p:tag name="AS_UNIQUEID" val="396"/>
+  <p:tag name="AS_UNIQUEID" val="483"/>
 </p:tagLst>
 </file>
 
 <file path=ppt/tags/tag341.xml><?xml version="1.0" encoding="utf-8"?>
 <p:tagLst xmlns:a="http://schemas.openxmlformats.org/drawingml/2006/main" xmlns:r="http://schemas.openxmlformats.org/officeDocument/2006/relationships" xmlns:p="http://schemas.openxmlformats.org/presentationml/2006/main">
-  <p:tag name="AS_UNIQUEID" val="397"/>
+  <p:tag name="AS_UNIQUEID" val="681"/>
 </p:tagLst>
 </file>
 
 <file path=ppt/tags/tag342.xml><?xml version="1.0" encoding="utf-8"?>
 <p:tagLst xmlns:a="http://schemas.openxmlformats.org/drawingml/2006/main" xmlns:r="http://schemas.openxmlformats.org/officeDocument/2006/relationships" xmlns:p="http://schemas.openxmlformats.org/presentationml/2006/main">
-  <p:tag name="AS_UNIQUEID" val="398"/>
+  <p:tag name="AS_UNIQUEID" val="682"/>
 </p:tagLst>
 </file>
 
 <file path=ppt/tags/tag343.xml><?xml version="1.0" encoding="utf-8"?>
 <p:tagLst xmlns:a="http://schemas.openxmlformats.org/drawingml/2006/main" xmlns:r="http://schemas.openxmlformats.org/officeDocument/2006/relationships" xmlns:p="http://schemas.openxmlformats.org/presentationml/2006/main">
-  <p:tag name="AS_UNIQUEID" val="399"/>
+  <p:tag name="AS_UNIQUEID" val="484"/>
 </p:tagLst>
 </file>
 
 <file path=ppt/tags/tag344.xml><?xml version="1.0" encoding="utf-8"?>
 <p:tagLst xmlns:a="http://schemas.openxmlformats.org/drawingml/2006/main" xmlns:r="http://schemas.openxmlformats.org/officeDocument/2006/relationships" xmlns:p="http://schemas.openxmlformats.org/presentationml/2006/main">
-  <p:tag name="AS_UNIQUEID" val="400"/>
+  <p:tag name="AS_UNIQUEID" val="485"/>
 </p:tagLst>
 </file>
 
 <file path=ppt/tags/tag345.xml><?xml version="1.0" encoding="utf-8"?>
 <p:tagLst xmlns:a="http://schemas.openxmlformats.org/drawingml/2006/main" xmlns:r="http://schemas.openxmlformats.org/officeDocument/2006/relationships" xmlns:p="http://schemas.openxmlformats.org/presentationml/2006/main">
-  <p:tag name="AS_UNIQUEID" val="401"/>
+  <p:tag name="AS_UNIQUEID" val="685"/>
 </p:tagLst>
 </file>
 
 <file path=ppt/tags/tag346.xml><?xml version="1.0" encoding="utf-8"?>
 <p:tagLst xmlns:a="http://schemas.openxmlformats.org/drawingml/2006/main" xmlns:r="http://schemas.openxmlformats.org/officeDocument/2006/relationships" xmlns:p="http://schemas.openxmlformats.org/presentationml/2006/main">
-  <p:tag name="AS_UNIQUEID" val="402"/>
+  <p:tag name="AS_UNIQUEID" val="686"/>
 </p:tagLst>
 </file>
 
 <file path=ppt/tags/tag347.xml><?xml version="1.0" encoding="utf-8"?>
 <p:tagLst xmlns:a="http://schemas.openxmlformats.org/drawingml/2006/main" xmlns:r="http://schemas.openxmlformats.org/officeDocument/2006/relationships" xmlns:p="http://schemas.openxmlformats.org/presentationml/2006/main">
-  <p:tag name="AS_UNIQUEID" val="403"/>
+  <p:tag name="AS_UNIQUEID" val="486"/>
 </p:tagLst>
 </file>
 
 <file path=ppt/tags/tag348.xml><?xml version="1.0" encoding="utf-8"?>
 <p:tagLst xmlns:a="http://schemas.openxmlformats.org/drawingml/2006/main" xmlns:r="http://schemas.openxmlformats.org/officeDocument/2006/relationships" xmlns:p="http://schemas.openxmlformats.org/presentationml/2006/main">
-  <p:tag name="AS_UNIQUEID" val="404"/>
+  <p:tag name="AS_UNIQUEID" val="487"/>
 </p:tagLst>
 </file>
 
 <file path=ppt/tags/tag349.xml><?xml version="1.0" encoding="utf-8"?>
 <p:tagLst xmlns:a="http://schemas.openxmlformats.org/drawingml/2006/main" xmlns:r="http://schemas.openxmlformats.org/officeDocument/2006/relationships" xmlns:p="http://schemas.openxmlformats.org/presentationml/2006/main">
-  <p:tag name="AS_UNIQUEID" val="405"/>
+  <p:tag name="AS_UNIQUEID" val="689"/>
 </p:tagLst>
 </file>
 
@@ -34330,61 +30342,7 @@
 
 <file path=ppt/tags/tag350.xml><?xml version="1.0" encoding="utf-8"?>
 <p:tagLst xmlns:a="http://schemas.openxmlformats.org/drawingml/2006/main" xmlns:r="http://schemas.openxmlformats.org/officeDocument/2006/relationships" xmlns:p="http://schemas.openxmlformats.org/presentationml/2006/main">
-  <p:tag name="AS_UNIQUEID" val="406"/>
-</p:tagLst>
-</file>
-
-<file path=ppt/tags/tag351.xml><?xml version="1.0" encoding="utf-8"?>
-<p:tagLst xmlns:a="http://schemas.openxmlformats.org/drawingml/2006/main" xmlns:r="http://schemas.openxmlformats.org/officeDocument/2006/relationships" xmlns:p="http://schemas.openxmlformats.org/presentationml/2006/main">
-  <p:tag name="AS_UNIQUEID" val="407"/>
-</p:tagLst>
-</file>
-
-<file path=ppt/tags/tag352.xml><?xml version="1.0" encoding="utf-8"?>
-<p:tagLst xmlns:a="http://schemas.openxmlformats.org/drawingml/2006/main" xmlns:r="http://schemas.openxmlformats.org/officeDocument/2006/relationships" xmlns:p="http://schemas.openxmlformats.org/presentationml/2006/main">
-  <p:tag name="AS_UNIQUEID" val="408"/>
-</p:tagLst>
-</file>
-
-<file path=ppt/tags/tag353.xml><?xml version="1.0" encoding="utf-8"?>
-<p:tagLst xmlns:a="http://schemas.openxmlformats.org/drawingml/2006/main" xmlns:r="http://schemas.openxmlformats.org/officeDocument/2006/relationships" xmlns:p="http://schemas.openxmlformats.org/presentationml/2006/main">
-  <p:tag name="AS_UNIQUEID" val="409"/>
-</p:tagLst>
-</file>
-
-<file path=ppt/tags/tag354.xml><?xml version="1.0" encoding="utf-8"?>
-<p:tagLst xmlns:a="http://schemas.openxmlformats.org/drawingml/2006/main" xmlns:r="http://schemas.openxmlformats.org/officeDocument/2006/relationships" xmlns:p="http://schemas.openxmlformats.org/presentationml/2006/main">
-  <p:tag name="AS_UNIQUEID" val="410"/>
-</p:tagLst>
-</file>
-
-<file path=ppt/tags/tag355.xml><?xml version="1.0" encoding="utf-8"?>
-<p:tagLst xmlns:a="http://schemas.openxmlformats.org/drawingml/2006/main" xmlns:r="http://schemas.openxmlformats.org/officeDocument/2006/relationships" xmlns:p="http://schemas.openxmlformats.org/presentationml/2006/main">
-  <p:tag name="AS_UNIQUEID" val="411"/>
-</p:tagLst>
-</file>
-
-<file path=ppt/tags/tag356.xml><?xml version="1.0" encoding="utf-8"?>
-<p:tagLst xmlns:a="http://schemas.openxmlformats.org/drawingml/2006/main" xmlns:r="http://schemas.openxmlformats.org/officeDocument/2006/relationships" xmlns:p="http://schemas.openxmlformats.org/presentationml/2006/main">
-  <p:tag name="AS_UNIQUEID" val="412"/>
-</p:tagLst>
-</file>
-
-<file path=ppt/tags/tag357.xml><?xml version="1.0" encoding="utf-8"?>
-<p:tagLst xmlns:a="http://schemas.openxmlformats.org/drawingml/2006/main" xmlns:r="http://schemas.openxmlformats.org/officeDocument/2006/relationships" xmlns:p="http://schemas.openxmlformats.org/presentationml/2006/main">
-  <p:tag name="AS_UNIQUEID" val="413"/>
-</p:tagLst>
-</file>
-
-<file path=ppt/tags/tag358.xml><?xml version="1.0" encoding="utf-8"?>
-<p:tagLst xmlns:a="http://schemas.openxmlformats.org/drawingml/2006/main" xmlns:r="http://schemas.openxmlformats.org/officeDocument/2006/relationships" xmlns:p="http://schemas.openxmlformats.org/presentationml/2006/main">
-  <p:tag name="AS_UNIQUEID" val="414"/>
-</p:tagLst>
-</file>
-
-<file path=ppt/tags/tag359.xml><?xml version="1.0" encoding="utf-8"?>
-<p:tagLst xmlns:a="http://schemas.openxmlformats.org/drawingml/2006/main" xmlns:r="http://schemas.openxmlformats.org/officeDocument/2006/relationships" xmlns:p="http://schemas.openxmlformats.org/presentationml/2006/main">
-  <p:tag name="AS_UNIQUEID" val="415"/>
+  <p:tag name="AS_UNIQUEID" val="690"/>
 </p:tagLst>
 </file>
 
@@ -34394,933 +30352,417 @@
 </p:tagLst>
 </file>
 
-<file path=ppt/tags/tag360.xml><?xml version="1.0" encoding="utf-8"?>
-<p:tagLst xmlns:a="http://schemas.openxmlformats.org/drawingml/2006/main" xmlns:r="http://schemas.openxmlformats.org/officeDocument/2006/relationships" xmlns:p="http://schemas.openxmlformats.org/presentationml/2006/main">
-  <p:tag name="AS_UNIQUEID" val="416"/>
-</p:tagLst>
-</file>
-
-<file path=ppt/tags/tag361.xml><?xml version="1.0" encoding="utf-8"?>
-<p:tagLst xmlns:a="http://schemas.openxmlformats.org/drawingml/2006/main" xmlns:r="http://schemas.openxmlformats.org/officeDocument/2006/relationships" xmlns:p="http://schemas.openxmlformats.org/presentationml/2006/main">
-  <p:tag name="AS_UNIQUEID" val="417"/>
-</p:tagLst>
-</file>
-
-<file path=ppt/tags/tag362.xml><?xml version="1.0" encoding="utf-8"?>
-<p:tagLst xmlns:a="http://schemas.openxmlformats.org/drawingml/2006/main" xmlns:r="http://schemas.openxmlformats.org/officeDocument/2006/relationships" xmlns:p="http://schemas.openxmlformats.org/presentationml/2006/main">
-  <p:tag name="AS_UNIQUEID" val="418"/>
-</p:tagLst>
-</file>
-
-<file path=ppt/tags/tag363.xml><?xml version="1.0" encoding="utf-8"?>
-<p:tagLst xmlns:a="http://schemas.openxmlformats.org/drawingml/2006/main" xmlns:r="http://schemas.openxmlformats.org/officeDocument/2006/relationships" xmlns:p="http://schemas.openxmlformats.org/presentationml/2006/main">
-  <p:tag name="AS_UNIQUEID" val="419"/>
-</p:tagLst>
-</file>
-
-<file path=ppt/tags/tag364.xml><?xml version="1.0" encoding="utf-8"?>
-<p:tagLst xmlns:a="http://schemas.openxmlformats.org/drawingml/2006/main" xmlns:r="http://schemas.openxmlformats.org/officeDocument/2006/relationships" xmlns:p="http://schemas.openxmlformats.org/presentationml/2006/main">
-  <p:tag name="AS_UNIQUEID" val="420"/>
-</p:tagLst>
-</file>
-
-<file path=ppt/tags/tag365.xml><?xml version="1.0" encoding="utf-8"?>
-<p:tagLst xmlns:a="http://schemas.openxmlformats.org/drawingml/2006/main" xmlns:r="http://schemas.openxmlformats.org/officeDocument/2006/relationships" xmlns:p="http://schemas.openxmlformats.org/presentationml/2006/main">
-  <p:tag name="AS_UNIQUEID" val="421"/>
-</p:tagLst>
-</file>
-
-<file path=ppt/tags/tag366.xml><?xml version="1.0" encoding="utf-8"?>
-<p:tagLst xmlns:a="http://schemas.openxmlformats.org/drawingml/2006/main" xmlns:r="http://schemas.openxmlformats.org/officeDocument/2006/relationships" xmlns:p="http://schemas.openxmlformats.org/presentationml/2006/main">
-  <p:tag name="AS_UNIQUEID" val="422"/>
-</p:tagLst>
-</file>
-
-<file path=ppt/tags/tag367.xml><?xml version="1.0" encoding="utf-8"?>
-<p:tagLst xmlns:a="http://schemas.openxmlformats.org/drawingml/2006/main" xmlns:r="http://schemas.openxmlformats.org/officeDocument/2006/relationships" xmlns:p="http://schemas.openxmlformats.org/presentationml/2006/main">
-  <p:tag name="AS_UNIQUEID" val="423"/>
-</p:tagLst>
-</file>
-
-<file path=ppt/tags/tag368.xml><?xml version="1.0" encoding="utf-8"?>
-<p:tagLst xmlns:a="http://schemas.openxmlformats.org/drawingml/2006/main" xmlns:r="http://schemas.openxmlformats.org/officeDocument/2006/relationships" xmlns:p="http://schemas.openxmlformats.org/presentationml/2006/main">
-  <p:tag name="AS_UNIQUEID" val="424"/>
-</p:tagLst>
-</file>
-
-<file path=ppt/tags/tag369.xml><?xml version="1.0" encoding="utf-8"?>
-<p:tagLst xmlns:a="http://schemas.openxmlformats.org/drawingml/2006/main" xmlns:r="http://schemas.openxmlformats.org/officeDocument/2006/relationships" xmlns:p="http://schemas.openxmlformats.org/presentationml/2006/main">
-  <p:tag name="AS_UNIQUEID" val="425"/>
-</p:tagLst>
-</file>
-
 <file path=ppt/tags/tag37.xml><?xml version="1.0" encoding="utf-8"?>
 <p:tagLst xmlns:a="http://schemas.openxmlformats.org/drawingml/2006/main" xmlns:r="http://schemas.openxmlformats.org/officeDocument/2006/relationships" xmlns:p="http://schemas.openxmlformats.org/presentationml/2006/main">
   <p:tag name="AS_UNIQUEID" val="525"/>
 </p:tagLst>
 </file>
 
-<file path=ppt/tags/tag370.xml><?xml version="1.0" encoding="utf-8"?>
+<file path=ppt/tags/tag38.xml><?xml version="1.0" encoding="utf-8"?>
+<p:tagLst xmlns:a="http://schemas.openxmlformats.org/drawingml/2006/main" xmlns:r="http://schemas.openxmlformats.org/officeDocument/2006/relationships" xmlns:p="http://schemas.openxmlformats.org/presentationml/2006/main">
+  <p:tag name="AS_UNIQUEID" val="526"/>
+</p:tagLst>
+</file>
+
+<file path=ppt/tags/tag39.xml><?xml version="1.0" encoding="utf-8"?>
+<p:tagLst xmlns:a="http://schemas.openxmlformats.org/drawingml/2006/main" xmlns:r="http://schemas.openxmlformats.org/officeDocument/2006/relationships" xmlns:p="http://schemas.openxmlformats.org/presentationml/2006/main">
+  <p:tag name="AS_UNIQUEID" val="527"/>
+</p:tagLst>
+</file>
+
+<file path=ppt/tags/tag4.xml><?xml version="1.0" encoding="utf-8"?>
+<p:tagLst xmlns:a="http://schemas.openxmlformats.org/drawingml/2006/main" xmlns:r="http://schemas.openxmlformats.org/officeDocument/2006/relationships" xmlns:p="http://schemas.openxmlformats.org/presentationml/2006/main">
+  <p:tag name="AS_UNIQUEID" val="561"/>
+</p:tagLst>
+</file>
+
+<file path=ppt/tags/tag40.xml><?xml version="1.0" encoding="utf-8"?>
+<p:tagLst xmlns:a="http://schemas.openxmlformats.org/drawingml/2006/main" xmlns:r="http://schemas.openxmlformats.org/officeDocument/2006/relationships" xmlns:p="http://schemas.openxmlformats.org/presentationml/2006/main">
+  <p:tag name="AS_UNIQUEID" val="529"/>
+</p:tagLst>
+</file>
+
+<file path=ppt/tags/tag41.xml><?xml version="1.0" encoding="utf-8"?>
+<p:tagLst xmlns:a="http://schemas.openxmlformats.org/drawingml/2006/main" xmlns:r="http://schemas.openxmlformats.org/officeDocument/2006/relationships" xmlns:p="http://schemas.openxmlformats.org/presentationml/2006/main">
+  <p:tag name="AS_UNIQUEID" val="530"/>
+</p:tagLst>
+</file>
+
+<file path=ppt/tags/tag42.xml><?xml version="1.0" encoding="utf-8"?>
+<p:tagLst xmlns:a="http://schemas.openxmlformats.org/drawingml/2006/main" xmlns:r="http://schemas.openxmlformats.org/officeDocument/2006/relationships" xmlns:p="http://schemas.openxmlformats.org/presentationml/2006/main">
+  <p:tag name="AS_UNIQUEID" val="531"/>
+</p:tagLst>
+</file>
+
+<file path=ppt/tags/tag43.xml><?xml version="1.0" encoding="utf-8"?>
+<p:tagLst xmlns:a="http://schemas.openxmlformats.org/drawingml/2006/main" xmlns:r="http://schemas.openxmlformats.org/officeDocument/2006/relationships" xmlns:p="http://schemas.openxmlformats.org/presentationml/2006/main">
+  <p:tag name="AS_UNIQUEID" val="533"/>
+</p:tagLst>
+</file>
+
+<file path=ppt/tags/tag44.xml><?xml version="1.0" encoding="utf-8"?>
+<p:tagLst xmlns:a="http://schemas.openxmlformats.org/drawingml/2006/main" xmlns:r="http://schemas.openxmlformats.org/officeDocument/2006/relationships" xmlns:p="http://schemas.openxmlformats.org/presentationml/2006/main">
+  <p:tag name="AS_UNIQUEID" val="534"/>
+</p:tagLst>
+</file>
+
+<file path=ppt/tags/tag45.xml><?xml version="1.0" encoding="utf-8"?>
+<p:tagLst xmlns:a="http://schemas.openxmlformats.org/drawingml/2006/main" xmlns:r="http://schemas.openxmlformats.org/officeDocument/2006/relationships" xmlns:p="http://schemas.openxmlformats.org/presentationml/2006/main">
+  <p:tag name="AS_UNIQUEID" val="535"/>
+</p:tagLst>
+</file>
+
+<file path=ppt/tags/tag46.xml><?xml version="1.0" encoding="utf-8"?>
+<p:tagLst xmlns:a="http://schemas.openxmlformats.org/drawingml/2006/main" xmlns:r="http://schemas.openxmlformats.org/officeDocument/2006/relationships" xmlns:p="http://schemas.openxmlformats.org/presentationml/2006/main">
+  <p:tag name="AS_UNIQUEID" val="536"/>
+</p:tagLst>
+</file>
+
+<file path=ppt/tags/tag47.xml><?xml version="1.0" encoding="utf-8"?>
+<p:tagLst xmlns:a="http://schemas.openxmlformats.org/drawingml/2006/main" xmlns:r="http://schemas.openxmlformats.org/officeDocument/2006/relationships" xmlns:p="http://schemas.openxmlformats.org/presentationml/2006/main">
+  <p:tag name="AS_UNIQUEID" val="537"/>
+</p:tagLst>
+</file>
+
+<file path=ppt/tags/tag48.xml><?xml version="1.0" encoding="utf-8"?>
+<p:tagLst xmlns:a="http://schemas.openxmlformats.org/drawingml/2006/main" xmlns:r="http://schemas.openxmlformats.org/officeDocument/2006/relationships" xmlns:p="http://schemas.openxmlformats.org/presentationml/2006/main">
+  <p:tag name="AS_UNIQUEID" val="538"/>
+</p:tagLst>
+</file>
+
+<file path=ppt/tags/tag49.xml><?xml version="1.0" encoding="utf-8"?>
+<p:tagLst xmlns:a="http://schemas.openxmlformats.org/drawingml/2006/main" xmlns:r="http://schemas.openxmlformats.org/officeDocument/2006/relationships" xmlns:p="http://schemas.openxmlformats.org/presentationml/2006/main">
+  <p:tag name="AS_UNIQUEID" val="540"/>
+</p:tagLst>
+</file>
+
+<file path=ppt/tags/tag5.xml><?xml version="1.0" encoding="utf-8"?>
+<p:tagLst xmlns:a="http://schemas.openxmlformats.org/drawingml/2006/main" xmlns:r="http://schemas.openxmlformats.org/officeDocument/2006/relationships" xmlns:p="http://schemas.openxmlformats.org/presentationml/2006/main">
+  <p:tag name="AS_UNIQUEID" val="562"/>
+</p:tagLst>
+</file>
+
+<file path=ppt/tags/tag50.xml><?xml version="1.0" encoding="utf-8"?>
+<p:tagLst xmlns:a="http://schemas.openxmlformats.org/drawingml/2006/main" xmlns:r="http://schemas.openxmlformats.org/officeDocument/2006/relationships" xmlns:p="http://schemas.openxmlformats.org/presentationml/2006/main">
+  <p:tag name="AS_UNIQUEID" val="541"/>
+</p:tagLst>
+</file>
+
+<file path=ppt/tags/tag51.xml><?xml version="1.0" encoding="utf-8"?>
+<p:tagLst xmlns:a="http://schemas.openxmlformats.org/drawingml/2006/main" xmlns:r="http://schemas.openxmlformats.org/officeDocument/2006/relationships" xmlns:p="http://schemas.openxmlformats.org/presentationml/2006/main">
+  <p:tag name="AS_UNIQUEID" val="542"/>
+</p:tagLst>
+</file>
+
+<file path=ppt/tags/tag52.xml><?xml version="1.0" encoding="utf-8"?>
+<p:tagLst xmlns:a="http://schemas.openxmlformats.org/drawingml/2006/main" xmlns:r="http://schemas.openxmlformats.org/officeDocument/2006/relationships" xmlns:p="http://schemas.openxmlformats.org/presentationml/2006/main">
+  <p:tag name="AS_UNIQUEID" val="543"/>
+</p:tagLst>
+</file>
+
+<file path=ppt/tags/tag53.xml><?xml version="1.0" encoding="utf-8"?>
+<p:tagLst xmlns:a="http://schemas.openxmlformats.org/drawingml/2006/main" xmlns:r="http://schemas.openxmlformats.org/officeDocument/2006/relationships" xmlns:p="http://schemas.openxmlformats.org/presentationml/2006/main">
+  <p:tag name="AS_UNIQUEID" val="544"/>
+</p:tagLst>
+</file>
+
+<file path=ppt/tags/tag54.xml><?xml version="1.0" encoding="utf-8"?>
+<p:tagLst xmlns:a="http://schemas.openxmlformats.org/drawingml/2006/main" xmlns:r="http://schemas.openxmlformats.org/officeDocument/2006/relationships" xmlns:p="http://schemas.openxmlformats.org/presentationml/2006/main">
+  <p:tag name="AS_UNIQUEID" val="545"/>
+</p:tagLst>
+</file>
+
+<file path=ppt/tags/tag55.xml><?xml version="1.0" encoding="utf-8"?>
+<p:tagLst xmlns:a="http://schemas.openxmlformats.org/drawingml/2006/main" xmlns:r="http://schemas.openxmlformats.org/officeDocument/2006/relationships" xmlns:p="http://schemas.openxmlformats.org/presentationml/2006/main">
+  <p:tag name="AS_UNIQUEID" val="547"/>
+</p:tagLst>
+</file>
+
+<file path=ppt/tags/tag56.xml><?xml version="1.0" encoding="utf-8"?>
+<p:tagLst xmlns:a="http://schemas.openxmlformats.org/drawingml/2006/main" xmlns:r="http://schemas.openxmlformats.org/officeDocument/2006/relationships" xmlns:p="http://schemas.openxmlformats.org/presentationml/2006/main">
+  <p:tag name="AS_UNIQUEID" val="548"/>
+</p:tagLst>
+</file>
+
+<file path=ppt/tags/tag57.xml><?xml version="1.0" encoding="utf-8"?>
+<p:tagLst xmlns:a="http://schemas.openxmlformats.org/drawingml/2006/main" xmlns:r="http://schemas.openxmlformats.org/officeDocument/2006/relationships" xmlns:p="http://schemas.openxmlformats.org/presentationml/2006/main">
+  <p:tag name="AS_UNIQUEID" val="549"/>
+</p:tagLst>
+</file>
+
+<file path=ppt/tags/tag58.xml><?xml version="1.0" encoding="utf-8"?>
+<p:tagLst xmlns:a="http://schemas.openxmlformats.org/drawingml/2006/main" xmlns:r="http://schemas.openxmlformats.org/officeDocument/2006/relationships" xmlns:p="http://schemas.openxmlformats.org/presentationml/2006/main">
+  <p:tag name="AS_UNIQUEID" val="550"/>
+</p:tagLst>
+</file>
+
+<file path=ppt/tags/tag59.xml><?xml version="1.0" encoding="utf-8"?>
+<p:tagLst xmlns:a="http://schemas.openxmlformats.org/drawingml/2006/main" xmlns:r="http://schemas.openxmlformats.org/officeDocument/2006/relationships" xmlns:p="http://schemas.openxmlformats.org/presentationml/2006/main">
+  <p:tag name="AS_UNIQUEID" val="551"/>
+</p:tagLst>
+</file>
+
+<file path=ppt/tags/tag6.xml><?xml version="1.0" encoding="utf-8"?>
+<p:tagLst xmlns:a="http://schemas.openxmlformats.org/drawingml/2006/main" xmlns:r="http://schemas.openxmlformats.org/officeDocument/2006/relationships" xmlns:p="http://schemas.openxmlformats.org/presentationml/2006/main">
+  <p:tag name="AS_UNIQUEID" val="563"/>
+</p:tagLst>
+</file>
+
+<file path=ppt/tags/tag60.xml><?xml version="1.0" encoding="utf-8"?>
+<p:tagLst xmlns:a="http://schemas.openxmlformats.org/drawingml/2006/main" xmlns:r="http://schemas.openxmlformats.org/officeDocument/2006/relationships" xmlns:p="http://schemas.openxmlformats.org/presentationml/2006/main">
+  <p:tag name="AS_UNIQUEID" val="553"/>
+</p:tagLst>
+</file>
+
+<file path=ppt/tags/tag61.xml><?xml version="1.0" encoding="utf-8"?>
+<p:tagLst xmlns:a="http://schemas.openxmlformats.org/drawingml/2006/main" xmlns:r="http://schemas.openxmlformats.org/officeDocument/2006/relationships" xmlns:p="http://schemas.openxmlformats.org/presentationml/2006/main">
+  <p:tag name="AS_UNIQUEID" val="554"/>
+</p:tagLst>
+</file>
+
+<file path=ppt/tags/tag62.xml><?xml version="1.0" encoding="utf-8"?>
+<p:tagLst xmlns:a="http://schemas.openxmlformats.org/drawingml/2006/main" xmlns:r="http://schemas.openxmlformats.org/officeDocument/2006/relationships" xmlns:p="http://schemas.openxmlformats.org/presentationml/2006/main">
+  <p:tag name="AS_UNIQUEID" val="555"/>
+</p:tagLst>
+</file>
+
+<file path=ppt/tags/tag63.xml><?xml version="1.0" encoding="utf-8"?>
+<p:tagLst xmlns:a="http://schemas.openxmlformats.org/drawingml/2006/main" xmlns:r="http://schemas.openxmlformats.org/officeDocument/2006/relationships" xmlns:p="http://schemas.openxmlformats.org/presentationml/2006/main">
+  <p:tag name="AS_UNIQUEID" val="556"/>
+</p:tagLst>
+</file>
+
+<file path=ppt/tags/tag64.xml><?xml version="1.0" encoding="utf-8"?>
+<p:tagLst xmlns:a="http://schemas.openxmlformats.org/drawingml/2006/main" xmlns:r="http://schemas.openxmlformats.org/officeDocument/2006/relationships" xmlns:p="http://schemas.openxmlformats.org/presentationml/2006/main">
+  <p:tag name="AS_UNIQUEID" val="557"/>
+</p:tagLst>
+</file>
+
+<file path=ppt/tags/tag65.xml><?xml version="1.0" encoding="utf-8"?>
+<p:tagLst xmlns:a="http://schemas.openxmlformats.org/drawingml/2006/main" xmlns:r="http://schemas.openxmlformats.org/officeDocument/2006/relationships" xmlns:p="http://schemas.openxmlformats.org/presentationml/2006/main">
+  <p:tag name="AS_UNIQUEID" val="565"/>
+</p:tagLst>
+</file>
+
+<file path=ppt/tags/tag66.xml><?xml version="1.0" encoding="utf-8"?>
+<p:tagLst xmlns:a="http://schemas.openxmlformats.org/drawingml/2006/main" xmlns:r="http://schemas.openxmlformats.org/officeDocument/2006/relationships" xmlns:p="http://schemas.openxmlformats.org/presentationml/2006/main">
+  <p:tag name="AS_UNIQUEID" val="566"/>
+</p:tagLst>
+</file>
+
+<file path=ppt/tags/tag67.xml><?xml version="1.0" encoding="utf-8"?>
+<p:tagLst xmlns:a="http://schemas.openxmlformats.org/drawingml/2006/main" xmlns:r="http://schemas.openxmlformats.org/officeDocument/2006/relationships" xmlns:p="http://schemas.openxmlformats.org/presentationml/2006/main">
+  <p:tag name="AS_UNIQUEID" val="567"/>
+</p:tagLst>
+</file>
+
+<file path=ppt/tags/tag68.xml><?xml version="1.0" encoding="utf-8"?>
+<p:tagLst xmlns:a="http://schemas.openxmlformats.org/drawingml/2006/main" xmlns:r="http://schemas.openxmlformats.org/officeDocument/2006/relationships" xmlns:p="http://schemas.openxmlformats.org/presentationml/2006/main">
+  <p:tag name="AS_UNIQUEID" val="568"/>
+</p:tagLst>
+</file>
+
+<file path=ppt/tags/tag69.xml><?xml version="1.0" encoding="utf-8"?>
+<p:tagLst xmlns:a="http://schemas.openxmlformats.org/drawingml/2006/main" xmlns:r="http://schemas.openxmlformats.org/officeDocument/2006/relationships" xmlns:p="http://schemas.openxmlformats.org/presentationml/2006/main">
+  <p:tag name="AS_UNIQUEID" val="569"/>
+</p:tagLst>
+</file>
+
+<file path=ppt/tags/tag7.xml><?xml version="1.0" encoding="utf-8"?>
+<p:tagLst xmlns:a="http://schemas.openxmlformats.org/drawingml/2006/main" xmlns:r="http://schemas.openxmlformats.org/officeDocument/2006/relationships" xmlns:p="http://schemas.openxmlformats.org/presentationml/2006/main">
+  <p:tag name="AS_UNIQUEID" val="490"/>
+</p:tagLst>
+</file>
+
+<file path=ppt/tags/tag70.xml><?xml version="1.0" encoding="utf-8"?>
+<p:tagLst xmlns:a="http://schemas.openxmlformats.org/drawingml/2006/main" xmlns:r="http://schemas.openxmlformats.org/officeDocument/2006/relationships" xmlns:p="http://schemas.openxmlformats.org/presentationml/2006/main">
+  <p:tag name="AS_UNIQUEID" val="570"/>
+</p:tagLst>
+</file>
+
+<file path=ppt/tags/tag71.xml><?xml version="1.0" encoding="utf-8"?>
+<p:tagLst xmlns:a="http://schemas.openxmlformats.org/drawingml/2006/main" xmlns:r="http://schemas.openxmlformats.org/officeDocument/2006/relationships" xmlns:p="http://schemas.openxmlformats.org/presentationml/2006/main">
+  <p:tag name="AS_UNIQUEID" val="0"/>
+</p:tagLst>
+</file>
+
+<file path=ppt/tags/tag72.xml><?xml version="1.0" encoding="utf-8"?>
+<p:tagLst xmlns:a="http://schemas.openxmlformats.org/drawingml/2006/main" xmlns:r="http://schemas.openxmlformats.org/officeDocument/2006/relationships" xmlns:p="http://schemas.openxmlformats.org/presentationml/2006/main">
+  <p:tag name="AS_UNIQUEID" val="572"/>
+</p:tagLst>
+</file>
+
+<file path=ppt/tags/tag73.xml><?xml version="1.0" encoding="utf-8"?>
+<p:tagLst xmlns:a="http://schemas.openxmlformats.org/drawingml/2006/main" xmlns:r="http://schemas.openxmlformats.org/officeDocument/2006/relationships" xmlns:p="http://schemas.openxmlformats.org/presentationml/2006/main">
+  <p:tag name="AS_UNIQUEID" val="573"/>
+</p:tagLst>
+</file>
+
+<file path=ppt/tags/tag74.xml><?xml version="1.0" encoding="utf-8"?>
+<p:tagLst xmlns:a="http://schemas.openxmlformats.org/drawingml/2006/main" xmlns:r="http://schemas.openxmlformats.org/officeDocument/2006/relationships" xmlns:p="http://schemas.openxmlformats.org/presentationml/2006/main">
+  <p:tag name="AS_UNIQUEID" val="2"/>
+</p:tagLst>
+</file>
+
+<file path=ppt/tags/tag75.xml><?xml version="1.0" encoding="utf-8"?>
+<p:tagLst xmlns:a="http://schemas.openxmlformats.org/drawingml/2006/main" xmlns:r="http://schemas.openxmlformats.org/officeDocument/2006/relationships" xmlns:p="http://schemas.openxmlformats.org/presentationml/2006/main">
+  <p:tag name="AS_UNIQUEID" val="3"/>
+</p:tagLst>
+</file>
+
+<file path=ppt/tags/tag76.xml><?xml version="1.0" encoding="utf-8"?>
+<p:tagLst xmlns:a="http://schemas.openxmlformats.org/drawingml/2006/main" xmlns:r="http://schemas.openxmlformats.org/officeDocument/2006/relationships" xmlns:p="http://schemas.openxmlformats.org/presentationml/2006/main">
+  <p:tag name="AS_UNIQUEID" val="576"/>
+</p:tagLst>
+</file>
+
+<file path=ppt/tags/tag77.xml><?xml version="1.0" encoding="utf-8"?>
+<p:tagLst xmlns:a="http://schemas.openxmlformats.org/drawingml/2006/main" xmlns:r="http://schemas.openxmlformats.org/officeDocument/2006/relationships" xmlns:p="http://schemas.openxmlformats.org/presentationml/2006/main">
+  <p:tag name="AS_UNIQUEID" val="577"/>
+</p:tagLst>
+</file>
+
+<file path=ppt/tags/tag78.xml><?xml version="1.0" encoding="utf-8"?>
+<p:tagLst xmlns:a="http://schemas.openxmlformats.org/drawingml/2006/main" xmlns:r="http://schemas.openxmlformats.org/officeDocument/2006/relationships" xmlns:p="http://schemas.openxmlformats.org/presentationml/2006/main">
+  <p:tag name="AS_UNIQUEID" val="4"/>
+</p:tagLst>
+</file>
+
+<file path=ppt/tags/tag79.xml><?xml version="1.0" encoding="utf-8"?>
+<p:tagLst xmlns:a="http://schemas.openxmlformats.org/drawingml/2006/main" xmlns:r="http://schemas.openxmlformats.org/officeDocument/2006/relationships" xmlns:p="http://schemas.openxmlformats.org/presentationml/2006/main">
+  <p:tag name="AS_UNIQUEID" val="5"/>
+</p:tagLst>
+</file>
+
+<file path=ppt/tags/tag8.xml><?xml version="1.0" encoding="utf-8"?>
+<p:tagLst xmlns:a="http://schemas.openxmlformats.org/drawingml/2006/main" xmlns:r="http://schemas.openxmlformats.org/officeDocument/2006/relationships" xmlns:p="http://schemas.openxmlformats.org/presentationml/2006/main">
+  <p:tag name="AS_UNIQUEID" val="491"/>
+</p:tagLst>
+</file>
+
+<file path=ppt/tags/tag80.xml><?xml version="1.0" encoding="utf-8"?>
+<p:tagLst xmlns:a="http://schemas.openxmlformats.org/drawingml/2006/main" xmlns:r="http://schemas.openxmlformats.org/officeDocument/2006/relationships" xmlns:p="http://schemas.openxmlformats.org/presentationml/2006/main">
+  <p:tag name="AS_UNIQUEID" val="580"/>
+</p:tagLst>
+</file>
+
+<file path=ppt/tags/tag81.xml><?xml version="1.0" encoding="utf-8"?>
+<p:tagLst xmlns:a="http://schemas.openxmlformats.org/drawingml/2006/main" xmlns:r="http://schemas.openxmlformats.org/officeDocument/2006/relationships" xmlns:p="http://schemas.openxmlformats.org/presentationml/2006/main">
+  <p:tag name="AS_UNIQUEID" val="581"/>
+</p:tagLst>
+</file>
+
+<file path=ppt/tags/tag82.xml><?xml version="1.0" encoding="utf-8"?>
+<p:tagLst xmlns:a="http://schemas.openxmlformats.org/drawingml/2006/main" xmlns:r="http://schemas.openxmlformats.org/officeDocument/2006/relationships" xmlns:p="http://schemas.openxmlformats.org/presentationml/2006/main">
+  <p:tag name="AS_UNIQUEID" val="96"/>
+</p:tagLst>
+</file>
+
+<file path=ppt/tags/tag83.xml><?xml version="1.0" encoding="utf-8"?>
+<p:tagLst xmlns:a="http://schemas.openxmlformats.org/drawingml/2006/main" xmlns:r="http://schemas.openxmlformats.org/officeDocument/2006/relationships" xmlns:p="http://schemas.openxmlformats.org/presentationml/2006/main">
+  <p:tag name="AS_UNIQUEID" val="97"/>
+</p:tagLst>
+</file>
+
+<file path=ppt/tags/tag84.xml><?xml version="1.0" encoding="utf-8"?>
+<p:tagLst xmlns:a="http://schemas.openxmlformats.org/drawingml/2006/main" xmlns:r="http://schemas.openxmlformats.org/officeDocument/2006/relationships" xmlns:p="http://schemas.openxmlformats.org/presentationml/2006/main">
+  <p:tag name="AS_UNIQUEID" val="589"/>
+</p:tagLst>
+</file>
+
+<file path=ppt/tags/tag85.xml><?xml version="1.0" encoding="utf-8"?>
+<p:tagLst xmlns:a="http://schemas.openxmlformats.org/drawingml/2006/main" xmlns:r="http://schemas.openxmlformats.org/officeDocument/2006/relationships" xmlns:p="http://schemas.openxmlformats.org/presentationml/2006/main">
+  <p:tag name="AS_UNIQUEID" val="590"/>
+</p:tagLst>
+</file>
+
+<file path=ppt/tags/tag86.xml><?xml version="1.0" encoding="utf-8"?>
+<p:tagLst xmlns:a="http://schemas.openxmlformats.org/drawingml/2006/main" xmlns:r="http://schemas.openxmlformats.org/officeDocument/2006/relationships" xmlns:p="http://schemas.openxmlformats.org/presentationml/2006/main">
+  <p:tag name="AS_UNIQUEID" val="591"/>
+</p:tagLst>
+</file>
+
+<file path=ppt/tags/tag87.xml><?xml version="1.0" encoding="utf-8"?>
+<p:tagLst xmlns:a="http://schemas.openxmlformats.org/drawingml/2006/main" xmlns:r="http://schemas.openxmlformats.org/officeDocument/2006/relationships" xmlns:p="http://schemas.openxmlformats.org/presentationml/2006/main">
+  <p:tag name="AS_UNIQUEID" val="98"/>
+</p:tagLst>
+</file>
+
+<file path=ppt/tags/tag88.xml><?xml version="1.0" encoding="utf-8"?>
+<p:tagLst xmlns:a="http://schemas.openxmlformats.org/drawingml/2006/main" xmlns:r="http://schemas.openxmlformats.org/officeDocument/2006/relationships" xmlns:p="http://schemas.openxmlformats.org/presentationml/2006/main">
+  <p:tag name="AS_UNIQUEID" val="99"/>
+</p:tagLst>
+</file>
+
+<file path=ppt/tags/tag89.xml><?xml version="1.0" encoding="utf-8"?>
+<p:tagLst xmlns:a="http://schemas.openxmlformats.org/drawingml/2006/main" xmlns:r="http://schemas.openxmlformats.org/officeDocument/2006/relationships" xmlns:p="http://schemas.openxmlformats.org/presentationml/2006/main">
+  <p:tag name="AS_UNIQUEID" val="594"/>
+</p:tagLst>
+</file>
+
+<file path=ppt/tags/tag9.xml><?xml version="1.0" encoding="utf-8"?>
+<p:tagLst xmlns:a="http://schemas.openxmlformats.org/drawingml/2006/main" xmlns:r="http://schemas.openxmlformats.org/officeDocument/2006/relationships" xmlns:p="http://schemas.openxmlformats.org/presentationml/2006/main">
+  <p:tag name="AS_UNIQUEID" val="492"/>
+</p:tagLst>
+</file>
+
+<file path=ppt/tags/tag90.xml><?xml version="1.0" encoding="utf-8"?>
+<p:tagLst xmlns:a="http://schemas.openxmlformats.org/drawingml/2006/main" xmlns:r="http://schemas.openxmlformats.org/officeDocument/2006/relationships" xmlns:p="http://schemas.openxmlformats.org/presentationml/2006/main">
+  <p:tag name="AS_UNIQUEID" val="595"/>
+</p:tagLst>
+</file>
+
+<file path=ppt/tags/tag91.xml><?xml version="1.0" encoding="utf-8"?>
+<p:tagLst xmlns:a="http://schemas.openxmlformats.org/drawingml/2006/main" xmlns:r="http://schemas.openxmlformats.org/officeDocument/2006/relationships" xmlns:p="http://schemas.openxmlformats.org/presentationml/2006/main">
+  <p:tag name="AS_UNIQUEID" val="596"/>
+</p:tagLst>
+</file>
+
+<file path=ppt/tags/tag92.xml><?xml version="1.0" encoding="utf-8"?>
+<p:tagLst xmlns:a="http://schemas.openxmlformats.org/drawingml/2006/main" xmlns:r="http://schemas.openxmlformats.org/officeDocument/2006/relationships" xmlns:p="http://schemas.openxmlformats.org/presentationml/2006/main">
+  <p:tag name="AS_UNIQUEID" val="191"/>
+</p:tagLst>
+</file>
+
+<file path=ppt/tags/tag93.xml><?xml version="1.0" encoding="utf-8"?>
+<p:tagLst xmlns:a="http://schemas.openxmlformats.org/drawingml/2006/main" xmlns:r="http://schemas.openxmlformats.org/officeDocument/2006/relationships" xmlns:p="http://schemas.openxmlformats.org/presentationml/2006/main">
+  <p:tag name="AS_UNIQUEID" val="192"/>
+</p:tagLst>
+</file>
+
+<file path=ppt/tags/tag94.xml><?xml version="1.0" encoding="utf-8"?>
+<p:tagLst xmlns:a="http://schemas.openxmlformats.org/drawingml/2006/main" xmlns:r="http://schemas.openxmlformats.org/officeDocument/2006/relationships" xmlns:p="http://schemas.openxmlformats.org/presentationml/2006/main">
+  <p:tag name="AS_UNIQUEID" val="193"/>
+</p:tagLst>
+</file>
+
+<file path=ppt/tags/tag95.xml><?xml version="1.0" encoding="utf-8"?>
+<p:tagLst xmlns:a="http://schemas.openxmlformats.org/drawingml/2006/main" xmlns:r="http://schemas.openxmlformats.org/officeDocument/2006/relationships" xmlns:p="http://schemas.openxmlformats.org/presentationml/2006/main">
+  <p:tag name="AS_UNIQUEID" val="194"/>
+</p:tagLst>
+</file>
+
+<file path=ppt/tags/tag96.xml><?xml version="1.0" encoding="utf-8"?>
+<p:tagLst xmlns:a="http://schemas.openxmlformats.org/drawingml/2006/main" xmlns:r="http://schemas.openxmlformats.org/officeDocument/2006/relationships" xmlns:p="http://schemas.openxmlformats.org/presentationml/2006/main">
+  <p:tag name="AS_UNIQUEID" val="604"/>
+</p:tagLst>
+</file>
+
+<file path=ppt/tags/tag97.xml><?xml version="1.0" encoding="utf-8"?>
+<p:tagLst xmlns:a="http://schemas.openxmlformats.org/drawingml/2006/main" xmlns:r="http://schemas.openxmlformats.org/officeDocument/2006/relationships" xmlns:p="http://schemas.openxmlformats.org/presentationml/2006/main">
+  <p:tag name="AS_UNIQUEID" val="605"/>
+</p:tagLst>
+</file>
+
+<file path=ppt/tags/tag98.xml><?xml version="1.0" encoding="utf-8"?>
+<p:tagLst xmlns:a="http://schemas.openxmlformats.org/drawingml/2006/main" xmlns:r="http://schemas.openxmlformats.org/officeDocument/2006/relationships" xmlns:p="http://schemas.openxmlformats.org/presentationml/2006/main">
+  <p:tag name="AS_UNIQUEID" val="195"/>
+</p:tagLst>
+</file>
+
+<file path=ppt/tags/tag99.xml><?xml version="1.0" encoding="utf-8"?>
 <p:tagLst xmlns:a="http://schemas.openxmlformats.org/drawingml/2006/main" xmlns:r="http://schemas.openxmlformats.org/officeDocument/2006/relationships" xmlns:p="http://schemas.openxmlformats.org/presentationml/2006/main">
   <p:tag name="AS_UNIQUEID" val="196"/>
-</p:tagLst>
-</file>
-
-<file path=ppt/tags/tag371.xml><?xml version="1.0" encoding="utf-8"?>
-<p:tagLst xmlns:a="http://schemas.openxmlformats.org/drawingml/2006/main" xmlns:r="http://schemas.openxmlformats.org/officeDocument/2006/relationships" xmlns:p="http://schemas.openxmlformats.org/presentationml/2006/main">
-  <p:tag name="AS_UNIQUEID" val="668"/>
-</p:tagLst>
-</file>
-
-<file path=ppt/tags/tag372.xml><?xml version="1.0" encoding="utf-8"?>
-<p:tagLst xmlns:a="http://schemas.openxmlformats.org/drawingml/2006/main" xmlns:r="http://schemas.openxmlformats.org/officeDocument/2006/relationships" xmlns:p="http://schemas.openxmlformats.org/presentationml/2006/main">
-  <p:tag name="AS_UNIQUEID" val="669"/>
-</p:tagLst>
-</file>
-
-<file path=ppt/tags/tag373.xml><?xml version="1.0" encoding="utf-8"?>
-<p:tagLst xmlns:a="http://schemas.openxmlformats.org/drawingml/2006/main" xmlns:r="http://schemas.openxmlformats.org/officeDocument/2006/relationships" xmlns:p="http://schemas.openxmlformats.org/presentationml/2006/main">
-  <p:tag name="AS_UNIQUEID" val="426"/>
-</p:tagLst>
-</file>
-
-<file path=ppt/tags/tag374.xml><?xml version="1.0" encoding="utf-8"?>
-<p:tagLst xmlns:a="http://schemas.openxmlformats.org/drawingml/2006/main" xmlns:r="http://schemas.openxmlformats.org/officeDocument/2006/relationships" xmlns:p="http://schemas.openxmlformats.org/presentationml/2006/main">
-  <p:tag name="AS_UNIQUEID" val="427"/>
-</p:tagLst>
-</file>
-
-<file path=ppt/tags/tag375.xml><?xml version="1.0" encoding="utf-8"?>
-<p:tagLst xmlns:a="http://schemas.openxmlformats.org/drawingml/2006/main" xmlns:r="http://schemas.openxmlformats.org/officeDocument/2006/relationships" xmlns:p="http://schemas.openxmlformats.org/presentationml/2006/main">
-  <p:tag name="AS_UNIQUEID" val="428"/>
-</p:tagLst>
-</file>
-
-<file path=ppt/tags/tag376.xml><?xml version="1.0" encoding="utf-8"?>
-<p:tagLst xmlns:a="http://schemas.openxmlformats.org/drawingml/2006/main" xmlns:r="http://schemas.openxmlformats.org/officeDocument/2006/relationships" xmlns:p="http://schemas.openxmlformats.org/presentationml/2006/main">
-  <p:tag name="AS_UNIQUEID" val="430"/>
-</p:tagLst>
-</file>
-
-<file path=ppt/tags/tag377.xml><?xml version="1.0" encoding="utf-8"?>
-<p:tagLst xmlns:a="http://schemas.openxmlformats.org/drawingml/2006/main" xmlns:r="http://schemas.openxmlformats.org/officeDocument/2006/relationships" xmlns:p="http://schemas.openxmlformats.org/presentationml/2006/main">
-  <p:tag name="AS_UNIQUEID" val="431"/>
-</p:tagLst>
-</file>
-
-<file path=ppt/tags/tag378.xml><?xml version="1.0" encoding="utf-8"?>
-<p:tagLst xmlns:a="http://schemas.openxmlformats.org/drawingml/2006/main" xmlns:r="http://schemas.openxmlformats.org/officeDocument/2006/relationships" xmlns:p="http://schemas.openxmlformats.org/presentationml/2006/main">
-  <p:tag name="AS_UNIQUEID" val="432"/>
-</p:tagLst>
-</file>
-
-<file path=ppt/tags/tag379.xml><?xml version="1.0" encoding="utf-8"?>
-<p:tagLst xmlns:a="http://schemas.openxmlformats.org/drawingml/2006/main" xmlns:r="http://schemas.openxmlformats.org/officeDocument/2006/relationships" xmlns:p="http://schemas.openxmlformats.org/presentationml/2006/main">
-  <p:tag name="AS_UNIQUEID" val="433"/>
-</p:tagLst>
-</file>
-
-<file path=ppt/tags/tag38.xml><?xml version="1.0" encoding="utf-8"?>
-<p:tagLst xmlns:a="http://schemas.openxmlformats.org/drawingml/2006/main" xmlns:r="http://schemas.openxmlformats.org/officeDocument/2006/relationships" xmlns:p="http://schemas.openxmlformats.org/presentationml/2006/main">
-  <p:tag name="AS_UNIQUEID" val="526"/>
-</p:tagLst>
-</file>
-
-<file path=ppt/tags/tag380.xml><?xml version="1.0" encoding="utf-8"?>
-<p:tagLst xmlns:a="http://schemas.openxmlformats.org/drawingml/2006/main" xmlns:r="http://schemas.openxmlformats.org/officeDocument/2006/relationships" xmlns:p="http://schemas.openxmlformats.org/presentationml/2006/main">
-  <p:tag name="AS_UNIQUEID" val="434"/>
-</p:tagLst>
-</file>
-
-<file path=ppt/tags/tag381.xml><?xml version="1.0" encoding="utf-8"?>
-<p:tagLst xmlns:a="http://schemas.openxmlformats.org/drawingml/2006/main" xmlns:r="http://schemas.openxmlformats.org/officeDocument/2006/relationships" xmlns:p="http://schemas.openxmlformats.org/presentationml/2006/main">
-  <p:tag name="AS_UNIQUEID" val="435"/>
-</p:tagLst>
-</file>
-
-<file path=ppt/tags/tag382.xml><?xml version="1.0" encoding="utf-8"?>
-<p:tagLst xmlns:a="http://schemas.openxmlformats.org/drawingml/2006/main" xmlns:r="http://schemas.openxmlformats.org/officeDocument/2006/relationships" xmlns:p="http://schemas.openxmlformats.org/presentationml/2006/main">
-  <p:tag name="AS_UNIQUEID" val="436"/>
-</p:tagLst>
-</file>
-
-<file path=ppt/tags/tag383.xml><?xml version="1.0" encoding="utf-8"?>
-<p:tagLst xmlns:a="http://schemas.openxmlformats.org/drawingml/2006/main" xmlns:r="http://schemas.openxmlformats.org/officeDocument/2006/relationships" xmlns:p="http://schemas.openxmlformats.org/presentationml/2006/main">
-  <p:tag name="AS_UNIQUEID" val="437"/>
-</p:tagLst>
-</file>
-
-<file path=ppt/tags/tag384.xml><?xml version="1.0" encoding="utf-8"?>
-<p:tagLst xmlns:a="http://schemas.openxmlformats.org/drawingml/2006/main" xmlns:r="http://schemas.openxmlformats.org/officeDocument/2006/relationships" xmlns:p="http://schemas.openxmlformats.org/presentationml/2006/main">
-  <p:tag name="AS_UNIQUEID" val="438"/>
-</p:tagLst>
-</file>
-
-<file path=ppt/tags/tag385.xml><?xml version="1.0" encoding="utf-8"?>
-<p:tagLst xmlns:a="http://schemas.openxmlformats.org/drawingml/2006/main" xmlns:r="http://schemas.openxmlformats.org/officeDocument/2006/relationships" xmlns:p="http://schemas.openxmlformats.org/presentationml/2006/main">
-  <p:tag name="AS_UNIQUEID" val="439"/>
-</p:tagLst>
-</file>
-
-<file path=ppt/tags/tag386.xml><?xml version="1.0" encoding="utf-8"?>
-<p:tagLst xmlns:a="http://schemas.openxmlformats.org/drawingml/2006/main" xmlns:r="http://schemas.openxmlformats.org/officeDocument/2006/relationships" xmlns:p="http://schemas.openxmlformats.org/presentationml/2006/main">
-  <p:tag name="AS_UNIQUEID" val="440"/>
-</p:tagLst>
-</file>
-
-<file path=ppt/tags/tag387.xml><?xml version="1.0" encoding="utf-8"?>
-<p:tagLst xmlns:a="http://schemas.openxmlformats.org/drawingml/2006/main" xmlns:r="http://schemas.openxmlformats.org/officeDocument/2006/relationships" xmlns:p="http://schemas.openxmlformats.org/presentationml/2006/main">
-  <p:tag name="AS_UNIQUEID" val="441"/>
-</p:tagLst>
-</file>
-
-<file path=ppt/tags/tag388.xml><?xml version="1.0" encoding="utf-8"?>
-<p:tagLst xmlns:a="http://schemas.openxmlformats.org/drawingml/2006/main" xmlns:r="http://schemas.openxmlformats.org/officeDocument/2006/relationships" xmlns:p="http://schemas.openxmlformats.org/presentationml/2006/main">
-  <p:tag name="AS_UNIQUEID" val="442"/>
-</p:tagLst>
-</file>
-
-<file path=ppt/tags/tag389.xml><?xml version="1.0" encoding="utf-8"?>
-<p:tagLst xmlns:a="http://schemas.openxmlformats.org/drawingml/2006/main" xmlns:r="http://schemas.openxmlformats.org/officeDocument/2006/relationships" xmlns:p="http://schemas.openxmlformats.org/presentationml/2006/main">
-  <p:tag name="AS_UNIQUEID" val="443"/>
-</p:tagLst>
-</file>
-
-<file path=ppt/tags/tag39.xml><?xml version="1.0" encoding="utf-8"?>
-<p:tagLst xmlns:a="http://schemas.openxmlformats.org/drawingml/2006/main" xmlns:r="http://schemas.openxmlformats.org/officeDocument/2006/relationships" xmlns:p="http://schemas.openxmlformats.org/presentationml/2006/main">
-  <p:tag name="AS_UNIQUEID" val="527"/>
-</p:tagLst>
-</file>
-
-<file path=ppt/tags/tag390.xml><?xml version="1.0" encoding="utf-8"?>
-<p:tagLst xmlns:a="http://schemas.openxmlformats.org/drawingml/2006/main" xmlns:r="http://schemas.openxmlformats.org/officeDocument/2006/relationships" xmlns:p="http://schemas.openxmlformats.org/presentationml/2006/main">
-  <p:tag name="AS_UNIQUEID" val="444"/>
-</p:tagLst>
-</file>
-
-<file path=ppt/tags/tag391.xml><?xml version="1.0" encoding="utf-8"?>
-<p:tagLst xmlns:a="http://schemas.openxmlformats.org/drawingml/2006/main" xmlns:r="http://schemas.openxmlformats.org/officeDocument/2006/relationships" xmlns:p="http://schemas.openxmlformats.org/presentationml/2006/main">
-  <p:tag name="AS_UNIQUEID" val="445"/>
-</p:tagLst>
-</file>
-
-<file path=ppt/tags/tag392.xml><?xml version="1.0" encoding="utf-8"?>
-<p:tagLst xmlns:a="http://schemas.openxmlformats.org/drawingml/2006/main" xmlns:r="http://schemas.openxmlformats.org/officeDocument/2006/relationships" xmlns:p="http://schemas.openxmlformats.org/presentationml/2006/main">
-  <p:tag name="AS_UNIQUEID" val="446"/>
-</p:tagLst>
-</file>
-
-<file path=ppt/tags/tag393.xml><?xml version="1.0" encoding="utf-8"?>
-<p:tagLst xmlns:a="http://schemas.openxmlformats.org/drawingml/2006/main" xmlns:r="http://schemas.openxmlformats.org/officeDocument/2006/relationships" xmlns:p="http://schemas.openxmlformats.org/presentationml/2006/main">
-  <p:tag name="AS_UNIQUEID" val="447"/>
-</p:tagLst>
-</file>
-
-<file path=ppt/tags/tag394.xml><?xml version="1.0" encoding="utf-8"?>
-<p:tagLst xmlns:a="http://schemas.openxmlformats.org/drawingml/2006/main" xmlns:r="http://schemas.openxmlformats.org/officeDocument/2006/relationships" xmlns:p="http://schemas.openxmlformats.org/presentationml/2006/main">
-  <p:tag name="AS_UNIQUEID" val="448"/>
-</p:tagLst>
-</file>
-
-<file path=ppt/tags/tag395.xml><?xml version="1.0" encoding="utf-8"?>
-<p:tagLst xmlns:a="http://schemas.openxmlformats.org/drawingml/2006/main" xmlns:r="http://schemas.openxmlformats.org/officeDocument/2006/relationships" xmlns:p="http://schemas.openxmlformats.org/presentationml/2006/main">
-  <p:tag name="AS_UNIQUEID" val="449"/>
-</p:tagLst>
-</file>
-
-<file path=ppt/tags/tag396.xml><?xml version="1.0" encoding="utf-8"?>
-<p:tagLst xmlns:a="http://schemas.openxmlformats.org/drawingml/2006/main" xmlns:r="http://schemas.openxmlformats.org/officeDocument/2006/relationships" xmlns:p="http://schemas.openxmlformats.org/presentationml/2006/main">
-  <p:tag name="AS_UNIQUEID" val="450"/>
-</p:tagLst>
-</file>
-
-<file path=ppt/tags/tag397.xml><?xml version="1.0" encoding="utf-8"?>
-<p:tagLst xmlns:a="http://schemas.openxmlformats.org/drawingml/2006/main" xmlns:r="http://schemas.openxmlformats.org/officeDocument/2006/relationships" xmlns:p="http://schemas.openxmlformats.org/presentationml/2006/main">
-  <p:tag name="AS_UNIQUEID" val="451"/>
-</p:tagLst>
-</file>
-
-<file path=ppt/tags/tag398.xml><?xml version="1.0" encoding="utf-8"?>
-<p:tagLst xmlns:a="http://schemas.openxmlformats.org/drawingml/2006/main" xmlns:r="http://schemas.openxmlformats.org/officeDocument/2006/relationships" xmlns:p="http://schemas.openxmlformats.org/presentationml/2006/main">
-  <p:tag name="AS_UNIQUEID" val="452"/>
-</p:tagLst>
-</file>
-
-<file path=ppt/tags/tag399.xml><?xml version="1.0" encoding="utf-8"?>
-<p:tagLst xmlns:a="http://schemas.openxmlformats.org/drawingml/2006/main" xmlns:r="http://schemas.openxmlformats.org/officeDocument/2006/relationships" xmlns:p="http://schemas.openxmlformats.org/presentationml/2006/main">
-  <p:tag name="AS_UNIQUEID" val="453"/>
-</p:tagLst>
-</file>
-
-<file path=ppt/tags/tag4.xml><?xml version="1.0" encoding="utf-8"?>
-<p:tagLst xmlns:a="http://schemas.openxmlformats.org/drawingml/2006/main" xmlns:r="http://schemas.openxmlformats.org/officeDocument/2006/relationships" xmlns:p="http://schemas.openxmlformats.org/presentationml/2006/main">
-  <p:tag name="AS_UNIQUEID" val="561"/>
-</p:tagLst>
-</file>
-
-<file path=ppt/tags/tag40.xml><?xml version="1.0" encoding="utf-8"?>
-<p:tagLst xmlns:a="http://schemas.openxmlformats.org/drawingml/2006/main" xmlns:r="http://schemas.openxmlformats.org/officeDocument/2006/relationships" xmlns:p="http://schemas.openxmlformats.org/presentationml/2006/main">
-  <p:tag name="AS_UNIQUEID" val="529"/>
-</p:tagLst>
-</file>
-
-<file path=ppt/tags/tag400.xml><?xml version="1.0" encoding="utf-8"?>
-<p:tagLst xmlns:a="http://schemas.openxmlformats.org/drawingml/2006/main" xmlns:r="http://schemas.openxmlformats.org/officeDocument/2006/relationships" xmlns:p="http://schemas.openxmlformats.org/presentationml/2006/main">
-  <p:tag name="AS_UNIQUEID" val="454"/>
-</p:tagLst>
-</file>
-
-<file path=ppt/tags/tag401.xml><?xml version="1.0" encoding="utf-8"?>
-<p:tagLst xmlns:a="http://schemas.openxmlformats.org/drawingml/2006/main" xmlns:r="http://schemas.openxmlformats.org/officeDocument/2006/relationships" xmlns:p="http://schemas.openxmlformats.org/presentationml/2006/main">
-  <p:tag name="AS_UNIQUEID" val="455"/>
-</p:tagLst>
-</file>
-
-<file path=ppt/tags/tag402.xml><?xml version="1.0" encoding="utf-8"?>
-<p:tagLst xmlns:a="http://schemas.openxmlformats.org/drawingml/2006/main" xmlns:r="http://schemas.openxmlformats.org/officeDocument/2006/relationships" xmlns:p="http://schemas.openxmlformats.org/presentationml/2006/main">
-  <p:tag name="AS_UNIQUEID" val="456"/>
-</p:tagLst>
-</file>
-
-<file path=ppt/tags/tag403.xml><?xml version="1.0" encoding="utf-8"?>
-<p:tagLst xmlns:a="http://schemas.openxmlformats.org/drawingml/2006/main" xmlns:r="http://schemas.openxmlformats.org/officeDocument/2006/relationships" xmlns:p="http://schemas.openxmlformats.org/presentationml/2006/main">
-  <p:tag name="AS_UNIQUEID" val="457"/>
-</p:tagLst>
-</file>
-
-<file path=ppt/tags/tag404.xml><?xml version="1.0" encoding="utf-8"?>
-<p:tagLst xmlns:a="http://schemas.openxmlformats.org/drawingml/2006/main" xmlns:r="http://schemas.openxmlformats.org/officeDocument/2006/relationships" xmlns:p="http://schemas.openxmlformats.org/presentationml/2006/main">
-  <p:tag name="AS_UNIQUEID" val="458"/>
-</p:tagLst>
-</file>
-
-<file path=ppt/tags/tag405.xml><?xml version="1.0" encoding="utf-8"?>
-<p:tagLst xmlns:a="http://schemas.openxmlformats.org/drawingml/2006/main" xmlns:r="http://schemas.openxmlformats.org/officeDocument/2006/relationships" xmlns:p="http://schemas.openxmlformats.org/presentationml/2006/main">
-  <p:tag name="AS_UNIQUEID" val="459"/>
-</p:tagLst>
-</file>
-
-<file path=ppt/tags/tag406.xml><?xml version="1.0" encoding="utf-8"?>
-<p:tagLst xmlns:a="http://schemas.openxmlformats.org/drawingml/2006/main" xmlns:r="http://schemas.openxmlformats.org/officeDocument/2006/relationships" xmlns:p="http://schemas.openxmlformats.org/presentationml/2006/main">
-  <p:tag name="AS_UNIQUEID" val="460"/>
-</p:tagLst>
-</file>
-
-<file path=ppt/tags/tag407.xml><?xml version="1.0" encoding="utf-8"?>
-<p:tagLst xmlns:a="http://schemas.openxmlformats.org/drawingml/2006/main" xmlns:r="http://schemas.openxmlformats.org/officeDocument/2006/relationships" xmlns:p="http://schemas.openxmlformats.org/presentationml/2006/main">
-  <p:tag name="AS_UNIQUEID" val="461"/>
-</p:tagLst>
-</file>
-
-<file path=ppt/tags/tag408.xml><?xml version="1.0" encoding="utf-8"?>
-<p:tagLst xmlns:a="http://schemas.openxmlformats.org/drawingml/2006/main" xmlns:r="http://schemas.openxmlformats.org/officeDocument/2006/relationships" xmlns:p="http://schemas.openxmlformats.org/presentationml/2006/main">
-  <p:tag name="AS_UNIQUEID" val="462"/>
-</p:tagLst>
-</file>
-
-<file path=ppt/tags/tag409.xml><?xml version="1.0" encoding="utf-8"?>
-<p:tagLst xmlns:a="http://schemas.openxmlformats.org/drawingml/2006/main" xmlns:r="http://schemas.openxmlformats.org/officeDocument/2006/relationships" xmlns:p="http://schemas.openxmlformats.org/presentationml/2006/main">
-  <p:tag name="AS_UNIQUEID" val="463"/>
-</p:tagLst>
-</file>
-
-<file path=ppt/tags/tag41.xml><?xml version="1.0" encoding="utf-8"?>
-<p:tagLst xmlns:a="http://schemas.openxmlformats.org/drawingml/2006/main" xmlns:r="http://schemas.openxmlformats.org/officeDocument/2006/relationships" xmlns:p="http://schemas.openxmlformats.org/presentationml/2006/main">
-  <p:tag name="AS_UNIQUEID" val="530"/>
-</p:tagLst>
-</file>
-
-<file path=ppt/tags/tag410.xml><?xml version="1.0" encoding="utf-8"?>
-<p:tagLst xmlns:a="http://schemas.openxmlformats.org/drawingml/2006/main" xmlns:r="http://schemas.openxmlformats.org/officeDocument/2006/relationships" xmlns:p="http://schemas.openxmlformats.org/presentationml/2006/main">
-  <p:tag name="AS_UNIQUEID" val="464"/>
-</p:tagLst>
-</file>
-
-<file path=ppt/tags/tag411.xml><?xml version="1.0" encoding="utf-8"?>
-<p:tagLst xmlns:a="http://schemas.openxmlformats.org/drawingml/2006/main" xmlns:r="http://schemas.openxmlformats.org/officeDocument/2006/relationships" xmlns:p="http://schemas.openxmlformats.org/presentationml/2006/main">
-  <p:tag name="AS_UNIQUEID" val="465"/>
-</p:tagLst>
-</file>
-
-<file path=ppt/tags/tag412.xml><?xml version="1.0" encoding="utf-8"?>
-<p:tagLst xmlns:a="http://schemas.openxmlformats.org/drawingml/2006/main" xmlns:r="http://schemas.openxmlformats.org/officeDocument/2006/relationships" xmlns:p="http://schemas.openxmlformats.org/presentationml/2006/main">
-  <p:tag name="AS_UNIQUEID" val="466"/>
-</p:tagLst>
-</file>
-
-<file path=ppt/tags/tag413.xml><?xml version="1.0" encoding="utf-8"?>
-<p:tagLst xmlns:a="http://schemas.openxmlformats.org/drawingml/2006/main" xmlns:r="http://schemas.openxmlformats.org/officeDocument/2006/relationships" xmlns:p="http://schemas.openxmlformats.org/presentationml/2006/main">
-  <p:tag name="AS_UNIQUEID" val="467"/>
-</p:tagLst>
-</file>
-
-<file path=ppt/tags/tag414.xml><?xml version="1.0" encoding="utf-8"?>
-<p:tagLst xmlns:a="http://schemas.openxmlformats.org/drawingml/2006/main" xmlns:r="http://schemas.openxmlformats.org/officeDocument/2006/relationships" xmlns:p="http://schemas.openxmlformats.org/presentationml/2006/main">
-  <p:tag name="AS_UNIQUEID" val="468"/>
-</p:tagLst>
-</file>
-
-<file path=ppt/tags/tag415.xml><?xml version="1.0" encoding="utf-8"?>
-<p:tagLst xmlns:a="http://schemas.openxmlformats.org/drawingml/2006/main" xmlns:r="http://schemas.openxmlformats.org/officeDocument/2006/relationships" xmlns:p="http://schemas.openxmlformats.org/presentationml/2006/main">
-  <p:tag name="AS_UNIQUEID" val="469"/>
-</p:tagLst>
-</file>
-
-<file path=ppt/tags/tag416.xml><?xml version="1.0" encoding="utf-8"?>
-<p:tagLst xmlns:a="http://schemas.openxmlformats.org/drawingml/2006/main" xmlns:r="http://schemas.openxmlformats.org/officeDocument/2006/relationships" xmlns:p="http://schemas.openxmlformats.org/presentationml/2006/main">
-  <p:tag name="AS_UNIQUEID" val="470"/>
-</p:tagLst>
-</file>
-
-<file path=ppt/tags/tag417.xml><?xml version="1.0" encoding="utf-8"?>
-<p:tagLst xmlns:a="http://schemas.openxmlformats.org/drawingml/2006/main" xmlns:r="http://schemas.openxmlformats.org/officeDocument/2006/relationships" xmlns:p="http://schemas.openxmlformats.org/presentationml/2006/main">
-  <p:tag name="AS_UNIQUEID" val="471"/>
-</p:tagLst>
-</file>
-
-<file path=ppt/tags/tag418.xml><?xml version="1.0" encoding="utf-8"?>
-<p:tagLst xmlns:a="http://schemas.openxmlformats.org/drawingml/2006/main" xmlns:r="http://schemas.openxmlformats.org/officeDocument/2006/relationships" xmlns:p="http://schemas.openxmlformats.org/presentationml/2006/main">
-  <p:tag name="AS_UNIQUEID" val="472"/>
-</p:tagLst>
-</file>
-
-<file path=ppt/tags/tag419.xml><?xml version="1.0" encoding="utf-8"?>
-<p:tagLst xmlns:a="http://schemas.openxmlformats.org/drawingml/2006/main" xmlns:r="http://schemas.openxmlformats.org/officeDocument/2006/relationships" xmlns:p="http://schemas.openxmlformats.org/presentationml/2006/main">
-  <p:tag name="AS_UNIQUEID" val="473"/>
-</p:tagLst>
-</file>
-
-<file path=ppt/tags/tag42.xml><?xml version="1.0" encoding="utf-8"?>
-<p:tagLst xmlns:a="http://schemas.openxmlformats.org/drawingml/2006/main" xmlns:r="http://schemas.openxmlformats.org/officeDocument/2006/relationships" xmlns:p="http://schemas.openxmlformats.org/presentationml/2006/main">
-  <p:tag name="AS_UNIQUEID" val="531"/>
-</p:tagLst>
-</file>
-
-<file path=ppt/tags/tag420.xml><?xml version="1.0" encoding="utf-8"?>
-<p:tagLst xmlns:a="http://schemas.openxmlformats.org/drawingml/2006/main" xmlns:r="http://schemas.openxmlformats.org/officeDocument/2006/relationships" xmlns:p="http://schemas.openxmlformats.org/presentationml/2006/main">
-  <p:tag name="AS_UNIQUEID" val="474"/>
-</p:tagLst>
-</file>
-
-<file path=ppt/tags/tag421.xml><?xml version="1.0" encoding="utf-8"?>
-<p:tagLst xmlns:a="http://schemas.openxmlformats.org/drawingml/2006/main" xmlns:r="http://schemas.openxmlformats.org/officeDocument/2006/relationships" xmlns:p="http://schemas.openxmlformats.org/presentationml/2006/main">
-  <p:tag name="AS_UNIQUEID" val="475"/>
-</p:tagLst>
-</file>
-
-<file path=ppt/tags/tag422.xml><?xml version="1.0" encoding="utf-8"?>
-<p:tagLst xmlns:a="http://schemas.openxmlformats.org/drawingml/2006/main" xmlns:r="http://schemas.openxmlformats.org/officeDocument/2006/relationships" xmlns:p="http://schemas.openxmlformats.org/presentationml/2006/main">
-  <p:tag name="AS_UNIQUEID" val="476"/>
-</p:tagLst>
-</file>
-
-<file path=ppt/tags/tag423.xml><?xml version="1.0" encoding="utf-8"?>
-<p:tagLst xmlns:a="http://schemas.openxmlformats.org/drawingml/2006/main" xmlns:r="http://schemas.openxmlformats.org/officeDocument/2006/relationships" xmlns:p="http://schemas.openxmlformats.org/presentationml/2006/main">
-  <p:tag name="AS_UNIQUEID" val="477"/>
-</p:tagLst>
-</file>
-
-<file path=ppt/tags/tag424.xml><?xml version="1.0" encoding="utf-8"?>
-<p:tagLst xmlns:a="http://schemas.openxmlformats.org/drawingml/2006/main" xmlns:r="http://schemas.openxmlformats.org/officeDocument/2006/relationships" xmlns:p="http://schemas.openxmlformats.org/presentationml/2006/main">
-  <p:tag name="AS_UNIQUEID" val="478"/>
-</p:tagLst>
-</file>
-
-<file path=ppt/tags/tag425.xml><?xml version="1.0" encoding="utf-8"?>
-<p:tagLst xmlns:a="http://schemas.openxmlformats.org/drawingml/2006/main" xmlns:r="http://schemas.openxmlformats.org/officeDocument/2006/relationships" xmlns:p="http://schemas.openxmlformats.org/presentationml/2006/main">
-  <p:tag name="AS_UNIQUEID" val="479"/>
-</p:tagLst>
-</file>
-
-<file path=ppt/tags/tag426.xml><?xml version="1.0" encoding="utf-8"?>
-<p:tagLst xmlns:a="http://schemas.openxmlformats.org/drawingml/2006/main" xmlns:r="http://schemas.openxmlformats.org/officeDocument/2006/relationships" xmlns:p="http://schemas.openxmlformats.org/presentationml/2006/main">
-  <p:tag name="AS_UNIQUEID" val="196"/>
-</p:tagLst>
-</file>
-
-<file path=ppt/tags/tag427.xml><?xml version="1.0" encoding="utf-8"?>
-<p:tagLst xmlns:a="http://schemas.openxmlformats.org/drawingml/2006/main" xmlns:r="http://schemas.openxmlformats.org/officeDocument/2006/relationships" xmlns:p="http://schemas.openxmlformats.org/presentationml/2006/main">
-  <p:tag name="AS_UNIQUEID" val="672"/>
-</p:tagLst>
-</file>
-
-<file path=ppt/tags/tag428.xml><?xml version="1.0" encoding="utf-8"?>
-<p:tagLst xmlns:a="http://schemas.openxmlformats.org/drawingml/2006/main" xmlns:r="http://schemas.openxmlformats.org/officeDocument/2006/relationships" xmlns:p="http://schemas.openxmlformats.org/presentationml/2006/main">
-  <p:tag name="AS_UNIQUEID" val="673"/>
-</p:tagLst>
-</file>
-
-<file path=ppt/tags/tag429.xml><?xml version="1.0" encoding="utf-8"?>
-<p:tagLst xmlns:a="http://schemas.openxmlformats.org/drawingml/2006/main" xmlns:r="http://schemas.openxmlformats.org/officeDocument/2006/relationships" xmlns:p="http://schemas.openxmlformats.org/presentationml/2006/main">
-  <p:tag name="AS_UNIQUEID" val="674"/>
-</p:tagLst>
-</file>
-
-<file path=ppt/tags/tag43.xml><?xml version="1.0" encoding="utf-8"?>
-<p:tagLst xmlns:a="http://schemas.openxmlformats.org/drawingml/2006/main" xmlns:r="http://schemas.openxmlformats.org/officeDocument/2006/relationships" xmlns:p="http://schemas.openxmlformats.org/presentationml/2006/main">
-  <p:tag name="AS_UNIQUEID" val="533"/>
-</p:tagLst>
-</file>
-
-<file path=ppt/tags/tag430.xml><?xml version="1.0" encoding="utf-8"?>
-<p:tagLst xmlns:a="http://schemas.openxmlformats.org/drawingml/2006/main" xmlns:r="http://schemas.openxmlformats.org/officeDocument/2006/relationships" xmlns:p="http://schemas.openxmlformats.org/presentationml/2006/main">
-  <p:tag name="AS_UNIQUEID" val="480"/>
-</p:tagLst>
-</file>
-
-<file path=ppt/tags/tag431.xml><?xml version="1.0" encoding="utf-8"?>
-<p:tagLst xmlns:a="http://schemas.openxmlformats.org/drawingml/2006/main" xmlns:r="http://schemas.openxmlformats.org/officeDocument/2006/relationships" xmlns:p="http://schemas.openxmlformats.org/presentationml/2006/main">
-  <p:tag name="AS_UNIQUEID" val="481"/>
-</p:tagLst>
-</file>
-
-<file path=ppt/tags/tag432.xml><?xml version="1.0" encoding="utf-8"?>
-<p:tagLst xmlns:a="http://schemas.openxmlformats.org/drawingml/2006/main" xmlns:r="http://schemas.openxmlformats.org/officeDocument/2006/relationships" xmlns:p="http://schemas.openxmlformats.org/presentationml/2006/main">
-  <p:tag name="AS_UNIQUEID" val="677"/>
-</p:tagLst>
-</file>
-
-<file path=ppt/tags/tag433.xml><?xml version="1.0" encoding="utf-8"?>
-<p:tagLst xmlns:a="http://schemas.openxmlformats.org/drawingml/2006/main" xmlns:r="http://schemas.openxmlformats.org/officeDocument/2006/relationships" xmlns:p="http://schemas.openxmlformats.org/presentationml/2006/main">
-  <p:tag name="AS_UNIQUEID" val="678"/>
-</p:tagLst>
-</file>
-
-<file path=ppt/tags/tag434.xml><?xml version="1.0" encoding="utf-8"?>
-<p:tagLst xmlns:a="http://schemas.openxmlformats.org/drawingml/2006/main" xmlns:r="http://schemas.openxmlformats.org/officeDocument/2006/relationships" xmlns:p="http://schemas.openxmlformats.org/presentationml/2006/main">
-  <p:tag name="AS_UNIQUEID" val="482"/>
-</p:tagLst>
-</file>
-
-<file path=ppt/tags/tag435.xml><?xml version="1.0" encoding="utf-8"?>
-<p:tagLst xmlns:a="http://schemas.openxmlformats.org/drawingml/2006/main" xmlns:r="http://schemas.openxmlformats.org/officeDocument/2006/relationships" xmlns:p="http://schemas.openxmlformats.org/presentationml/2006/main">
-  <p:tag name="AS_UNIQUEID" val="483"/>
-</p:tagLst>
-</file>
-
-<file path=ppt/tags/tag436.xml><?xml version="1.0" encoding="utf-8"?>
-<p:tagLst xmlns:a="http://schemas.openxmlformats.org/drawingml/2006/main" xmlns:r="http://schemas.openxmlformats.org/officeDocument/2006/relationships" xmlns:p="http://schemas.openxmlformats.org/presentationml/2006/main">
-  <p:tag name="AS_UNIQUEID" val="681"/>
-</p:tagLst>
-</file>
-
-<file path=ppt/tags/tag437.xml><?xml version="1.0" encoding="utf-8"?>
-<p:tagLst xmlns:a="http://schemas.openxmlformats.org/drawingml/2006/main" xmlns:r="http://schemas.openxmlformats.org/officeDocument/2006/relationships" xmlns:p="http://schemas.openxmlformats.org/presentationml/2006/main">
-  <p:tag name="AS_UNIQUEID" val="682"/>
-</p:tagLst>
-</file>
-
-<file path=ppt/tags/tag438.xml><?xml version="1.0" encoding="utf-8"?>
-<p:tagLst xmlns:a="http://schemas.openxmlformats.org/drawingml/2006/main" xmlns:r="http://schemas.openxmlformats.org/officeDocument/2006/relationships" xmlns:p="http://schemas.openxmlformats.org/presentationml/2006/main">
-  <p:tag name="AS_UNIQUEID" val="484"/>
-</p:tagLst>
-</file>
-
-<file path=ppt/tags/tag439.xml><?xml version="1.0" encoding="utf-8"?>
-<p:tagLst xmlns:a="http://schemas.openxmlformats.org/drawingml/2006/main" xmlns:r="http://schemas.openxmlformats.org/officeDocument/2006/relationships" xmlns:p="http://schemas.openxmlformats.org/presentationml/2006/main">
-  <p:tag name="AS_UNIQUEID" val="485"/>
-</p:tagLst>
-</file>
-
-<file path=ppt/tags/tag44.xml><?xml version="1.0" encoding="utf-8"?>
-<p:tagLst xmlns:a="http://schemas.openxmlformats.org/drawingml/2006/main" xmlns:r="http://schemas.openxmlformats.org/officeDocument/2006/relationships" xmlns:p="http://schemas.openxmlformats.org/presentationml/2006/main">
-  <p:tag name="AS_UNIQUEID" val="534"/>
-</p:tagLst>
-</file>
-
-<file path=ppt/tags/tag440.xml><?xml version="1.0" encoding="utf-8"?>
-<p:tagLst xmlns:a="http://schemas.openxmlformats.org/drawingml/2006/main" xmlns:r="http://schemas.openxmlformats.org/officeDocument/2006/relationships" xmlns:p="http://schemas.openxmlformats.org/presentationml/2006/main">
-  <p:tag name="AS_UNIQUEID" val="685"/>
-</p:tagLst>
-</file>
-
-<file path=ppt/tags/tag441.xml><?xml version="1.0" encoding="utf-8"?>
-<p:tagLst xmlns:a="http://schemas.openxmlformats.org/drawingml/2006/main" xmlns:r="http://schemas.openxmlformats.org/officeDocument/2006/relationships" xmlns:p="http://schemas.openxmlformats.org/presentationml/2006/main">
-  <p:tag name="AS_UNIQUEID" val="686"/>
-</p:tagLst>
-</file>
-
-<file path=ppt/tags/tag442.xml><?xml version="1.0" encoding="utf-8"?>
-<p:tagLst xmlns:a="http://schemas.openxmlformats.org/drawingml/2006/main" xmlns:r="http://schemas.openxmlformats.org/officeDocument/2006/relationships" xmlns:p="http://schemas.openxmlformats.org/presentationml/2006/main">
-  <p:tag name="AS_UNIQUEID" val="486"/>
-</p:tagLst>
-</file>
-
-<file path=ppt/tags/tag443.xml><?xml version="1.0" encoding="utf-8"?>
-<p:tagLst xmlns:a="http://schemas.openxmlformats.org/drawingml/2006/main" xmlns:r="http://schemas.openxmlformats.org/officeDocument/2006/relationships" xmlns:p="http://schemas.openxmlformats.org/presentationml/2006/main">
-  <p:tag name="AS_UNIQUEID" val="487"/>
-</p:tagLst>
-</file>
-
-<file path=ppt/tags/tag444.xml><?xml version="1.0" encoding="utf-8"?>
-<p:tagLst xmlns:a="http://schemas.openxmlformats.org/drawingml/2006/main" xmlns:r="http://schemas.openxmlformats.org/officeDocument/2006/relationships" xmlns:p="http://schemas.openxmlformats.org/presentationml/2006/main">
-  <p:tag name="AS_UNIQUEID" val="689"/>
-</p:tagLst>
-</file>
-
-<file path=ppt/tags/tag445.xml><?xml version="1.0" encoding="utf-8"?>
-<p:tagLst xmlns:a="http://schemas.openxmlformats.org/drawingml/2006/main" xmlns:r="http://schemas.openxmlformats.org/officeDocument/2006/relationships" xmlns:p="http://schemas.openxmlformats.org/presentationml/2006/main">
-  <p:tag name="AS_UNIQUEID" val="690"/>
-</p:tagLst>
-</file>
-
-<file path=ppt/tags/tag45.xml><?xml version="1.0" encoding="utf-8"?>
-<p:tagLst xmlns:a="http://schemas.openxmlformats.org/drawingml/2006/main" xmlns:r="http://schemas.openxmlformats.org/officeDocument/2006/relationships" xmlns:p="http://schemas.openxmlformats.org/presentationml/2006/main">
-  <p:tag name="AS_UNIQUEID" val="535"/>
-</p:tagLst>
-</file>
-
-<file path=ppt/tags/tag46.xml><?xml version="1.0" encoding="utf-8"?>
-<p:tagLst xmlns:a="http://schemas.openxmlformats.org/drawingml/2006/main" xmlns:r="http://schemas.openxmlformats.org/officeDocument/2006/relationships" xmlns:p="http://schemas.openxmlformats.org/presentationml/2006/main">
-  <p:tag name="AS_UNIQUEID" val="536"/>
-</p:tagLst>
-</file>
-
-<file path=ppt/tags/tag47.xml><?xml version="1.0" encoding="utf-8"?>
-<p:tagLst xmlns:a="http://schemas.openxmlformats.org/drawingml/2006/main" xmlns:r="http://schemas.openxmlformats.org/officeDocument/2006/relationships" xmlns:p="http://schemas.openxmlformats.org/presentationml/2006/main">
-  <p:tag name="AS_UNIQUEID" val="537"/>
-</p:tagLst>
-</file>
-
-<file path=ppt/tags/tag48.xml><?xml version="1.0" encoding="utf-8"?>
-<p:tagLst xmlns:a="http://schemas.openxmlformats.org/drawingml/2006/main" xmlns:r="http://schemas.openxmlformats.org/officeDocument/2006/relationships" xmlns:p="http://schemas.openxmlformats.org/presentationml/2006/main">
-  <p:tag name="AS_UNIQUEID" val="538"/>
-</p:tagLst>
-</file>
-
-<file path=ppt/tags/tag49.xml><?xml version="1.0" encoding="utf-8"?>
-<p:tagLst xmlns:a="http://schemas.openxmlformats.org/drawingml/2006/main" xmlns:r="http://schemas.openxmlformats.org/officeDocument/2006/relationships" xmlns:p="http://schemas.openxmlformats.org/presentationml/2006/main">
-  <p:tag name="AS_UNIQUEID" val="540"/>
-</p:tagLst>
-</file>
-
-<file path=ppt/tags/tag5.xml><?xml version="1.0" encoding="utf-8"?>
-<p:tagLst xmlns:a="http://schemas.openxmlformats.org/drawingml/2006/main" xmlns:r="http://schemas.openxmlformats.org/officeDocument/2006/relationships" xmlns:p="http://schemas.openxmlformats.org/presentationml/2006/main">
-  <p:tag name="AS_UNIQUEID" val="562"/>
-</p:tagLst>
-</file>
-
-<file path=ppt/tags/tag50.xml><?xml version="1.0" encoding="utf-8"?>
-<p:tagLst xmlns:a="http://schemas.openxmlformats.org/drawingml/2006/main" xmlns:r="http://schemas.openxmlformats.org/officeDocument/2006/relationships" xmlns:p="http://schemas.openxmlformats.org/presentationml/2006/main">
-  <p:tag name="AS_UNIQUEID" val="541"/>
-</p:tagLst>
-</file>
-
-<file path=ppt/tags/tag51.xml><?xml version="1.0" encoding="utf-8"?>
-<p:tagLst xmlns:a="http://schemas.openxmlformats.org/drawingml/2006/main" xmlns:r="http://schemas.openxmlformats.org/officeDocument/2006/relationships" xmlns:p="http://schemas.openxmlformats.org/presentationml/2006/main">
-  <p:tag name="AS_UNIQUEID" val="542"/>
-</p:tagLst>
-</file>
-
-<file path=ppt/tags/tag52.xml><?xml version="1.0" encoding="utf-8"?>
-<p:tagLst xmlns:a="http://schemas.openxmlformats.org/drawingml/2006/main" xmlns:r="http://schemas.openxmlformats.org/officeDocument/2006/relationships" xmlns:p="http://schemas.openxmlformats.org/presentationml/2006/main">
-  <p:tag name="AS_UNIQUEID" val="543"/>
-</p:tagLst>
-</file>
-
-<file path=ppt/tags/tag53.xml><?xml version="1.0" encoding="utf-8"?>
-<p:tagLst xmlns:a="http://schemas.openxmlformats.org/drawingml/2006/main" xmlns:r="http://schemas.openxmlformats.org/officeDocument/2006/relationships" xmlns:p="http://schemas.openxmlformats.org/presentationml/2006/main">
-  <p:tag name="AS_UNIQUEID" val="544"/>
-</p:tagLst>
-</file>
-
-<file path=ppt/tags/tag54.xml><?xml version="1.0" encoding="utf-8"?>
-<p:tagLst xmlns:a="http://schemas.openxmlformats.org/drawingml/2006/main" xmlns:r="http://schemas.openxmlformats.org/officeDocument/2006/relationships" xmlns:p="http://schemas.openxmlformats.org/presentationml/2006/main">
-  <p:tag name="AS_UNIQUEID" val="545"/>
-</p:tagLst>
-</file>
-
-<file path=ppt/tags/tag55.xml><?xml version="1.0" encoding="utf-8"?>
-<p:tagLst xmlns:a="http://schemas.openxmlformats.org/drawingml/2006/main" xmlns:r="http://schemas.openxmlformats.org/officeDocument/2006/relationships" xmlns:p="http://schemas.openxmlformats.org/presentationml/2006/main">
-  <p:tag name="AS_UNIQUEID" val="547"/>
-</p:tagLst>
-</file>
-
-<file path=ppt/tags/tag56.xml><?xml version="1.0" encoding="utf-8"?>
-<p:tagLst xmlns:a="http://schemas.openxmlformats.org/drawingml/2006/main" xmlns:r="http://schemas.openxmlformats.org/officeDocument/2006/relationships" xmlns:p="http://schemas.openxmlformats.org/presentationml/2006/main">
-  <p:tag name="AS_UNIQUEID" val="548"/>
-</p:tagLst>
-</file>
-
-<file path=ppt/tags/tag57.xml><?xml version="1.0" encoding="utf-8"?>
-<p:tagLst xmlns:a="http://schemas.openxmlformats.org/drawingml/2006/main" xmlns:r="http://schemas.openxmlformats.org/officeDocument/2006/relationships" xmlns:p="http://schemas.openxmlformats.org/presentationml/2006/main">
-  <p:tag name="AS_UNIQUEID" val="549"/>
-</p:tagLst>
-</file>
-
-<file path=ppt/tags/tag58.xml><?xml version="1.0" encoding="utf-8"?>
-<p:tagLst xmlns:a="http://schemas.openxmlformats.org/drawingml/2006/main" xmlns:r="http://schemas.openxmlformats.org/officeDocument/2006/relationships" xmlns:p="http://schemas.openxmlformats.org/presentationml/2006/main">
-  <p:tag name="AS_UNIQUEID" val="550"/>
-</p:tagLst>
-</file>
-
-<file path=ppt/tags/tag59.xml><?xml version="1.0" encoding="utf-8"?>
-<p:tagLst xmlns:a="http://schemas.openxmlformats.org/drawingml/2006/main" xmlns:r="http://schemas.openxmlformats.org/officeDocument/2006/relationships" xmlns:p="http://schemas.openxmlformats.org/presentationml/2006/main">
-  <p:tag name="AS_UNIQUEID" val="551"/>
-</p:tagLst>
-</file>
-
-<file path=ppt/tags/tag6.xml><?xml version="1.0" encoding="utf-8"?>
-<p:tagLst xmlns:a="http://schemas.openxmlformats.org/drawingml/2006/main" xmlns:r="http://schemas.openxmlformats.org/officeDocument/2006/relationships" xmlns:p="http://schemas.openxmlformats.org/presentationml/2006/main">
-  <p:tag name="AS_UNIQUEID" val="563"/>
-</p:tagLst>
-</file>
-
-<file path=ppt/tags/tag60.xml><?xml version="1.0" encoding="utf-8"?>
-<p:tagLst xmlns:a="http://schemas.openxmlformats.org/drawingml/2006/main" xmlns:r="http://schemas.openxmlformats.org/officeDocument/2006/relationships" xmlns:p="http://schemas.openxmlformats.org/presentationml/2006/main">
-  <p:tag name="AS_UNIQUEID" val="553"/>
-</p:tagLst>
-</file>
-
-<file path=ppt/tags/tag61.xml><?xml version="1.0" encoding="utf-8"?>
-<p:tagLst xmlns:a="http://schemas.openxmlformats.org/drawingml/2006/main" xmlns:r="http://schemas.openxmlformats.org/officeDocument/2006/relationships" xmlns:p="http://schemas.openxmlformats.org/presentationml/2006/main">
-  <p:tag name="AS_UNIQUEID" val="554"/>
-</p:tagLst>
-</file>
-
-<file path=ppt/tags/tag62.xml><?xml version="1.0" encoding="utf-8"?>
-<p:tagLst xmlns:a="http://schemas.openxmlformats.org/drawingml/2006/main" xmlns:r="http://schemas.openxmlformats.org/officeDocument/2006/relationships" xmlns:p="http://schemas.openxmlformats.org/presentationml/2006/main">
-  <p:tag name="AS_UNIQUEID" val="555"/>
-</p:tagLst>
-</file>
-
-<file path=ppt/tags/tag63.xml><?xml version="1.0" encoding="utf-8"?>
-<p:tagLst xmlns:a="http://schemas.openxmlformats.org/drawingml/2006/main" xmlns:r="http://schemas.openxmlformats.org/officeDocument/2006/relationships" xmlns:p="http://schemas.openxmlformats.org/presentationml/2006/main">
-  <p:tag name="AS_UNIQUEID" val="556"/>
-</p:tagLst>
-</file>
-
-<file path=ppt/tags/tag64.xml><?xml version="1.0" encoding="utf-8"?>
-<p:tagLst xmlns:a="http://schemas.openxmlformats.org/drawingml/2006/main" xmlns:r="http://schemas.openxmlformats.org/officeDocument/2006/relationships" xmlns:p="http://schemas.openxmlformats.org/presentationml/2006/main">
-  <p:tag name="AS_UNIQUEID" val="557"/>
-</p:tagLst>
-</file>
-
-<file path=ppt/tags/tag65.xml><?xml version="1.0" encoding="utf-8"?>
-<p:tagLst xmlns:a="http://schemas.openxmlformats.org/drawingml/2006/main" xmlns:r="http://schemas.openxmlformats.org/officeDocument/2006/relationships" xmlns:p="http://schemas.openxmlformats.org/presentationml/2006/main">
-  <p:tag name="AS_UNIQUEID" val="565"/>
-</p:tagLst>
-</file>
-
-<file path=ppt/tags/tag66.xml><?xml version="1.0" encoding="utf-8"?>
-<p:tagLst xmlns:a="http://schemas.openxmlformats.org/drawingml/2006/main" xmlns:r="http://schemas.openxmlformats.org/officeDocument/2006/relationships" xmlns:p="http://schemas.openxmlformats.org/presentationml/2006/main">
-  <p:tag name="AS_UNIQUEID" val="566"/>
-</p:tagLst>
-</file>
-
-<file path=ppt/tags/tag67.xml><?xml version="1.0" encoding="utf-8"?>
-<p:tagLst xmlns:a="http://schemas.openxmlformats.org/drawingml/2006/main" xmlns:r="http://schemas.openxmlformats.org/officeDocument/2006/relationships" xmlns:p="http://schemas.openxmlformats.org/presentationml/2006/main">
-  <p:tag name="AS_UNIQUEID" val="567"/>
-</p:tagLst>
-</file>
-
-<file path=ppt/tags/tag68.xml><?xml version="1.0" encoding="utf-8"?>
-<p:tagLst xmlns:a="http://schemas.openxmlformats.org/drawingml/2006/main" xmlns:r="http://schemas.openxmlformats.org/officeDocument/2006/relationships" xmlns:p="http://schemas.openxmlformats.org/presentationml/2006/main">
-  <p:tag name="AS_UNIQUEID" val="568"/>
-</p:tagLst>
-</file>
-
-<file path=ppt/tags/tag69.xml><?xml version="1.0" encoding="utf-8"?>
-<p:tagLst xmlns:a="http://schemas.openxmlformats.org/drawingml/2006/main" xmlns:r="http://schemas.openxmlformats.org/officeDocument/2006/relationships" xmlns:p="http://schemas.openxmlformats.org/presentationml/2006/main">
-  <p:tag name="AS_UNIQUEID" val="569"/>
-</p:tagLst>
-</file>
-
-<file path=ppt/tags/tag7.xml><?xml version="1.0" encoding="utf-8"?>
-<p:tagLst xmlns:a="http://schemas.openxmlformats.org/drawingml/2006/main" xmlns:r="http://schemas.openxmlformats.org/officeDocument/2006/relationships" xmlns:p="http://schemas.openxmlformats.org/presentationml/2006/main">
-  <p:tag name="AS_UNIQUEID" val="490"/>
-</p:tagLst>
-</file>
-
-<file path=ppt/tags/tag70.xml><?xml version="1.0" encoding="utf-8"?>
-<p:tagLst xmlns:a="http://schemas.openxmlformats.org/drawingml/2006/main" xmlns:r="http://schemas.openxmlformats.org/officeDocument/2006/relationships" xmlns:p="http://schemas.openxmlformats.org/presentationml/2006/main">
-  <p:tag name="AS_UNIQUEID" val="570"/>
-</p:tagLst>
-</file>
-
-<file path=ppt/tags/tag71.xml><?xml version="1.0" encoding="utf-8"?>
-<p:tagLst xmlns:a="http://schemas.openxmlformats.org/drawingml/2006/main" xmlns:r="http://schemas.openxmlformats.org/officeDocument/2006/relationships" xmlns:p="http://schemas.openxmlformats.org/presentationml/2006/main">
-  <p:tag name="AS_UNIQUEID" val="0"/>
-</p:tagLst>
-</file>
-
-<file path=ppt/tags/tag72.xml><?xml version="1.0" encoding="utf-8"?>
-<p:tagLst xmlns:a="http://schemas.openxmlformats.org/drawingml/2006/main" xmlns:r="http://schemas.openxmlformats.org/officeDocument/2006/relationships" xmlns:p="http://schemas.openxmlformats.org/presentationml/2006/main">
-  <p:tag name="AS_UNIQUEID" val="1"/>
-</p:tagLst>
-</file>
-
-<file path=ppt/tags/tag73.xml><?xml version="1.0" encoding="utf-8"?>
-<p:tagLst xmlns:a="http://schemas.openxmlformats.org/drawingml/2006/main" xmlns:r="http://schemas.openxmlformats.org/officeDocument/2006/relationships" xmlns:p="http://schemas.openxmlformats.org/presentationml/2006/main">
-  <p:tag name="AS_UNIQUEID" val="572"/>
-</p:tagLst>
-</file>
-
-<file path=ppt/tags/tag74.xml><?xml version="1.0" encoding="utf-8"?>
-<p:tagLst xmlns:a="http://schemas.openxmlformats.org/drawingml/2006/main" xmlns:r="http://schemas.openxmlformats.org/officeDocument/2006/relationships" xmlns:p="http://schemas.openxmlformats.org/presentationml/2006/main">
-  <p:tag name="AS_UNIQUEID" val="573"/>
-</p:tagLst>
-</file>
-
-<file path=ppt/tags/tag75.xml><?xml version="1.0" encoding="utf-8"?>
-<p:tagLst xmlns:a="http://schemas.openxmlformats.org/drawingml/2006/main" xmlns:r="http://schemas.openxmlformats.org/officeDocument/2006/relationships" xmlns:p="http://schemas.openxmlformats.org/presentationml/2006/main">
-  <p:tag name="AS_UNIQUEID" val="2"/>
-</p:tagLst>
-</file>
-
-<file path=ppt/tags/tag76.xml><?xml version="1.0" encoding="utf-8"?>
-<p:tagLst xmlns:a="http://schemas.openxmlformats.org/drawingml/2006/main" xmlns:r="http://schemas.openxmlformats.org/officeDocument/2006/relationships" xmlns:p="http://schemas.openxmlformats.org/presentationml/2006/main">
-  <p:tag name="AS_UNIQUEID" val="3"/>
-</p:tagLst>
-</file>
-
-<file path=ppt/tags/tag77.xml><?xml version="1.0" encoding="utf-8"?>
-<p:tagLst xmlns:a="http://schemas.openxmlformats.org/drawingml/2006/main" xmlns:r="http://schemas.openxmlformats.org/officeDocument/2006/relationships" xmlns:p="http://schemas.openxmlformats.org/presentationml/2006/main">
-  <p:tag name="AS_UNIQUEID" val="576"/>
-</p:tagLst>
-</file>
-
-<file path=ppt/tags/tag78.xml><?xml version="1.0" encoding="utf-8"?>
-<p:tagLst xmlns:a="http://schemas.openxmlformats.org/drawingml/2006/main" xmlns:r="http://schemas.openxmlformats.org/officeDocument/2006/relationships" xmlns:p="http://schemas.openxmlformats.org/presentationml/2006/main">
-  <p:tag name="AS_UNIQUEID" val="577"/>
-</p:tagLst>
-</file>
-
-<file path=ppt/tags/tag79.xml><?xml version="1.0" encoding="utf-8"?>
-<p:tagLst xmlns:a="http://schemas.openxmlformats.org/drawingml/2006/main" xmlns:r="http://schemas.openxmlformats.org/officeDocument/2006/relationships" xmlns:p="http://schemas.openxmlformats.org/presentationml/2006/main">
-  <p:tag name="AS_UNIQUEID" val="4"/>
-</p:tagLst>
-</file>
-
-<file path=ppt/tags/tag8.xml><?xml version="1.0" encoding="utf-8"?>
-<p:tagLst xmlns:a="http://schemas.openxmlformats.org/drawingml/2006/main" xmlns:r="http://schemas.openxmlformats.org/officeDocument/2006/relationships" xmlns:p="http://schemas.openxmlformats.org/presentationml/2006/main">
-  <p:tag name="AS_UNIQUEID" val="491"/>
-</p:tagLst>
-</file>
-
-<file path=ppt/tags/tag80.xml><?xml version="1.0" encoding="utf-8"?>
-<p:tagLst xmlns:a="http://schemas.openxmlformats.org/drawingml/2006/main" xmlns:r="http://schemas.openxmlformats.org/officeDocument/2006/relationships" xmlns:p="http://schemas.openxmlformats.org/presentationml/2006/main">
-  <p:tag name="AS_UNIQUEID" val="5"/>
-</p:tagLst>
-</file>
-
-<file path=ppt/tags/tag81.xml><?xml version="1.0" encoding="utf-8"?>
-<p:tagLst xmlns:a="http://schemas.openxmlformats.org/drawingml/2006/main" xmlns:r="http://schemas.openxmlformats.org/officeDocument/2006/relationships" xmlns:p="http://schemas.openxmlformats.org/presentationml/2006/main">
-  <p:tag name="AS_UNIQUEID" val="580"/>
-</p:tagLst>
-</file>
-
-<file path=ppt/tags/tag82.xml><?xml version="1.0" encoding="utf-8"?>
-<p:tagLst xmlns:a="http://schemas.openxmlformats.org/drawingml/2006/main" xmlns:r="http://schemas.openxmlformats.org/officeDocument/2006/relationships" xmlns:p="http://schemas.openxmlformats.org/presentationml/2006/main">
-  <p:tag name="AS_UNIQUEID" val="581"/>
-</p:tagLst>
-</file>
-
-<file path=ppt/tags/tag83.xml><?xml version="1.0" encoding="utf-8"?>
-<p:tagLst xmlns:a="http://schemas.openxmlformats.org/drawingml/2006/main" xmlns:r="http://schemas.openxmlformats.org/officeDocument/2006/relationships" xmlns:p="http://schemas.openxmlformats.org/presentationml/2006/main">
-  <p:tag name="AS_UNIQUEID" val="96"/>
-</p:tagLst>
-</file>
-
-<file path=ppt/tags/tag84.xml><?xml version="1.0" encoding="utf-8"?>
-<p:tagLst xmlns:a="http://schemas.openxmlformats.org/drawingml/2006/main" xmlns:r="http://schemas.openxmlformats.org/officeDocument/2006/relationships" xmlns:p="http://schemas.openxmlformats.org/presentationml/2006/main">
-  <p:tag name="AS_UNIQUEID" val="97"/>
-</p:tagLst>
-</file>
-
-<file path=ppt/tags/tag85.xml><?xml version="1.0" encoding="utf-8"?>
-<p:tagLst xmlns:a="http://schemas.openxmlformats.org/drawingml/2006/main" xmlns:r="http://schemas.openxmlformats.org/officeDocument/2006/relationships" xmlns:p="http://schemas.openxmlformats.org/presentationml/2006/main">
-  <p:tag name="AS_UNIQUEID" val="589"/>
-</p:tagLst>
-</file>
-
-<file path=ppt/tags/tag86.xml><?xml version="1.0" encoding="utf-8"?>
-<p:tagLst xmlns:a="http://schemas.openxmlformats.org/drawingml/2006/main" xmlns:r="http://schemas.openxmlformats.org/officeDocument/2006/relationships" xmlns:p="http://schemas.openxmlformats.org/presentationml/2006/main">
-  <p:tag name="AS_UNIQUEID" val="590"/>
-</p:tagLst>
-</file>
-
-<file path=ppt/tags/tag87.xml><?xml version="1.0" encoding="utf-8"?>
-<p:tagLst xmlns:a="http://schemas.openxmlformats.org/drawingml/2006/main" xmlns:r="http://schemas.openxmlformats.org/officeDocument/2006/relationships" xmlns:p="http://schemas.openxmlformats.org/presentationml/2006/main">
-  <p:tag name="AS_UNIQUEID" val="591"/>
-</p:tagLst>
-</file>
-
-<file path=ppt/tags/tag88.xml><?xml version="1.0" encoding="utf-8"?>
-<p:tagLst xmlns:a="http://schemas.openxmlformats.org/drawingml/2006/main" xmlns:r="http://schemas.openxmlformats.org/officeDocument/2006/relationships" xmlns:p="http://schemas.openxmlformats.org/presentationml/2006/main">
-  <p:tag name="AS_UNIQUEID" val="98"/>
-</p:tagLst>
-</file>
-
-<file path=ppt/tags/tag89.xml><?xml version="1.0" encoding="utf-8"?>
-<p:tagLst xmlns:a="http://schemas.openxmlformats.org/drawingml/2006/main" xmlns:r="http://schemas.openxmlformats.org/officeDocument/2006/relationships" xmlns:p="http://schemas.openxmlformats.org/presentationml/2006/main">
-  <p:tag name="AS_UNIQUEID" val="99"/>
-</p:tagLst>
-</file>
-
-<file path=ppt/tags/tag9.xml><?xml version="1.0" encoding="utf-8"?>
-<p:tagLst xmlns:a="http://schemas.openxmlformats.org/drawingml/2006/main" xmlns:r="http://schemas.openxmlformats.org/officeDocument/2006/relationships" xmlns:p="http://schemas.openxmlformats.org/presentationml/2006/main">
-  <p:tag name="AS_UNIQUEID" val="492"/>
-</p:tagLst>
-</file>
-
-<file path=ppt/tags/tag90.xml><?xml version="1.0" encoding="utf-8"?>
-<p:tagLst xmlns:a="http://schemas.openxmlformats.org/drawingml/2006/main" xmlns:r="http://schemas.openxmlformats.org/officeDocument/2006/relationships" xmlns:p="http://schemas.openxmlformats.org/presentationml/2006/main">
-  <p:tag name="AS_UNIQUEID" val="594"/>
-</p:tagLst>
-</file>
-
-<file path=ppt/tags/tag91.xml><?xml version="1.0" encoding="utf-8"?>
-<p:tagLst xmlns:a="http://schemas.openxmlformats.org/drawingml/2006/main" xmlns:r="http://schemas.openxmlformats.org/officeDocument/2006/relationships" xmlns:p="http://schemas.openxmlformats.org/presentationml/2006/main">
-  <p:tag name="AS_UNIQUEID" val="595"/>
-</p:tagLst>
-</file>
-
-<file path=ppt/tags/tag92.xml><?xml version="1.0" encoding="utf-8"?>
-<p:tagLst xmlns:a="http://schemas.openxmlformats.org/drawingml/2006/main" xmlns:r="http://schemas.openxmlformats.org/officeDocument/2006/relationships" xmlns:p="http://schemas.openxmlformats.org/presentationml/2006/main">
-  <p:tag name="AS_UNIQUEID" val="596"/>
-</p:tagLst>
-</file>
-
-<file path=ppt/tags/tag93.xml><?xml version="1.0" encoding="utf-8"?>
-<p:tagLst xmlns:a="http://schemas.openxmlformats.org/drawingml/2006/main" xmlns:r="http://schemas.openxmlformats.org/officeDocument/2006/relationships" xmlns:p="http://schemas.openxmlformats.org/presentationml/2006/main">
-  <p:tag name="AS_UNIQUEID" val="191"/>
-</p:tagLst>
-</file>
-
-<file path=ppt/tags/tag94.xml><?xml version="1.0" encoding="utf-8"?>
-<p:tagLst xmlns:a="http://schemas.openxmlformats.org/drawingml/2006/main" xmlns:r="http://schemas.openxmlformats.org/officeDocument/2006/relationships" xmlns:p="http://schemas.openxmlformats.org/presentationml/2006/main">
-  <p:tag name="AS_UNIQUEID" val="192"/>
-</p:tagLst>
-</file>
-
-<file path=ppt/tags/tag95.xml><?xml version="1.0" encoding="utf-8"?>
-<p:tagLst xmlns:a="http://schemas.openxmlformats.org/drawingml/2006/main" xmlns:r="http://schemas.openxmlformats.org/officeDocument/2006/relationships" xmlns:p="http://schemas.openxmlformats.org/presentationml/2006/main">
-  <p:tag name="AS_UNIQUEID" val="193"/>
-</p:tagLst>
-</file>
-
-<file path=ppt/tags/tag96.xml><?xml version="1.0" encoding="utf-8"?>
-<p:tagLst xmlns:a="http://schemas.openxmlformats.org/drawingml/2006/main" xmlns:r="http://schemas.openxmlformats.org/officeDocument/2006/relationships" xmlns:p="http://schemas.openxmlformats.org/presentationml/2006/main">
-  <p:tag name="AS_UNIQUEID" val="194"/>
-</p:tagLst>
-</file>
-
-<file path=ppt/tags/tag97.xml><?xml version="1.0" encoding="utf-8"?>
-<p:tagLst xmlns:a="http://schemas.openxmlformats.org/drawingml/2006/main" xmlns:r="http://schemas.openxmlformats.org/officeDocument/2006/relationships" xmlns:p="http://schemas.openxmlformats.org/presentationml/2006/main">
-  <p:tag name="AS_UNIQUEID" val="604"/>
-</p:tagLst>
-</file>
-
-<file path=ppt/tags/tag98.xml><?xml version="1.0" encoding="utf-8"?>
-<p:tagLst xmlns:a="http://schemas.openxmlformats.org/drawingml/2006/main" xmlns:r="http://schemas.openxmlformats.org/officeDocument/2006/relationships" xmlns:p="http://schemas.openxmlformats.org/presentationml/2006/main">
-  <p:tag name="AS_UNIQUEID" val="605"/>
-</p:tagLst>
-</file>
-
-<file path=ppt/tags/tag99.xml><?xml version="1.0" encoding="utf-8"?>
-<p:tagLst xmlns:a="http://schemas.openxmlformats.org/drawingml/2006/main" xmlns:r="http://schemas.openxmlformats.org/officeDocument/2006/relationships" xmlns:p="http://schemas.openxmlformats.org/presentationml/2006/main">
-  <p:tag name="AS_UNIQUEID" val="195"/>
 </p:tagLst>
 </file>
 
